--- a/Not_Shared/Ideas.pptx
+++ b/Not_Shared/Ideas.pptx
@@ -8,19 +8,25 @@
     <p:sldId id="256" r:id="rId2"/>
     <p:sldId id="257" r:id="rId3"/>
     <p:sldId id="258" r:id="rId4"/>
-    <p:sldId id="259" r:id="rId5"/>
-    <p:sldId id="260" r:id="rId6"/>
-    <p:sldId id="264" r:id="rId7"/>
-    <p:sldId id="261" r:id="rId8"/>
-    <p:sldId id="262" r:id="rId9"/>
-    <p:sldId id="263" r:id="rId10"/>
-    <p:sldId id="265" r:id="rId11"/>
-    <p:sldId id="266" r:id="rId12"/>
-    <p:sldId id="267" r:id="rId13"/>
-    <p:sldId id="268" r:id="rId14"/>
-    <p:sldId id="269" r:id="rId15"/>
-    <p:sldId id="270" r:id="rId16"/>
-    <p:sldId id="271" r:id="rId17"/>
+    <p:sldId id="274" r:id="rId5"/>
+    <p:sldId id="273" r:id="rId6"/>
+    <p:sldId id="259" r:id="rId7"/>
+    <p:sldId id="260" r:id="rId8"/>
+    <p:sldId id="264" r:id="rId9"/>
+    <p:sldId id="261" r:id="rId10"/>
+    <p:sldId id="262" r:id="rId11"/>
+    <p:sldId id="263" r:id="rId12"/>
+    <p:sldId id="265" r:id="rId13"/>
+    <p:sldId id="266" r:id="rId14"/>
+    <p:sldId id="277" r:id="rId15"/>
+    <p:sldId id="275" r:id="rId16"/>
+    <p:sldId id="267" r:id="rId17"/>
+    <p:sldId id="276" r:id="rId18"/>
+    <p:sldId id="268" r:id="rId19"/>
+    <p:sldId id="269" r:id="rId20"/>
+    <p:sldId id="270" r:id="rId21"/>
+    <p:sldId id="271" r:id="rId22"/>
+    <p:sldId id="272" r:id="rId23"/>
   </p:sldIdLst>
   <p:sldSz cx="12192000" cy="6858000"/>
   <p:notesSz cx="6858000" cy="9144000"/>
@@ -276,7 +282,7 @@
           <a:p>
             <a:fld id="{454D742E-0134-4A01-B575-6354CF2907B5}" type="datetimeFigureOut">
               <a:rPr lang="en-CA" smtClean="0"/>
-              <a:t>2020-04-30</a:t>
+              <a:t>2020-05-02</a:t>
             </a:fld>
             <a:endParaRPr lang="en-CA"/>
           </a:p>
@@ -476,7 +482,7 @@
           <a:p>
             <a:fld id="{454D742E-0134-4A01-B575-6354CF2907B5}" type="datetimeFigureOut">
               <a:rPr lang="en-CA" smtClean="0"/>
-              <a:t>2020-04-30</a:t>
+              <a:t>2020-05-02</a:t>
             </a:fld>
             <a:endParaRPr lang="en-CA"/>
           </a:p>
@@ -686,7 +692,7 @@
           <a:p>
             <a:fld id="{454D742E-0134-4A01-B575-6354CF2907B5}" type="datetimeFigureOut">
               <a:rPr lang="en-CA" smtClean="0"/>
-              <a:t>2020-04-30</a:t>
+              <a:t>2020-05-02</a:t>
             </a:fld>
             <a:endParaRPr lang="en-CA"/>
           </a:p>
@@ -886,7 +892,7 @@
           <a:p>
             <a:fld id="{454D742E-0134-4A01-B575-6354CF2907B5}" type="datetimeFigureOut">
               <a:rPr lang="en-CA" smtClean="0"/>
-              <a:t>2020-04-30</a:t>
+              <a:t>2020-05-02</a:t>
             </a:fld>
             <a:endParaRPr lang="en-CA"/>
           </a:p>
@@ -1162,7 +1168,7 @@
           <a:p>
             <a:fld id="{454D742E-0134-4A01-B575-6354CF2907B5}" type="datetimeFigureOut">
               <a:rPr lang="en-CA" smtClean="0"/>
-              <a:t>2020-04-30</a:t>
+              <a:t>2020-05-02</a:t>
             </a:fld>
             <a:endParaRPr lang="en-CA"/>
           </a:p>
@@ -1430,7 +1436,7 @@
           <a:p>
             <a:fld id="{454D742E-0134-4A01-B575-6354CF2907B5}" type="datetimeFigureOut">
               <a:rPr lang="en-CA" smtClean="0"/>
-              <a:t>2020-04-30</a:t>
+              <a:t>2020-05-02</a:t>
             </a:fld>
             <a:endParaRPr lang="en-CA"/>
           </a:p>
@@ -1845,7 +1851,7 @@
           <a:p>
             <a:fld id="{454D742E-0134-4A01-B575-6354CF2907B5}" type="datetimeFigureOut">
               <a:rPr lang="en-CA" smtClean="0"/>
-              <a:t>2020-04-30</a:t>
+              <a:t>2020-05-02</a:t>
             </a:fld>
             <a:endParaRPr lang="en-CA"/>
           </a:p>
@@ -1987,7 +1993,7 @@
           <a:p>
             <a:fld id="{454D742E-0134-4A01-B575-6354CF2907B5}" type="datetimeFigureOut">
               <a:rPr lang="en-CA" smtClean="0"/>
-              <a:t>2020-04-30</a:t>
+              <a:t>2020-05-02</a:t>
             </a:fld>
             <a:endParaRPr lang="en-CA"/>
           </a:p>
@@ -2100,7 +2106,7 @@
           <a:p>
             <a:fld id="{454D742E-0134-4A01-B575-6354CF2907B5}" type="datetimeFigureOut">
               <a:rPr lang="en-CA" smtClean="0"/>
-              <a:t>2020-04-30</a:t>
+              <a:t>2020-05-02</a:t>
             </a:fld>
             <a:endParaRPr lang="en-CA"/>
           </a:p>
@@ -2413,7 +2419,7 @@
           <a:p>
             <a:fld id="{454D742E-0134-4A01-B575-6354CF2907B5}" type="datetimeFigureOut">
               <a:rPr lang="en-CA" smtClean="0"/>
-              <a:t>2020-04-30</a:t>
+              <a:t>2020-05-02</a:t>
             </a:fld>
             <a:endParaRPr lang="en-CA"/>
           </a:p>
@@ -2702,7 +2708,7 @@
           <a:p>
             <a:fld id="{454D742E-0134-4A01-B575-6354CF2907B5}" type="datetimeFigureOut">
               <a:rPr lang="en-CA" smtClean="0"/>
-              <a:t>2020-04-30</a:t>
+              <a:t>2020-05-02</a:t>
             </a:fld>
             <a:endParaRPr lang="en-CA"/>
           </a:p>
@@ -2945,7 +2951,7 @@
           <a:p>
             <a:fld id="{454D742E-0134-4A01-B575-6354CF2907B5}" type="datetimeFigureOut">
               <a:rPr lang="en-CA" smtClean="0"/>
-              <a:t>2020-04-30</a:t>
+              <a:t>2020-05-02</a:t>
             </a:fld>
             <a:endParaRPr lang="en-CA"/>
           </a:p>
@@ -4466,558 +4472,54 @@
       </p:grpSpPr>
       <p:pic>
         <p:nvPicPr>
-          <p:cNvPr id="1028" name="Picture 4" descr="Dedicated Server PNG Image | Server, Dedication, Png images">
-            <a:extLst>
-              <a:ext uri="{FF2B5EF4-FFF2-40B4-BE49-F238E27FC236}">
-                <a16:creationId xmlns:a16="http://schemas.microsoft.com/office/drawing/2014/main" id="{B259F46C-6CBA-4D56-93C3-3D41AC3A6B13}"/>
+          <p:cNvPr id="7" name="Picture 6" descr="A picture containing drawing&#10;&#10;Description automatically generated">
+            <a:extLst>
+              <a:ext uri="{FF2B5EF4-FFF2-40B4-BE49-F238E27FC236}">
+                <a16:creationId xmlns:a16="http://schemas.microsoft.com/office/drawing/2014/main" id="{3D28DBB6-0C1D-4B8F-B4BD-C160AA8CB938}"/>
               </a:ext>
             </a:extLst>
           </p:cNvPr>
           <p:cNvPicPr>
-            <a:picLocks noChangeAspect="1" noChangeArrowheads="1"/>
+            <a:picLocks noChangeAspect="1"/>
           </p:cNvPicPr>
           <p:nvPr/>
         </p:nvPicPr>
         <p:blipFill>
           <a:blip r:embed="rId2">
+            <a:clrChange>
+              <a:clrFrom>
+                <a:srgbClr val="FFFFFF"/>
+              </a:clrFrom>
+              <a:clrTo>
+                <a:srgbClr val="FFFFFF">
+                  <a:alpha val="0"/>
+                </a:srgbClr>
+              </a:clrTo>
+            </a:clrChange>
             <a:extLst>
               <a:ext uri="{28A0092B-C50C-407E-A947-70E740481C1C}">
                 <a14:useLocalDpi xmlns:a14="http://schemas.microsoft.com/office/drawing/2010/main" val="0"/>
               </a:ext>
             </a:extLst>
           </a:blip>
-          <a:srcRect/>
           <a:stretch>
             <a:fillRect/>
           </a:stretch>
         </p:blipFill>
-        <p:spPr bwMode="auto">
-          <a:xfrm>
-            <a:off x="5268415" y="280021"/>
-            <a:ext cx="757916" cy="1021909"/>
-          </a:xfrm>
-          <a:prstGeom prst="rect">
-            <a:avLst/>
-          </a:prstGeom>
-          <a:noFill/>
-          <a:extLst>
-            <a:ext uri="{909E8E84-426E-40DD-AFC4-6F175D3DCCD1}">
-              <a14:hiddenFill xmlns:a14="http://schemas.microsoft.com/office/drawing/2010/main">
-                <a:solidFill>
-                  <a:srgbClr val="FFFFFF"/>
-                </a:solidFill>
-              </a14:hiddenFill>
-            </a:ext>
-          </a:extLst>
+        <p:spPr>
+          <a:xfrm>
+            <a:off x="1588274" y="571880"/>
+            <a:ext cx="8062433" cy="5200269"/>
+          </a:xfrm>
+          <a:prstGeom prst="rect">
+            <a:avLst/>
+          </a:prstGeom>
         </p:spPr>
       </p:pic>
-      <p:pic>
-        <p:nvPicPr>
-          <p:cNvPr id="1030" name="Picture 6" descr="Laptop Clip Art At Clker Com Vector - Laptop Black And White Clip ...">
-            <a:extLst>
-              <a:ext uri="{FF2B5EF4-FFF2-40B4-BE49-F238E27FC236}">
-                <a16:creationId xmlns:a16="http://schemas.microsoft.com/office/drawing/2014/main" id="{260BCD3F-BD74-4543-B965-10ECD47442A9}"/>
-              </a:ext>
-            </a:extLst>
-          </p:cNvPr>
-          <p:cNvPicPr>
-            <a:picLocks noChangeAspect="1" noChangeArrowheads="1"/>
-          </p:cNvPicPr>
-          <p:nvPr/>
-        </p:nvPicPr>
-        <p:blipFill>
-          <a:blip r:embed="rId3">
-            <a:clrChange>
-              <a:clrFrom>
-                <a:srgbClr val="F6F6F6"/>
-              </a:clrFrom>
-              <a:clrTo>
-                <a:srgbClr val="F6F6F6">
-                  <a:alpha val="0"/>
-                </a:srgbClr>
-              </a:clrTo>
-            </a:clrChange>
-            <a:extLst>
-              <a:ext uri="{28A0092B-C50C-407E-A947-70E740481C1C}">
-                <a14:useLocalDpi xmlns:a14="http://schemas.microsoft.com/office/drawing/2010/main" val="0"/>
-              </a:ext>
-            </a:extLst>
-          </a:blip>
-          <a:srcRect/>
-          <a:stretch>
-            <a:fillRect/>
-          </a:stretch>
-        </p:blipFill>
-        <p:spPr bwMode="auto">
-          <a:xfrm>
-            <a:off x="7836444" y="280021"/>
-            <a:ext cx="1632673" cy="1353925"/>
-          </a:xfrm>
-          <a:prstGeom prst="rect">
-            <a:avLst/>
-          </a:prstGeom>
-          <a:noFill/>
-          <a:extLst>
-            <a:ext uri="{909E8E84-426E-40DD-AFC4-6F175D3DCCD1}">
-              <a14:hiddenFill xmlns:a14="http://schemas.microsoft.com/office/drawing/2010/main">
-                <a:solidFill>
-                  <a:srgbClr val="FFFFFF"/>
-                </a:solidFill>
-              </a14:hiddenFill>
-            </a:ext>
-          </a:extLst>
-        </p:spPr>
-      </p:pic>
-      <p:cxnSp>
-        <p:nvCxnSpPr>
-          <p:cNvPr id="5" name="Straight Connector 4">
-            <a:extLst>
-              <a:ext uri="{FF2B5EF4-FFF2-40B4-BE49-F238E27FC236}">
-                <a16:creationId xmlns:a16="http://schemas.microsoft.com/office/drawing/2014/main" id="{BF9CACD2-A8C3-491E-BE07-2BE5E2CD73AD}"/>
-              </a:ext>
-            </a:extLst>
-          </p:cNvPr>
-          <p:cNvCxnSpPr/>
-          <p:nvPr/>
-        </p:nvCxnSpPr>
-        <p:spPr>
-          <a:xfrm>
-            <a:off x="5738677" y="1491343"/>
-            <a:ext cx="0" cy="3875314"/>
-          </a:xfrm>
-          <a:prstGeom prst="line">
-            <a:avLst/>
-          </a:prstGeom>
-          <a:ln w="28575">
-            <a:solidFill>
-              <a:schemeClr val="accent1"/>
-            </a:solidFill>
-          </a:ln>
-        </p:spPr>
-        <p:style>
-          <a:lnRef idx="1">
-            <a:schemeClr val="accent1"/>
-          </a:lnRef>
-          <a:fillRef idx="0">
-            <a:schemeClr val="accent1"/>
-          </a:fillRef>
-          <a:effectRef idx="0">
-            <a:schemeClr val="accent1"/>
-          </a:effectRef>
-          <a:fontRef idx="minor">
-            <a:schemeClr val="tx1"/>
-          </a:fontRef>
-        </p:style>
-      </p:cxnSp>
-      <p:cxnSp>
-        <p:nvCxnSpPr>
-          <p:cNvPr id="9" name="Straight Connector 8">
-            <a:extLst>
-              <a:ext uri="{FF2B5EF4-FFF2-40B4-BE49-F238E27FC236}">
-                <a16:creationId xmlns:a16="http://schemas.microsoft.com/office/drawing/2014/main" id="{E670D51B-3EFE-40B0-8EFE-090055CE2ADF}"/>
-              </a:ext>
-            </a:extLst>
-          </p:cNvPr>
-          <p:cNvCxnSpPr>
-            <a:cxnSpLocks/>
-          </p:cNvCxnSpPr>
-          <p:nvPr/>
-        </p:nvCxnSpPr>
-        <p:spPr>
-          <a:xfrm flipH="1">
-            <a:off x="5895703" y="1491343"/>
-            <a:ext cx="2386148" cy="607423"/>
-          </a:xfrm>
-          <a:prstGeom prst="line">
-            <a:avLst/>
-          </a:prstGeom>
-          <a:ln w="28575">
-            <a:solidFill>
-              <a:srgbClr val="FFC000"/>
-            </a:solidFill>
-            <a:headEnd type="none" w="lg" len="lg"/>
-            <a:tailEnd type="triangle" w="lg" len="lg"/>
-          </a:ln>
-        </p:spPr>
-        <p:style>
-          <a:lnRef idx="1">
-            <a:schemeClr val="accent1"/>
-          </a:lnRef>
-          <a:fillRef idx="0">
-            <a:schemeClr val="accent1"/>
-          </a:fillRef>
-          <a:effectRef idx="0">
-            <a:schemeClr val="accent1"/>
-          </a:effectRef>
-          <a:fontRef idx="minor">
-            <a:schemeClr val="tx1"/>
-          </a:fontRef>
-        </p:style>
-      </p:cxnSp>
-      <p:sp>
-        <p:nvSpPr>
-          <p:cNvPr id="8" name="TextBox 7">
-            <a:extLst>
-              <a:ext uri="{FF2B5EF4-FFF2-40B4-BE49-F238E27FC236}">
-                <a16:creationId xmlns:a16="http://schemas.microsoft.com/office/drawing/2014/main" id="{65DC4DAD-CC47-4B42-99C6-82E0969D7768}"/>
-              </a:ext>
-            </a:extLst>
-          </p:cNvPr>
-          <p:cNvSpPr txBox="1"/>
-          <p:nvPr/>
-        </p:nvSpPr>
-        <p:spPr>
-          <a:xfrm rot="20682798">
-            <a:off x="6472160" y="1730066"/>
-            <a:ext cx="1687398" cy="369332"/>
-          </a:xfrm>
-          <a:prstGeom prst="rect">
-            <a:avLst/>
-          </a:prstGeom>
-          <a:noFill/>
-        </p:spPr>
-        <p:txBody>
-          <a:bodyPr wrap="square" rtlCol="0">
-            <a:spAutoFit/>
-          </a:bodyPr>
-          <a:lstStyle/>
-          <a:p>
-            <a:r>
-              <a:rPr lang="en-CA" dirty="0" err="1"/>
-              <a:t>playerRequest</a:t>
-            </a:r>
-            <a:endParaRPr lang="en-CA" dirty="0"/>
-          </a:p>
-        </p:txBody>
-      </p:sp>
-      <p:sp>
-        <p:nvSpPr>
-          <p:cNvPr id="13" name="TextBox 12">
-            <a:extLst>
-              <a:ext uri="{FF2B5EF4-FFF2-40B4-BE49-F238E27FC236}">
-                <a16:creationId xmlns:a16="http://schemas.microsoft.com/office/drawing/2014/main" id="{06ED55D2-2DBD-4AF4-94D6-1CE632A0A946}"/>
-              </a:ext>
-            </a:extLst>
-          </p:cNvPr>
-          <p:cNvSpPr txBox="1"/>
-          <p:nvPr/>
-        </p:nvSpPr>
-        <p:spPr>
-          <a:xfrm>
-            <a:off x="9722460" y="568013"/>
-            <a:ext cx="1687398" cy="923330"/>
-          </a:xfrm>
-          <a:prstGeom prst="rect">
-            <a:avLst/>
-          </a:prstGeom>
-          <a:noFill/>
-        </p:spPr>
-        <p:txBody>
-          <a:bodyPr wrap="square" rtlCol="0">
-            <a:spAutoFit/>
-          </a:bodyPr>
-          <a:lstStyle/>
-          <a:p>
-            <a:r>
-              <a:rPr lang="en-CA" dirty="0"/>
-              <a:t>Player lands on index, clicks “join game”</a:t>
-            </a:r>
-          </a:p>
-        </p:txBody>
-      </p:sp>
-      <p:cxnSp>
-        <p:nvCxnSpPr>
-          <p:cNvPr id="14" name="Straight Connector 13">
-            <a:extLst>
-              <a:ext uri="{FF2B5EF4-FFF2-40B4-BE49-F238E27FC236}">
-                <a16:creationId xmlns:a16="http://schemas.microsoft.com/office/drawing/2014/main" id="{0978EACB-9475-46A5-A8D8-C4356A0E7612}"/>
-              </a:ext>
-            </a:extLst>
-          </p:cNvPr>
-          <p:cNvCxnSpPr>
-            <a:cxnSpLocks/>
-          </p:cNvCxnSpPr>
-          <p:nvPr/>
-        </p:nvCxnSpPr>
-        <p:spPr>
-          <a:xfrm>
-            <a:off x="5895703" y="2821577"/>
-            <a:ext cx="2616701" cy="958571"/>
-          </a:xfrm>
-          <a:prstGeom prst="line">
-            <a:avLst/>
-          </a:prstGeom>
-          <a:ln w="28575">
-            <a:solidFill>
-              <a:srgbClr val="92D050"/>
-            </a:solidFill>
-            <a:headEnd type="none" w="lg" len="lg"/>
-            <a:tailEnd type="triangle" w="lg" len="lg"/>
-          </a:ln>
-        </p:spPr>
-        <p:style>
-          <a:lnRef idx="1">
-            <a:schemeClr val="accent1"/>
-          </a:lnRef>
-          <a:fillRef idx="0">
-            <a:schemeClr val="accent1"/>
-          </a:fillRef>
-          <a:effectRef idx="0">
-            <a:schemeClr val="accent1"/>
-          </a:effectRef>
-          <a:fontRef idx="minor">
-            <a:schemeClr val="tx1"/>
-          </a:fontRef>
-        </p:style>
-      </p:cxnSp>
-      <p:sp>
-        <p:nvSpPr>
-          <p:cNvPr id="16" name="TextBox 15">
-            <a:extLst>
-              <a:ext uri="{FF2B5EF4-FFF2-40B4-BE49-F238E27FC236}">
-                <a16:creationId xmlns:a16="http://schemas.microsoft.com/office/drawing/2014/main" id="{16792A5A-F83C-4B3A-9A59-ADAA1D99AB9B}"/>
-              </a:ext>
-            </a:extLst>
-          </p:cNvPr>
-          <p:cNvSpPr txBox="1"/>
-          <p:nvPr/>
-        </p:nvSpPr>
-        <p:spPr>
-          <a:xfrm rot="1248694">
-            <a:off x="6229854" y="3327229"/>
-            <a:ext cx="2154027" cy="369332"/>
-          </a:xfrm>
-          <a:prstGeom prst="rect">
-            <a:avLst/>
-          </a:prstGeom>
-          <a:noFill/>
-        </p:spPr>
-        <p:txBody>
-          <a:bodyPr wrap="square" rtlCol="0">
-            <a:spAutoFit/>
-          </a:bodyPr>
-          <a:lstStyle/>
-          <a:p>
-            <a:r>
-              <a:rPr lang="en-CA" dirty="0" err="1"/>
-              <a:t>playerListChanged</a:t>
-            </a:r>
-            <a:endParaRPr lang="en-CA" dirty="0"/>
-          </a:p>
-        </p:txBody>
-      </p:sp>
-      <p:sp>
-        <p:nvSpPr>
-          <p:cNvPr id="17" name="TextBox 16">
-            <a:extLst>
-              <a:ext uri="{FF2B5EF4-FFF2-40B4-BE49-F238E27FC236}">
-                <a16:creationId xmlns:a16="http://schemas.microsoft.com/office/drawing/2014/main" id="{6E649200-E4E3-4219-AC19-D8F92B453DB4}"/>
-              </a:ext>
-            </a:extLst>
-          </p:cNvPr>
-          <p:cNvSpPr txBox="1"/>
-          <p:nvPr/>
-        </p:nvSpPr>
-        <p:spPr>
-          <a:xfrm>
-            <a:off x="8793162" y="3318483"/>
-            <a:ext cx="2616696" cy="923330"/>
-          </a:xfrm>
-          <a:prstGeom prst="rect">
-            <a:avLst/>
-          </a:prstGeom>
-          <a:noFill/>
-        </p:spPr>
-        <p:txBody>
-          <a:bodyPr wrap="square" rtlCol="0">
-            <a:spAutoFit/>
-          </a:bodyPr>
-          <a:lstStyle/>
-          <a:p>
-            <a:r>
-              <a:rPr lang="en-CA" dirty="0"/>
-              <a:t>Player successfully added to game, broadcast to ALL sockets</a:t>
-            </a:r>
-          </a:p>
-        </p:txBody>
-      </p:sp>
-      <p:cxnSp>
-        <p:nvCxnSpPr>
-          <p:cNvPr id="18" name="Straight Connector 17">
-            <a:extLst>
-              <a:ext uri="{FF2B5EF4-FFF2-40B4-BE49-F238E27FC236}">
-                <a16:creationId xmlns:a16="http://schemas.microsoft.com/office/drawing/2014/main" id="{552C052E-6206-488F-AF55-75D03BDB9B43}"/>
-              </a:ext>
-            </a:extLst>
-          </p:cNvPr>
-          <p:cNvCxnSpPr>
-            <a:cxnSpLocks/>
-          </p:cNvCxnSpPr>
-          <p:nvPr/>
-        </p:nvCxnSpPr>
-        <p:spPr>
-          <a:xfrm flipH="1">
-            <a:off x="2952572" y="2807111"/>
-            <a:ext cx="2609121" cy="973037"/>
-          </a:xfrm>
-          <a:prstGeom prst="line">
-            <a:avLst/>
-          </a:prstGeom>
-          <a:ln w="28575">
-            <a:solidFill>
-              <a:srgbClr val="FF0000"/>
-            </a:solidFill>
-            <a:headEnd type="none" w="lg" len="lg"/>
-            <a:tailEnd type="triangle" w="lg" len="lg"/>
-          </a:ln>
-        </p:spPr>
-        <p:style>
-          <a:lnRef idx="1">
-            <a:schemeClr val="accent1"/>
-          </a:lnRef>
-          <a:fillRef idx="0">
-            <a:schemeClr val="accent1"/>
-          </a:fillRef>
-          <a:effectRef idx="0">
-            <a:schemeClr val="accent1"/>
-          </a:effectRef>
-          <a:fontRef idx="minor">
-            <a:schemeClr val="tx1"/>
-          </a:fontRef>
-        </p:style>
-      </p:cxnSp>
-      <p:sp>
-        <p:nvSpPr>
-          <p:cNvPr id="20" name="TextBox 19">
-            <a:extLst>
-              <a:ext uri="{FF2B5EF4-FFF2-40B4-BE49-F238E27FC236}">
-                <a16:creationId xmlns:a16="http://schemas.microsoft.com/office/drawing/2014/main" id="{3DEBFF5A-7786-41EE-85A8-B463C0F42426}"/>
-              </a:ext>
-            </a:extLst>
-          </p:cNvPr>
-          <p:cNvSpPr txBox="1"/>
-          <p:nvPr/>
-        </p:nvSpPr>
-        <p:spPr>
-          <a:xfrm rot="20360508">
-            <a:off x="3192554" y="3226388"/>
-            <a:ext cx="2312874" cy="369332"/>
-          </a:xfrm>
-          <a:prstGeom prst="rect">
-            <a:avLst/>
-          </a:prstGeom>
-          <a:noFill/>
-        </p:spPr>
-        <p:txBody>
-          <a:bodyPr wrap="square" rtlCol="0">
-            <a:spAutoFit/>
-          </a:bodyPr>
-          <a:lstStyle/>
-          <a:p>
-            <a:r>
-              <a:rPr lang="en-CA" dirty="0" err="1"/>
-              <a:t>newObserver</a:t>
-            </a:r>
-            <a:endParaRPr lang="en-CA" dirty="0"/>
-          </a:p>
-        </p:txBody>
-      </p:sp>
-      <p:sp>
-        <p:nvSpPr>
-          <p:cNvPr id="12" name="TextBox 11">
-            <a:extLst>
-              <a:ext uri="{FF2B5EF4-FFF2-40B4-BE49-F238E27FC236}">
-                <a16:creationId xmlns:a16="http://schemas.microsoft.com/office/drawing/2014/main" id="{CBCC5FC8-8483-4274-96CA-CF87DC104B93}"/>
-              </a:ext>
-            </a:extLst>
-          </p:cNvPr>
-          <p:cNvSpPr txBox="1"/>
-          <p:nvPr/>
-        </p:nvSpPr>
-        <p:spPr>
-          <a:xfrm>
-            <a:off x="0" y="0"/>
-            <a:ext cx="2479249" cy="461665"/>
-          </a:xfrm>
-          <a:prstGeom prst="rect">
-            <a:avLst/>
-          </a:prstGeom>
-          <a:noFill/>
-        </p:spPr>
-        <p:txBody>
-          <a:bodyPr wrap="square" rtlCol="0">
-            <a:spAutoFit/>
-          </a:bodyPr>
-          <a:lstStyle/>
-          <a:p>
-            <a:r>
-              <a:rPr lang="en-CA" sz="2400" b="1" dirty="0"/>
-              <a:t>Player Request</a:t>
-            </a:r>
-          </a:p>
-        </p:txBody>
-      </p:sp>
-      <p:sp>
-        <p:nvSpPr>
-          <p:cNvPr id="22" name="TextBox 21">
-            <a:extLst>
-              <a:ext uri="{FF2B5EF4-FFF2-40B4-BE49-F238E27FC236}">
-                <a16:creationId xmlns:a16="http://schemas.microsoft.com/office/drawing/2014/main" id="{DE2BBBAC-841A-4AD8-AC65-12BE29341716}"/>
-              </a:ext>
-            </a:extLst>
-          </p:cNvPr>
-          <p:cNvSpPr txBox="1"/>
-          <p:nvPr/>
-        </p:nvSpPr>
-        <p:spPr>
-          <a:xfrm>
-            <a:off x="116530" y="4133242"/>
-            <a:ext cx="4232461" cy="923330"/>
-          </a:xfrm>
-          <a:prstGeom prst="rect">
-            <a:avLst/>
-          </a:prstGeom>
-          <a:noFill/>
-        </p:spPr>
-        <p:txBody>
-          <a:bodyPr wrap="square" rtlCol="0">
-            <a:spAutoFit/>
-          </a:bodyPr>
-          <a:lstStyle/>
-          <a:p>
-            <a:r>
-              <a:rPr lang="en-CA" dirty="0" err="1"/>
-              <a:t>playerName</a:t>
-            </a:r>
-            <a:r>
-              <a:rPr lang="en-CA" dirty="0"/>
-              <a:t> = </a:t>
-            </a:r>
-            <a:r>
-              <a:rPr lang="en-CA" dirty="0" err="1"/>
-              <a:t>AUDIENCE_MEMBER</a:t>
-            </a:r>
-            <a:endParaRPr lang="en-CA" dirty="0"/>
-          </a:p>
-          <a:p>
-            <a:r>
-              <a:rPr lang="en-CA" dirty="0" err="1"/>
-              <a:t>Broacast</a:t>
-            </a:r>
-            <a:r>
-              <a:rPr lang="en-CA" dirty="0"/>
-              <a:t> to ONLY the socket trying to join</a:t>
-            </a:r>
-          </a:p>
-          <a:p>
-            <a:endParaRPr lang="en-CA" dirty="0"/>
-          </a:p>
-        </p:txBody>
-      </p:sp>
     </p:spTree>
     <p:extLst>
       <p:ext uri="{BB962C8B-B14F-4D97-AF65-F5344CB8AC3E}">
-        <p14:creationId xmlns:p14="http://schemas.microsoft.com/office/powerpoint/2010/main" val="2924469556"/>
+        <p14:creationId xmlns:p14="http://schemas.microsoft.com/office/powerpoint/2010/main" val="1630469568"/>
       </p:ext>
     </p:extLst>
   </p:cSld>
@@ -5046,445 +4548,54 @@
       </p:grpSpPr>
       <p:pic>
         <p:nvPicPr>
-          <p:cNvPr id="1028" name="Picture 4" descr="Dedicated Server PNG Image | Server, Dedication, Png images">
-            <a:extLst>
-              <a:ext uri="{FF2B5EF4-FFF2-40B4-BE49-F238E27FC236}">
-                <a16:creationId xmlns:a16="http://schemas.microsoft.com/office/drawing/2014/main" id="{B259F46C-6CBA-4D56-93C3-3D41AC3A6B13}"/>
+          <p:cNvPr id="3" name="Picture 2" descr="A picture containing drawing&#10;&#10;Description automatically generated">
+            <a:extLst>
+              <a:ext uri="{FF2B5EF4-FFF2-40B4-BE49-F238E27FC236}">
+                <a16:creationId xmlns:a16="http://schemas.microsoft.com/office/drawing/2014/main" id="{26C10F46-AFEA-4F76-847C-6B5D8A9382EB}"/>
               </a:ext>
             </a:extLst>
           </p:cNvPr>
           <p:cNvPicPr>
-            <a:picLocks noChangeAspect="1" noChangeArrowheads="1"/>
+            <a:picLocks noChangeAspect="1"/>
           </p:cNvPicPr>
           <p:nvPr/>
         </p:nvPicPr>
         <p:blipFill>
           <a:blip r:embed="rId2">
+            <a:clrChange>
+              <a:clrFrom>
+                <a:srgbClr val="FFFFFF"/>
+              </a:clrFrom>
+              <a:clrTo>
+                <a:srgbClr val="FFFFFF">
+                  <a:alpha val="0"/>
+                </a:srgbClr>
+              </a:clrTo>
+            </a:clrChange>
             <a:extLst>
               <a:ext uri="{28A0092B-C50C-407E-A947-70E740481C1C}">
                 <a14:useLocalDpi xmlns:a14="http://schemas.microsoft.com/office/drawing/2010/main" val="0"/>
               </a:ext>
             </a:extLst>
           </a:blip>
-          <a:srcRect/>
           <a:stretch>
             <a:fillRect/>
           </a:stretch>
         </p:blipFill>
-        <p:spPr bwMode="auto">
-          <a:xfrm>
-            <a:off x="5268415" y="280021"/>
-            <a:ext cx="757916" cy="1021909"/>
-          </a:xfrm>
-          <a:prstGeom prst="rect">
-            <a:avLst/>
-          </a:prstGeom>
-          <a:noFill/>
-          <a:extLst>
-            <a:ext uri="{909E8E84-426E-40DD-AFC4-6F175D3DCCD1}">
-              <a14:hiddenFill xmlns:a14="http://schemas.microsoft.com/office/drawing/2010/main">
-                <a:solidFill>
-                  <a:srgbClr val="FFFFFF"/>
-                </a:solidFill>
-              </a14:hiddenFill>
-            </a:ext>
-          </a:extLst>
+        <p:spPr>
+          <a:xfrm>
+            <a:off x="2361679" y="351995"/>
+            <a:ext cx="7468642" cy="6154009"/>
+          </a:xfrm>
+          <a:prstGeom prst="rect">
+            <a:avLst/>
+          </a:prstGeom>
         </p:spPr>
       </p:pic>
-      <p:pic>
-        <p:nvPicPr>
-          <p:cNvPr id="1030" name="Picture 6" descr="Laptop Clip Art At Clker Com Vector - Laptop Black And White Clip ...">
-            <a:extLst>
-              <a:ext uri="{FF2B5EF4-FFF2-40B4-BE49-F238E27FC236}">
-                <a16:creationId xmlns:a16="http://schemas.microsoft.com/office/drawing/2014/main" id="{260BCD3F-BD74-4543-B965-10ECD47442A9}"/>
-              </a:ext>
-            </a:extLst>
-          </p:cNvPr>
-          <p:cNvPicPr>
-            <a:picLocks noChangeAspect="1" noChangeArrowheads="1"/>
-          </p:cNvPicPr>
-          <p:nvPr/>
-        </p:nvPicPr>
-        <p:blipFill>
-          <a:blip r:embed="rId3">
-            <a:clrChange>
-              <a:clrFrom>
-                <a:srgbClr val="F6F6F6"/>
-              </a:clrFrom>
-              <a:clrTo>
-                <a:srgbClr val="F6F6F6">
-                  <a:alpha val="0"/>
-                </a:srgbClr>
-              </a:clrTo>
-            </a:clrChange>
-            <a:extLst>
-              <a:ext uri="{28A0092B-C50C-407E-A947-70E740481C1C}">
-                <a14:useLocalDpi xmlns:a14="http://schemas.microsoft.com/office/drawing/2010/main" val="0"/>
-              </a:ext>
-            </a:extLst>
-          </a:blip>
-          <a:srcRect/>
-          <a:stretch>
-            <a:fillRect/>
-          </a:stretch>
-        </p:blipFill>
-        <p:spPr bwMode="auto">
-          <a:xfrm>
-            <a:off x="7836444" y="280021"/>
-            <a:ext cx="1632673" cy="1353925"/>
-          </a:xfrm>
-          <a:prstGeom prst="rect">
-            <a:avLst/>
-          </a:prstGeom>
-          <a:noFill/>
-          <a:extLst>
-            <a:ext uri="{909E8E84-426E-40DD-AFC4-6F175D3DCCD1}">
-              <a14:hiddenFill xmlns:a14="http://schemas.microsoft.com/office/drawing/2010/main">
-                <a:solidFill>
-                  <a:srgbClr val="FFFFFF"/>
-                </a:solidFill>
-              </a14:hiddenFill>
-            </a:ext>
-          </a:extLst>
-        </p:spPr>
-      </p:pic>
-      <p:cxnSp>
-        <p:nvCxnSpPr>
-          <p:cNvPr id="5" name="Straight Connector 4">
-            <a:extLst>
-              <a:ext uri="{FF2B5EF4-FFF2-40B4-BE49-F238E27FC236}">
-                <a16:creationId xmlns:a16="http://schemas.microsoft.com/office/drawing/2014/main" id="{BF9CACD2-A8C3-491E-BE07-2BE5E2CD73AD}"/>
-              </a:ext>
-            </a:extLst>
-          </p:cNvPr>
-          <p:cNvCxnSpPr/>
-          <p:nvPr/>
-        </p:nvCxnSpPr>
-        <p:spPr>
-          <a:xfrm>
-            <a:off x="5738677" y="1491343"/>
-            <a:ext cx="0" cy="3875314"/>
-          </a:xfrm>
-          <a:prstGeom prst="line">
-            <a:avLst/>
-          </a:prstGeom>
-          <a:ln w="28575">
-            <a:solidFill>
-              <a:schemeClr val="accent1"/>
-            </a:solidFill>
-          </a:ln>
-        </p:spPr>
-        <p:style>
-          <a:lnRef idx="1">
-            <a:schemeClr val="accent1"/>
-          </a:lnRef>
-          <a:fillRef idx="0">
-            <a:schemeClr val="accent1"/>
-          </a:fillRef>
-          <a:effectRef idx="0">
-            <a:schemeClr val="accent1"/>
-          </a:effectRef>
-          <a:fontRef idx="minor">
-            <a:schemeClr val="tx1"/>
-          </a:fontRef>
-        </p:style>
-      </p:cxnSp>
-      <p:cxnSp>
-        <p:nvCxnSpPr>
-          <p:cNvPr id="9" name="Straight Connector 8">
-            <a:extLst>
-              <a:ext uri="{FF2B5EF4-FFF2-40B4-BE49-F238E27FC236}">
-                <a16:creationId xmlns:a16="http://schemas.microsoft.com/office/drawing/2014/main" id="{E670D51B-3EFE-40B0-8EFE-090055CE2ADF}"/>
-              </a:ext>
-            </a:extLst>
-          </p:cNvPr>
-          <p:cNvCxnSpPr>
-            <a:cxnSpLocks/>
-          </p:cNvCxnSpPr>
-          <p:nvPr/>
-        </p:nvCxnSpPr>
-        <p:spPr>
-          <a:xfrm flipH="1">
-            <a:off x="5895703" y="1491343"/>
-            <a:ext cx="2386148" cy="607423"/>
-          </a:xfrm>
-          <a:prstGeom prst="line">
-            <a:avLst/>
-          </a:prstGeom>
-          <a:ln w="28575">
-            <a:solidFill>
-              <a:srgbClr val="FFC000"/>
-            </a:solidFill>
-            <a:headEnd type="none" w="lg" len="lg"/>
-            <a:tailEnd type="triangle" w="lg" len="lg"/>
-          </a:ln>
-        </p:spPr>
-        <p:style>
-          <a:lnRef idx="1">
-            <a:schemeClr val="accent1"/>
-          </a:lnRef>
-          <a:fillRef idx="0">
-            <a:schemeClr val="accent1"/>
-          </a:fillRef>
-          <a:effectRef idx="0">
-            <a:schemeClr val="accent1"/>
-          </a:effectRef>
-          <a:fontRef idx="minor">
-            <a:schemeClr val="tx1"/>
-          </a:fontRef>
-        </p:style>
-      </p:cxnSp>
-      <p:sp>
-        <p:nvSpPr>
-          <p:cNvPr id="8" name="TextBox 7">
-            <a:extLst>
-              <a:ext uri="{FF2B5EF4-FFF2-40B4-BE49-F238E27FC236}">
-                <a16:creationId xmlns:a16="http://schemas.microsoft.com/office/drawing/2014/main" id="{65DC4DAD-CC47-4B42-99C6-82E0969D7768}"/>
-              </a:ext>
-            </a:extLst>
-          </p:cNvPr>
-          <p:cNvSpPr txBox="1"/>
-          <p:nvPr/>
-        </p:nvSpPr>
-        <p:spPr>
-          <a:xfrm rot="20682798">
-            <a:off x="6467630" y="1696310"/>
-            <a:ext cx="1943468" cy="369332"/>
-          </a:xfrm>
-          <a:prstGeom prst="rect">
-            <a:avLst/>
-          </a:prstGeom>
-          <a:noFill/>
-        </p:spPr>
-        <p:txBody>
-          <a:bodyPr wrap="square" rtlCol="0">
-            <a:spAutoFit/>
-          </a:bodyPr>
-          <a:lstStyle/>
-          <a:p>
-            <a:r>
-              <a:rPr lang="en-CA" dirty="0" err="1"/>
-              <a:t>audienceRequest</a:t>
-            </a:r>
-            <a:endParaRPr lang="en-CA" dirty="0"/>
-          </a:p>
-        </p:txBody>
-      </p:sp>
-      <p:sp>
-        <p:nvSpPr>
-          <p:cNvPr id="13" name="TextBox 12">
-            <a:extLst>
-              <a:ext uri="{FF2B5EF4-FFF2-40B4-BE49-F238E27FC236}">
-                <a16:creationId xmlns:a16="http://schemas.microsoft.com/office/drawing/2014/main" id="{06ED55D2-2DBD-4AF4-94D6-1CE632A0A946}"/>
-              </a:ext>
-            </a:extLst>
-          </p:cNvPr>
-          <p:cNvSpPr txBox="1"/>
-          <p:nvPr/>
-        </p:nvSpPr>
-        <p:spPr>
-          <a:xfrm>
-            <a:off x="9469117" y="403648"/>
-            <a:ext cx="2690588" cy="1477328"/>
-          </a:xfrm>
-          <a:prstGeom prst="rect">
-            <a:avLst/>
-          </a:prstGeom>
-          <a:noFill/>
-        </p:spPr>
-        <p:txBody>
-          <a:bodyPr wrap="square" rtlCol="0">
-            <a:spAutoFit/>
-          </a:bodyPr>
-          <a:lstStyle/>
-          <a:p>
-            <a:r>
-              <a:rPr lang="en-CA" dirty="0"/>
-              <a:t>Player lands on index, clicks “Watch as Audience”</a:t>
-            </a:r>
-          </a:p>
-          <a:p>
-            <a:r>
-              <a:rPr lang="en-CA" dirty="0" err="1"/>
-              <a:t>playerName</a:t>
-            </a:r>
-            <a:r>
-              <a:rPr lang="en-CA" dirty="0"/>
-              <a:t> = </a:t>
-            </a:r>
-            <a:r>
-              <a:rPr lang="en-CA" dirty="0" err="1"/>
-              <a:t>AUDIENCE_MEMBER</a:t>
-            </a:r>
-            <a:endParaRPr lang="en-CA" dirty="0"/>
-          </a:p>
-          <a:p>
-            <a:endParaRPr lang="en-CA" dirty="0"/>
-          </a:p>
-        </p:txBody>
-      </p:sp>
-      <p:cxnSp>
-        <p:nvCxnSpPr>
-          <p:cNvPr id="18" name="Straight Connector 17">
-            <a:extLst>
-              <a:ext uri="{FF2B5EF4-FFF2-40B4-BE49-F238E27FC236}">
-                <a16:creationId xmlns:a16="http://schemas.microsoft.com/office/drawing/2014/main" id="{552C052E-6206-488F-AF55-75D03BDB9B43}"/>
-              </a:ext>
-            </a:extLst>
-          </p:cNvPr>
-          <p:cNvCxnSpPr>
-            <a:cxnSpLocks/>
-          </p:cNvCxnSpPr>
-          <p:nvPr/>
-        </p:nvCxnSpPr>
-        <p:spPr>
-          <a:xfrm flipH="1">
-            <a:off x="2952572" y="2807111"/>
-            <a:ext cx="2609121" cy="973037"/>
-          </a:xfrm>
-          <a:prstGeom prst="line">
-            <a:avLst/>
-          </a:prstGeom>
-          <a:ln w="28575">
-            <a:solidFill>
-              <a:srgbClr val="92D050"/>
-            </a:solidFill>
-            <a:headEnd type="none" w="lg" len="lg"/>
-            <a:tailEnd type="triangle" w="lg" len="lg"/>
-          </a:ln>
-        </p:spPr>
-        <p:style>
-          <a:lnRef idx="1">
-            <a:schemeClr val="accent1"/>
-          </a:lnRef>
-          <a:fillRef idx="0">
-            <a:schemeClr val="accent1"/>
-          </a:fillRef>
-          <a:effectRef idx="0">
-            <a:schemeClr val="accent1"/>
-          </a:effectRef>
-          <a:fontRef idx="minor">
-            <a:schemeClr val="tx1"/>
-          </a:fontRef>
-        </p:style>
-      </p:cxnSp>
-      <p:sp>
-        <p:nvSpPr>
-          <p:cNvPr id="20" name="TextBox 19">
-            <a:extLst>
-              <a:ext uri="{FF2B5EF4-FFF2-40B4-BE49-F238E27FC236}">
-                <a16:creationId xmlns:a16="http://schemas.microsoft.com/office/drawing/2014/main" id="{3DEBFF5A-7786-41EE-85A8-B463C0F42426}"/>
-              </a:ext>
-            </a:extLst>
-          </p:cNvPr>
-          <p:cNvSpPr txBox="1"/>
-          <p:nvPr/>
-        </p:nvSpPr>
-        <p:spPr>
-          <a:xfrm rot="20360508">
-            <a:off x="3192554" y="3226388"/>
-            <a:ext cx="2312874" cy="369332"/>
-          </a:xfrm>
-          <a:prstGeom prst="rect">
-            <a:avLst/>
-          </a:prstGeom>
-          <a:noFill/>
-        </p:spPr>
-        <p:txBody>
-          <a:bodyPr wrap="square" rtlCol="0">
-            <a:spAutoFit/>
-          </a:bodyPr>
-          <a:lstStyle/>
-          <a:p>
-            <a:r>
-              <a:rPr lang="en-CA" dirty="0" err="1"/>
-              <a:t>newObserver</a:t>
-            </a:r>
-            <a:endParaRPr lang="en-CA" dirty="0"/>
-          </a:p>
-        </p:txBody>
-      </p:sp>
-      <p:sp>
-        <p:nvSpPr>
-          <p:cNvPr id="12" name="TextBox 11">
-            <a:extLst>
-              <a:ext uri="{FF2B5EF4-FFF2-40B4-BE49-F238E27FC236}">
-                <a16:creationId xmlns:a16="http://schemas.microsoft.com/office/drawing/2014/main" id="{CBCC5FC8-8483-4274-96CA-CF87DC104B93}"/>
-              </a:ext>
-            </a:extLst>
-          </p:cNvPr>
-          <p:cNvSpPr txBox="1"/>
-          <p:nvPr/>
-        </p:nvSpPr>
-        <p:spPr>
-          <a:xfrm>
-            <a:off x="0" y="0"/>
-            <a:ext cx="2479249" cy="461665"/>
-          </a:xfrm>
-          <a:prstGeom prst="rect">
-            <a:avLst/>
-          </a:prstGeom>
-          <a:noFill/>
-        </p:spPr>
-        <p:txBody>
-          <a:bodyPr wrap="square" rtlCol="0">
-            <a:spAutoFit/>
-          </a:bodyPr>
-          <a:lstStyle/>
-          <a:p>
-            <a:r>
-              <a:rPr lang="en-CA" sz="2400" b="1" dirty="0"/>
-              <a:t>Audience Request</a:t>
-            </a:r>
-          </a:p>
-        </p:txBody>
-      </p:sp>
-      <p:sp>
-        <p:nvSpPr>
-          <p:cNvPr id="22" name="TextBox 21">
-            <a:extLst>
-              <a:ext uri="{FF2B5EF4-FFF2-40B4-BE49-F238E27FC236}">
-                <a16:creationId xmlns:a16="http://schemas.microsoft.com/office/drawing/2014/main" id="{DE2BBBAC-841A-4AD8-AC65-12BE29341716}"/>
-              </a:ext>
-            </a:extLst>
-          </p:cNvPr>
-          <p:cNvSpPr txBox="1"/>
-          <p:nvPr/>
-        </p:nvSpPr>
-        <p:spPr>
-          <a:xfrm>
-            <a:off x="116530" y="4067171"/>
-            <a:ext cx="4232461" cy="646331"/>
-          </a:xfrm>
-          <a:prstGeom prst="rect">
-            <a:avLst/>
-          </a:prstGeom>
-          <a:noFill/>
-        </p:spPr>
-        <p:txBody>
-          <a:bodyPr wrap="square" rtlCol="0">
-            <a:spAutoFit/>
-          </a:bodyPr>
-          <a:lstStyle/>
-          <a:p>
-            <a:r>
-              <a:rPr lang="en-CA" dirty="0" err="1"/>
-              <a:t>Broacast</a:t>
-            </a:r>
-            <a:r>
-              <a:rPr lang="en-CA" dirty="0"/>
-              <a:t> to ONLY the socket trying to join</a:t>
-            </a:r>
-          </a:p>
-          <a:p>
-            <a:endParaRPr lang="en-CA" dirty="0"/>
-          </a:p>
-        </p:txBody>
-      </p:sp>
     </p:spTree>
     <p:extLst>
       <p:ext uri="{BB962C8B-B14F-4D97-AF65-F5344CB8AC3E}">
-        <p14:creationId xmlns:p14="http://schemas.microsoft.com/office/powerpoint/2010/main" val="2061288246"/>
+        <p14:creationId xmlns:p14="http://schemas.microsoft.com/office/powerpoint/2010/main" val="3387815339"/>
       </p:ext>
     </p:extLst>
   </p:cSld>
@@ -5715,8 +4826,8 @@
         </p:nvSpPr>
         <p:spPr>
           <a:xfrm rot="20682798">
-            <a:off x="6467630" y="1696310"/>
-            <a:ext cx="1943468" cy="369332"/>
+            <a:off x="6472160" y="1730066"/>
+            <a:ext cx="1687398" cy="369332"/>
           </a:xfrm>
           <a:prstGeom prst="rect">
             <a:avLst/>
@@ -5731,7 +4842,7 @@
           <a:p>
             <a:r>
               <a:rPr lang="en-CA" dirty="0" err="1"/>
-              <a:t>leaveGame</a:t>
+              <a:t>playerRequest</a:t>
             </a:r>
             <a:endParaRPr lang="en-CA" dirty="0"/>
           </a:p>
@@ -5751,8 +4862,8 @@
         </p:nvSpPr>
         <p:spPr>
           <a:xfrm>
-            <a:off x="9469117" y="403648"/>
-            <a:ext cx="2690588" cy="646331"/>
+            <a:off x="9722460" y="568013"/>
+            <a:ext cx="1687398" cy="923330"/>
           </a:xfrm>
           <a:prstGeom prst="rect">
             <a:avLst/>
@@ -5767,42 +4878,7 @@
           <a:p>
             <a:r>
               <a:rPr lang="en-CA" dirty="0"/>
-              <a:t>Player refreshes/closes the tab</a:t>
-            </a:r>
-          </a:p>
-        </p:txBody>
-      </p:sp>
-      <p:sp>
-        <p:nvSpPr>
-          <p:cNvPr id="12" name="TextBox 11">
-            <a:extLst>
-              <a:ext uri="{FF2B5EF4-FFF2-40B4-BE49-F238E27FC236}">
-                <a16:creationId xmlns:a16="http://schemas.microsoft.com/office/drawing/2014/main" id="{CBCC5FC8-8483-4274-96CA-CF87DC104B93}"/>
-              </a:ext>
-            </a:extLst>
-          </p:cNvPr>
-          <p:cNvSpPr txBox="1"/>
-          <p:nvPr/>
-        </p:nvSpPr>
-        <p:spPr>
-          <a:xfrm>
-            <a:off x="0" y="0"/>
-            <a:ext cx="3101419" cy="461665"/>
-          </a:xfrm>
-          <a:prstGeom prst="rect">
-            <a:avLst/>
-          </a:prstGeom>
-          <a:noFill/>
-        </p:spPr>
-        <p:txBody>
-          <a:bodyPr wrap="square" rtlCol="0">
-            <a:spAutoFit/>
-          </a:bodyPr>
-          <a:lstStyle/>
-          <a:p>
-            <a:r>
-              <a:rPr lang="en-CA" sz="2400" b="1" dirty="0"/>
-              <a:t>Player Leaves Game</a:t>
+              <a:t>Player lands on index, clicks “join game”</a:t>
             </a:r>
           </a:p>
         </p:txBody>
@@ -5812,7 +4888,7 @@
           <p:cNvPr id="14" name="Straight Connector 13">
             <a:extLst>
               <a:ext uri="{FF2B5EF4-FFF2-40B4-BE49-F238E27FC236}">
-                <a16:creationId xmlns:a16="http://schemas.microsoft.com/office/drawing/2014/main" id="{0B168BB9-2FFE-4390-A062-8727EF70FE7B}"/>
+                <a16:creationId xmlns:a16="http://schemas.microsoft.com/office/drawing/2014/main" id="{0978EACB-9475-46A5-A8D8-C4356A0E7612}"/>
               </a:ext>
             </a:extLst>
           </p:cNvPr>
@@ -5854,10 +4930,10 @@
       </p:cxnSp>
       <p:sp>
         <p:nvSpPr>
-          <p:cNvPr id="15" name="TextBox 14">
-            <a:extLst>
-              <a:ext uri="{FF2B5EF4-FFF2-40B4-BE49-F238E27FC236}">
-                <a16:creationId xmlns:a16="http://schemas.microsoft.com/office/drawing/2014/main" id="{F227B532-2DB3-4F25-8AAF-6F03FD75AE9C}"/>
+          <p:cNvPr id="16" name="TextBox 15">
+            <a:extLst>
+              <a:ext uri="{FF2B5EF4-FFF2-40B4-BE49-F238E27FC236}">
+                <a16:creationId xmlns:a16="http://schemas.microsoft.com/office/drawing/2014/main" id="{16792A5A-F83C-4B3A-9A59-ADAA1D99AB9B}"/>
               </a:ext>
             </a:extLst>
           </p:cNvPr>
@@ -5890,10 +4966,10 @@
       </p:sp>
       <p:sp>
         <p:nvSpPr>
-          <p:cNvPr id="16" name="TextBox 15">
-            <a:extLst>
-              <a:ext uri="{FF2B5EF4-FFF2-40B4-BE49-F238E27FC236}">
-                <a16:creationId xmlns:a16="http://schemas.microsoft.com/office/drawing/2014/main" id="{6C7881EB-DF18-405B-970C-2BB53B413923}"/>
+          <p:cNvPr id="17" name="TextBox 16">
+            <a:extLst>
+              <a:ext uri="{FF2B5EF4-FFF2-40B4-BE49-F238E27FC236}">
+                <a16:creationId xmlns:a16="http://schemas.microsoft.com/office/drawing/2014/main" id="{6E649200-E4E3-4219-AC19-D8F92B453DB4}"/>
               </a:ext>
             </a:extLst>
           </p:cNvPr>
@@ -5902,8 +4978,8 @@
         </p:nvSpPr>
         <p:spPr>
           <a:xfrm>
-            <a:off x="8793161" y="3318483"/>
-            <a:ext cx="2962061" cy="923330"/>
+            <a:off x="8793162" y="3318483"/>
+            <a:ext cx="2616696" cy="923330"/>
           </a:xfrm>
           <a:prstGeom prst="rect">
             <a:avLst/>
@@ -5918,32 +4994,188 @@
           <a:p>
             <a:r>
               <a:rPr lang="en-CA" dirty="0"/>
-              <a:t>Name = null, </a:t>
-            </a:r>
+              <a:t>Player successfully added to game, broadcast to ALL sockets</a:t>
+            </a:r>
+          </a:p>
+        </p:txBody>
+      </p:sp>
+      <p:cxnSp>
+        <p:nvCxnSpPr>
+          <p:cNvPr id="18" name="Straight Connector 17">
+            <a:extLst>
+              <a:ext uri="{FF2B5EF4-FFF2-40B4-BE49-F238E27FC236}">
+                <a16:creationId xmlns:a16="http://schemas.microsoft.com/office/drawing/2014/main" id="{552C052E-6206-488F-AF55-75D03BDB9B43}"/>
+              </a:ext>
+            </a:extLst>
+          </p:cNvPr>
+          <p:cNvCxnSpPr>
+            <a:cxnSpLocks/>
+          </p:cNvCxnSpPr>
+          <p:nvPr/>
+        </p:nvCxnSpPr>
+        <p:spPr>
+          <a:xfrm flipH="1">
+            <a:off x="2952572" y="2807111"/>
+            <a:ext cx="2609121" cy="973037"/>
+          </a:xfrm>
+          <a:prstGeom prst="line">
+            <a:avLst/>
+          </a:prstGeom>
+          <a:ln w="28575">
+            <a:solidFill>
+              <a:srgbClr val="FF0000"/>
+            </a:solidFill>
+            <a:headEnd type="none" w="lg" len="lg"/>
+            <a:tailEnd type="triangle" w="lg" len="lg"/>
+          </a:ln>
+        </p:spPr>
+        <p:style>
+          <a:lnRef idx="1">
+            <a:schemeClr val="accent1"/>
+          </a:lnRef>
+          <a:fillRef idx="0">
+            <a:schemeClr val="accent1"/>
+          </a:fillRef>
+          <a:effectRef idx="0">
+            <a:schemeClr val="accent1"/>
+          </a:effectRef>
+          <a:fontRef idx="minor">
+            <a:schemeClr val="tx1"/>
+          </a:fontRef>
+        </p:style>
+      </p:cxnSp>
+      <p:sp>
+        <p:nvSpPr>
+          <p:cNvPr id="20" name="TextBox 19">
+            <a:extLst>
+              <a:ext uri="{FF2B5EF4-FFF2-40B4-BE49-F238E27FC236}">
+                <a16:creationId xmlns:a16="http://schemas.microsoft.com/office/drawing/2014/main" id="{3DEBFF5A-7786-41EE-85A8-B463C0F42426}"/>
+              </a:ext>
+            </a:extLst>
+          </p:cNvPr>
+          <p:cNvSpPr txBox="1"/>
+          <p:nvPr/>
+        </p:nvSpPr>
+        <p:spPr>
+          <a:xfrm rot="20360508">
+            <a:off x="3192554" y="3226388"/>
+            <a:ext cx="2312874" cy="369332"/>
+          </a:xfrm>
+          <a:prstGeom prst="rect">
+            <a:avLst/>
+          </a:prstGeom>
+          <a:noFill/>
+        </p:spPr>
+        <p:txBody>
+          <a:bodyPr wrap="square" rtlCol="0">
+            <a:spAutoFit/>
+          </a:bodyPr>
+          <a:lstStyle/>
+          <a:p>
             <a:r>
               <a:rPr lang="en-CA" dirty="0" err="1"/>
-              <a:t>numPlayers</a:t>
+              <a:t>newObserver</a:t>
+            </a:r>
+            <a:endParaRPr lang="en-CA" dirty="0"/>
+          </a:p>
+        </p:txBody>
+      </p:sp>
+      <p:sp>
+        <p:nvSpPr>
+          <p:cNvPr id="12" name="TextBox 11">
+            <a:extLst>
+              <a:ext uri="{FF2B5EF4-FFF2-40B4-BE49-F238E27FC236}">
+                <a16:creationId xmlns:a16="http://schemas.microsoft.com/office/drawing/2014/main" id="{CBCC5FC8-8483-4274-96CA-CF87DC104B93}"/>
+              </a:ext>
+            </a:extLst>
+          </p:cNvPr>
+          <p:cNvSpPr txBox="1"/>
+          <p:nvPr/>
+        </p:nvSpPr>
+        <p:spPr>
+          <a:xfrm>
+            <a:off x="0" y="0"/>
+            <a:ext cx="2479249" cy="461665"/>
+          </a:xfrm>
+          <a:prstGeom prst="rect">
+            <a:avLst/>
+          </a:prstGeom>
+          <a:noFill/>
+        </p:spPr>
+        <p:txBody>
+          <a:bodyPr wrap="square" rtlCol="0">
+            <a:spAutoFit/>
+          </a:bodyPr>
+          <a:lstStyle/>
+          <a:p>
+            <a:r>
+              <a:rPr lang="en-CA" sz="2400" b="1" dirty="0"/>
+              <a:t>Player Request</a:t>
+            </a:r>
+          </a:p>
+        </p:txBody>
+      </p:sp>
+      <p:sp>
+        <p:nvSpPr>
+          <p:cNvPr id="22" name="TextBox 21">
+            <a:extLst>
+              <a:ext uri="{FF2B5EF4-FFF2-40B4-BE49-F238E27FC236}">
+                <a16:creationId xmlns:a16="http://schemas.microsoft.com/office/drawing/2014/main" id="{DE2BBBAC-841A-4AD8-AC65-12BE29341716}"/>
+              </a:ext>
+            </a:extLst>
+          </p:cNvPr>
+          <p:cNvSpPr txBox="1"/>
+          <p:nvPr/>
+        </p:nvSpPr>
+        <p:spPr>
+          <a:xfrm>
+            <a:off x="116530" y="4133242"/>
+            <a:ext cx="4232461" cy="923330"/>
+          </a:xfrm>
+          <a:prstGeom prst="rect">
+            <a:avLst/>
+          </a:prstGeom>
+          <a:noFill/>
+        </p:spPr>
+        <p:txBody>
+          <a:bodyPr wrap="square" rtlCol="0">
+            <a:spAutoFit/>
+          </a:bodyPr>
+          <a:lstStyle/>
+          <a:p>
+            <a:r>
+              <a:rPr lang="en-CA" dirty="0" err="1"/>
+              <a:t>playerName</a:t>
             </a:r>
             <a:r>
               <a:rPr lang="en-CA" dirty="0"/>
-              <a:t> -= 1 </a:t>
-            </a:r>
-          </a:p>
-          <a:p>
+              <a:t> = </a:t>
+            </a:r>
+            <a:r>
+              <a:rPr lang="en-CA" dirty="0" err="1"/>
+              <a:t>AUDIENCE_MEMBER</a:t>
+            </a:r>
             <a:endParaRPr lang="en-CA" dirty="0"/>
           </a:p>
           <a:p>
             <a:r>
+              <a:rPr lang="en-CA" dirty="0" err="1"/>
+              <a:t>Broacast</a:t>
+            </a:r>
+            <a:r>
               <a:rPr lang="en-CA" dirty="0"/>
-              <a:t>broadcast to ALL sockets</a:t>
-            </a:r>
+              <a:t> to ONLY the socket trying to join</a:t>
+            </a:r>
+          </a:p>
+          <a:p>
+            <a:endParaRPr lang="en-CA" dirty="0"/>
           </a:p>
         </p:txBody>
       </p:sp>
     </p:spTree>
     <p:extLst>
       <p:ext uri="{BB962C8B-B14F-4D97-AF65-F5344CB8AC3E}">
-        <p14:creationId xmlns:p14="http://schemas.microsoft.com/office/powerpoint/2010/main" val="1103616813"/>
+        <p14:creationId xmlns:p14="http://schemas.microsoft.com/office/powerpoint/2010/main" val="2924469556"/>
       </p:ext>
     </p:extLst>
   </p:cSld>
@@ -5970,45 +5202,12 @@
           <a:chExt cx="0" cy="0"/>
         </a:xfrm>
       </p:grpSpPr>
-      <p:sp>
-        <p:nvSpPr>
-          <p:cNvPr id="2" name="Title 1">
-            <a:extLst>
-              <a:ext uri="{FF2B5EF4-FFF2-40B4-BE49-F238E27FC236}">
-                <a16:creationId xmlns:a16="http://schemas.microsoft.com/office/drawing/2014/main" id="{8D67DFE2-A656-4EB7-87FE-78EFCF09B8D4}"/>
-              </a:ext>
-            </a:extLst>
-          </p:cNvPr>
-          <p:cNvSpPr>
-            <a:spLocks noGrp="1"/>
-          </p:cNvSpPr>
-          <p:nvPr>
-            <p:ph type="title"/>
-          </p:nvPr>
-        </p:nvSpPr>
-        <p:spPr>
-          <a:xfrm>
-            <a:off x="0" y="-68508"/>
-            <a:ext cx="10515600" cy="832079"/>
-          </a:xfrm>
-        </p:spPr>
-        <p:txBody>
-          <a:bodyPr/>
-          <a:lstStyle/>
-          <a:p>
-            <a:r>
-              <a:rPr lang="en-CA" dirty="0"/>
-              <a:t>Socket Connection</a:t>
-            </a:r>
-          </a:p>
-        </p:txBody>
-      </p:sp>
       <p:pic>
         <p:nvPicPr>
-          <p:cNvPr id="4" name="Picture 4" descr="Dedicated Server PNG Image | Server, Dedication, Png images">
-            <a:extLst>
-              <a:ext uri="{FF2B5EF4-FFF2-40B4-BE49-F238E27FC236}">
-                <a16:creationId xmlns:a16="http://schemas.microsoft.com/office/drawing/2014/main" id="{B8BBBA72-D009-4D28-BDFD-C4E6B0F3493C}"/>
+          <p:cNvPr id="1028" name="Picture 4" descr="Dedicated Server PNG Image | Server, Dedication, Png images">
+            <a:extLst>
+              <a:ext uri="{FF2B5EF4-FFF2-40B4-BE49-F238E27FC236}">
+                <a16:creationId xmlns:a16="http://schemas.microsoft.com/office/drawing/2014/main" id="{B259F46C-6CBA-4D56-93C3-3D41AC3A6B13}"/>
               </a:ext>
             </a:extLst>
           </p:cNvPr>
@@ -6032,8 +5231,8 @@
         </p:blipFill>
         <p:spPr bwMode="auto">
           <a:xfrm>
-            <a:off x="5359389" y="1019598"/>
-            <a:ext cx="770945" cy="1039475"/>
+            <a:off x="5268415" y="280021"/>
+            <a:ext cx="757916" cy="1021909"/>
           </a:xfrm>
           <a:prstGeom prst="rect">
             <a:avLst/>
@@ -6052,10 +5251,10 @@
       </p:pic>
       <p:pic>
         <p:nvPicPr>
-          <p:cNvPr id="5" name="Picture 6" descr="Laptop Clip Art At Clker Com Vector - Laptop Black And White Clip ...">
-            <a:extLst>
-              <a:ext uri="{FF2B5EF4-FFF2-40B4-BE49-F238E27FC236}">
-                <a16:creationId xmlns:a16="http://schemas.microsoft.com/office/drawing/2014/main" id="{A54F7E2C-EF05-4D30-9675-D7EADDD40D5F}"/>
+          <p:cNvPr id="1030" name="Picture 6" descr="Laptop Clip Art At Clker Com Vector - Laptop Black And White Clip ...">
+            <a:extLst>
+              <a:ext uri="{FF2B5EF4-FFF2-40B4-BE49-F238E27FC236}">
+                <a16:creationId xmlns:a16="http://schemas.microsoft.com/office/drawing/2014/main" id="{260BCD3F-BD74-4543-B965-10ECD47442A9}"/>
               </a:ext>
             </a:extLst>
           </p:cNvPr>
@@ -6089,8 +5288,8 @@
         </p:blipFill>
         <p:spPr bwMode="auto">
           <a:xfrm>
-            <a:off x="8946107" y="4054361"/>
-            <a:ext cx="1849089" cy="1533392"/>
+            <a:off x="7836444" y="280021"/>
+            <a:ext cx="1632673" cy="1353925"/>
           </a:xfrm>
           <a:prstGeom prst="rect">
             <a:avLst/>
@@ -6107,210 +5306,30 @@
           </a:extLst>
         </p:spPr>
       </p:pic>
-      <p:pic>
-        <p:nvPicPr>
-          <p:cNvPr id="2050" name="Picture 2" descr="Free Free Laptop Cliparts, Download Free Clip Art, Free Clip Art ...">
-            <a:extLst>
-              <a:ext uri="{FF2B5EF4-FFF2-40B4-BE49-F238E27FC236}">
-                <a16:creationId xmlns:a16="http://schemas.microsoft.com/office/drawing/2014/main" id="{2F1D7E14-40B7-4333-9751-1D4C24BCECF9}"/>
-              </a:ext>
-            </a:extLst>
-          </p:cNvPr>
-          <p:cNvPicPr>
-            <a:picLocks noChangeAspect="1" noChangeArrowheads="1"/>
-          </p:cNvPicPr>
-          <p:nvPr/>
-        </p:nvPicPr>
-        <p:blipFill>
-          <a:blip r:embed="rId4">
-            <a:extLst>
-              <a:ext uri="{28A0092B-C50C-407E-A947-70E740481C1C}">
-                <a14:useLocalDpi xmlns:a14="http://schemas.microsoft.com/office/drawing/2010/main" val="0"/>
-              </a:ext>
-            </a:extLst>
-          </a:blip>
-          <a:srcRect/>
-          <a:stretch>
-            <a:fillRect/>
-          </a:stretch>
-        </p:blipFill>
-        <p:spPr bwMode="auto">
-          <a:xfrm>
-            <a:off x="1346757" y="1968079"/>
-            <a:ext cx="1975759" cy="1568063"/>
-          </a:xfrm>
-          <a:prstGeom prst="rect">
-            <a:avLst/>
-          </a:prstGeom>
-          <a:noFill/>
-          <a:extLst>
-            <a:ext uri="{909E8E84-426E-40DD-AFC4-6F175D3DCCD1}">
-              <a14:hiddenFill xmlns:a14="http://schemas.microsoft.com/office/drawing/2010/main">
-                <a:solidFill>
-                  <a:srgbClr val="FFFFFF"/>
-                </a:solidFill>
-              </a14:hiddenFill>
-            </a:ext>
-          </a:extLst>
-        </p:spPr>
-      </p:pic>
-      <p:pic>
-        <p:nvPicPr>
-          <p:cNvPr id="2052" name="Picture 4" descr="Facebook Brand Resources">
-            <a:extLst>
-              <a:ext uri="{FF2B5EF4-FFF2-40B4-BE49-F238E27FC236}">
-                <a16:creationId xmlns:a16="http://schemas.microsoft.com/office/drawing/2014/main" id="{7A69D878-E909-49BD-8643-2C4A6148D6CD}"/>
-              </a:ext>
-            </a:extLst>
-          </p:cNvPr>
-          <p:cNvPicPr>
-            <a:picLocks noChangeAspect="1" noChangeArrowheads="1"/>
-          </p:cNvPicPr>
-          <p:nvPr/>
-        </p:nvPicPr>
-        <p:blipFill>
-          <a:blip r:embed="rId5">
-            <a:extLst>
-              <a:ext uri="{28A0092B-C50C-407E-A947-70E740481C1C}">
-                <a14:useLocalDpi xmlns:a14="http://schemas.microsoft.com/office/drawing/2010/main" val="0"/>
-              </a:ext>
-            </a:extLst>
-          </a:blip>
-          <a:srcRect/>
-          <a:stretch>
-            <a:fillRect/>
-          </a:stretch>
-        </p:blipFill>
-        <p:spPr bwMode="auto">
-          <a:xfrm>
-            <a:off x="3266350" y="3519306"/>
-            <a:ext cx="646331" cy="646331"/>
-          </a:xfrm>
-          <a:prstGeom prst="rect">
-            <a:avLst/>
-          </a:prstGeom>
-          <a:noFill/>
-          <a:extLst>
-            <a:ext uri="{909E8E84-426E-40DD-AFC4-6F175D3DCCD1}">
-              <a14:hiddenFill xmlns:a14="http://schemas.microsoft.com/office/drawing/2010/main">
-                <a:solidFill>
-                  <a:srgbClr val="FFFFFF"/>
-                </a:solidFill>
-              </a14:hiddenFill>
-            </a:ext>
-          </a:extLst>
-        </p:spPr>
-      </p:pic>
-      <p:sp>
-        <p:nvSpPr>
-          <p:cNvPr id="6" name="Arc 5">
-            <a:extLst>
-              <a:ext uri="{FF2B5EF4-FFF2-40B4-BE49-F238E27FC236}">
-                <a16:creationId xmlns:a16="http://schemas.microsoft.com/office/drawing/2014/main" id="{F3F126BB-CFC8-4AAB-BA91-EF2A1E81FAAC}"/>
-              </a:ext>
-            </a:extLst>
-          </p:cNvPr>
-          <p:cNvSpPr/>
-          <p:nvPr/>
-        </p:nvSpPr>
-        <p:spPr>
-          <a:xfrm flipV="1">
-            <a:off x="3064785" y="1803628"/>
-            <a:ext cx="9988784" cy="3671174"/>
-          </a:xfrm>
-          <a:prstGeom prst="arc">
-            <a:avLst>
-              <a:gd name="adj1" fmla="val 10764713"/>
-              <a:gd name="adj2" fmla="val 18709222"/>
-            </a:avLst>
-          </a:prstGeom>
-          <a:ln w="38100">
-            <a:headEnd type="none" w="med" len="med"/>
-            <a:tailEnd type="triangle" w="lg" len="lg"/>
-          </a:ln>
-        </p:spPr>
-        <p:style>
-          <a:lnRef idx="1">
-            <a:schemeClr val="accent1"/>
-          </a:lnRef>
-          <a:fillRef idx="0">
-            <a:schemeClr val="accent1"/>
-          </a:fillRef>
-          <a:effectRef idx="0">
-            <a:schemeClr val="accent1"/>
-          </a:effectRef>
-          <a:fontRef idx="minor">
-            <a:schemeClr val="tx1"/>
-          </a:fontRef>
-        </p:style>
-        <p:txBody>
-          <a:bodyPr rtlCol="0" anchor="ctr"/>
-          <a:lstStyle/>
-          <a:p>
-            <a:pPr algn="ctr"/>
-            <a:endParaRPr lang="en-CA" dirty="0"/>
-          </a:p>
-        </p:txBody>
-      </p:sp>
-      <p:sp>
-        <p:nvSpPr>
-          <p:cNvPr id="7" name="TextBox 6">
-            <a:extLst>
-              <a:ext uri="{FF2B5EF4-FFF2-40B4-BE49-F238E27FC236}">
-                <a16:creationId xmlns:a16="http://schemas.microsoft.com/office/drawing/2014/main" id="{BAC1A465-975D-4218-8A09-B4FE7FE49144}"/>
-              </a:ext>
-            </a:extLst>
-          </p:cNvPr>
-          <p:cNvSpPr txBox="1"/>
-          <p:nvPr/>
-        </p:nvSpPr>
-        <p:spPr>
-          <a:xfrm rot="708815">
-            <a:off x="2572196" y="4849105"/>
-            <a:ext cx="5478845" cy="646331"/>
-          </a:xfrm>
-          <a:prstGeom prst="rect">
-            <a:avLst/>
-          </a:prstGeom>
-          <a:noFill/>
-        </p:spPr>
-        <p:txBody>
-          <a:bodyPr wrap="square" rtlCol="0">
-            <a:spAutoFit/>
-          </a:bodyPr>
-          <a:lstStyle/>
-          <a:p>
-            <a:r>
-              <a:rPr lang="en-CA" dirty="0"/>
-              <a:t>I give them www.gameshow.geoffspielman.com?ip=24.212.142.167</a:t>
-            </a:r>
-          </a:p>
-        </p:txBody>
-      </p:sp>
       <p:cxnSp>
         <p:nvCxnSpPr>
-          <p:cNvPr id="9" name="Straight Arrow Connector 8">
-            <a:extLst>
-              <a:ext uri="{FF2B5EF4-FFF2-40B4-BE49-F238E27FC236}">
-                <a16:creationId xmlns:a16="http://schemas.microsoft.com/office/drawing/2014/main" id="{20ACEA87-24DC-4E77-ABFD-90BCA1E3EE2F}"/>
-              </a:ext>
-            </a:extLst>
-          </p:cNvPr>
-          <p:cNvCxnSpPr>
-            <a:cxnSpLocks/>
-          </p:cNvCxnSpPr>
+          <p:cNvPr id="5" name="Straight Connector 4">
+            <a:extLst>
+              <a:ext uri="{FF2B5EF4-FFF2-40B4-BE49-F238E27FC236}">
+                <a16:creationId xmlns:a16="http://schemas.microsoft.com/office/drawing/2014/main" id="{BF9CACD2-A8C3-491E-BE07-2BE5E2CD73AD}"/>
+              </a:ext>
+            </a:extLst>
+          </p:cNvPr>
+          <p:cNvCxnSpPr/>
           <p:nvPr/>
         </p:nvCxnSpPr>
         <p:spPr>
-          <a:xfrm flipH="1" flipV="1">
-            <a:off x="8634953" y="3983709"/>
-            <a:ext cx="979901" cy="450469"/>
-          </a:xfrm>
-          <a:prstGeom prst="straightConnector1">
+          <a:xfrm>
+            <a:off x="5738677" y="1491343"/>
+            <a:ext cx="0" cy="3875314"/>
+          </a:xfrm>
+          <a:prstGeom prst="line">
             <a:avLst/>
           </a:prstGeom>
           <a:ln w="28575">
-            <a:tailEnd type="triangle"/>
+            <a:solidFill>
+              <a:schemeClr val="accent1"/>
+            </a:solidFill>
           </a:ln>
         </p:spPr>
         <p:style>
@@ -6328,192 +5347,34 @@
           </a:fontRef>
         </p:style>
       </p:cxnSp>
-      <p:sp>
-        <p:nvSpPr>
-          <p:cNvPr id="12" name="TextBox 11">
-            <a:extLst>
-              <a:ext uri="{FF2B5EF4-FFF2-40B4-BE49-F238E27FC236}">
-                <a16:creationId xmlns:a16="http://schemas.microsoft.com/office/drawing/2014/main" id="{49F76250-7EFD-4046-8AD9-C67D014EB8D7}"/>
-              </a:ext>
-            </a:extLst>
-          </p:cNvPr>
-          <p:cNvSpPr txBox="1"/>
-          <p:nvPr/>
-        </p:nvSpPr>
-        <p:spPr>
-          <a:xfrm>
-            <a:off x="6212860" y="991651"/>
-            <a:ext cx="2311139" cy="923330"/>
-          </a:xfrm>
-          <a:prstGeom prst="rect">
-            <a:avLst/>
-          </a:prstGeom>
-          <a:noFill/>
-        </p:spPr>
-        <p:txBody>
-          <a:bodyPr wrap="square" rtlCol="0">
-            <a:spAutoFit/>
-          </a:bodyPr>
-          <a:lstStyle/>
-          <a:p>
-            <a:r>
-              <a:rPr lang="en-CA" dirty="0"/>
-              <a:t>Client gets public content (index, images </a:t>
-            </a:r>
-            <a:r>
-              <a:rPr lang="en-CA" dirty="0" err="1"/>
-              <a:t>etc</a:t>
-            </a:r>
-            <a:r>
-              <a:rPr lang="en-CA" dirty="0"/>
-              <a:t>) from digital ocean </a:t>
-            </a:r>
-          </a:p>
-        </p:txBody>
-      </p:sp>
-      <p:pic>
-        <p:nvPicPr>
-          <p:cNvPr id="11" name="Picture 10">
-            <a:extLst>
-              <a:ext uri="{FF2B5EF4-FFF2-40B4-BE49-F238E27FC236}">
-                <a16:creationId xmlns:a16="http://schemas.microsoft.com/office/drawing/2014/main" id="{B1632617-9153-482F-99B7-8E54F2289BEE}"/>
-              </a:ext>
-            </a:extLst>
-          </p:cNvPr>
-          <p:cNvPicPr>
-            <a:picLocks noChangeAspect="1"/>
-          </p:cNvPicPr>
-          <p:nvPr/>
-        </p:nvPicPr>
-        <p:blipFill>
-          <a:blip r:embed="rId6">
-            <a:clrChange>
-              <a:clrFrom>
-                <a:srgbClr val="000000"/>
-              </a:clrFrom>
-              <a:clrTo>
-                <a:srgbClr val="000000">
-                  <a:alpha val="0"/>
-                </a:srgbClr>
-              </a:clrTo>
-            </a:clrChange>
-          </a:blip>
-          <a:stretch>
-            <a:fillRect/>
-          </a:stretch>
-        </p:blipFill>
-        <p:spPr>
-          <a:xfrm>
-            <a:off x="7963916" y="3488385"/>
-            <a:ext cx="580616" cy="890047"/>
-          </a:xfrm>
-          <a:prstGeom prst="rect">
-            <a:avLst/>
-          </a:prstGeom>
-        </p:spPr>
-      </p:pic>
-      <p:sp>
-        <p:nvSpPr>
-          <p:cNvPr id="17" name="TextBox 16">
-            <a:extLst>
-              <a:ext uri="{FF2B5EF4-FFF2-40B4-BE49-F238E27FC236}">
-                <a16:creationId xmlns:a16="http://schemas.microsoft.com/office/drawing/2014/main" id="{D829789C-D2FA-4964-B3B8-5139751AB539}"/>
-              </a:ext>
-            </a:extLst>
-          </p:cNvPr>
-          <p:cNvSpPr txBox="1"/>
-          <p:nvPr/>
-        </p:nvSpPr>
-        <p:spPr>
-          <a:xfrm>
-            <a:off x="7632581" y="3169712"/>
-            <a:ext cx="1243286" cy="369332"/>
-          </a:xfrm>
-          <a:prstGeom prst="rect">
-            <a:avLst/>
-          </a:prstGeom>
-          <a:noFill/>
-        </p:spPr>
-        <p:txBody>
-          <a:bodyPr wrap="square" rtlCol="0">
-            <a:spAutoFit/>
-          </a:bodyPr>
-          <a:lstStyle/>
-          <a:p>
-            <a:r>
-              <a:rPr lang="en-CA"/>
-              <a:t>DNS Server</a:t>
-            </a:r>
-            <a:endParaRPr lang="en-CA" dirty="0"/>
-          </a:p>
-        </p:txBody>
-      </p:sp>
-      <p:pic>
-        <p:nvPicPr>
-          <p:cNvPr id="18" name="Picture 17">
-            <a:extLst>
-              <a:ext uri="{FF2B5EF4-FFF2-40B4-BE49-F238E27FC236}">
-                <a16:creationId xmlns:a16="http://schemas.microsoft.com/office/drawing/2014/main" id="{481234E0-FD00-4AB6-A6E4-62D149C7D8DB}"/>
-              </a:ext>
-            </a:extLst>
-          </p:cNvPr>
-          <p:cNvPicPr>
-            <a:picLocks noChangeAspect="1"/>
-          </p:cNvPicPr>
-          <p:nvPr/>
-        </p:nvPicPr>
-        <p:blipFill>
-          <a:blip r:embed="rId7">
-            <a:clrChange>
-              <a:clrFrom>
-                <a:srgbClr val="000000"/>
-              </a:clrFrom>
-              <a:clrTo>
-                <a:srgbClr val="000000">
-                  <a:alpha val="0"/>
-                </a:srgbClr>
-              </a:clrTo>
-            </a:clrChange>
-          </a:blip>
-          <a:stretch>
-            <a:fillRect/>
-          </a:stretch>
-        </p:blipFill>
-        <p:spPr>
-          <a:xfrm>
-            <a:off x="4668719" y="3039411"/>
-            <a:ext cx="1818293" cy="542991"/>
-          </a:xfrm>
-          <a:prstGeom prst="rect">
-            <a:avLst/>
-          </a:prstGeom>
-        </p:spPr>
-      </p:pic>
       <p:cxnSp>
         <p:nvCxnSpPr>
-          <p:cNvPr id="21" name="Straight Arrow Connector 20">
-            <a:extLst>
-              <a:ext uri="{FF2B5EF4-FFF2-40B4-BE49-F238E27FC236}">
-                <a16:creationId xmlns:a16="http://schemas.microsoft.com/office/drawing/2014/main" id="{DB9448DA-77CA-4332-8CBF-7209CBBFC28A}"/>
+          <p:cNvPr id="9" name="Straight Connector 8">
+            <a:extLst>
+              <a:ext uri="{FF2B5EF4-FFF2-40B4-BE49-F238E27FC236}">
+                <a16:creationId xmlns:a16="http://schemas.microsoft.com/office/drawing/2014/main" id="{E670D51B-3EFE-40B0-8EFE-090055CE2ADF}"/>
               </a:ext>
             </a:extLst>
           </p:cNvPr>
           <p:cNvCxnSpPr>
             <a:cxnSpLocks/>
-            <a:endCxn id="18" idx="3"/>
           </p:cNvCxnSpPr>
           <p:nvPr/>
         </p:nvCxnSpPr>
         <p:spPr>
-          <a:xfrm flipH="1" flipV="1">
-            <a:off x="6487012" y="3310907"/>
-            <a:ext cx="1311238" cy="450470"/>
-          </a:xfrm>
-          <a:prstGeom prst="straightConnector1">
+          <a:xfrm flipH="1">
+            <a:off x="5895703" y="1491343"/>
+            <a:ext cx="2386148" cy="607423"/>
+          </a:xfrm>
+          <a:prstGeom prst="line">
             <a:avLst/>
           </a:prstGeom>
           <a:ln w="28575">
-            <a:tailEnd type="triangle"/>
+            <a:solidFill>
+              <a:srgbClr val="FFC000"/>
+            </a:solidFill>
+            <a:headEnd type="none" w="lg" len="lg"/>
+            <a:tailEnd type="triangle" w="lg" len="lg"/>
           </a:ln>
         </p:spPr>
         <p:style>
@@ -6531,59 +5392,101 @@
           </a:fontRef>
         </p:style>
       </p:cxnSp>
-      <p:pic>
-        <p:nvPicPr>
-          <p:cNvPr id="2058" name="Picture 10" descr="DigitalOcean - Wikipedia">
-            <a:extLst>
-              <a:ext uri="{FF2B5EF4-FFF2-40B4-BE49-F238E27FC236}">
-                <a16:creationId xmlns:a16="http://schemas.microsoft.com/office/drawing/2014/main" id="{E0D2E34C-73D0-4949-AA2C-746BE6140F69}"/>
-              </a:ext>
-            </a:extLst>
-          </p:cNvPr>
-          <p:cNvPicPr>
-            <a:picLocks noChangeAspect="1" noChangeArrowheads="1"/>
-          </p:cNvPicPr>
-          <p:nvPr/>
-        </p:nvPicPr>
-        <p:blipFill>
-          <a:blip r:embed="rId8">
-            <a:extLst>
-              <a:ext uri="{28A0092B-C50C-407E-A947-70E740481C1C}">
-                <a14:useLocalDpi xmlns:a14="http://schemas.microsoft.com/office/drawing/2010/main" val="0"/>
-              </a:ext>
-            </a:extLst>
-          </a:blip>
-          <a:srcRect/>
-          <a:stretch>
-            <a:fillRect/>
-          </a:stretch>
-        </p:blipFill>
-        <p:spPr bwMode="auto">
-          <a:xfrm>
-            <a:off x="4334916" y="1001158"/>
-            <a:ext cx="922884" cy="922884"/>
+      <p:sp>
+        <p:nvSpPr>
+          <p:cNvPr id="8" name="TextBox 7">
+            <a:extLst>
+              <a:ext uri="{FF2B5EF4-FFF2-40B4-BE49-F238E27FC236}">
+                <a16:creationId xmlns:a16="http://schemas.microsoft.com/office/drawing/2014/main" id="{65DC4DAD-CC47-4B42-99C6-82E0969D7768}"/>
+              </a:ext>
+            </a:extLst>
+          </p:cNvPr>
+          <p:cNvSpPr txBox="1"/>
+          <p:nvPr/>
+        </p:nvSpPr>
+        <p:spPr>
+          <a:xfrm rot="20682798">
+            <a:off x="6467630" y="1696310"/>
+            <a:ext cx="1943468" cy="369332"/>
           </a:xfrm>
           <a:prstGeom prst="rect">
             <a:avLst/>
           </a:prstGeom>
           <a:noFill/>
-          <a:extLst>
-            <a:ext uri="{909E8E84-426E-40DD-AFC4-6F175D3DCCD1}">
-              <a14:hiddenFill xmlns:a14="http://schemas.microsoft.com/office/drawing/2010/main">
-                <a:solidFill>
-                  <a:srgbClr val="FFFFFF"/>
-                </a:solidFill>
-              </a14:hiddenFill>
-            </a:ext>
-          </a:extLst>
-        </p:spPr>
-      </p:pic>
+        </p:spPr>
+        <p:txBody>
+          <a:bodyPr wrap="square" rtlCol="0">
+            <a:spAutoFit/>
+          </a:bodyPr>
+          <a:lstStyle/>
+          <a:p>
+            <a:r>
+              <a:rPr lang="en-CA" dirty="0" err="1"/>
+              <a:t>audienceRequest</a:t>
+            </a:r>
+            <a:endParaRPr lang="en-CA" dirty="0"/>
+          </a:p>
+        </p:txBody>
+      </p:sp>
+      <p:sp>
+        <p:nvSpPr>
+          <p:cNvPr id="13" name="TextBox 12">
+            <a:extLst>
+              <a:ext uri="{FF2B5EF4-FFF2-40B4-BE49-F238E27FC236}">
+                <a16:creationId xmlns:a16="http://schemas.microsoft.com/office/drawing/2014/main" id="{06ED55D2-2DBD-4AF4-94D6-1CE632A0A946}"/>
+              </a:ext>
+            </a:extLst>
+          </p:cNvPr>
+          <p:cNvSpPr txBox="1"/>
+          <p:nvPr/>
+        </p:nvSpPr>
+        <p:spPr>
+          <a:xfrm>
+            <a:off x="9469117" y="403648"/>
+            <a:ext cx="2690588" cy="1477328"/>
+          </a:xfrm>
+          <a:prstGeom prst="rect">
+            <a:avLst/>
+          </a:prstGeom>
+          <a:noFill/>
+        </p:spPr>
+        <p:txBody>
+          <a:bodyPr wrap="square" rtlCol="0">
+            <a:spAutoFit/>
+          </a:bodyPr>
+          <a:lstStyle/>
+          <a:p>
+            <a:r>
+              <a:rPr lang="en-CA" dirty="0"/>
+              <a:t>Player lands on index, clicks “Watch as Audience”</a:t>
+            </a:r>
+          </a:p>
+          <a:p>
+            <a:r>
+              <a:rPr lang="en-CA" dirty="0" err="1"/>
+              <a:t>playerName</a:t>
+            </a:r>
+            <a:r>
+              <a:rPr lang="en-CA" dirty="0"/>
+              <a:t> = </a:t>
+            </a:r>
+            <a:r>
+              <a:rPr lang="en-CA" dirty="0" err="1"/>
+              <a:t>AUDIENCE_MEMBER</a:t>
+            </a:r>
+            <a:endParaRPr lang="en-CA" dirty="0"/>
+          </a:p>
+          <a:p>
+            <a:endParaRPr lang="en-CA" dirty="0"/>
+          </a:p>
+        </p:txBody>
+      </p:sp>
       <p:cxnSp>
         <p:nvCxnSpPr>
-          <p:cNvPr id="24" name="Straight Arrow Connector 23">
-            <a:extLst>
-              <a:ext uri="{FF2B5EF4-FFF2-40B4-BE49-F238E27FC236}">
-                <a16:creationId xmlns:a16="http://schemas.microsoft.com/office/drawing/2014/main" id="{44136FD6-B266-4EC7-8849-B5344E7A6DC6}"/>
+          <p:cNvPr id="18" name="Straight Connector 17">
+            <a:extLst>
+              <a:ext uri="{FF2B5EF4-FFF2-40B4-BE49-F238E27FC236}">
+                <a16:creationId xmlns:a16="http://schemas.microsoft.com/office/drawing/2014/main" id="{552C052E-6206-488F-AF55-75D03BDB9B43}"/>
               </a:ext>
             </a:extLst>
           </p:cNvPr>
@@ -6593,15 +5496,19 @@
           <p:nvPr/>
         </p:nvCxnSpPr>
         <p:spPr>
-          <a:xfrm flipH="1" flipV="1">
-            <a:off x="5359389" y="2148405"/>
-            <a:ext cx="385472" cy="826725"/>
-          </a:xfrm>
-          <a:prstGeom prst="straightConnector1">
+          <a:xfrm flipH="1">
+            <a:off x="2952572" y="2807111"/>
+            <a:ext cx="2609121" cy="973037"/>
+          </a:xfrm>
+          <a:prstGeom prst="line">
             <a:avLst/>
           </a:prstGeom>
           <a:ln w="28575">
-            <a:tailEnd type="triangle"/>
+            <a:solidFill>
+              <a:srgbClr val="92D050"/>
+            </a:solidFill>
+            <a:headEnd type="none" w="lg" len="lg"/>
+            <a:tailEnd type="triangle" w="lg" len="lg"/>
           </a:ln>
         </p:spPr>
         <p:style>
@@ -6621,61 +5528,10 @@
       </p:cxnSp>
       <p:sp>
         <p:nvSpPr>
-          <p:cNvPr id="28" name="Arc 27">
-            <a:extLst>
-              <a:ext uri="{FF2B5EF4-FFF2-40B4-BE49-F238E27FC236}">
-                <a16:creationId xmlns:a16="http://schemas.microsoft.com/office/drawing/2014/main" id="{C7257964-613E-4432-A46F-B23F51E26DF4}"/>
-              </a:ext>
-            </a:extLst>
-          </p:cNvPr>
-          <p:cNvSpPr/>
-          <p:nvPr/>
-        </p:nvSpPr>
-        <p:spPr>
-          <a:xfrm rot="13889773" flipH="1" flipV="1">
-            <a:off x="5243741" y="1326305"/>
-            <a:ext cx="5193195" cy="3739505"/>
-          </a:xfrm>
-          <a:prstGeom prst="arc">
-            <a:avLst>
-              <a:gd name="adj1" fmla="val 11463417"/>
-              <a:gd name="adj2" fmla="val 19922351"/>
-            </a:avLst>
-          </a:prstGeom>
-          <a:ln w="38100">
-            <a:headEnd type="none" w="med" len="med"/>
-            <a:tailEnd type="triangle" w="lg" len="lg"/>
-          </a:ln>
-        </p:spPr>
-        <p:style>
-          <a:lnRef idx="1">
-            <a:schemeClr val="accent1"/>
-          </a:lnRef>
-          <a:fillRef idx="0">
-            <a:schemeClr val="accent1"/>
-          </a:fillRef>
-          <a:effectRef idx="0">
-            <a:schemeClr val="accent1"/>
-          </a:effectRef>
-          <a:fontRef idx="minor">
-            <a:schemeClr val="tx1"/>
-          </a:fontRef>
-        </p:style>
-        <p:txBody>
-          <a:bodyPr rtlCol="0" anchor="ctr"/>
-          <a:lstStyle/>
-          <a:p>
-            <a:pPr algn="ctr"/>
-            <a:endParaRPr lang="en-CA"/>
-          </a:p>
-        </p:txBody>
-      </p:sp>
-      <p:sp>
-        <p:nvSpPr>
-          <p:cNvPr id="29" name="TextBox 28">
-            <a:extLst>
-              <a:ext uri="{FF2B5EF4-FFF2-40B4-BE49-F238E27FC236}">
-                <a16:creationId xmlns:a16="http://schemas.microsoft.com/office/drawing/2014/main" id="{0E3641A7-21FF-4407-ACC9-920FB9C11AFA}"/>
+          <p:cNvPr id="20" name="TextBox 19">
+            <a:extLst>
+              <a:ext uri="{FF2B5EF4-FFF2-40B4-BE49-F238E27FC236}">
+                <a16:creationId xmlns:a16="http://schemas.microsoft.com/office/drawing/2014/main" id="{3DEBFF5A-7786-41EE-85A8-B463C0F42426}"/>
               </a:ext>
             </a:extLst>
           </p:cNvPr>
@@ -6683,9 +5539,9 @@
           <p:nvPr/>
         </p:nvSpPr>
         <p:spPr>
-          <a:xfrm>
-            <a:off x="4674877" y="3539535"/>
-            <a:ext cx="2311139" cy="646331"/>
+          <a:xfrm rot="20360508">
+            <a:off x="3192554" y="3226388"/>
+            <a:ext cx="2312874" cy="369332"/>
           </a:xfrm>
           <a:prstGeom prst="rect">
             <a:avLst/>
@@ -6699,59 +5555,19 @@
           <a:lstStyle/>
           <a:p>
             <a:r>
-              <a:rPr lang="en-CA" dirty="0"/>
-              <a:t>Worker: no SSL on *gameshow</a:t>
-            </a:r>
-          </a:p>
-        </p:txBody>
-      </p:sp>
-      <p:pic>
-        <p:nvPicPr>
-          <p:cNvPr id="25" name="Picture 24">
-            <a:extLst>
-              <a:ext uri="{FF2B5EF4-FFF2-40B4-BE49-F238E27FC236}">
-                <a16:creationId xmlns:a16="http://schemas.microsoft.com/office/drawing/2014/main" id="{8F645A89-6FC5-40B9-8E1D-04D66B7ACAAA}"/>
-              </a:ext>
-            </a:extLst>
-          </p:cNvPr>
-          <p:cNvPicPr>
-            <a:picLocks noChangeAspect="1"/>
-          </p:cNvPicPr>
-          <p:nvPr/>
-        </p:nvPicPr>
-        <p:blipFill>
-          <a:blip r:embed="rId9">
-            <a:clrChange>
-              <a:clrFrom>
-                <a:srgbClr val="000000"/>
-              </a:clrFrom>
-              <a:clrTo>
-                <a:srgbClr val="000000">
-                  <a:alpha val="0"/>
-                </a:srgbClr>
-              </a:clrTo>
-            </a:clrChange>
-          </a:blip>
-          <a:stretch>
-            <a:fillRect/>
-          </a:stretch>
-        </p:blipFill>
-        <p:spPr>
-          <a:xfrm>
-            <a:off x="10405987" y="3920693"/>
-            <a:ext cx="903323" cy="1026970"/>
-          </a:xfrm>
-          <a:prstGeom prst="rect">
-            <a:avLst/>
-          </a:prstGeom>
-        </p:spPr>
-      </p:pic>
-      <p:sp>
-        <p:nvSpPr>
-          <p:cNvPr id="32" name="TextBox 31">
-            <a:extLst>
-              <a:ext uri="{FF2B5EF4-FFF2-40B4-BE49-F238E27FC236}">
-                <a16:creationId xmlns:a16="http://schemas.microsoft.com/office/drawing/2014/main" id="{DB0590A1-23F4-42DE-B060-F05E0295FDD7}"/>
+              <a:rPr lang="en-CA" dirty="0" err="1"/>
+              <a:t>newObserver</a:t>
+            </a:r>
+            <a:endParaRPr lang="en-CA" dirty="0"/>
+          </a:p>
+        </p:txBody>
+      </p:sp>
+      <p:sp>
+        <p:nvSpPr>
+          <p:cNvPr id="12" name="TextBox 11">
+            <a:extLst>
+              <a:ext uri="{FF2B5EF4-FFF2-40B4-BE49-F238E27FC236}">
+                <a16:creationId xmlns:a16="http://schemas.microsoft.com/office/drawing/2014/main" id="{CBCC5FC8-8483-4274-96CA-CF87DC104B93}"/>
               </a:ext>
             </a:extLst>
           </p:cNvPr>
@@ -6760,8 +5576,8 @@
         </p:nvSpPr>
         <p:spPr>
           <a:xfrm>
-            <a:off x="10654472" y="4907270"/>
-            <a:ext cx="1468685" cy="646331"/>
+            <a:off x="0" y="0"/>
+            <a:ext cx="4907902" cy="461665"/>
           </a:xfrm>
           <a:prstGeom prst="rect">
             <a:avLst/>
@@ -6775,80 +5591,18 @@
           <a:lstStyle/>
           <a:p>
             <a:r>
-              <a:rPr lang="en-CA" dirty="0"/>
-              <a:t>Parse </a:t>
-            </a:r>
-            <a:r>
-              <a:rPr lang="en-CA" dirty="0" err="1"/>
-              <a:t>url</a:t>
-            </a:r>
-            <a:r>
-              <a:rPr lang="en-CA" dirty="0"/>
-              <a:t> for my IP address</a:t>
-            </a:r>
-          </a:p>
-        </p:txBody>
-      </p:sp>
-      <p:sp>
-        <p:nvSpPr>
-          <p:cNvPr id="33" name="Arc 32">
-            <a:extLst>
-              <a:ext uri="{FF2B5EF4-FFF2-40B4-BE49-F238E27FC236}">
-                <a16:creationId xmlns:a16="http://schemas.microsoft.com/office/drawing/2014/main" id="{3EEEFB70-3E1C-4FC6-8BF9-BA6CB948DB2B}"/>
-              </a:ext>
-            </a:extLst>
-          </p:cNvPr>
-          <p:cNvSpPr/>
-          <p:nvPr/>
-        </p:nvSpPr>
-        <p:spPr>
-          <a:xfrm flipH="1" flipV="1">
-            <a:off x="1396804" y="1270247"/>
-            <a:ext cx="9988784" cy="5377895"/>
-          </a:xfrm>
-          <a:prstGeom prst="arc">
-            <a:avLst>
-              <a:gd name="adj1" fmla="val 11931196"/>
-              <a:gd name="adj2" fmla="val 213157"/>
-            </a:avLst>
-          </a:prstGeom>
-          <a:ln w="38100">
-            <a:solidFill>
-              <a:srgbClr val="FF0000"/>
-            </a:solidFill>
-            <a:headEnd type="triangle" w="med" len="med"/>
-            <a:tailEnd type="triangle" w="med" len="med"/>
-          </a:ln>
-        </p:spPr>
-        <p:style>
-          <a:lnRef idx="1">
-            <a:schemeClr val="accent1"/>
-          </a:lnRef>
-          <a:fillRef idx="0">
-            <a:schemeClr val="accent1"/>
-          </a:fillRef>
-          <a:effectRef idx="0">
-            <a:schemeClr val="accent1"/>
-          </a:effectRef>
-          <a:fontRef idx="minor">
-            <a:schemeClr val="tx1"/>
-          </a:fontRef>
-        </p:style>
-        <p:txBody>
-          <a:bodyPr rtlCol="0" anchor="ctr"/>
-          <a:lstStyle/>
-          <a:p>
-            <a:pPr algn="ctr"/>
-            <a:endParaRPr lang="en-CA" dirty="0"/>
-          </a:p>
-        </p:txBody>
-      </p:sp>
-      <p:sp>
-        <p:nvSpPr>
-          <p:cNvPr id="34" name="TextBox 33">
-            <a:extLst>
-              <a:ext uri="{FF2B5EF4-FFF2-40B4-BE49-F238E27FC236}">
-                <a16:creationId xmlns:a16="http://schemas.microsoft.com/office/drawing/2014/main" id="{F59675D6-D1BD-47DB-8662-F2B23CA93E81}"/>
+              <a:rPr lang="en-CA" sz="2400" b="1" dirty="0"/>
+              <a:t>Audience Request</a:t>
+            </a:r>
+          </a:p>
+        </p:txBody>
+      </p:sp>
+      <p:sp>
+        <p:nvSpPr>
+          <p:cNvPr id="22" name="TextBox 21">
+            <a:extLst>
+              <a:ext uri="{FF2B5EF4-FFF2-40B4-BE49-F238E27FC236}">
+                <a16:creationId xmlns:a16="http://schemas.microsoft.com/office/drawing/2014/main" id="{DE2BBBAC-841A-4AD8-AC65-12BE29341716}"/>
               </a:ext>
             </a:extLst>
           </p:cNvPr>
@@ -6856,9 +5610,9 @@
           <p:nvPr/>
         </p:nvSpPr>
         <p:spPr>
-          <a:xfrm rot="708815">
-            <a:off x="2601010" y="5969142"/>
-            <a:ext cx="5478845" cy="369332"/>
+          <a:xfrm>
+            <a:off x="116530" y="4067171"/>
+            <a:ext cx="4232461" cy="646331"/>
           </a:xfrm>
           <a:prstGeom prst="rect">
             <a:avLst/>
@@ -6872,63 +5626,23 @@
           <a:lstStyle/>
           <a:p>
             <a:r>
+              <a:rPr lang="en-CA" dirty="0" err="1"/>
+              <a:t>Broacast</a:t>
+            </a:r>
+            <a:r>
               <a:rPr lang="en-CA" dirty="0"/>
-              <a:t>Socket connection @ 24.212.142.167:3000</a:t>
-            </a:r>
-          </a:p>
-        </p:txBody>
-      </p:sp>
-      <p:pic>
-        <p:nvPicPr>
-          <p:cNvPr id="2062" name="Picture 14">
-            <a:extLst>
-              <a:ext uri="{FF2B5EF4-FFF2-40B4-BE49-F238E27FC236}">
-                <a16:creationId xmlns:a16="http://schemas.microsoft.com/office/drawing/2014/main" id="{3436B604-3FFF-47C9-BBAF-AF7A9175D956}"/>
-              </a:ext>
-            </a:extLst>
-          </p:cNvPr>
-          <p:cNvPicPr>
-            <a:picLocks noChangeAspect="1" noChangeArrowheads="1"/>
-          </p:cNvPicPr>
-          <p:nvPr/>
-        </p:nvPicPr>
-        <p:blipFill>
-          <a:blip r:embed="rId10">
-            <a:extLst>
-              <a:ext uri="{28A0092B-C50C-407E-A947-70E740481C1C}">
-                <a14:useLocalDpi xmlns:a14="http://schemas.microsoft.com/office/drawing/2010/main" val="0"/>
-              </a:ext>
-            </a:extLst>
-          </a:blip>
-          <a:srcRect/>
-          <a:stretch>
-            <a:fillRect/>
-          </a:stretch>
-        </p:blipFill>
-        <p:spPr bwMode="auto">
-          <a:xfrm>
-            <a:off x="122485" y="2944310"/>
-            <a:ext cx="1202435" cy="733192"/>
-          </a:xfrm>
-          <a:prstGeom prst="rect">
-            <a:avLst/>
-          </a:prstGeom>
-          <a:noFill/>
-          <a:extLst>
-            <a:ext uri="{909E8E84-426E-40DD-AFC4-6F175D3DCCD1}">
-              <a14:hiddenFill xmlns:a14="http://schemas.microsoft.com/office/drawing/2010/main">
-                <a:solidFill>
-                  <a:srgbClr val="FFFFFF"/>
-                </a:solidFill>
-              </a14:hiddenFill>
-            </a:ext>
-          </a:extLst>
-        </p:spPr>
-      </p:pic>
+              <a:t> to ONLY the socket trying to join</a:t>
+            </a:r>
+          </a:p>
+          <a:p>
+            <a:endParaRPr lang="en-CA" dirty="0"/>
+          </a:p>
+        </p:txBody>
+      </p:sp>
     </p:spTree>
     <p:extLst>
       <p:ext uri="{BB962C8B-B14F-4D97-AF65-F5344CB8AC3E}">
-        <p14:creationId xmlns:p14="http://schemas.microsoft.com/office/powerpoint/2010/main" val="1160604219"/>
+        <p14:creationId xmlns:p14="http://schemas.microsoft.com/office/powerpoint/2010/main" val="2061288246"/>
       </p:ext>
     </p:extLst>
   </p:cSld>
@@ -6955,203 +5669,482 @@
           <a:chExt cx="0" cy="0"/>
         </a:xfrm>
       </p:grpSpPr>
-      <p:sp>
-        <p:nvSpPr>
-          <p:cNvPr id="2" name="Title 1">
-            <a:extLst>
-              <a:ext uri="{FF2B5EF4-FFF2-40B4-BE49-F238E27FC236}">
-                <a16:creationId xmlns:a16="http://schemas.microsoft.com/office/drawing/2014/main" id="{F834305A-B403-4127-8A5F-0ACDF6A6BB40}"/>
-              </a:ext>
-            </a:extLst>
-          </p:cNvPr>
-          <p:cNvSpPr>
-            <a:spLocks noGrp="1"/>
-          </p:cNvSpPr>
-          <p:nvPr>
-            <p:ph type="title"/>
-          </p:nvPr>
-        </p:nvSpPr>
-        <p:spPr>
-          <a:xfrm>
-            <a:off x="150223" y="0"/>
-            <a:ext cx="7896497" cy="740864"/>
-          </a:xfrm>
-        </p:spPr>
-        <p:txBody>
-          <a:bodyPr/>
+      <p:pic>
+        <p:nvPicPr>
+          <p:cNvPr id="1028" name="Picture 4" descr="Dedicated Server PNG Image | Server, Dedication, Png images">
+            <a:extLst>
+              <a:ext uri="{FF2B5EF4-FFF2-40B4-BE49-F238E27FC236}">
+                <a16:creationId xmlns:a16="http://schemas.microsoft.com/office/drawing/2014/main" id="{B259F46C-6CBA-4D56-93C3-3D41AC3A6B13}"/>
+              </a:ext>
+            </a:extLst>
+          </p:cNvPr>
+          <p:cNvPicPr>
+            <a:picLocks noChangeAspect="1" noChangeArrowheads="1"/>
+          </p:cNvPicPr>
+          <p:nvPr/>
+        </p:nvPicPr>
+        <p:blipFill>
+          <a:blip r:embed="rId2">
+            <a:extLst>
+              <a:ext uri="{28A0092B-C50C-407E-A947-70E740481C1C}">
+                <a14:useLocalDpi xmlns:a14="http://schemas.microsoft.com/office/drawing/2010/main" val="0"/>
+              </a:ext>
+            </a:extLst>
+          </a:blip>
+          <a:srcRect/>
+          <a:stretch>
+            <a:fillRect/>
+          </a:stretch>
+        </p:blipFill>
+        <p:spPr bwMode="auto">
+          <a:xfrm>
+            <a:off x="5268415" y="280021"/>
+            <a:ext cx="757916" cy="1021909"/>
+          </a:xfrm>
+          <a:prstGeom prst="rect">
+            <a:avLst/>
+          </a:prstGeom>
+          <a:noFill/>
+          <a:extLst>
+            <a:ext uri="{909E8E84-426E-40DD-AFC4-6F175D3DCCD1}">
+              <a14:hiddenFill xmlns:a14="http://schemas.microsoft.com/office/drawing/2010/main">
+                <a:solidFill>
+                  <a:srgbClr val="FFFFFF"/>
+                </a:solidFill>
+              </a14:hiddenFill>
+            </a:ext>
+          </a:extLst>
+        </p:spPr>
+      </p:pic>
+      <p:pic>
+        <p:nvPicPr>
+          <p:cNvPr id="1030" name="Picture 6" descr="Laptop Clip Art At Clker Com Vector - Laptop Black And White Clip ...">
+            <a:extLst>
+              <a:ext uri="{FF2B5EF4-FFF2-40B4-BE49-F238E27FC236}">
+                <a16:creationId xmlns:a16="http://schemas.microsoft.com/office/drawing/2014/main" id="{260BCD3F-BD74-4543-B965-10ECD47442A9}"/>
+              </a:ext>
+            </a:extLst>
+          </p:cNvPr>
+          <p:cNvPicPr>
+            <a:picLocks noChangeAspect="1" noChangeArrowheads="1"/>
+          </p:cNvPicPr>
+          <p:nvPr/>
+        </p:nvPicPr>
+        <p:blipFill>
+          <a:blip r:embed="rId3">
+            <a:clrChange>
+              <a:clrFrom>
+                <a:srgbClr val="F6F6F6"/>
+              </a:clrFrom>
+              <a:clrTo>
+                <a:srgbClr val="F6F6F6">
+                  <a:alpha val="0"/>
+                </a:srgbClr>
+              </a:clrTo>
+            </a:clrChange>
+            <a:extLst>
+              <a:ext uri="{28A0092B-C50C-407E-A947-70E740481C1C}">
+                <a14:useLocalDpi xmlns:a14="http://schemas.microsoft.com/office/drawing/2010/main" val="0"/>
+              </a:ext>
+            </a:extLst>
+          </a:blip>
+          <a:srcRect/>
+          <a:stretch>
+            <a:fillRect/>
+          </a:stretch>
+        </p:blipFill>
+        <p:spPr bwMode="auto">
+          <a:xfrm>
+            <a:off x="7836444" y="280021"/>
+            <a:ext cx="1632673" cy="1353925"/>
+          </a:xfrm>
+          <a:prstGeom prst="rect">
+            <a:avLst/>
+          </a:prstGeom>
+          <a:noFill/>
+          <a:extLst>
+            <a:ext uri="{909E8E84-426E-40DD-AFC4-6F175D3DCCD1}">
+              <a14:hiddenFill xmlns:a14="http://schemas.microsoft.com/office/drawing/2010/main">
+                <a:solidFill>
+                  <a:srgbClr val="FFFFFF"/>
+                </a:solidFill>
+              </a14:hiddenFill>
+            </a:ext>
+          </a:extLst>
+        </p:spPr>
+      </p:pic>
+      <p:cxnSp>
+        <p:nvCxnSpPr>
+          <p:cNvPr id="5" name="Straight Connector 4">
+            <a:extLst>
+              <a:ext uri="{FF2B5EF4-FFF2-40B4-BE49-F238E27FC236}">
+                <a16:creationId xmlns:a16="http://schemas.microsoft.com/office/drawing/2014/main" id="{BF9CACD2-A8C3-491E-BE07-2BE5E2CD73AD}"/>
+              </a:ext>
+            </a:extLst>
+          </p:cNvPr>
+          <p:cNvCxnSpPr/>
+          <p:nvPr/>
+        </p:nvCxnSpPr>
+        <p:spPr>
+          <a:xfrm>
+            <a:off x="5738677" y="1491343"/>
+            <a:ext cx="0" cy="3875314"/>
+          </a:xfrm>
+          <a:prstGeom prst="line">
+            <a:avLst/>
+          </a:prstGeom>
+          <a:ln w="28575">
+            <a:solidFill>
+              <a:schemeClr val="accent1"/>
+            </a:solidFill>
+          </a:ln>
+        </p:spPr>
+        <p:style>
+          <a:lnRef idx="1">
+            <a:schemeClr val="accent1"/>
+          </a:lnRef>
+          <a:fillRef idx="0">
+            <a:schemeClr val="accent1"/>
+          </a:fillRef>
+          <a:effectRef idx="0">
+            <a:schemeClr val="accent1"/>
+          </a:effectRef>
+          <a:fontRef idx="minor">
+            <a:schemeClr val="tx1"/>
+          </a:fontRef>
+        </p:style>
+      </p:cxnSp>
+      <p:cxnSp>
+        <p:nvCxnSpPr>
+          <p:cNvPr id="9" name="Straight Connector 8">
+            <a:extLst>
+              <a:ext uri="{FF2B5EF4-FFF2-40B4-BE49-F238E27FC236}">
+                <a16:creationId xmlns:a16="http://schemas.microsoft.com/office/drawing/2014/main" id="{E670D51B-3EFE-40B0-8EFE-090055CE2ADF}"/>
+              </a:ext>
+            </a:extLst>
+          </p:cNvPr>
+          <p:cNvCxnSpPr>
+            <a:cxnSpLocks/>
+          </p:cNvCxnSpPr>
+          <p:nvPr/>
+        </p:nvCxnSpPr>
+        <p:spPr>
+          <a:xfrm flipH="1">
+            <a:off x="5895703" y="1491343"/>
+            <a:ext cx="2386148" cy="607423"/>
+          </a:xfrm>
+          <a:prstGeom prst="line">
+            <a:avLst/>
+          </a:prstGeom>
+          <a:ln w="28575">
+            <a:solidFill>
+              <a:srgbClr val="FFC000"/>
+            </a:solidFill>
+            <a:headEnd type="none" w="lg" len="lg"/>
+            <a:tailEnd type="triangle" w="lg" len="lg"/>
+          </a:ln>
+        </p:spPr>
+        <p:style>
+          <a:lnRef idx="1">
+            <a:schemeClr val="accent1"/>
+          </a:lnRef>
+          <a:fillRef idx="0">
+            <a:schemeClr val="accent1"/>
+          </a:fillRef>
+          <a:effectRef idx="0">
+            <a:schemeClr val="accent1"/>
+          </a:effectRef>
+          <a:fontRef idx="minor">
+            <a:schemeClr val="tx1"/>
+          </a:fontRef>
+        </p:style>
+      </p:cxnSp>
+      <p:sp>
+        <p:nvSpPr>
+          <p:cNvPr id="8" name="TextBox 7">
+            <a:extLst>
+              <a:ext uri="{FF2B5EF4-FFF2-40B4-BE49-F238E27FC236}">
+                <a16:creationId xmlns:a16="http://schemas.microsoft.com/office/drawing/2014/main" id="{65DC4DAD-CC47-4B42-99C6-82E0969D7768}"/>
+              </a:ext>
+            </a:extLst>
+          </p:cNvPr>
+          <p:cNvSpPr txBox="1"/>
+          <p:nvPr/>
+        </p:nvSpPr>
+        <p:spPr>
+          <a:xfrm rot="20682798">
+            <a:off x="6467630" y="1696310"/>
+            <a:ext cx="1943468" cy="369332"/>
+          </a:xfrm>
+          <a:prstGeom prst="rect">
+            <a:avLst/>
+          </a:prstGeom>
+          <a:noFill/>
+        </p:spPr>
+        <p:txBody>
+          <a:bodyPr wrap="square" rtlCol="0">
+            <a:spAutoFit/>
+          </a:bodyPr>
+          <a:lstStyle/>
+          <a:p>
+            <a:r>
+              <a:rPr lang="en-CA" dirty="0" err="1"/>
+              <a:t>hostRequest</a:t>
+            </a:r>
+            <a:endParaRPr lang="en-CA" dirty="0"/>
+          </a:p>
+        </p:txBody>
+      </p:sp>
+      <p:cxnSp>
+        <p:nvCxnSpPr>
+          <p:cNvPr id="18" name="Straight Connector 17">
+            <a:extLst>
+              <a:ext uri="{FF2B5EF4-FFF2-40B4-BE49-F238E27FC236}">
+                <a16:creationId xmlns:a16="http://schemas.microsoft.com/office/drawing/2014/main" id="{552C052E-6206-488F-AF55-75D03BDB9B43}"/>
+              </a:ext>
+            </a:extLst>
+          </p:cNvPr>
+          <p:cNvCxnSpPr>
+            <a:cxnSpLocks/>
+          </p:cNvCxnSpPr>
+          <p:nvPr/>
+        </p:nvCxnSpPr>
+        <p:spPr>
+          <a:xfrm flipH="1">
+            <a:off x="2952572" y="2807111"/>
+            <a:ext cx="2609121" cy="973037"/>
+          </a:xfrm>
+          <a:prstGeom prst="line">
+            <a:avLst/>
+          </a:prstGeom>
+          <a:ln w="28575">
+            <a:solidFill>
+              <a:srgbClr val="92D050"/>
+            </a:solidFill>
+            <a:headEnd type="none" w="lg" len="lg"/>
+            <a:tailEnd type="triangle" w="lg" len="lg"/>
+          </a:ln>
+        </p:spPr>
+        <p:style>
+          <a:lnRef idx="1">
+            <a:schemeClr val="accent1"/>
+          </a:lnRef>
+          <a:fillRef idx="0">
+            <a:schemeClr val="accent1"/>
+          </a:fillRef>
+          <a:effectRef idx="0">
+            <a:schemeClr val="accent1"/>
+          </a:effectRef>
+          <a:fontRef idx="minor">
+            <a:schemeClr val="tx1"/>
+          </a:fontRef>
+        </p:style>
+      </p:cxnSp>
+      <p:sp>
+        <p:nvSpPr>
+          <p:cNvPr id="20" name="TextBox 19">
+            <a:extLst>
+              <a:ext uri="{FF2B5EF4-FFF2-40B4-BE49-F238E27FC236}">
+                <a16:creationId xmlns:a16="http://schemas.microsoft.com/office/drawing/2014/main" id="{3DEBFF5A-7786-41EE-85A8-B463C0F42426}"/>
+              </a:ext>
+            </a:extLst>
+          </p:cNvPr>
+          <p:cNvSpPr txBox="1"/>
+          <p:nvPr/>
+        </p:nvSpPr>
+        <p:spPr>
+          <a:xfrm rot="20360508">
+            <a:off x="3192554" y="3226388"/>
+            <a:ext cx="2312874" cy="369332"/>
+          </a:xfrm>
+          <a:prstGeom prst="rect">
+            <a:avLst/>
+          </a:prstGeom>
+          <a:noFill/>
+        </p:spPr>
+        <p:txBody>
+          <a:bodyPr wrap="square" rtlCol="0">
+            <a:spAutoFit/>
+          </a:bodyPr>
+          <a:lstStyle/>
+          <a:p>
+            <a:r>
+              <a:rPr lang="en-CA" dirty="0" err="1"/>
+              <a:t>newCastMember</a:t>
+            </a:r>
+            <a:endParaRPr lang="en-CA" dirty="0"/>
+          </a:p>
+        </p:txBody>
+      </p:sp>
+      <p:sp>
+        <p:nvSpPr>
+          <p:cNvPr id="12" name="TextBox 11">
+            <a:extLst>
+              <a:ext uri="{FF2B5EF4-FFF2-40B4-BE49-F238E27FC236}">
+                <a16:creationId xmlns:a16="http://schemas.microsoft.com/office/drawing/2014/main" id="{CBCC5FC8-8483-4274-96CA-CF87DC104B93}"/>
+              </a:ext>
+            </a:extLst>
+          </p:cNvPr>
+          <p:cNvSpPr txBox="1"/>
+          <p:nvPr/>
+        </p:nvSpPr>
+        <p:spPr>
+          <a:xfrm>
+            <a:off x="0" y="0"/>
+            <a:ext cx="4907902" cy="461665"/>
+          </a:xfrm>
+          <a:prstGeom prst="rect">
+            <a:avLst/>
+          </a:prstGeom>
+          <a:noFill/>
+        </p:spPr>
+        <p:txBody>
+          <a:bodyPr wrap="square" rtlCol="0">
+            <a:spAutoFit/>
+          </a:bodyPr>
+          <a:lstStyle/>
+          <a:p>
+            <a:r>
+              <a:rPr lang="en-CA" sz="2400" b="1" dirty="0"/>
+              <a:t>Host Request</a:t>
+            </a:r>
+          </a:p>
+        </p:txBody>
+      </p:sp>
+      <p:sp>
+        <p:nvSpPr>
+          <p:cNvPr id="22" name="TextBox 21">
+            <a:extLst>
+              <a:ext uri="{FF2B5EF4-FFF2-40B4-BE49-F238E27FC236}">
+                <a16:creationId xmlns:a16="http://schemas.microsoft.com/office/drawing/2014/main" id="{DE2BBBAC-841A-4AD8-AC65-12BE29341716}"/>
+              </a:ext>
+            </a:extLst>
+          </p:cNvPr>
+          <p:cNvSpPr txBox="1"/>
+          <p:nvPr/>
+        </p:nvSpPr>
+        <p:spPr>
+          <a:xfrm>
+            <a:off x="116530" y="4067171"/>
+            <a:ext cx="4232461" cy="646331"/>
+          </a:xfrm>
+          <a:prstGeom prst="rect">
+            <a:avLst/>
+          </a:prstGeom>
+          <a:noFill/>
+        </p:spPr>
+        <p:txBody>
+          <a:bodyPr wrap="square" rtlCol="0">
+            <a:spAutoFit/>
+          </a:bodyPr>
           <a:lstStyle/>
           <a:p>
             <a:r>
               <a:rPr lang="en-CA" dirty="0"/>
-              <a:t>Worker Threw an Exception</a:t>
-            </a:r>
-          </a:p>
-        </p:txBody>
-      </p:sp>
-      <p:sp>
-        <p:nvSpPr>
-          <p:cNvPr id="3" name="Content Placeholder 2">
-            <a:extLst>
-              <a:ext uri="{FF2B5EF4-FFF2-40B4-BE49-F238E27FC236}">
-                <a16:creationId xmlns:a16="http://schemas.microsoft.com/office/drawing/2014/main" id="{0AAB999F-6D84-41DC-8140-C86A79AA1013}"/>
-              </a:ext>
-            </a:extLst>
-          </p:cNvPr>
-          <p:cNvSpPr>
-            <a:spLocks noGrp="1"/>
-          </p:cNvSpPr>
-          <p:nvPr>
-            <p:ph idx="1"/>
-          </p:nvPr>
-        </p:nvSpPr>
-        <p:spPr>
-          <a:xfrm>
-            <a:off x="315686" y="815431"/>
-            <a:ext cx="10515600" cy="4351338"/>
-          </a:xfrm>
-        </p:spPr>
-        <p:txBody>
-          <a:bodyPr>
-            <a:normAutofit lnSpcReduction="10000"/>
+              <a:t>Broadcast to ONLY the socket trying to join</a:t>
+            </a:r>
+          </a:p>
+          <a:p>
+            <a:endParaRPr lang="en-CA" dirty="0"/>
+          </a:p>
+        </p:txBody>
+      </p:sp>
+      <p:sp>
+        <p:nvSpPr>
+          <p:cNvPr id="14" name="TextBox 13">
+            <a:extLst>
+              <a:ext uri="{FF2B5EF4-FFF2-40B4-BE49-F238E27FC236}">
+                <a16:creationId xmlns:a16="http://schemas.microsoft.com/office/drawing/2014/main" id="{D7135AA9-278D-4E16-97B9-07679DB7C4D9}"/>
+              </a:ext>
+            </a:extLst>
+          </p:cNvPr>
+          <p:cNvSpPr txBox="1"/>
+          <p:nvPr/>
+        </p:nvSpPr>
+        <p:spPr>
+          <a:xfrm>
+            <a:off x="9366481" y="317726"/>
+            <a:ext cx="2690588" cy="1477328"/>
+          </a:xfrm>
+          <a:prstGeom prst="rect">
+            <a:avLst/>
+          </a:prstGeom>
+          <a:noFill/>
+        </p:spPr>
+        <p:txBody>
+          <a:bodyPr wrap="square" rtlCol="0">
+            <a:spAutoFit/>
           </a:bodyPr>
           <a:lstStyle/>
           <a:p>
-            <a:pPr fontAlgn="t"/>
-            <a:r>
-              <a:rPr lang="en-CA" b="1" dirty="0"/>
-              <a:t>Request URL: </a:t>
-            </a:r>
-          </a:p>
-          <a:p>
-            <a:pPr marL="457200" lvl="1" indent="0" latinLnBrk="1">
-              <a:buNone/>
-            </a:pPr>
-            <a:r>
-              <a:rPr lang="en-CA" dirty="0">
-                <a:hlinkClick r:id="rId2"/>
-              </a:rPr>
-              <a:t>https://gameshow.geoffspielman.com/gamesocket/?ip=24.212.142.167&amp;EIO=3&amp;transport=polling&amp;t=N7C6_EQ</a:t>
+            <a:r>
+              <a:rPr lang="en-CA" dirty="0"/>
+              <a:t>Host lands on index, clicks “I am Garrett”</a:t>
+            </a:r>
+          </a:p>
+          <a:p>
+            <a:r>
+              <a:rPr lang="en-CA" dirty="0" err="1"/>
+              <a:t>playerName</a:t>
+            </a:r>
+            <a:r>
+              <a:rPr lang="en-CA" dirty="0"/>
+              <a:t> = </a:t>
+            </a:r>
+            <a:r>
+              <a:rPr lang="en-CA" dirty="0" err="1"/>
+              <a:t>HOST_GARRETT</a:t>
             </a:r>
             <a:endParaRPr lang="en-CA" dirty="0"/>
           </a:p>
           <a:p>
-            <a:pPr fontAlgn="t"/>
-            <a:r>
-              <a:rPr lang="en-CA" b="1" dirty="0"/>
-              <a:t>Request Method: </a:t>
-            </a:r>
-          </a:p>
-          <a:p>
-            <a:pPr marL="0" indent="0" latinLnBrk="1">
-              <a:buNone/>
-            </a:pPr>
+            <a:endParaRPr lang="en-CA" dirty="0"/>
+          </a:p>
+        </p:txBody>
+      </p:sp>
+      <p:sp>
+        <p:nvSpPr>
+          <p:cNvPr id="15" name="TextBox 14">
+            <a:extLst>
+              <a:ext uri="{FF2B5EF4-FFF2-40B4-BE49-F238E27FC236}">
+                <a16:creationId xmlns:a16="http://schemas.microsoft.com/office/drawing/2014/main" id="{A0608BED-905A-472D-BF68-DEC92BAC6DCD}"/>
+              </a:ext>
+            </a:extLst>
+          </p:cNvPr>
+          <p:cNvSpPr txBox="1"/>
+          <p:nvPr/>
+        </p:nvSpPr>
+        <p:spPr>
+          <a:xfrm>
+            <a:off x="5981135" y="2504719"/>
+            <a:ext cx="2690588" cy="369332"/>
+          </a:xfrm>
+          <a:prstGeom prst="rect">
+            <a:avLst/>
+          </a:prstGeom>
+          <a:noFill/>
+        </p:spPr>
+        <p:txBody>
+          <a:bodyPr wrap="square" rtlCol="0">
+            <a:spAutoFit/>
+          </a:bodyPr>
+          <a:lstStyle/>
+          <a:p>
+            <a:r>
+              <a:rPr lang="en-CA" dirty="0" err="1"/>
+              <a:t>HostSocketID</a:t>
+            </a:r>
             <a:r>
               <a:rPr lang="en-CA" dirty="0"/>
-              <a:t>	GET</a:t>
-            </a:r>
-          </a:p>
-          <a:p>
-            <a:pPr fontAlgn="t"/>
-            <a:r>
-              <a:rPr lang="en-CA" b="1" dirty="0"/>
-              <a:t>path: </a:t>
-            </a:r>
-          </a:p>
-          <a:p>
-            <a:pPr marL="457200" lvl="1" indent="0" latinLnBrk="1">
-              <a:buNone/>
-            </a:pPr>
-            <a:r>
-              <a:rPr lang="en-CA" dirty="0"/>
-              <a:t>/</a:t>
-            </a:r>
-            <a:r>
-              <a:rPr lang="en-CA" dirty="0" err="1"/>
-              <a:t>gamesocket</a:t>
-            </a:r>
-            <a:r>
-              <a:rPr lang="en-CA" dirty="0"/>
-              <a:t>/?</a:t>
-            </a:r>
-            <a:r>
-              <a:rPr lang="en-CA" dirty="0" err="1"/>
-              <a:t>ip</a:t>
-            </a:r>
-            <a:r>
-              <a:rPr lang="en-CA" dirty="0"/>
-              <a:t>=</a:t>
-            </a:r>
-            <a:r>
-              <a:rPr lang="en-CA" dirty="0" err="1"/>
-              <a:t>24.212.142.167&amp;EIO</a:t>
-            </a:r>
-            <a:r>
-              <a:rPr lang="en-CA" dirty="0"/>
-              <a:t>=</a:t>
-            </a:r>
-            <a:r>
-              <a:rPr lang="en-CA" dirty="0" err="1"/>
-              <a:t>3&amp;transport</a:t>
-            </a:r>
-            <a:r>
-              <a:rPr lang="en-CA" dirty="0"/>
-              <a:t>=</a:t>
-            </a:r>
-            <a:r>
-              <a:rPr lang="en-CA" dirty="0" err="1"/>
-              <a:t>polling&amp;t</a:t>
-            </a:r>
-            <a:r>
-              <a:rPr lang="en-CA" dirty="0"/>
-              <a:t>=</a:t>
-            </a:r>
-            <a:r>
-              <a:rPr lang="en-CA" dirty="0" err="1"/>
-              <a:t>N7C6_EQ</a:t>
-            </a:r>
-            <a:endParaRPr lang="en-CA" dirty="0"/>
-          </a:p>
-          <a:p>
-            <a:pPr marL="457200" lvl="1" indent="0" latinLnBrk="1">
-              <a:buNone/>
-            </a:pPr>
-            <a:endParaRPr lang="en-CA" dirty="0"/>
-          </a:p>
-          <a:p>
-            <a:pPr latinLnBrk="1"/>
-            <a:r>
-              <a:rPr lang="en-CA" b="1" dirty="0"/>
-              <a:t>Query String Parameters</a:t>
-            </a:r>
-          </a:p>
-          <a:p>
-            <a:pPr marL="457200" lvl="1" indent="0" latinLnBrk="1">
-              <a:buNone/>
-            </a:pPr>
-            <a:r>
-              <a:rPr lang="en-CA" dirty="0" err="1"/>
-              <a:t>ip</a:t>
-            </a:r>
-            <a:r>
-              <a:rPr lang="en-CA" dirty="0"/>
-              <a:t>: 24.212.142.167</a:t>
-            </a:r>
-          </a:p>
-          <a:p>
-            <a:pPr marL="457200" lvl="1" indent="0" latinLnBrk="1">
-              <a:buNone/>
-            </a:pPr>
-            <a:endParaRPr lang="en-CA" dirty="0"/>
-          </a:p>
-          <a:p>
-            <a:endParaRPr lang="en-CA" dirty="0"/>
+              <a:t> is recorded</a:t>
+            </a:r>
           </a:p>
         </p:txBody>
       </p:sp>
     </p:spTree>
     <p:extLst>
       <p:ext uri="{BB962C8B-B14F-4D97-AF65-F5344CB8AC3E}">
-        <p14:creationId xmlns:p14="http://schemas.microsoft.com/office/powerpoint/2010/main" val="545528636"/>
+        <p14:creationId xmlns:p14="http://schemas.microsoft.com/office/powerpoint/2010/main" val="3693801284"/>
       </p:ext>
     </p:extLst>
   </p:cSld>
@@ -7178,105 +6171,482 @@
           <a:chExt cx="0" cy="0"/>
         </a:xfrm>
       </p:grpSpPr>
-      <p:sp>
-        <p:nvSpPr>
-          <p:cNvPr id="2" name="Title 1">
-            <a:extLst>
-              <a:ext uri="{FF2B5EF4-FFF2-40B4-BE49-F238E27FC236}">
-                <a16:creationId xmlns:a16="http://schemas.microsoft.com/office/drawing/2014/main" id="{22BE46A5-BE5C-40A2-B259-1E44E2202981}"/>
-              </a:ext>
-            </a:extLst>
-          </p:cNvPr>
-          <p:cNvSpPr>
-            <a:spLocks noGrp="1"/>
-          </p:cNvSpPr>
-          <p:nvPr>
-            <p:ph type="title"/>
-          </p:nvPr>
-        </p:nvSpPr>
-        <p:spPr>
-          <a:xfrm>
-            <a:off x="91751" y="85207"/>
-            <a:ext cx="5021424" cy="586597"/>
-          </a:xfrm>
-        </p:spPr>
-        <p:txBody>
-          <a:bodyPr>
-            <a:normAutofit fontScale="90000"/>
-          </a:bodyPr>
-          <a:lstStyle/>
-          <a:p>
-            <a:r>
-              <a:rPr lang="en-CA" dirty="0"/>
-              <a:t>New Error message:</a:t>
-            </a:r>
-          </a:p>
-        </p:txBody>
-      </p:sp>
       <p:pic>
         <p:nvPicPr>
-          <p:cNvPr id="5" name="Picture 4">
-            <a:extLst>
-              <a:ext uri="{FF2B5EF4-FFF2-40B4-BE49-F238E27FC236}">
-                <a16:creationId xmlns:a16="http://schemas.microsoft.com/office/drawing/2014/main" id="{BEE605A6-0264-4B7A-90FE-DC90AD14840C}"/>
+          <p:cNvPr id="1028" name="Picture 4" descr="Dedicated Server PNG Image | Server, Dedication, Png images">
+            <a:extLst>
+              <a:ext uri="{FF2B5EF4-FFF2-40B4-BE49-F238E27FC236}">
+                <a16:creationId xmlns:a16="http://schemas.microsoft.com/office/drawing/2014/main" id="{B259F46C-6CBA-4D56-93C3-3D41AC3A6B13}"/>
               </a:ext>
             </a:extLst>
           </p:cNvPr>
           <p:cNvPicPr>
-            <a:picLocks noChangeAspect="1"/>
+            <a:picLocks noChangeAspect="1" noChangeArrowheads="1"/>
           </p:cNvPicPr>
           <p:nvPr/>
         </p:nvPicPr>
         <p:blipFill>
-          <a:blip r:embed="rId2"/>
+          <a:blip r:embed="rId2">
+            <a:extLst>
+              <a:ext uri="{28A0092B-C50C-407E-A947-70E740481C1C}">
+                <a14:useLocalDpi xmlns:a14="http://schemas.microsoft.com/office/drawing/2010/main" val="0"/>
+              </a:ext>
+            </a:extLst>
+          </a:blip>
+          <a:srcRect/>
           <a:stretch>
             <a:fillRect/>
           </a:stretch>
         </p:blipFill>
-        <p:spPr>
-          <a:xfrm>
-            <a:off x="167272" y="2448309"/>
-            <a:ext cx="6485455" cy="4199750"/>
-          </a:xfrm>
-          <a:prstGeom prst="rect">
-            <a:avLst/>
-          </a:prstGeom>
+        <p:spPr bwMode="auto">
+          <a:xfrm>
+            <a:off x="5268415" y="280021"/>
+            <a:ext cx="757916" cy="1021909"/>
+          </a:xfrm>
+          <a:prstGeom prst="rect">
+            <a:avLst/>
+          </a:prstGeom>
+          <a:noFill/>
+          <a:extLst>
+            <a:ext uri="{909E8E84-426E-40DD-AFC4-6F175D3DCCD1}">
+              <a14:hiddenFill xmlns:a14="http://schemas.microsoft.com/office/drawing/2010/main">
+                <a:solidFill>
+                  <a:srgbClr val="FFFFFF"/>
+                </a:solidFill>
+              </a14:hiddenFill>
+            </a:ext>
+          </a:extLst>
         </p:spPr>
       </p:pic>
       <p:pic>
         <p:nvPicPr>
-          <p:cNvPr id="6" name="Picture 5">
-            <a:extLst>
-              <a:ext uri="{FF2B5EF4-FFF2-40B4-BE49-F238E27FC236}">
-                <a16:creationId xmlns:a16="http://schemas.microsoft.com/office/drawing/2014/main" id="{C0BFDC74-9E0A-4DF7-9217-4989DD5552BF}"/>
+          <p:cNvPr id="1030" name="Picture 6" descr="Laptop Clip Art At Clker Com Vector - Laptop Black And White Clip ...">
+            <a:extLst>
+              <a:ext uri="{FF2B5EF4-FFF2-40B4-BE49-F238E27FC236}">
+                <a16:creationId xmlns:a16="http://schemas.microsoft.com/office/drawing/2014/main" id="{260BCD3F-BD74-4543-B965-10ECD47442A9}"/>
               </a:ext>
             </a:extLst>
           </p:cNvPr>
           <p:cNvPicPr>
-            <a:picLocks noChangeAspect="1"/>
+            <a:picLocks noChangeAspect="1" noChangeArrowheads="1"/>
           </p:cNvPicPr>
           <p:nvPr/>
         </p:nvPicPr>
         <p:blipFill>
-          <a:blip r:embed="rId3"/>
+          <a:blip r:embed="rId3">
+            <a:clrChange>
+              <a:clrFrom>
+                <a:srgbClr val="F6F6F6"/>
+              </a:clrFrom>
+              <a:clrTo>
+                <a:srgbClr val="F6F6F6">
+                  <a:alpha val="0"/>
+                </a:srgbClr>
+              </a:clrTo>
+            </a:clrChange>
+            <a:extLst>
+              <a:ext uri="{28A0092B-C50C-407E-A947-70E740481C1C}">
+                <a14:useLocalDpi xmlns:a14="http://schemas.microsoft.com/office/drawing/2010/main" val="0"/>
+              </a:ext>
+            </a:extLst>
+          </a:blip>
+          <a:srcRect/>
           <a:stretch>
             <a:fillRect/>
           </a:stretch>
         </p:blipFill>
-        <p:spPr>
-          <a:xfrm>
-            <a:off x="4432638" y="168598"/>
-            <a:ext cx="7174644" cy="2196320"/>
-          </a:xfrm>
-          <a:prstGeom prst="rect">
-            <a:avLst/>
-          </a:prstGeom>
+        <p:spPr bwMode="auto">
+          <a:xfrm>
+            <a:off x="7836444" y="280021"/>
+            <a:ext cx="1632673" cy="1353925"/>
+          </a:xfrm>
+          <a:prstGeom prst="rect">
+            <a:avLst/>
+          </a:prstGeom>
+          <a:noFill/>
+          <a:extLst>
+            <a:ext uri="{909E8E84-426E-40DD-AFC4-6F175D3DCCD1}">
+              <a14:hiddenFill xmlns:a14="http://schemas.microsoft.com/office/drawing/2010/main">
+                <a:solidFill>
+                  <a:srgbClr val="FFFFFF"/>
+                </a:solidFill>
+              </a14:hiddenFill>
+            </a:ext>
+          </a:extLst>
         </p:spPr>
       </p:pic>
+      <p:cxnSp>
+        <p:nvCxnSpPr>
+          <p:cNvPr id="5" name="Straight Connector 4">
+            <a:extLst>
+              <a:ext uri="{FF2B5EF4-FFF2-40B4-BE49-F238E27FC236}">
+                <a16:creationId xmlns:a16="http://schemas.microsoft.com/office/drawing/2014/main" id="{BF9CACD2-A8C3-491E-BE07-2BE5E2CD73AD}"/>
+              </a:ext>
+            </a:extLst>
+          </p:cNvPr>
+          <p:cNvCxnSpPr/>
+          <p:nvPr/>
+        </p:nvCxnSpPr>
+        <p:spPr>
+          <a:xfrm>
+            <a:off x="5738677" y="1491343"/>
+            <a:ext cx="0" cy="3875314"/>
+          </a:xfrm>
+          <a:prstGeom prst="line">
+            <a:avLst/>
+          </a:prstGeom>
+          <a:ln w="28575">
+            <a:solidFill>
+              <a:schemeClr val="accent1"/>
+            </a:solidFill>
+          </a:ln>
+        </p:spPr>
+        <p:style>
+          <a:lnRef idx="1">
+            <a:schemeClr val="accent1"/>
+          </a:lnRef>
+          <a:fillRef idx="0">
+            <a:schemeClr val="accent1"/>
+          </a:fillRef>
+          <a:effectRef idx="0">
+            <a:schemeClr val="accent1"/>
+          </a:effectRef>
+          <a:fontRef idx="minor">
+            <a:schemeClr val="tx1"/>
+          </a:fontRef>
+        </p:style>
+      </p:cxnSp>
+      <p:cxnSp>
+        <p:nvCxnSpPr>
+          <p:cNvPr id="9" name="Straight Connector 8">
+            <a:extLst>
+              <a:ext uri="{FF2B5EF4-FFF2-40B4-BE49-F238E27FC236}">
+                <a16:creationId xmlns:a16="http://schemas.microsoft.com/office/drawing/2014/main" id="{E670D51B-3EFE-40B0-8EFE-090055CE2ADF}"/>
+              </a:ext>
+            </a:extLst>
+          </p:cNvPr>
+          <p:cNvCxnSpPr>
+            <a:cxnSpLocks/>
+          </p:cNvCxnSpPr>
+          <p:nvPr/>
+        </p:nvCxnSpPr>
+        <p:spPr>
+          <a:xfrm flipH="1">
+            <a:off x="5895703" y="1491343"/>
+            <a:ext cx="2386148" cy="607423"/>
+          </a:xfrm>
+          <a:prstGeom prst="line">
+            <a:avLst/>
+          </a:prstGeom>
+          <a:ln w="28575">
+            <a:solidFill>
+              <a:srgbClr val="FFC000"/>
+            </a:solidFill>
+            <a:headEnd type="none" w="lg" len="lg"/>
+            <a:tailEnd type="triangle" w="lg" len="lg"/>
+          </a:ln>
+        </p:spPr>
+        <p:style>
+          <a:lnRef idx="1">
+            <a:schemeClr val="accent1"/>
+          </a:lnRef>
+          <a:fillRef idx="0">
+            <a:schemeClr val="accent1"/>
+          </a:fillRef>
+          <a:effectRef idx="0">
+            <a:schemeClr val="accent1"/>
+          </a:effectRef>
+          <a:fontRef idx="minor">
+            <a:schemeClr val="tx1"/>
+          </a:fontRef>
+        </p:style>
+      </p:cxnSp>
+      <p:sp>
+        <p:nvSpPr>
+          <p:cNvPr id="8" name="TextBox 7">
+            <a:extLst>
+              <a:ext uri="{FF2B5EF4-FFF2-40B4-BE49-F238E27FC236}">
+                <a16:creationId xmlns:a16="http://schemas.microsoft.com/office/drawing/2014/main" id="{65DC4DAD-CC47-4B42-99C6-82E0969D7768}"/>
+              </a:ext>
+            </a:extLst>
+          </p:cNvPr>
+          <p:cNvSpPr txBox="1"/>
+          <p:nvPr/>
+        </p:nvSpPr>
+        <p:spPr>
+          <a:xfrm rot="20682798">
+            <a:off x="6467630" y="1696310"/>
+            <a:ext cx="1943468" cy="369332"/>
+          </a:xfrm>
+          <a:prstGeom prst="rect">
+            <a:avLst/>
+          </a:prstGeom>
+          <a:noFill/>
+        </p:spPr>
+        <p:txBody>
+          <a:bodyPr wrap="square" rtlCol="0">
+            <a:spAutoFit/>
+          </a:bodyPr>
+          <a:lstStyle/>
+          <a:p>
+            <a:r>
+              <a:rPr lang="en-CA" dirty="0" err="1"/>
+              <a:t>technicianRequest</a:t>
+            </a:r>
+            <a:endParaRPr lang="en-CA" dirty="0"/>
+          </a:p>
+        </p:txBody>
+      </p:sp>
+      <p:sp>
+        <p:nvSpPr>
+          <p:cNvPr id="13" name="TextBox 12">
+            <a:extLst>
+              <a:ext uri="{FF2B5EF4-FFF2-40B4-BE49-F238E27FC236}">
+                <a16:creationId xmlns:a16="http://schemas.microsoft.com/office/drawing/2014/main" id="{06ED55D2-2DBD-4AF4-94D6-1CE632A0A946}"/>
+              </a:ext>
+            </a:extLst>
+          </p:cNvPr>
+          <p:cNvSpPr txBox="1"/>
+          <p:nvPr/>
+        </p:nvSpPr>
+        <p:spPr>
+          <a:xfrm>
+            <a:off x="9469117" y="403648"/>
+            <a:ext cx="2690588" cy="1200329"/>
+          </a:xfrm>
+          <a:prstGeom prst="rect">
+            <a:avLst/>
+          </a:prstGeom>
+          <a:noFill/>
+        </p:spPr>
+        <p:txBody>
+          <a:bodyPr wrap="square" rtlCol="0">
+            <a:spAutoFit/>
+          </a:bodyPr>
+          <a:lstStyle/>
+          <a:p>
+            <a:r>
+              <a:rPr lang="en-CA" dirty="0"/>
+              <a:t>Technician clicks “I am Geoff”, </a:t>
+            </a:r>
+          </a:p>
+          <a:p>
+            <a:r>
+              <a:rPr lang="en-CA" dirty="0" err="1"/>
+              <a:t>playerName</a:t>
+            </a:r>
+            <a:r>
+              <a:rPr lang="en-CA" dirty="0"/>
+              <a:t> = “</a:t>
+            </a:r>
+            <a:r>
+              <a:rPr lang="en-CA" dirty="0" err="1"/>
+              <a:t>TECHNICIAN_GEOFF</a:t>
+            </a:r>
+            <a:r>
+              <a:rPr lang="en-CA" dirty="0"/>
+              <a:t>”</a:t>
+            </a:r>
+          </a:p>
+        </p:txBody>
+      </p:sp>
+      <p:cxnSp>
+        <p:nvCxnSpPr>
+          <p:cNvPr id="18" name="Straight Connector 17">
+            <a:extLst>
+              <a:ext uri="{FF2B5EF4-FFF2-40B4-BE49-F238E27FC236}">
+                <a16:creationId xmlns:a16="http://schemas.microsoft.com/office/drawing/2014/main" id="{552C052E-6206-488F-AF55-75D03BDB9B43}"/>
+              </a:ext>
+            </a:extLst>
+          </p:cNvPr>
+          <p:cNvCxnSpPr>
+            <a:cxnSpLocks/>
+          </p:cNvCxnSpPr>
+          <p:nvPr/>
+        </p:nvCxnSpPr>
+        <p:spPr>
+          <a:xfrm flipH="1">
+            <a:off x="2952572" y="2807111"/>
+            <a:ext cx="2609121" cy="973037"/>
+          </a:xfrm>
+          <a:prstGeom prst="line">
+            <a:avLst/>
+          </a:prstGeom>
+          <a:ln w="28575">
+            <a:solidFill>
+              <a:srgbClr val="92D050"/>
+            </a:solidFill>
+            <a:headEnd type="none" w="lg" len="lg"/>
+            <a:tailEnd type="triangle" w="lg" len="lg"/>
+          </a:ln>
+        </p:spPr>
+        <p:style>
+          <a:lnRef idx="1">
+            <a:schemeClr val="accent1"/>
+          </a:lnRef>
+          <a:fillRef idx="0">
+            <a:schemeClr val="accent1"/>
+          </a:fillRef>
+          <a:effectRef idx="0">
+            <a:schemeClr val="accent1"/>
+          </a:effectRef>
+          <a:fontRef idx="minor">
+            <a:schemeClr val="tx1"/>
+          </a:fontRef>
+        </p:style>
+      </p:cxnSp>
+      <p:sp>
+        <p:nvSpPr>
+          <p:cNvPr id="20" name="TextBox 19">
+            <a:extLst>
+              <a:ext uri="{FF2B5EF4-FFF2-40B4-BE49-F238E27FC236}">
+                <a16:creationId xmlns:a16="http://schemas.microsoft.com/office/drawing/2014/main" id="{3DEBFF5A-7786-41EE-85A8-B463C0F42426}"/>
+              </a:ext>
+            </a:extLst>
+          </p:cNvPr>
+          <p:cNvSpPr txBox="1"/>
+          <p:nvPr/>
+        </p:nvSpPr>
+        <p:spPr>
+          <a:xfrm rot="20360508">
+            <a:off x="3192554" y="3226388"/>
+            <a:ext cx="2312874" cy="369332"/>
+          </a:xfrm>
+          <a:prstGeom prst="rect">
+            <a:avLst/>
+          </a:prstGeom>
+          <a:noFill/>
+        </p:spPr>
+        <p:txBody>
+          <a:bodyPr wrap="square" rtlCol="0">
+            <a:spAutoFit/>
+          </a:bodyPr>
+          <a:lstStyle/>
+          <a:p>
+            <a:r>
+              <a:rPr lang="en-CA" dirty="0" err="1"/>
+              <a:t>newCastMember</a:t>
+            </a:r>
+            <a:endParaRPr lang="en-CA" dirty="0"/>
+          </a:p>
+        </p:txBody>
+      </p:sp>
+      <p:sp>
+        <p:nvSpPr>
+          <p:cNvPr id="12" name="TextBox 11">
+            <a:extLst>
+              <a:ext uri="{FF2B5EF4-FFF2-40B4-BE49-F238E27FC236}">
+                <a16:creationId xmlns:a16="http://schemas.microsoft.com/office/drawing/2014/main" id="{CBCC5FC8-8483-4274-96CA-CF87DC104B93}"/>
+              </a:ext>
+            </a:extLst>
+          </p:cNvPr>
+          <p:cNvSpPr txBox="1"/>
+          <p:nvPr/>
+        </p:nvSpPr>
+        <p:spPr>
+          <a:xfrm>
+            <a:off x="0" y="0"/>
+            <a:ext cx="4907902" cy="461665"/>
+          </a:xfrm>
+          <a:prstGeom prst="rect">
+            <a:avLst/>
+          </a:prstGeom>
+          <a:noFill/>
+        </p:spPr>
+        <p:txBody>
+          <a:bodyPr wrap="square" rtlCol="0">
+            <a:spAutoFit/>
+          </a:bodyPr>
+          <a:lstStyle/>
+          <a:p>
+            <a:r>
+              <a:rPr lang="en-CA" sz="2400" b="1" dirty="0"/>
+              <a:t>Technician Request</a:t>
+            </a:r>
+          </a:p>
+        </p:txBody>
+      </p:sp>
+      <p:sp>
+        <p:nvSpPr>
+          <p:cNvPr id="22" name="TextBox 21">
+            <a:extLst>
+              <a:ext uri="{FF2B5EF4-FFF2-40B4-BE49-F238E27FC236}">
+                <a16:creationId xmlns:a16="http://schemas.microsoft.com/office/drawing/2014/main" id="{DE2BBBAC-841A-4AD8-AC65-12BE29341716}"/>
+              </a:ext>
+            </a:extLst>
+          </p:cNvPr>
+          <p:cNvSpPr txBox="1"/>
+          <p:nvPr/>
+        </p:nvSpPr>
+        <p:spPr>
+          <a:xfrm>
+            <a:off x="116530" y="4067171"/>
+            <a:ext cx="4232461" cy="646331"/>
+          </a:xfrm>
+          <a:prstGeom prst="rect">
+            <a:avLst/>
+          </a:prstGeom>
+          <a:noFill/>
+        </p:spPr>
+        <p:txBody>
+          <a:bodyPr wrap="square" rtlCol="0">
+            <a:spAutoFit/>
+          </a:bodyPr>
+          <a:lstStyle/>
+          <a:p>
+            <a:r>
+              <a:rPr lang="en-CA" dirty="0"/>
+              <a:t>Broadcast to ONLY the socket trying to join</a:t>
+            </a:r>
+          </a:p>
+          <a:p>
+            <a:endParaRPr lang="en-CA" dirty="0"/>
+          </a:p>
+        </p:txBody>
+      </p:sp>
+      <p:sp>
+        <p:nvSpPr>
+          <p:cNvPr id="14" name="TextBox 13">
+            <a:extLst>
+              <a:ext uri="{FF2B5EF4-FFF2-40B4-BE49-F238E27FC236}">
+                <a16:creationId xmlns:a16="http://schemas.microsoft.com/office/drawing/2014/main" id="{0DA9A4E3-86E5-438D-8625-D88A123B31E0}"/>
+              </a:ext>
+            </a:extLst>
+          </p:cNvPr>
+          <p:cNvSpPr txBox="1"/>
+          <p:nvPr/>
+        </p:nvSpPr>
+        <p:spPr>
+          <a:xfrm>
+            <a:off x="5810883" y="2645613"/>
+            <a:ext cx="3487979" cy="369332"/>
+          </a:xfrm>
+          <a:prstGeom prst="rect">
+            <a:avLst/>
+          </a:prstGeom>
+          <a:noFill/>
+        </p:spPr>
+        <p:txBody>
+          <a:bodyPr wrap="square" rtlCol="0">
+            <a:spAutoFit/>
+          </a:bodyPr>
+          <a:lstStyle/>
+          <a:p>
+            <a:r>
+              <a:rPr lang="en-CA" dirty="0" err="1"/>
+              <a:t>technicianSocketID</a:t>
+            </a:r>
+            <a:r>
+              <a:rPr lang="en-CA" dirty="0"/>
+              <a:t> is recorded</a:t>
+            </a:r>
+          </a:p>
+        </p:txBody>
+      </p:sp>
     </p:spTree>
     <p:extLst>
       <p:ext uri="{BB962C8B-B14F-4D97-AF65-F5344CB8AC3E}">
-        <p14:creationId xmlns:p14="http://schemas.microsoft.com/office/powerpoint/2010/main" val="3931187049"/>
+        <p14:creationId xmlns:p14="http://schemas.microsoft.com/office/powerpoint/2010/main" val="1081541350"/>
       </p:ext>
     </p:extLst>
   </p:cSld>
@@ -7303,12 +6673,967 @@
           <a:chExt cx="0" cy="0"/>
         </a:xfrm>
       </p:grpSpPr>
+      <p:pic>
+        <p:nvPicPr>
+          <p:cNvPr id="1028" name="Picture 4" descr="Dedicated Server PNG Image | Server, Dedication, Png images">
+            <a:extLst>
+              <a:ext uri="{FF2B5EF4-FFF2-40B4-BE49-F238E27FC236}">
+                <a16:creationId xmlns:a16="http://schemas.microsoft.com/office/drawing/2014/main" id="{B259F46C-6CBA-4D56-93C3-3D41AC3A6B13}"/>
+              </a:ext>
+            </a:extLst>
+          </p:cNvPr>
+          <p:cNvPicPr>
+            <a:picLocks noChangeAspect="1" noChangeArrowheads="1"/>
+          </p:cNvPicPr>
+          <p:nvPr/>
+        </p:nvPicPr>
+        <p:blipFill>
+          <a:blip r:embed="rId2">
+            <a:extLst>
+              <a:ext uri="{28A0092B-C50C-407E-A947-70E740481C1C}">
+                <a14:useLocalDpi xmlns:a14="http://schemas.microsoft.com/office/drawing/2010/main" val="0"/>
+              </a:ext>
+            </a:extLst>
+          </a:blip>
+          <a:srcRect/>
+          <a:stretch>
+            <a:fillRect/>
+          </a:stretch>
+        </p:blipFill>
+        <p:spPr bwMode="auto">
+          <a:xfrm>
+            <a:off x="5268415" y="280021"/>
+            <a:ext cx="757916" cy="1021909"/>
+          </a:xfrm>
+          <a:prstGeom prst="rect">
+            <a:avLst/>
+          </a:prstGeom>
+          <a:noFill/>
+          <a:extLst>
+            <a:ext uri="{909E8E84-426E-40DD-AFC4-6F175D3DCCD1}">
+              <a14:hiddenFill xmlns:a14="http://schemas.microsoft.com/office/drawing/2010/main">
+                <a:solidFill>
+                  <a:srgbClr val="FFFFFF"/>
+                </a:solidFill>
+              </a14:hiddenFill>
+            </a:ext>
+          </a:extLst>
+        </p:spPr>
+      </p:pic>
+      <p:pic>
+        <p:nvPicPr>
+          <p:cNvPr id="1030" name="Picture 6" descr="Laptop Clip Art At Clker Com Vector - Laptop Black And White Clip ...">
+            <a:extLst>
+              <a:ext uri="{FF2B5EF4-FFF2-40B4-BE49-F238E27FC236}">
+                <a16:creationId xmlns:a16="http://schemas.microsoft.com/office/drawing/2014/main" id="{260BCD3F-BD74-4543-B965-10ECD47442A9}"/>
+              </a:ext>
+            </a:extLst>
+          </p:cNvPr>
+          <p:cNvPicPr>
+            <a:picLocks noChangeAspect="1" noChangeArrowheads="1"/>
+          </p:cNvPicPr>
+          <p:nvPr/>
+        </p:nvPicPr>
+        <p:blipFill>
+          <a:blip r:embed="rId3">
+            <a:clrChange>
+              <a:clrFrom>
+                <a:srgbClr val="F6F6F6"/>
+              </a:clrFrom>
+              <a:clrTo>
+                <a:srgbClr val="F6F6F6">
+                  <a:alpha val="0"/>
+                </a:srgbClr>
+              </a:clrTo>
+            </a:clrChange>
+            <a:extLst>
+              <a:ext uri="{28A0092B-C50C-407E-A947-70E740481C1C}">
+                <a14:useLocalDpi xmlns:a14="http://schemas.microsoft.com/office/drawing/2010/main" val="0"/>
+              </a:ext>
+            </a:extLst>
+          </a:blip>
+          <a:srcRect/>
+          <a:stretch>
+            <a:fillRect/>
+          </a:stretch>
+        </p:blipFill>
+        <p:spPr bwMode="auto">
+          <a:xfrm>
+            <a:off x="7836444" y="280021"/>
+            <a:ext cx="1632673" cy="1353925"/>
+          </a:xfrm>
+          <a:prstGeom prst="rect">
+            <a:avLst/>
+          </a:prstGeom>
+          <a:noFill/>
+          <a:extLst>
+            <a:ext uri="{909E8E84-426E-40DD-AFC4-6F175D3DCCD1}">
+              <a14:hiddenFill xmlns:a14="http://schemas.microsoft.com/office/drawing/2010/main">
+                <a:solidFill>
+                  <a:srgbClr val="FFFFFF"/>
+                </a:solidFill>
+              </a14:hiddenFill>
+            </a:ext>
+          </a:extLst>
+        </p:spPr>
+      </p:pic>
+      <p:cxnSp>
+        <p:nvCxnSpPr>
+          <p:cNvPr id="5" name="Straight Connector 4">
+            <a:extLst>
+              <a:ext uri="{FF2B5EF4-FFF2-40B4-BE49-F238E27FC236}">
+                <a16:creationId xmlns:a16="http://schemas.microsoft.com/office/drawing/2014/main" id="{BF9CACD2-A8C3-491E-BE07-2BE5E2CD73AD}"/>
+              </a:ext>
+            </a:extLst>
+          </p:cNvPr>
+          <p:cNvCxnSpPr/>
+          <p:nvPr/>
+        </p:nvCxnSpPr>
+        <p:spPr>
+          <a:xfrm>
+            <a:off x="5738677" y="1491343"/>
+            <a:ext cx="0" cy="3875314"/>
+          </a:xfrm>
+          <a:prstGeom prst="line">
+            <a:avLst/>
+          </a:prstGeom>
+          <a:ln w="28575">
+            <a:solidFill>
+              <a:schemeClr val="accent1"/>
+            </a:solidFill>
+          </a:ln>
+        </p:spPr>
+        <p:style>
+          <a:lnRef idx="1">
+            <a:schemeClr val="accent1"/>
+          </a:lnRef>
+          <a:fillRef idx="0">
+            <a:schemeClr val="accent1"/>
+          </a:fillRef>
+          <a:effectRef idx="0">
+            <a:schemeClr val="accent1"/>
+          </a:effectRef>
+          <a:fontRef idx="minor">
+            <a:schemeClr val="tx1"/>
+          </a:fontRef>
+        </p:style>
+      </p:cxnSp>
+      <p:cxnSp>
+        <p:nvCxnSpPr>
+          <p:cNvPr id="9" name="Straight Connector 8">
+            <a:extLst>
+              <a:ext uri="{FF2B5EF4-FFF2-40B4-BE49-F238E27FC236}">
+                <a16:creationId xmlns:a16="http://schemas.microsoft.com/office/drawing/2014/main" id="{E670D51B-3EFE-40B0-8EFE-090055CE2ADF}"/>
+              </a:ext>
+            </a:extLst>
+          </p:cNvPr>
+          <p:cNvCxnSpPr>
+            <a:cxnSpLocks/>
+          </p:cNvCxnSpPr>
+          <p:nvPr/>
+        </p:nvCxnSpPr>
+        <p:spPr>
+          <a:xfrm flipH="1">
+            <a:off x="5895703" y="1491343"/>
+            <a:ext cx="2386148" cy="607423"/>
+          </a:xfrm>
+          <a:prstGeom prst="line">
+            <a:avLst/>
+          </a:prstGeom>
+          <a:ln w="28575">
+            <a:solidFill>
+              <a:srgbClr val="FFC000"/>
+            </a:solidFill>
+            <a:headEnd type="none" w="lg" len="lg"/>
+            <a:tailEnd type="triangle" w="lg" len="lg"/>
+          </a:ln>
+        </p:spPr>
+        <p:style>
+          <a:lnRef idx="1">
+            <a:schemeClr val="accent1"/>
+          </a:lnRef>
+          <a:fillRef idx="0">
+            <a:schemeClr val="accent1"/>
+          </a:fillRef>
+          <a:effectRef idx="0">
+            <a:schemeClr val="accent1"/>
+          </a:effectRef>
+          <a:fontRef idx="minor">
+            <a:schemeClr val="tx1"/>
+          </a:fontRef>
+        </p:style>
+      </p:cxnSp>
+      <p:sp>
+        <p:nvSpPr>
+          <p:cNvPr id="8" name="TextBox 7">
+            <a:extLst>
+              <a:ext uri="{FF2B5EF4-FFF2-40B4-BE49-F238E27FC236}">
+                <a16:creationId xmlns:a16="http://schemas.microsoft.com/office/drawing/2014/main" id="{65DC4DAD-CC47-4B42-99C6-82E0969D7768}"/>
+              </a:ext>
+            </a:extLst>
+          </p:cNvPr>
+          <p:cNvSpPr txBox="1"/>
+          <p:nvPr/>
+        </p:nvSpPr>
+        <p:spPr>
+          <a:xfrm rot="20682798">
+            <a:off x="6467630" y="1696310"/>
+            <a:ext cx="1943468" cy="369332"/>
+          </a:xfrm>
+          <a:prstGeom prst="rect">
+            <a:avLst/>
+          </a:prstGeom>
+          <a:noFill/>
+        </p:spPr>
+        <p:txBody>
+          <a:bodyPr wrap="square" rtlCol="0">
+            <a:spAutoFit/>
+          </a:bodyPr>
+          <a:lstStyle/>
+          <a:p>
+            <a:r>
+              <a:rPr lang="en-CA" dirty="0" err="1"/>
+              <a:t>leaveGame</a:t>
+            </a:r>
+            <a:endParaRPr lang="en-CA" dirty="0"/>
+          </a:p>
+        </p:txBody>
+      </p:sp>
+      <p:sp>
+        <p:nvSpPr>
+          <p:cNvPr id="13" name="TextBox 12">
+            <a:extLst>
+              <a:ext uri="{FF2B5EF4-FFF2-40B4-BE49-F238E27FC236}">
+                <a16:creationId xmlns:a16="http://schemas.microsoft.com/office/drawing/2014/main" id="{06ED55D2-2DBD-4AF4-94D6-1CE632A0A946}"/>
+              </a:ext>
+            </a:extLst>
+          </p:cNvPr>
+          <p:cNvSpPr txBox="1"/>
+          <p:nvPr/>
+        </p:nvSpPr>
+        <p:spPr>
+          <a:xfrm>
+            <a:off x="9469117" y="403648"/>
+            <a:ext cx="2690588" cy="646331"/>
+          </a:xfrm>
+          <a:prstGeom prst="rect">
+            <a:avLst/>
+          </a:prstGeom>
+          <a:noFill/>
+        </p:spPr>
+        <p:txBody>
+          <a:bodyPr wrap="square" rtlCol="0">
+            <a:spAutoFit/>
+          </a:bodyPr>
+          <a:lstStyle/>
+          <a:p>
+            <a:r>
+              <a:rPr lang="en-CA" dirty="0"/>
+              <a:t>Player refreshes/closes the tab</a:t>
+            </a:r>
+          </a:p>
+        </p:txBody>
+      </p:sp>
+      <p:sp>
+        <p:nvSpPr>
+          <p:cNvPr id="12" name="TextBox 11">
+            <a:extLst>
+              <a:ext uri="{FF2B5EF4-FFF2-40B4-BE49-F238E27FC236}">
+                <a16:creationId xmlns:a16="http://schemas.microsoft.com/office/drawing/2014/main" id="{CBCC5FC8-8483-4274-96CA-CF87DC104B93}"/>
+              </a:ext>
+            </a:extLst>
+          </p:cNvPr>
+          <p:cNvSpPr txBox="1"/>
+          <p:nvPr/>
+        </p:nvSpPr>
+        <p:spPr>
+          <a:xfrm>
+            <a:off x="0" y="0"/>
+            <a:ext cx="3101419" cy="461665"/>
+          </a:xfrm>
+          <a:prstGeom prst="rect">
+            <a:avLst/>
+          </a:prstGeom>
+          <a:noFill/>
+        </p:spPr>
+        <p:txBody>
+          <a:bodyPr wrap="square" rtlCol="0">
+            <a:spAutoFit/>
+          </a:bodyPr>
+          <a:lstStyle/>
+          <a:p>
+            <a:r>
+              <a:rPr lang="en-CA" sz="2400" b="1" dirty="0"/>
+              <a:t>Player Leaves Game</a:t>
+            </a:r>
+          </a:p>
+        </p:txBody>
+      </p:sp>
+      <p:cxnSp>
+        <p:nvCxnSpPr>
+          <p:cNvPr id="14" name="Straight Connector 13">
+            <a:extLst>
+              <a:ext uri="{FF2B5EF4-FFF2-40B4-BE49-F238E27FC236}">
+                <a16:creationId xmlns:a16="http://schemas.microsoft.com/office/drawing/2014/main" id="{0B168BB9-2FFE-4390-A062-8727EF70FE7B}"/>
+              </a:ext>
+            </a:extLst>
+          </p:cNvPr>
+          <p:cNvCxnSpPr>
+            <a:cxnSpLocks/>
+          </p:cNvCxnSpPr>
+          <p:nvPr/>
+        </p:nvCxnSpPr>
+        <p:spPr>
+          <a:xfrm>
+            <a:off x="5895703" y="2821577"/>
+            <a:ext cx="2616701" cy="958571"/>
+          </a:xfrm>
+          <a:prstGeom prst="line">
+            <a:avLst/>
+          </a:prstGeom>
+          <a:ln w="28575">
+            <a:solidFill>
+              <a:srgbClr val="92D050"/>
+            </a:solidFill>
+            <a:headEnd type="none" w="lg" len="lg"/>
+            <a:tailEnd type="triangle" w="lg" len="lg"/>
+          </a:ln>
+        </p:spPr>
+        <p:style>
+          <a:lnRef idx="1">
+            <a:schemeClr val="accent1"/>
+          </a:lnRef>
+          <a:fillRef idx="0">
+            <a:schemeClr val="accent1"/>
+          </a:fillRef>
+          <a:effectRef idx="0">
+            <a:schemeClr val="accent1"/>
+          </a:effectRef>
+          <a:fontRef idx="minor">
+            <a:schemeClr val="tx1"/>
+          </a:fontRef>
+        </p:style>
+      </p:cxnSp>
+      <p:sp>
+        <p:nvSpPr>
+          <p:cNvPr id="15" name="TextBox 14">
+            <a:extLst>
+              <a:ext uri="{FF2B5EF4-FFF2-40B4-BE49-F238E27FC236}">
+                <a16:creationId xmlns:a16="http://schemas.microsoft.com/office/drawing/2014/main" id="{F227B532-2DB3-4F25-8AAF-6F03FD75AE9C}"/>
+              </a:ext>
+            </a:extLst>
+          </p:cNvPr>
+          <p:cNvSpPr txBox="1"/>
+          <p:nvPr/>
+        </p:nvSpPr>
+        <p:spPr>
+          <a:xfrm rot="1248694">
+            <a:off x="6229854" y="3327229"/>
+            <a:ext cx="2154027" cy="369332"/>
+          </a:xfrm>
+          <a:prstGeom prst="rect">
+            <a:avLst/>
+          </a:prstGeom>
+          <a:noFill/>
+        </p:spPr>
+        <p:txBody>
+          <a:bodyPr wrap="square" rtlCol="0">
+            <a:spAutoFit/>
+          </a:bodyPr>
+          <a:lstStyle/>
+          <a:p>
+            <a:r>
+              <a:rPr lang="en-CA" dirty="0" err="1"/>
+              <a:t>playerListChanged</a:t>
+            </a:r>
+            <a:endParaRPr lang="en-CA" dirty="0"/>
+          </a:p>
+        </p:txBody>
+      </p:sp>
+      <p:sp>
+        <p:nvSpPr>
+          <p:cNvPr id="16" name="TextBox 15">
+            <a:extLst>
+              <a:ext uri="{FF2B5EF4-FFF2-40B4-BE49-F238E27FC236}">
+                <a16:creationId xmlns:a16="http://schemas.microsoft.com/office/drawing/2014/main" id="{6C7881EB-DF18-405B-970C-2BB53B413923}"/>
+              </a:ext>
+            </a:extLst>
+          </p:cNvPr>
+          <p:cNvSpPr txBox="1"/>
+          <p:nvPr/>
+        </p:nvSpPr>
+        <p:spPr>
+          <a:xfrm>
+            <a:off x="8793161" y="3318483"/>
+            <a:ext cx="2962061" cy="923330"/>
+          </a:xfrm>
+          <a:prstGeom prst="rect">
+            <a:avLst/>
+          </a:prstGeom>
+          <a:noFill/>
+        </p:spPr>
+        <p:txBody>
+          <a:bodyPr wrap="square" rtlCol="0">
+            <a:spAutoFit/>
+          </a:bodyPr>
+          <a:lstStyle/>
+          <a:p>
+            <a:r>
+              <a:rPr lang="en-CA" dirty="0"/>
+              <a:t>Name = null, </a:t>
+            </a:r>
+            <a:r>
+              <a:rPr lang="en-CA" dirty="0" err="1"/>
+              <a:t>numPlayers</a:t>
+            </a:r>
+            <a:r>
+              <a:rPr lang="en-CA" dirty="0"/>
+              <a:t> -= 1 </a:t>
+            </a:r>
+          </a:p>
+          <a:p>
+            <a:endParaRPr lang="en-CA" dirty="0"/>
+          </a:p>
+          <a:p>
+            <a:r>
+              <a:rPr lang="en-CA" dirty="0"/>
+              <a:t>broadcast to ALL sockets</a:t>
+            </a:r>
+          </a:p>
+        </p:txBody>
+      </p:sp>
+    </p:spTree>
+    <p:extLst>
+      <p:ext uri="{BB962C8B-B14F-4D97-AF65-F5344CB8AC3E}">
+        <p14:creationId xmlns:p14="http://schemas.microsoft.com/office/powerpoint/2010/main" val="1103616813"/>
+      </p:ext>
+    </p:extLst>
+  </p:cSld>
+  <p:clrMapOvr>
+    <a:masterClrMapping/>
+  </p:clrMapOvr>
+</p:sld>
+</file>
+
+<file path=ppt/slides/slide17.xml><?xml version="1.0" encoding="utf-8"?>
+<p:sld xmlns:a="http://schemas.openxmlformats.org/drawingml/2006/main" xmlns:r="http://schemas.openxmlformats.org/officeDocument/2006/relationships" xmlns:p="http://schemas.openxmlformats.org/presentationml/2006/main">
+  <p:cSld>
+    <p:spTree>
+      <p:nvGrpSpPr>
+        <p:cNvPr id="1" name=""/>
+        <p:cNvGrpSpPr/>
+        <p:nvPr/>
+      </p:nvGrpSpPr>
+      <p:grpSpPr>
+        <a:xfrm>
+          <a:off x="0" y="0"/>
+          <a:ext cx="0" cy="0"/>
+          <a:chOff x="0" y="0"/>
+          <a:chExt cx="0" cy="0"/>
+        </a:xfrm>
+      </p:grpSpPr>
+      <p:pic>
+        <p:nvPicPr>
+          <p:cNvPr id="1028" name="Picture 4" descr="Dedicated Server PNG Image | Server, Dedication, Png images">
+            <a:extLst>
+              <a:ext uri="{FF2B5EF4-FFF2-40B4-BE49-F238E27FC236}">
+                <a16:creationId xmlns:a16="http://schemas.microsoft.com/office/drawing/2014/main" id="{B259F46C-6CBA-4D56-93C3-3D41AC3A6B13}"/>
+              </a:ext>
+            </a:extLst>
+          </p:cNvPr>
+          <p:cNvPicPr>
+            <a:picLocks noChangeAspect="1" noChangeArrowheads="1"/>
+          </p:cNvPicPr>
+          <p:nvPr/>
+        </p:nvPicPr>
+        <p:blipFill>
+          <a:blip r:embed="rId2">
+            <a:extLst>
+              <a:ext uri="{28A0092B-C50C-407E-A947-70E740481C1C}">
+                <a14:useLocalDpi xmlns:a14="http://schemas.microsoft.com/office/drawing/2010/main" val="0"/>
+              </a:ext>
+            </a:extLst>
+          </a:blip>
+          <a:srcRect/>
+          <a:stretch>
+            <a:fillRect/>
+          </a:stretch>
+        </p:blipFill>
+        <p:spPr bwMode="auto">
+          <a:xfrm>
+            <a:off x="5268415" y="280021"/>
+            <a:ext cx="757916" cy="1021909"/>
+          </a:xfrm>
+          <a:prstGeom prst="rect">
+            <a:avLst/>
+          </a:prstGeom>
+          <a:noFill/>
+          <a:extLst>
+            <a:ext uri="{909E8E84-426E-40DD-AFC4-6F175D3DCCD1}">
+              <a14:hiddenFill xmlns:a14="http://schemas.microsoft.com/office/drawing/2010/main">
+                <a:solidFill>
+                  <a:srgbClr val="FFFFFF"/>
+                </a:solidFill>
+              </a14:hiddenFill>
+            </a:ext>
+          </a:extLst>
+        </p:spPr>
+      </p:pic>
+      <p:pic>
+        <p:nvPicPr>
+          <p:cNvPr id="1030" name="Picture 6" descr="Laptop Clip Art At Clker Com Vector - Laptop Black And White Clip ...">
+            <a:extLst>
+              <a:ext uri="{FF2B5EF4-FFF2-40B4-BE49-F238E27FC236}">
+                <a16:creationId xmlns:a16="http://schemas.microsoft.com/office/drawing/2014/main" id="{260BCD3F-BD74-4543-B965-10ECD47442A9}"/>
+              </a:ext>
+            </a:extLst>
+          </p:cNvPr>
+          <p:cNvPicPr>
+            <a:picLocks noChangeAspect="1" noChangeArrowheads="1"/>
+          </p:cNvPicPr>
+          <p:nvPr/>
+        </p:nvPicPr>
+        <p:blipFill>
+          <a:blip r:embed="rId3">
+            <a:clrChange>
+              <a:clrFrom>
+                <a:srgbClr val="F6F6F6"/>
+              </a:clrFrom>
+              <a:clrTo>
+                <a:srgbClr val="F6F6F6">
+                  <a:alpha val="0"/>
+                </a:srgbClr>
+              </a:clrTo>
+            </a:clrChange>
+            <a:extLst>
+              <a:ext uri="{28A0092B-C50C-407E-A947-70E740481C1C}">
+                <a14:useLocalDpi xmlns:a14="http://schemas.microsoft.com/office/drawing/2010/main" val="0"/>
+              </a:ext>
+            </a:extLst>
+          </a:blip>
+          <a:srcRect/>
+          <a:stretch>
+            <a:fillRect/>
+          </a:stretch>
+        </p:blipFill>
+        <p:spPr bwMode="auto">
+          <a:xfrm>
+            <a:off x="7836444" y="280021"/>
+            <a:ext cx="1632673" cy="1353925"/>
+          </a:xfrm>
+          <a:prstGeom prst="rect">
+            <a:avLst/>
+          </a:prstGeom>
+          <a:noFill/>
+          <a:extLst>
+            <a:ext uri="{909E8E84-426E-40DD-AFC4-6F175D3DCCD1}">
+              <a14:hiddenFill xmlns:a14="http://schemas.microsoft.com/office/drawing/2010/main">
+                <a:solidFill>
+                  <a:srgbClr val="FFFFFF"/>
+                </a:solidFill>
+              </a14:hiddenFill>
+            </a:ext>
+          </a:extLst>
+        </p:spPr>
+      </p:pic>
+      <p:cxnSp>
+        <p:nvCxnSpPr>
+          <p:cNvPr id="5" name="Straight Connector 4">
+            <a:extLst>
+              <a:ext uri="{FF2B5EF4-FFF2-40B4-BE49-F238E27FC236}">
+                <a16:creationId xmlns:a16="http://schemas.microsoft.com/office/drawing/2014/main" id="{BF9CACD2-A8C3-491E-BE07-2BE5E2CD73AD}"/>
+              </a:ext>
+            </a:extLst>
+          </p:cNvPr>
+          <p:cNvCxnSpPr/>
+          <p:nvPr/>
+        </p:nvCxnSpPr>
+        <p:spPr>
+          <a:xfrm>
+            <a:off x="5738677" y="1491343"/>
+            <a:ext cx="0" cy="3875314"/>
+          </a:xfrm>
+          <a:prstGeom prst="line">
+            <a:avLst/>
+          </a:prstGeom>
+          <a:ln w="28575">
+            <a:solidFill>
+              <a:schemeClr val="accent1"/>
+            </a:solidFill>
+          </a:ln>
+        </p:spPr>
+        <p:style>
+          <a:lnRef idx="1">
+            <a:schemeClr val="accent1"/>
+          </a:lnRef>
+          <a:fillRef idx="0">
+            <a:schemeClr val="accent1"/>
+          </a:fillRef>
+          <a:effectRef idx="0">
+            <a:schemeClr val="accent1"/>
+          </a:effectRef>
+          <a:fontRef idx="minor">
+            <a:schemeClr val="tx1"/>
+          </a:fontRef>
+        </p:style>
+      </p:cxnSp>
+      <p:cxnSp>
+        <p:nvCxnSpPr>
+          <p:cNvPr id="9" name="Straight Connector 8">
+            <a:extLst>
+              <a:ext uri="{FF2B5EF4-FFF2-40B4-BE49-F238E27FC236}">
+                <a16:creationId xmlns:a16="http://schemas.microsoft.com/office/drawing/2014/main" id="{E670D51B-3EFE-40B0-8EFE-090055CE2ADF}"/>
+              </a:ext>
+            </a:extLst>
+          </p:cNvPr>
+          <p:cNvCxnSpPr>
+            <a:cxnSpLocks/>
+          </p:cNvCxnSpPr>
+          <p:nvPr/>
+        </p:nvCxnSpPr>
+        <p:spPr>
+          <a:xfrm flipH="1">
+            <a:off x="5895703" y="1491343"/>
+            <a:ext cx="2386148" cy="607423"/>
+          </a:xfrm>
+          <a:prstGeom prst="line">
+            <a:avLst/>
+          </a:prstGeom>
+          <a:ln w="28575">
+            <a:solidFill>
+              <a:srgbClr val="FFC000"/>
+            </a:solidFill>
+            <a:headEnd type="none" w="lg" len="lg"/>
+            <a:tailEnd type="triangle" w="lg" len="lg"/>
+          </a:ln>
+        </p:spPr>
+        <p:style>
+          <a:lnRef idx="1">
+            <a:schemeClr val="accent1"/>
+          </a:lnRef>
+          <a:fillRef idx="0">
+            <a:schemeClr val="accent1"/>
+          </a:fillRef>
+          <a:effectRef idx="0">
+            <a:schemeClr val="accent1"/>
+          </a:effectRef>
+          <a:fontRef idx="minor">
+            <a:schemeClr val="tx1"/>
+          </a:fontRef>
+        </p:style>
+      </p:cxnSp>
+      <p:sp>
+        <p:nvSpPr>
+          <p:cNvPr id="8" name="TextBox 7">
+            <a:extLst>
+              <a:ext uri="{FF2B5EF4-FFF2-40B4-BE49-F238E27FC236}">
+                <a16:creationId xmlns:a16="http://schemas.microsoft.com/office/drawing/2014/main" id="{65DC4DAD-CC47-4B42-99C6-82E0969D7768}"/>
+              </a:ext>
+            </a:extLst>
+          </p:cNvPr>
+          <p:cNvSpPr txBox="1"/>
+          <p:nvPr/>
+        </p:nvSpPr>
+        <p:spPr>
+          <a:xfrm rot="20682798">
+            <a:off x="6467630" y="1696310"/>
+            <a:ext cx="1943468" cy="369332"/>
+          </a:xfrm>
+          <a:prstGeom prst="rect">
+            <a:avLst/>
+          </a:prstGeom>
+          <a:noFill/>
+        </p:spPr>
+        <p:txBody>
+          <a:bodyPr wrap="square" rtlCol="0">
+            <a:spAutoFit/>
+          </a:bodyPr>
+          <a:lstStyle/>
+          <a:p>
+            <a:r>
+              <a:rPr lang="en-CA" dirty="0" err="1"/>
+              <a:t>messageRequest</a:t>
+            </a:r>
+            <a:endParaRPr lang="en-CA" dirty="0"/>
+          </a:p>
+        </p:txBody>
+      </p:sp>
+      <p:sp>
+        <p:nvSpPr>
+          <p:cNvPr id="13" name="TextBox 12">
+            <a:extLst>
+              <a:ext uri="{FF2B5EF4-FFF2-40B4-BE49-F238E27FC236}">
+                <a16:creationId xmlns:a16="http://schemas.microsoft.com/office/drawing/2014/main" id="{06ED55D2-2DBD-4AF4-94D6-1CE632A0A946}"/>
+              </a:ext>
+            </a:extLst>
+          </p:cNvPr>
+          <p:cNvSpPr txBox="1"/>
+          <p:nvPr/>
+        </p:nvSpPr>
+        <p:spPr>
+          <a:xfrm>
+            <a:off x="9469117" y="403648"/>
+            <a:ext cx="2690588" cy="646331"/>
+          </a:xfrm>
+          <a:prstGeom prst="rect">
+            <a:avLst/>
+          </a:prstGeom>
+          <a:noFill/>
+        </p:spPr>
+        <p:txBody>
+          <a:bodyPr wrap="square" rtlCol="0">
+            <a:spAutoFit/>
+          </a:bodyPr>
+          <a:lstStyle/>
+          <a:p>
+            <a:r>
+              <a:rPr lang="en-CA" dirty="0"/>
+              <a:t>Host clicks ‘send’</a:t>
+            </a:r>
+          </a:p>
+          <a:p>
+            <a:r>
+              <a:rPr lang="en-CA" dirty="0"/>
+              <a:t>‘sender’ is specified</a:t>
+            </a:r>
+          </a:p>
+        </p:txBody>
+      </p:sp>
+      <p:sp>
+        <p:nvSpPr>
+          <p:cNvPr id="12" name="TextBox 11">
+            <a:extLst>
+              <a:ext uri="{FF2B5EF4-FFF2-40B4-BE49-F238E27FC236}">
+                <a16:creationId xmlns:a16="http://schemas.microsoft.com/office/drawing/2014/main" id="{CBCC5FC8-8483-4274-96CA-CF87DC104B93}"/>
+              </a:ext>
+            </a:extLst>
+          </p:cNvPr>
+          <p:cNvSpPr txBox="1"/>
+          <p:nvPr/>
+        </p:nvSpPr>
+        <p:spPr>
+          <a:xfrm>
+            <a:off x="0" y="0"/>
+            <a:ext cx="3101419" cy="461665"/>
+          </a:xfrm>
+          <a:prstGeom prst="rect">
+            <a:avLst/>
+          </a:prstGeom>
+          <a:noFill/>
+        </p:spPr>
+        <p:txBody>
+          <a:bodyPr wrap="square" rtlCol="0">
+            <a:spAutoFit/>
+          </a:bodyPr>
+          <a:lstStyle/>
+          <a:p>
+            <a:r>
+              <a:rPr lang="en-CA" sz="2400" b="1" dirty="0"/>
+              <a:t>Cast Sends Message</a:t>
+            </a:r>
+          </a:p>
+        </p:txBody>
+      </p:sp>
+      <p:cxnSp>
+        <p:nvCxnSpPr>
+          <p:cNvPr id="14" name="Straight Connector 13">
+            <a:extLst>
+              <a:ext uri="{FF2B5EF4-FFF2-40B4-BE49-F238E27FC236}">
+                <a16:creationId xmlns:a16="http://schemas.microsoft.com/office/drawing/2014/main" id="{0B168BB9-2FFE-4390-A062-8727EF70FE7B}"/>
+              </a:ext>
+            </a:extLst>
+          </p:cNvPr>
+          <p:cNvCxnSpPr>
+            <a:cxnSpLocks/>
+          </p:cNvCxnSpPr>
+          <p:nvPr/>
+        </p:nvCxnSpPr>
+        <p:spPr>
+          <a:xfrm>
+            <a:off x="5895703" y="2821577"/>
+            <a:ext cx="2616701" cy="958571"/>
+          </a:xfrm>
+          <a:prstGeom prst="line">
+            <a:avLst/>
+          </a:prstGeom>
+          <a:ln w="28575">
+            <a:solidFill>
+              <a:srgbClr val="92D050"/>
+            </a:solidFill>
+            <a:headEnd type="none" w="lg" len="lg"/>
+            <a:tailEnd type="triangle" w="lg" len="lg"/>
+          </a:ln>
+        </p:spPr>
+        <p:style>
+          <a:lnRef idx="1">
+            <a:schemeClr val="accent1"/>
+          </a:lnRef>
+          <a:fillRef idx="0">
+            <a:schemeClr val="accent1"/>
+          </a:fillRef>
+          <a:effectRef idx="0">
+            <a:schemeClr val="accent1"/>
+          </a:effectRef>
+          <a:fontRef idx="minor">
+            <a:schemeClr val="tx1"/>
+          </a:fontRef>
+        </p:style>
+      </p:cxnSp>
+      <p:sp>
+        <p:nvSpPr>
+          <p:cNvPr id="15" name="TextBox 14">
+            <a:extLst>
+              <a:ext uri="{FF2B5EF4-FFF2-40B4-BE49-F238E27FC236}">
+                <a16:creationId xmlns:a16="http://schemas.microsoft.com/office/drawing/2014/main" id="{F227B532-2DB3-4F25-8AAF-6F03FD75AE9C}"/>
+              </a:ext>
+            </a:extLst>
+          </p:cNvPr>
+          <p:cNvSpPr txBox="1"/>
+          <p:nvPr/>
+        </p:nvSpPr>
+        <p:spPr>
+          <a:xfrm rot="1248694">
+            <a:off x="6229854" y="3327229"/>
+            <a:ext cx="2154027" cy="369332"/>
+          </a:xfrm>
+          <a:prstGeom prst="rect">
+            <a:avLst/>
+          </a:prstGeom>
+          <a:noFill/>
+        </p:spPr>
+        <p:txBody>
+          <a:bodyPr wrap="square" rtlCol="0">
+            <a:spAutoFit/>
+          </a:bodyPr>
+          <a:lstStyle/>
+          <a:p>
+            <a:r>
+              <a:rPr lang="en-CA" dirty="0" err="1"/>
+              <a:t>messageDelivery</a:t>
+            </a:r>
+            <a:endParaRPr lang="en-CA" dirty="0"/>
+          </a:p>
+        </p:txBody>
+      </p:sp>
+      <p:sp>
+        <p:nvSpPr>
+          <p:cNvPr id="16" name="TextBox 15">
+            <a:extLst>
+              <a:ext uri="{FF2B5EF4-FFF2-40B4-BE49-F238E27FC236}">
+                <a16:creationId xmlns:a16="http://schemas.microsoft.com/office/drawing/2014/main" id="{6C7881EB-DF18-405B-970C-2BB53B413923}"/>
+              </a:ext>
+            </a:extLst>
+          </p:cNvPr>
+          <p:cNvSpPr txBox="1"/>
+          <p:nvPr/>
+        </p:nvSpPr>
+        <p:spPr>
+          <a:xfrm>
+            <a:off x="8793161" y="3318483"/>
+            <a:ext cx="2962061" cy="646331"/>
+          </a:xfrm>
+          <a:prstGeom prst="rect">
+            <a:avLst/>
+          </a:prstGeom>
+          <a:noFill/>
+        </p:spPr>
+        <p:txBody>
+          <a:bodyPr wrap="square" rtlCol="0">
+            <a:spAutoFit/>
+          </a:bodyPr>
+          <a:lstStyle/>
+          <a:p>
+            <a:r>
+              <a:rPr lang="en-CA" dirty="0"/>
+              <a:t>sender: </a:t>
+            </a:r>
+            <a:r>
+              <a:rPr lang="en-CA" dirty="0" err="1"/>
+              <a:t>HOST_GARRETT</a:t>
+            </a:r>
+            <a:r>
+              <a:rPr lang="en-CA" dirty="0"/>
+              <a:t> or </a:t>
+            </a:r>
+            <a:r>
+              <a:rPr lang="en-CA" dirty="0" err="1"/>
+              <a:t>TECHNICIAN_GEOFF</a:t>
+            </a:r>
+            <a:endParaRPr lang="en-CA" dirty="0"/>
+          </a:p>
+        </p:txBody>
+      </p:sp>
+      <p:sp>
+        <p:nvSpPr>
+          <p:cNvPr id="17" name="TextBox 16">
+            <a:extLst>
+              <a:ext uri="{FF2B5EF4-FFF2-40B4-BE49-F238E27FC236}">
+                <a16:creationId xmlns:a16="http://schemas.microsoft.com/office/drawing/2014/main" id="{57FCC26E-B2CC-4059-A9DF-65C62C29FF99}"/>
+              </a:ext>
+            </a:extLst>
+          </p:cNvPr>
+          <p:cNvSpPr txBox="1"/>
+          <p:nvPr/>
+        </p:nvSpPr>
+        <p:spPr>
+          <a:xfrm>
+            <a:off x="2652885" y="2409518"/>
+            <a:ext cx="2962061" cy="646331"/>
+          </a:xfrm>
+          <a:prstGeom prst="rect">
+            <a:avLst/>
+          </a:prstGeom>
+          <a:noFill/>
+        </p:spPr>
+        <p:txBody>
+          <a:bodyPr wrap="square" rtlCol="0">
+            <a:spAutoFit/>
+          </a:bodyPr>
+          <a:lstStyle/>
+          <a:p>
+            <a:r>
+              <a:rPr lang="en-CA" dirty="0"/>
+              <a:t>ONLY BROADCAST TO CAST MEMBERS</a:t>
+            </a:r>
+          </a:p>
+        </p:txBody>
+      </p:sp>
+    </p:spTree>
+    <p:extLst>
+      <p:ext uri="{BB962C8B-B14F-4D97-AF65-F5344CB8AC3E}">
+        <p14:creationId xmlns:p14="http://schemas.microsoft.com/office/powerpoint/2010/main" val="2630942091"/>
+      </p:ext>
+    </p:extLst>
+  </p:cSld>
+  <p:clrMapOvr>
+    <a:masterClrMapping/>
+  </p:clrMapOvr>
+</p:sld>
+</file>
+
+<file path=ppt/slides/slide18.xml><?xml version="1.0" encoding="utf-8"?>
+<p:sld xmlns:a="http://schemas.openxmlformats.org/drawingml/2006/main" xmlns:r="http://schemas.openxmlformats.org/officeDocument/2006/relationships" xmlns:p="http://schemas.openxmlformats.org/presentationml/2006/main">
+  <p:cSld>
+    <p:spTree>
+      <p:nvGrpSpPr>
+        <p:cNvPr id="1" name=""/>
+        <p:cNvGrpSpPr/>
+        <p:nvPr/>
+      </p:nvGrpSpPr>
+      <p:grpSpPr>
+        <a:xfrm>
+          <a:off x="0" y="0"/>
+          <a:ext cx="0" cy="0"/>
+          <a:chOff x="0" y="0"/>
+          <a:chExt cx="0" cy="0"/>
+        </a:xfrm>
+      </p:grpSpPr>
       <p:sp>
         <p:nvSpPr>
           <p:cNvPr id="2" name="Title 1">
             <a:extLst>
               <a:ext uri="{FF2B5EF4-FFF2-40B4-BE49-F238E27FC236}">
-                <a16:creationId xmlns:a16="http://schemas.microsoft.com/office/drawing/2014/main" id="{CEC34056-2624-473D-88C6-CBA78951C21F}"/>
+                <a16:creationId xmlns:a16="http://schemas.microsoft.com/office/drawing/2014/main" id="{8D67DFE2-A656-4EB7-87FE-78EFCF09B8D4}"/>
               </a:ext>
             </a:extLst>
           </p:cNvPr>
@@ -7319,52 +7644,1172 @@
             <p:ph type="title"/>
           </p:nvPr>
         </p:nvSpPr>
-        <p:spPr/>
+        <p:spPr>
+          <a:xfrm>
+            <a:off x="0" y="-68508"/>
+            <a:ext cx="10515600" cy="832079"/>
+          </a:xfrm>
+        </p:spPr>
         <p:txBody>
           <a:bodyPr/>
           <a:lstStyle/>
           <a:p>
             <a:r>
               <a:rPr lang="en-CA" dirty="0"/>
-              <a:t>Cloudflare’s help center:</a:t>
+              <a:t>Socket Connection</a:t>
             </a:r>
           </a:p>
         </p:txBody>
       </p:sp>
       <p:pic>
         <p:nvPicPr>
-          <p:cNvPr id="4" name="Picture 3">
-            <a:extLst>
-              <a:ext uri="{FF2B5EF4-FFF2-40B4-BE49-F238E27FC236}">
-                <a16:creationId xmlns:a16="http://schemas.microsoft.com/office/drawing/2014/main" id="{9CD676EB-5CF2-4A25-B780-D255B5E1D812}"/>
+          <p:cNvPr id="4" name="Picture 4" descr="Dedicated Server PNG Image | Server, Dedication, Png images">
+            <a:extLst>
+              <a:ext uri="{FF2B5EF4-FFF2-40B4-BE49-F238E27FC236}">
+                <a16:creationId xmlns:a16="http://schemas.microsoft.com/office/drawing/2014/main" id="{B8BBBA72-D009-4D28-BDFD-C4E6B0F3493C}"/>
               </a:ext>
             </a:extLst>
           </p:cNvPr>
           <p:cNvPicPr>
-            <a:picLocks noChangeAspect="1"/>
+            <a:picLocks noChangeAspect="1" noChangeArrowheads="1"/>
           </p:cNvPicPr>
           <p:nvPr/>
         </p:nvPicPr>
         <p:blipFill>
-          <a:blip r:embed="rId2"/>
+          <a:blip r:embed="rId2">
+            <a:extLst>
+              <a:ext uri="{28A0092B-C50C-407E-A947-70E740481C1C}">
+                <a14:useLocalDpi xmlns:a14="http://schemas.microsoft.com/office/drawing/2010/main" val="0"/>
+              </a:ext>
+            </a:extLst>
+          </a:blip>
+          <a:srcRect/>
           <a:stretch>
             <a:fillRect/>
           </a:stretch>
         </p:blipFill>
-        <p:spPr>
-          <a:xfrm>
-            <a:off x="1818594" y="2465129"/>
-            <a:ext cx="9052684" cy="3366504"/>
-          </a:xfrm>
-          <a:prstGeom prst="rect">
-            <a:avLst/>
-          </a:prstGeom>
+        <p:spPr bwMode="auto">
+          <a:xfrm>
+            <a:off x="5359389" y="1019598"/>
+            <a:ext cx="770945" cy="1039475"/>
+          </a:xfrm>
+          <a:prstGeom prst="rect">
+            <a:avLst/>
+          </a:prstGeom>
+          <a:noFill/>
+          <a:extLst>
+            <a:ext uri="{909E8E84-426E-40DD-AFC4-6F175D3DCCD1}">
+              <a14:hiddenFill xmlns:a14="http://schemas.microsoft.com/office/drawing/2010/main">
+                <a:solidFill>
+                  <a:srgbClr val="FFFFFF"/>
+                </a:solidFill>
+              </a14:hiddenFill>
+            </a:ext>
+          </a:extLst>
+        </p:spPr>
+      </p:pic>
+      <p:pic>
+        <p:nvPicPr>
+          <p:cNvPr id="5" name="Picture 6" descr="Laptop Clip Art At Clker Com Vector - Laptop Black And White Clip ...">
+            <a:extLst>
+              <a:ext uri="{FF2B5EF4-FFF2-40B4-BE49-F238E27FC236}">
+                <a16:creationId xmlns:a16="http://schemas.microsoft.com/office/drawing/2014/main" id="{A54F7E2C-EF05-4D30-9675-D7EADDD40D5F}"/>
+              </a:ext>
+            </a:extLst>
+          </p:cNvPr>
+          <p:cNvPicPr>
+            <a:picLocks noChangeAspect="1" noChangeArrowheads="1"/>
+          </p:cNvPicPr>
+          <p:nvPr/>
+        </p:nvPicPr>
+        <p:blipFill>
+          <a:blip r:embed="rId3">
+            <a:clrChange>
+              <a:clrFrom>
+                <a:srgbClr val="F6F6F6"/>
+              </a:clrFrom>
+              <a:clrTo>
+                <a:srgbClr val="F6F6F6">
+                  <a:alpha val="0"/>
+                </a:srgbClr>
+              </a:clrTo>
+            </a:clrChange>
+            <a:extLst>
+              <a:ext uri="{28A0092B-C50C-407E-A947-70E740481C1C}">
+                <a14:useLocalDpi xmlns:a14="http://schemas.microsoft.com/office/drawing/2010/main" val="0"/>
+              </a:ext>
+            </a:extLst>
+          </a:blip>
+          <a:srcRect/>
+          <a:stretch>
+            <a:fillRect/>
+          </a:stretch>
+        </p:blipFill>
+        <p:spPr bwMode="auto">
+          <a:xfrm>
+            <a:off x="8946107" y="4054361"/>
+            <a:ext cx="1849089" cy="1533392"/>
+          </a:xfrm>
+          <a:prstGeom prst="rect">
+            <a:avLst/>
+          </a:prstGeom>
+          <a:noFill/>
+          <a:extLst>
+            <a:ext uri="{909E8E84-426E-40DD-AFC4-6F175D3DCCD1}">
+              <a14:hiddenFill xmlns:a14="http://schemas.microsoft.com/office/drawing/2010/main">
+                <a:solidFill>
+                  <a:srgbClr val="FFFFFF"/>
+                </a:solidFill>
+              </a14:hiddenFill>
+            </a:ext>
+          </a:extLst>
+        </p:spPr>
+      </p:pic>
+      <p:pic>
+        <p:nvPicPr>
+          <p:cNvPr id="2050" name="Picture 2" descr="Free Free Laptop Cliparts, Download Free Clip Art, Free Clip Art ...">
+            <a:extLst>
+              <a:ext uri="{FF2B5EF4-FFF2-40B4-BE49-F238E27FC236}">
+                <a16:creationId xmlns:a16="http://schemas.microsoft.com/office/drawing/2014/main" id="{2F1D7E14-40B7-4333-9751-1D4C24BCECF9}"/>
+              </a:ext>
+            </a:extLst>
+          </p:cNvPr>
+          <p:cNvPicPr>
+            <a:picLocks noChangeAspect="1" noChangeArrowheads="1"/>
+          </p:cNvPicPr>
+          <p:nvPr/>
+        </p:nvPicPr>
+        <p:blipFill>
+          <a:blip r:embed="rId4">
+            <a:extLst>
+              <a:ext uri="{28A0092B-C50C-407E-A947-70E740481C1C}">
+                <a14:useLocalDpi xmlns:a14="http://schemas.microsoft.com/office/drawing/2010/main" val="0"/>
+              </a:ext>
+            </a:extLst>
+          </a:blip>
+          <a:srcRect/>
+          <a:stretch>
+            <a:fillRect/>
+          </a:stretch>
+        </p:blipFill>
+        <p:spPr bwMode="auto">
+          <a:xfrm>
+            <a:off x="1346757" y="1968079"/>
+            <a:ext cx="1975759" cy="1568063"/>
+          </a:xfrm>
+          <a:prstGeom prst="rect">
+            <a:avLst/>
+          </a:prstGeom>
+          <a:noFill/>
+          <a:extLst>
+            <a:ext uri="{909E8E84-426E-40DD-AFC4-6F175D3DCCD1}">
+              <a14:hiddenFill xmlns:a14="http://schemas.microsoft.com/office/drawing/2010/main">
+                <a:solidFill>
+                  <a:srgbClr val="FFFFFF"/>
+                </a:solidFill>
+              </a14:hiddenFill>
+            </a:ext>
+          </a:extLst>
+        </p:spPr>
+      </p:pic>
+      <p:pic>
+        <p:nvPicPr>
+          <p:cNvPr id="2052" name="Picture 4" descr="Facebook Brand Resources">
+            <a:extLst>
+              <a:ext uri="{FF2B5EF4-FFF2-40B4-BE49-F238E27FC236}">
+                <a16:creationId xmlns:a16="http://schemas.microsoft.com/office/drawing/2014/main" id="{7A69D878-E909-49BD-8643-2C4A6148D6CD}"/>
+              </a:ext>
+            </a:extLst>
+          </p:cNvPr>
+          <p:cNvPicPr>
+            <a:picLocks noChangeAspect="1" noChangeArrowheads="1"/>
+          </p:cNvPicPr>
+          <p:nvPr/>
+        </p:nvPicPr>
+        <p:blipFill>
+          <a:blip r:embed="rId5">
+            <a:extLst>
+              <a:ext uri="{28A0092B-C50C-407E-A947-70E740481C1C}">
+                <a14:useLocalDpi xmlns:a14="http://schemas.microsoft.com/office/drawing/2010/main" val="0"/>
+              </a:ext>
+            </a:extLst>
+          </a:blip>
+          <a:srcRect/>
+          <a:stretch>
+            <a:fillRect/>
+          </a:stretch>
+        </p:blipFill>
+        <p:spPr bwMode="auto">
+          <a:xfrm>
+            <a:off x="3266350" y="3519306"/>
+            <a:ext cx="646331" cy="646331"/>
+          </a:xfrm>
+          <a:prstGeom prst="rect">
+            <a:avLst/>
+          </a:prstGeom>
+          <a:noFill/>
+          <a:extLst>
+            <a:ext uri="{909E8E84-426E-40DD-AFC4-6F175D3DCCD1}">
+              <a14:hiddenFill xmlns:a14="http://schemas.microsoft.com/office/drawing/2010/main">
+                <a:solidFill>
+                  <a:srgbClr val="FFFFFF"/>
+                </a:solidFill>
+              </a14:hiddenFill>
+            </a:ext>
+          </a:extLst>
+        </p:spPr>
+      </p:pic>
+      <p:sp>
+        <p:nvSpPr>
+          <p:cNvPr id="6" name="Arc 5">
+            <a:extLst>
+              <a:ext uri="{FF2B5EF4-FFF2-40B4-BE49-F238E27FC236}">
+                <a16:creationId xmlns:a16="http://schemas.microsoft.com/office/drawing/2014/main" id="{F3F126BB-CFC8-4AAB-BA91-EF2A1E81FAAC}"/>
+              </a:ext>
+            </a:extLst>
+          </p:cNvPr>
+          <p:cNvSpPr/>
+          <p:nvPr/>
+        </p:nvSpPr>
+        <p:spPr>
+          <a:xfrm flipV="1">
+            <a:off x="3064785" y="1803628"/>
+            <a:ext cx="9988784" cy="3671174"/>
+          </a:xfrm>
+          <a:prstGeom prst="arc">
+            <a:avLst>
+              <a:gd name="adj1" fmla="val 10764713"/>
+              <a:gd name="adj2" fmla="val 18709222"/>
+            </a:avLst>
+          </a:prstGeom>
+          <a:ln w="38100">
+            <a:headEnd type="none" w="med" len="med"/>
+            <a:tailEnd type="triangle" w="lg" len="lg"/>
+          </a:ln>
+        </p:spPr>
+        <p:style>
+          <a:lnRef idx="1">
+            <a:schemeClr val="accent1"/>
+          </a:lnRef>
+          <a:fillRef idx="0">
+            <a:schemeClr val="accent1"/>
+          </a:fillRef>
+          <a:effectRef idx="0">
+            <a:schemeClr val="accent1"/>
+          </a:effectRef>
+          <a:fontRef idx="minor">
+            <a:schemeClr val="tx1"/>
+          </a:fontRef>
+        </p:style>
+        <p:txBody>
+          <a:bodyPr rtlCol="0" anchor="ctr"/>
+          <a:lstStyle/>
+          <a:p>
+            <a:pPr algn="ctr"/>
+            <a:endParaRPr lang="en-CA" dirty="0"/>
+          </a:p>
+        </p:txBody>
+      </p:sp>
+      <p:sp>
+        <p:nvSpPr>
+          <p:cNvPr id="7" name="TextBox 6">
+            <a:extLst>
+              <a:ext uri="{FF2B5EF4-FFF2-40B4-BE49-F238E27FC236}">
+                <a16:creationId xmlns:a16="http://schemas.microsoft.com/office/drawing/2014/main" id="{BAC1A465-975D-4218-8A09-B4FE7FE49144}"/>
+              </a:ext>
+            </a:extLst>
+          </p:cNvPr>
+          <p:cNvSpPr txBox="1"/>
+          <p:nvPr/>
+        </p:nvSpPr>
+        <p:spPr>
+          <a:xfrm rot="708815">
+            <a:off x="2572196" y="4849105"/>
+            <a:ext cx="5478845" cy="646331"/>
+          </a:xfrm>
+          <a:prstGeom prst="rect">
+            <a:avLst/>
+          </a:prstGeom>
+          <a:noFill/>
+        </p:spPr>
+        <p:txBody>
+          <a:bodyPr wrap="square" rtlCol="0">
+            <a:spAutoFit/>
+          </a:bodyPr>
+          <a:lstStyle/>
+          <a:p>
+            <a:r>
+              <a:rPr lang="en-CA" dirty="0"/>
+              <a:t>I give them www.gameshow.geoffspielman.com?ip=24.212.142.167</a:t>
+            </a:r>
+          </a:p>
+        </p:txBody>
+      </p:sp>
+      <p:cxnSp>
+        <p:nvCxnSpPr>
+          <p:cNvPr id="9" name="Straight Arrow Connector 8">
+            <a:extLst>
+              <a:ext uri="{FF2B5EF4-FFF2-40B4-BE49-F238E27FC236}">
+                <a16:creationId xmlns:a16="http://schemas.microsoft.com/office/drawing/2014/main" id="{20ACEA87-24DC-4E77-ABFD-90BCA1E3EE2F}"/>
+              </a:ext>
+            </a:extLst>
+          </p:cNvPr>
+          <p:cNvCxnSpPr>
+            <a:cxnSpLocks/>
+          </p:cNvCxnSpPr>
+          <p:nvPr/>
+        </p:nvCxnSpPr>
+        <p:spPr>
+          <a:xfrm flipH="1" flipV="1">
+            <a:off x="8634953" y="3983709"/>
+            <a:ext cx="979901" cy="450469"/>
+          </a:xfrm>
+          <a:prstGeom prst="straightConnector1">
+            <a:avLst/>
+          </a:prstGeom>
+          <a:ln w="28575">
+            <a:tailEnd type="triangle"/>
+          </a:ln>
+        </p:spPr>
+        <p:style>
+          <a:lnRef idx="1">
+            <a:schemeClr val="accent1"/>
+          </a:lnRef>
+          <a:fillRef idx="0">
+            <a:schemeClr val="accent1"/>
+          </a:fillRef>
+          <a:effectRef idx="0">
+            <a:schemeClr val="accent1"/>
+          </a:effectRef>
+          <a:fontRef idx="minor">
+            <a:schemeClr val="tx1"/>
+          </a:fontRef>
+        </p:style>
+      </p:cxnSp>
+      <p:sp>
+        <p:nvSpPr>
+          <p:cNvPr id="12" name="TextBox 11">
+            <a:extLst>
+              <a:ext uri="{FF2B5EF4-FFF2-40B4-BE49-F238E27FC236}">
+                <a16:creationId xmlns:a16="http://schemas.microsoft.com/office/drawing/2014/main" id="{49F76250-7EFD-4046-8AD9-C67D014EB8D7}"/>
+              </a:ext>
+            </a:extLst>
+          </p:cNvPr>
+          <p:cNvSpPr txBox="1"/>
+          <p:nvPr/>
+        </p:nvSpPr>
+        <p:spPr>
+          <a:xfrm>
+            <a:off x="6212860" y="991651"/>
+            <a:ext cx="2311139" cy="923330"/>
+          </a:xfrm>
+          <a:prstGeom prst="rect">
+            <a:avLst/>
+          </a:prstGeom>
+          <a:noFill/>
+        </p:spPr>
+        <p:txBody>
+          <a:bodyPr wrap="square" rtlCol="0">
+            <a:spAutoFit/>
+          </a:bodyPr>
+          <a:lstStyle/>
+          <a:p>
+            <a:r>
+              <a:rPr lang="en-CA" dirty="0"/>
+              <a:t>Client gets public content (index, images </a:t>
+            </a:r>
+            <a:r>
+              <a:rPr lang="en-CA" dirty="0" err="1"/>
+              <a:t>etc</a:t>
+            </a:r>
+            <a:r>
+              <a:rPr lang="en-CA" dirty="0"/>
+              <a:t>) from digital ocean </a:t>
+            </a:r>
+          </a:p>
+        </p:txBody>
+      </p:sp>
+      <p:pic>
+        <p:nvPicPr>
+          <p:cNvPr id="11" name="Picture 10">
+            <a:extLst>
+              <a:ext uri="{FF2B5EF4-FFF2-40B4-BE49-F238E27FC236}">
+                <a16:creationId xmlns:a16="http://schemas.microsoft.com/office/drawing/2014/main" id="{B1632617-9153-482F-99B7-8E54F2289BEE}"/>
+              </a:ext>
+            </a:extLst>
+          </p:cNvPr>
+          <p:cNvPicPr>
+            <a:picLocks noChangeAspect="1"/>
+          </p:cNvPicPr>
+          <p:nvPr/>
+        </p:nvPicPr>
+        <p:blipFill>
+          <a:blip r:embed="rId6">
+            <a:clrChange>
+              <a:clrFrom>
+                <a:srgbClr val="000000"/>
+              </a:clrFrom>
+              <a:clrTo>
+                <a:srgbClr val="000000">
+                  <a:alpha val="0"/>
+                </a:srgbClr>
+              </a:clrTo>
+            </a:clrChange>
+          </a:blip>
+          <a:stretch>
+            <a:fillRect/>
+          </a:stretch>
+        </p:blipFill>
+        <p:spPr>
+          <a:xfrm>
+            <a:off x="7963916" y="3488385"/>
+            <a:ext cx="580616" cy="890047"/>
+          </a:xfrm>
+          <a:prstGeom prst="rect">
+            <a:avLst/>
+          </a:prstGeom>
+        </p:spPr>
+      </p:pic>
+      <p:sp>
+        <p:nvSpPr>
+          <p:cNvPr id="17" name="TextBox 16">
+            <a:extLst>
+              <a:ext uri="{FF2B5EF4-FFF2-40B4-BE49-F238E27FC236}">
+                <a16:creationId xmlns:a16="http://schemas.microsoft.com/office/drawing/2014/main" id="{D829789C-D2FA-4964-B3B8-5139751AB539}"/>
+              </a:ext>
+            </a:extLst>
+          </p:cNvPr>
+          <p:cNvSpPr txBox="1"/>
+          <p:nvPr/>
+        </p:nvSpPr>
+        <p:spPr>
+          <a:xfrm>
+            <a:off x="7632581" y="3169712"/>
+            <a:ext cx="1243286" cy="369332"/>
+          </a:xfrm>
+          <a:prstGeom prst="rect">
+            <a:avLst/>
+          </a:prstGeom>
+          <a:noFill/>
+        </p:spPr>
+        <p:txBody>
+          <a:bodyPr wrap="square" rtlCol="0">
+            <a:spAutoFit/>
+          </a:bodyPr>
+          <a:lstStyle/>
+          <a:p>
+            <a:r>
+              <a:rPr lang="en-CA"/>
+              <a:t>DNS Server</a:t>
+            </a:r>
+            <a:endParaRPr lang="en-CA" dirty="0"/>
+          </a:p>
+        </p:txBody>
+      </p:sp>
+      <p:pic>
+        <p:nvPicPr>
+          <p:cNvPr id="18" name="Picture 17">
+            <a:extLst>
+              <a:ext uri="{FF2B5EF4-FFF2-40B4-BE49-F238E27FC236}">
+                <a16:creationId xmlns:a16="http://schemas.microsoft.com/office/drawing/2014/main" id="{481234E0-FD00-4AB6-A6E4-62D149C7D8DB}"/>
+              </a:ext>
+            </a:extLst>
+          </p:cNvPr>
+          <p:cNvPicPr>
+            <a:picLocks noChangeAspect="1"/>
+          </p:cNvPicPr>
+          <p:nvPr/>
+        </p:nvPicPr>
+        <p:blipFill>
+          <a:blip r:embed="rId7">
+            <a:clrChange>
+              <a:clrFrom>
+                <a:srgbClr val="000000"/>
+              </a:clrFrom>
+              <a:clrTo>
+                <a:srgbClr val="000000">
+                  <a:alpha val="0"/>
+                </a:srgbClr>
+              </a:clrTo>
+            </a:clrChange>
+          </a:blip>
+          <a:stretch>
+            <a:fillRect/>
+          </a:stretch>
+        </p:blipFill>
+        <p:spPr>
+          <a:xfrm>
+            <a:off x="4668719" y="3039411"/>
+            <a:ext cx="1818293" cy="542991"/>
+          </a:xfrm>
+          <a:prstGeom prst="rect">
+            <a:avLst/>
+          </a:prstGeom>
+        </p:spPr>
+      </p:pic>
+      <p:cxnSp>
+        <p:nvCxnSpPr>
+          <p:cNvPr id="21" name="Straight Arrow Connector 20">
+            <a:extLst>
+              <a:ext uri="{FF2B5EF4-FFF2-40B4-BE49-F238E27FC236}">
+                <a16:creationId xmlns:a16="http://schemas.microsoft.com/office/drawing/2014/main" id="{DB9448DA-77CA-4332-8CBF-7209CBBFC28A}"/>
+              </a:ext>
+            </a:extLst>
+          </p:cNvPr>
+          <p:cNvCxnSpPr>
+            <a:cxnSpLocks/>
+            <a:endCxn id="18" idx="3"/>
+          </p:cNvCxnSpPr>
+          <p:nvPr/>
+        </p:nvCxnSpPr>
+        <p:spPr>
+          <a:xfrm flipH="1" flipV="1">
+            <a:off x="6487012" y="3310907"/>
+            <a:ext cx="1311238" cy="450470"/>
+          </a:xfrm>
+          <a:prstGeom prst="straightConnector1">
+            <a:avLst/>
+          </a:prstGeom>
+          <a:ln w="28575">
+            <a:tailEnd type="triangle"/>
+          </a:ln>
+        </p:spPr>
+        <p:style>
+          <a:lnRef idx="1">
+            <a:schemeClr val="accent1"/>
+          </a:lnRef>
+          <a:fillRef idx="0">
+            <a:schemeClr val="accent1"/>
+          </a:fillRef>
+          <a:effectRef idx="0">
+            <a:schemeClr val="accent1"/>
+          </a:effectRef>
+          <a:fontRef idx="minor">
+            <a:schemeClr val="tx1"/>
+          </a:fontRef>
+        </p:style>
+      </p:cxnSp>
+      <p:pic>
+        <p:nvPicPr>
+          <p:cNvPr id="2058" name="Picture 10" descr="DigitalOcean - Wikipedia">
+            <a:extLst>
+              <a:ext uri="{FF2B5EF4-FFF2-40B4-BE49-F238E27FC236}">
+                <a16:creationId xmlns:a16="http://schemas.microsoft.com/office/drawing/2014/main" id="{E0D2E34C-73D0-4949-AA2C-746BE6140F69}"/>
+              </a:ext>
+            </a:extLst>
+          </p:cNvPr>
+          <p:cNvPicPr>
+            <a:picLocks noChangeAspect="1" noChangeArrowheads="1"/>
+          </p:cNvPicPr>
+          <p:nvPr/>
+        </p:nvPicPr>
+        <p:blipFill>
+          <a:blip r:embed="rId8">
+            <a:extLst>
+              <a:ext uri="{28A0092B-C50C-407E-A947-70E740481C1C}">
+                <a14:useLocalDpi xmlns:a14="http://schemas.microsoft.com/office/drawing/2010/main" val="0"/>
+              </a:ext>
+            </a:extLst>
+          </a:blip>
+          <a:srcRect/>
+          <a:stretch>
+            <a:fillRect/>
+          </a:stretch>
+        </p:blipFill>
+        <p:spPr bwMode="auto">
+          <a:xfrm>
+            <a:off x="4334916" y="1001158"/>
+            <a:ext cx="922884" cy="922884"/>
+          </a:xfrm>
+          <a:prstGeom prst="rect">
+            <a:avLst/>
+          </a:prstGeom>
+          <a:noFill/>
+          <a:extLst>
+            <a:ext uri="{909E8E84-426E-40DD-AFC4-6F175D3DCCD1}">
+              <a14:hiddenFill xmlns:a14="http://schemas.microsoft.com/office/drawing/2010/main">
+                <a:solidFill>
+                  <a:srgbClr val="FFFFFF"/>
+                </a:solidFill>
+              </a14:hiddenFill>
+            </a:ext>
+          </a:extLst>
+        </p:spPr>
+      </p:pic>
+      <p:cxnSp>
+        <p:nvCxnSpPr>
+          <p:cNvPr id="24" name="Straight Arrow Connector 23">
+            <a:extLst>
+              <a:ext uri="{FF2B5EF4-FFF2-40B4-BE49-F238E27FC236}">
+                <a16:creationId xmlns:a16="http://schemas.microsoft.com/office/drawing/2014/main" id="{44136FD6-B266-4EC7-8849-B5344E7A6DC6}"/>
+              </a:ext>
+            </a:extLst>
+          </p:cNvPr>
+          <p:cNvCxnSpPr>
+            <a:cxnSpLocks/>
+          </p:cNvCxnSpPr>
+          <p:nvPr/>
+        </p:nvCxnSpPr>
+        <p:spPr>
+          <a:xfrm flipH="1" flipV="1">
+            <a:off x="5359389" y="2148405"/>
+            <a:ext cx="385472" cy="826725"/>
+          </a:xfrm>
+          <a:prstGeom prst="straightConnector1">
+            <a:avLst/>
+          </a:prstGeom>
+          <a:ln w="28575">
+            <a:tailEnd type="triangle"/>
+          </a:ln>
+        </p:spPr>
+        <p:style>
+          <a:lnRef idx="1">
+            <a:schemeClr val="accent1"/>
+          </a:lnRef>
+          <a:fillRef idx="0">
+            <a:schemeClr val="accent1"/>
+          </a:fillRef>
+          <a:effectRef idx="0">
+            <a:schemeClr val="accent1"/>
+          </a:effectRef>
+          <a:fontRef idx="minor">
+            <a:schemeClr val="tx1"/>
+          </a:fontRef>
+        </p:style>
+      </p:cxnSp>
+      <p:sp>
+        <p:nvSpPr>
+          <p:cNvPr id="28" name="Arc 27">
+            <a:extLst>
+              <a:ext uri="{FF2B5EF4-FFF2-40B4-BE49-F238E27FC236}">
+                <a16:creationId xmlns:a16="http://schemas.microsoft.com/office/drawing/2014/main" id="{C7257964-613E-4432-A46F-B23F51E26DF4}"/>
+              </a:ext>
+            </a:extLst>
+          </p:cNvPr>
+          <p:cNvSpPr/>
+          <p:nvPr/>
+        </p:nvSpPr>
+        <p:spPr>
+          <a:xfrm rot="13889773" flipH="1" flipV="1">
+            <a:off x="5243741" y="1326305"/>
+            <a:ext cx="5193195" cy="3739505"/>
+          </a:xfrm>
+          <a:prstGeom prst="arc">
+            <a:avLst>
+              <a:gd name="adj1" fmla="val 11463417"/>
+              <a:gd name="adj2" fmla="val 19922351"/>
+            </a:avLst>
+          </a:prstGeom>
+          <a:ln w="38100">
+            <a:headEnd type="none" w="med" len="med"/>
+            <a:tailEnd type="triangle" w="lg" len="lg"/>
+          </a:ln>
+        </p:spPr>
+        <p:style>
+          <a:lnRef idx="1">
+            <a:schemeClr val="accent1"/>
+          </a:lnRef>
+          <a:fillRef idx="0">
+            <a:schemeClr val="accent1"/>
+          </a:fillRef>
+          <a:effectRef idx="0">
+            <a:schemeClr val="accent1"/>
+          </a:effectRef>
+          <a:fontRef idx="minor">
+            <a:schemeClr val="tx1"/>
+          </a:fontRef>
+        </p:style>
+        <p:txBody>
+          <a:bodyPr rtlCol="0" anchor="ctr"/>
+          <a:lstStyle/>
+          <a:p>
+            <a:pPr algn="ctr"/>
+            <a:endParaRPr lang="en-CA"/>
+          </a:p>
+        </p:txBody>
+      </p:sp>
+      <p:sp>
+        <p:nvSpPr>
+          <p:cNvPr id="29" name="TextBox 28">
+            <a:extLst>
+              <a:ext uri="{FF2B5EF4-FFF2-40B4-BE49-F238E27FC236}">
+                <a16:creationId xmlns:a16="http://schemas.microsoft.com/office/drawing/2014/main" id="{0E3641A7-21FF-4407-ACC9-920FB9C11AFA}"/>
+              </a:ext>
+            </a:extLst>
+          </p:cNvPr>
+          <p:cNvSpPr txBox="1"/>
+          <p:nvPr/>
+        </p:nvSpPr>
+        <p:spPr>
+          <a:xfrm>
+            <a:off x="4674877" y="3539535"/>
+            <a:ext cx="2311139" cy="646331"/>
+          </a:xfrm>
+          <a:prstGeom prst="rect">
+            <a:avLst/>
+          </a:prstGeom>
+          <a:noFill/>
+        </p:spPr>
+        <p:txBody>
+          <a:bodyPr wrap="square" rtlCol="0">
+            <a:spAutoFit/>
+          </a:bodyPr>
+          <a:lstStyle/>
+          <a:p>
+            <a:r>
+              <a:rPr lang="en-CA" dirty="0"/>
+              <a:t>Worker: no SSL on *gameshow</a:t>
+            </a:r>
+          </a:p>
+        </p:txBody>
+      </p:sp>
+      <p:pic>
+        <p:nvPicPr>
+          <p:cNvPr id="25" name="Picture 24">
+            <a:extLst>
+              <a:ext uri="{FF2B5EF4-FFF2-40B4-BE49-F238E27FC236}">
+                <a16:creationId xmlns:a16="http://schemas.microsoft.com/office/drawing/2014/main" id="{8F645A89-6FC5-40B9-8E1D-04D66B7ACAAA}"/>
+              </a:ext>
+            </a:extLst>
+          </p:cNvPr>
+          <p:cNvPicPr>
+            <a:picLocks noChangeAspect="1"/>
+          </p:cNvPicPr>
+          <p:nvPr/>
+        </p:nvPicPr>
+        <p:blipFill>
+          <a:blip r:embed="rId9">
+            <a:clrChange>
+              <a:clrFrom>
+                <a:srgbClr val="000000"/>
+              </a:clrFrom>
+              <a:clrTo>
+                <a:srgbClr val="000000">
+                  <a:alpha val="0"/>
+                </a:srgbClr>
+              </a:clrTo>
+            </a:clrChange>
+          </a:blip>
+          <a:stretch>
+            <a:fillRect/>
+          </a:stretch>
+        </p:blipFill>
+        <p:spPr>
+          <a:xfrm>
+            <a:off x="10405987" y="3920693"/>
+            <a:ext cx="903323" cy="1026970"/>
+          </a:xfrm>
+          <a:prstGeom prst="rect">
+            <a:avLst/>
+          </a:prstGeom>
+        </p:spPr>
+      </p:pic>
+      <p:sp>
+        <p:nvSpPr>
+          <p:cNvPr id="32" name="TextBox 31">
+            <a:extLst>
+              <a:ext uri="{FF2B5EF4-FFF2-40B4-BE49-F238E27FC236}">
+                <a16:creationId xmlns:a16="http://schemas.microsoft.com/office/drawing/2014/main" id="{DB0590A1-23F4-42DE-B060-F05E0295FDD7}"/>
+              </a:ext>
+            </a:extLst>
+          </p:cNvPr>
+          <p:cNvSpPr txBox="1"/>
+          <p:nvPr/>
+        </p:nvSpPr>
+        <p:spPr>
+          <a:xfrm>
+            <a:off x="10654472" y="4907270"/>
+            <a:ext cx="1468685" cy="646331"/>
+          </a:xfrm>
+          <a:prstGeom prst="rect">
+            <a:avLst/>
+          </a:prstGeom>
+          <a:noFill/>
+        </p:spPr>
+        <p:txBody>
+          <a:bodyPr wrap="square" rtlCol="0">
+            <a:spAutoFit/>
+          </a:bodyPr>
+          <a:lstStyle/>
+          <a:p>
+            <a:r>
+              <a:rPr lang="en-CA" dirty="0"/>
+              <a:t>Parse </a:t>
+            </a:r>
+            <a:r>
+              <a:rPr lang="en-CA" dirty="0" err="1"/>
+              <a:t>url</a:t>
+            </a:r>
+            <a:r>
+              <a:rPr lang="en-CA" dirty="0"/>
+              <a:t> for my IP address</a:t>
+            </a:r>
+          </a:p>
+        </p:txBody>
+      </p:sp>
+      <p:sp>
+        <p:nvSpPr>
+          <p:cNvPr id="33" name="Arc 32">
+            <a:extLst>
+              <a:ext uri="{FF2B5EF4-FFF2-40B4-BE49-F238E27FC236}">
+                <a16:creationId xmlns:a16="http://schemas.microsoft.com/office/drawing/2014/main" id="{3EEEFB70-3E1C-4FC6-8BF9-BA6CB948DB2B}"/>
+              </a:ext>
+            </a:extLst>
+          </p:cNvPr>
+          <p:cNvSpPr/>
+          <p:nvPr/>
+        </p:nvSpPr>
+        <p:spPr>
+          <a:xfrm flipH="1" flipV="1">
+            <a:off x="1396804" y="1270247"/>
+            <a:ext cx="9988784" cy="5377895"/>
+          </a:xfrm>
+          <a:prstGeom prst="arc">
+            <a:avLst>
+              <a:gd name="adj1" fmla="val 11931196"/>
+              <a:gd name="adj2" fmla="val 213157"/>
+            </a:avLst>
+          </a:prstGeom>
+          <a:ln w="38100">
+            <a:solidFill>
+              <a:srgbClr val="FF0000"/>
+            </a:solidFill>
+            <a:headEnd type="triangle" w="med" len="med"/>
+            <a:tailEnd type="triangle" w="med" len="med"/>
+          </a:ln>
+        </p:spPr>
+        <p:style>
+          <a:lnRef idx="1">
+            <a:schemeClr val="accent1"/>
+          </a:lnRef>
+          <a:fillRef idx="0">
+            <a:schemeClr val="accent1"/>
+          </a:fillRef>
+          <a:effectRef idx="0">
+            <a:schemeClr val="accent1"/>
+          </a:effectRef>
+          <a:fontRef idx="minor">
+            <a:schemeClr val="tx1"/>
+          </a:fontRef>
+        </p:style>
+        <p:txBody>
+          <a:bodyPr rtlCol="0" anchor="ctr"/>
+          <a:lstStyle/>
+          <a:p>
+            <a:pPr algn="ctr"/>
+            <a:endParaRPr lang="en-CA" dirty="0"/>
+          </a:p>
+        </p:txBody>
+      </p:sp>
+      <p:sp>
+        <p:nvSpPr>
+          <p:cNvPr id="34" name="TextBox 33">
+            <a:extLst>
+              <a:ext uri="{FF2B5EF4-FFF2-40B4-BE49-F238E27FC236}">
+                <a16:creationId xmlns:a16="http://schemas.microsoft.com/office/drawing/2014/main" id="{F59675D6-D1BD-47DB-8662-F2B23CA93E81}"/>
+              </a:ext>
+            </a:extLst>
+          </p:cNvPr>
+          <p:cNvSpPr txBox="1"/>
+          <p:nvPr/>
+        </p:nvSpPr>
+        <p:spPr>
+          <a:xfrm rot="708815">
+            <a:off x="2601010" y="5969142"/>
+            <a:ext cx="5478845" cy="369332"/>
+          </a:xfrm>
+          <a:prstGeom prst="rect">
+            <a:avLst/>
+          </a:prstGeom>
+          <a:noFill/>
+        </p:spPr>
+        <p:txBody>
+          <a:bodyPr wrap="square" rtlCol="0">
+            <a:spAutoFit/>
+          </a:bodyPr>
+          <a:lstStyle/>
+          <a:p>
+            <a:r>
+              <a:rPr lang="en-CA" dirty="0"/>
+              <a:t>Socket connection @ 24.212.142.167:3000</a:t>
+            </a:r>
+          </a:p>
+        </p:txBody>
+      </p:sp>
+      <p:pic>
+        <p:nvPicPr>
+          <p:cNvPr id="2062" name="Picture 14">
+            <a:extLst>
+              <a:ext uri="{FF2B5EF4-FFF2-40B4-BE49-F238E27FC236}">
+                <a16:creationId xmlns:a16="http://schemas.microsoft.com/office/drawing/2014/main" id="{3436B604-3FFF-47C9-BBAF-AF7A9175D956}"/>
+              </a:ext>
+            </a:extLst>
+          </p:cNvPr>
+          <p:cNvPicPr>
+            <a:picLocks noChangeAspect="1" noChangeArrowheads="1"/>
+          </p:cNvPicPr>
+          <p:nvPr/>
+        </p:nvPicPr>
+        <p:blipFill>
+          <a:blip r:embed="rId10">
+            <a:extLst>
+              <a:ext uri="{28A0092B-C50C-407E-A947-70E740481C1C}">
+                <a14:useLocalDpi xmlns:a14="http://schemas.microsoft.com/office/drawing/2010/main" val="0"/>
+              </a:ext>
+            </a:extLst>
+          </a:blip>
+          <a:srcRect/>
+          <a:stretch>
+            <a:fillRect/>
+          </a:stretch>
+        </p:blipFill>
+        <p:spPr bwMode="auto">
+          <a:xfrm>
+            <a:off x="122485" y="2944310"/>
+            <a:ext cx="1202435" cy="733192"/>
+          </a:xfrm>
+          <a:prstGeom prst="rect">
+            <a:avLst/>
+          </a:prstGeom>
+          <a:noFill/>
+          <a:extLst>
+            <a:ext uri="{909E8E84-426E-40DD-AFC4-6F175D3DCCD1}">
+              <a14:hiddenFill xmlns:a14="http://schemas.microsoft.com/office/drawing/2010/main">
+                <a:solidFill>
+                  <a:srgbClr val="FFFFFF"/>
+                </a:solidFill>
+              </a14:hiddenFill>
+            </a:ext>
+          </a:extLst>
         </p:spPr>
       </p:pic>
     </p:spTree>
     <p:extLst>
       <p:ext uri="{BB962C8B-B14F-4D97-AF65-F5344CB8AC3E}">
-        <p14:creationId xmlns:p14="http://schemas.microsoft.com/office/powerpoint/2010/main" val="2048609869"/>
+        <p14:creationId xmlns:p14="http://schemas.microsoft.com/office/powerpoint/2010/main" val="1160604219"/>
+      </p:ext>
+    </p:extLst>
+  </p:cSld>
+  <p:clrMapOvr>
+    <a:masterClrMapping/>
+  </p:clrMapOvr>
+</p:sld>
+</file>
+
+<file path=ppt/slides/slide19.xml><?xml version="1.0" encoding="utf-8"?>
+<p:sld xmlns:a="http://schemas.openxmlformats.org/drawingml/2006/main" xmlns:r="http://schemas.openxmlformats.org/officeDocument/2006/relationships" xmlns:p="http://schemas.openxmlformats.org/presentationml/2006/main">
+  <p:cSld>
+    <p:spTree>
+      <p:nvGrpSpPr>
+        <p:cNvPr id="1" name=""/>
+        <p:cNvGrpSpPr/>
+        <p:nvPr/>
+      </p:nvGrpSpPr>
+      <p:grpSpPr>
+        <a:xfrm>
+          <a:off x="0" y="0"/>
+          <a:ext cx="0" cy="0"/>
+          <a:chOff x="0" y="0"/>
+          <a:chExt cx="0" cy="0"/>
+        </a:xfrm>
+      </p:grpSpPr>
+      <p:sp>
+        <p:nvSpPr>
+          <p:cNvPr id="2" name="Title 1">
+            <a:extLst>
+              <a:ext uri="{FF2B5EF4-FFF2-40B4-BE49-F238E27FC236}">
+                <a16:creationId xmlns:a16="http://schemas.microsoft.com/office/drawing/2014/main" id="{F834305A-B403-4127-8A5F-0ACDF6A6BB40}"/>
+              </a:ext>
+            </a:extLst>
+          </p:cNvPr>
+          <p:cNvSpPr>
+            <a:spLocks noGrp="1"/>
+          </p:cNvSpPr>
+          <p:nvPr>
+            <p:ph type="title"/>
+          </p:nvPr>
+        </p:nvSpPr>
+        <p:spPr>
+          <a:xfrm>
+            <a:off x="150223" y="0"/>
+            <a:ext cx="7896497" cy="740864"/>
+          </a:xfrm>
+        </p:spPr>
+        <p:txBody>
+          <a:bodyPr/>
+          <a:lstStyle/>
+          <a:p>
+            <a:r>
+              <a:rPr lang="en-CA" dirty="0"/>
+              <a:t>Worker Threw an Exception</a:t>
+            </a:r>
+          </a:p>
+        </p:txBody>
+      </p:sp>
+      <p:sp>
+        <p:nvSpPr>
+          <p:cNvPr id="3" name="Content Placeholder 2">
+            <a:extLst>
+              <a:ext uri="{FF2B5EF4-FFF2-40B4-BE49-F238E27FC236}">
+                <a16:creationId xmlns:a16="http://schemas.microsoft.com/office/drawing/2014/main" id="{0AAB999F-6D84-41DC-8140-C86A79AA1013}"/>
+              </a:ext>
+            </a:extLst>
+          </p:cNvPr>
+          <p:cNvSpPr>
+            <a:spLocks noGrp="1"/>
+          </p:cNvSpPr>
+          <p:nvPr>
+            <p:ph idx="1"/>
+          </p:nvPr>
+        </p:nvSpPr>
+        <p:spPr>
+          <a:xfrm>
+            <a:off x="315686" y="815431"/>
+            <a:ext cx="10515600" cy="4351338"/>
+          </a:xfrm>
+        </p:spPr>
+        <p:txBody>
+          <a:bodyPr>
+            <a:normAutofit lnSpcReduction="10000"/>
+          </a:bodyPr>
+          <a:lstStyle/>
+          <a:p>
+            <a:pPr fontAlgn="t"/>
+            <a:r>
+              <a:rPr lang="en-CA" b="1" dirty="0"/>
+              <a:t>Request URL: </a:t>
+            </a:r>
+          </a:p>
+          <a:p>
+            <a:pPr marL="457200" lvl="1" indent="0" latinLnBrk="1">
+              <a:buNone/>
+            </a:pPr>
+            <a:r>
+              <a:rPr lang="en-CA" dirty="0">
+                <a:hlinkClick r:id="rId2"/>
+              </a:rPr>
+              <a:t>https://gameshow.geoffspielman.com/gamesocket/?ip=24.212.142.167&amp;EIO=3&amp;transport=polling&amp;t=N7C6_EQ</a:t>
+            </a:r>
+            <a:endParaRPr lang="en-CA" dirty="0"/>
+          </a:p>
+          <a:p>
+            <a:pPr fontAlgn="t"/>
+            <a:r>
+              <a:rPr lang="en-CA" b="1" dirty="0"/>
+              <a:t>Request Method: </a:t>
+            </a:r>
+          </a:p>
+          <a:p>
+            <a:pPr marL="0" indent="0" latinLnBrk="1">
+              <a:buNone/>
+            </a:pPr>
+            <a:r>
+              <a:rPr lang="en-CA" dirty="0"/>
+              <a:t>	GET</a:t>
+            </a:r>
+          </a:p>
+          <a:p>
+            <a:pPr fontAlgn="t"/>
+            <a:r>
+              <a:rPr lang="en-CA" b="1" dirty="0"/>
+              <a:t>path: </a:t>
+            </a:r>
+          </a:p>
+          <a:p>
+            <a:pPr marL="457200" lvl="1" indent="0" latinLnBrk="1">
+              <a:buNone/>
+            </a:pPr>
+            <a:r>
+              <a:rPr lang="en-CA" dirty="0"/>
+              <a:t>/</a:t>
+            </a:r>
+            <a:r>
+              <a:rPr lang="en-CA" dirty="0" err="1"/>
+              <a:t>gamesocket</a:t>
+            </a:r>
+            <a:r>
+              <a:rPr lang="en-CA" dirty="0"/>
+              <a:t>/?</a:t>
+            </a:r>
+            <a:r>
+              <a:rPr lang="en-CA" dirty="0" err="1"/>
+              <a:t>ip</a:t>
+            </a:r>
+            <a:r>
+              <a:rPr lang="en-CA" dirty="0"/>
+              <a:t>=</a:t>
+            </a:r>
+            <a:r>
+              <a:rPr lang="en-CA" dirty="0" err="1"/>
+              <a:t>24.212.142.167&amp;EIO</a:t>
+            </a:r>
+            <a:r>
+              <a:rPr lang="en-CA" dirty="0"/>
+              <a:t>=</a:t>
+            </a:r>
+            <a:r>
+              <a:rPr lang="en-CA" dirty="0" err="1"/>
+              <a:t>3&amp;transport</a:t>
+            </a:r>
+            <a:r>
+              <a:rPr lang="en-CA" dirty="0"/>
+              <a:t>=</a:t>
+            </a:r>
+            <a:r>
+              <a:rPr lang="en-CA" dirty="0" err="1"/>
+              <a:t>polling&amp;t</a:t>
+            </a:r>
+            <a:r>
+              <a:rPr lang="en-CA" dirty="0"/>
+              <a:t>=</a:t>
+            </a:r>
+            <a:r>
+              <a:rPr lang="en-CA" dirty="0" err="1"/>
+              <a:t>N7C6_EQ</a:t>
+            </a:r>
+            <a:endParaRPr lang="en-CA" dirty="0"/>
+          </a:p>
+          <a:p>
+            <a:pPr marL="457200" lvl="1" indent="0" latinLnBrk="1">
+              <a:buNone/>
+            </a:pPr>
+            <a:endParaRPr lang="en-CA" dirty="0"/>
+          </a:p>
+          <a:p>
+            <a:pPr latinLnBrk="1"/>
+            <a:r>
+              <a:rPr lang="en-CA" b="1" dirty="0"/>
+              <a:t>Query String Parameters</a:t>
+            </a:r>
+          </a:p>
+          <a:p>
+            <a:pPr marL="457200" lvl="1" indent="0" latinLnBrk="1">
+              <a:buNone/>
+            </a:pPr>
+            <a:r>
+              <a:rPr lang="en-CA" dirty="0" err="1"/>
+              <a:t>ip</a:t>
+            </a:r>
+            <a:r>
+              <a:rPr lang="en-CA" dirty="0"/>
+              <a:t>: 24.212.142.167</a:t>
+            </a:r>
+          </a:p>
+          <a:p>
+            <a:pPr marL="457200" lvl="1" indent="0" latinLnBrk="1">
+              <a:buNone/>
+            </a:pPr>
+            <a:endParaRPr lang="en-CA" dirty="0"/>
+          </a:p>
+          <a:p>
+            <a:endParaRPr lang="en-CA" dirty="0"/>
+          </a:p>
+        </p:txBody>
+      </p:sp>
+    </p:spTree>
+    <p:extLst>
+      <p:ext uri="{BB962C8B-B14F-4D97-AF65-F5344CB8AC3E}">
+        <p14:creationId xmlns:p14="http://schemas.microsoft.com/office/powerpoint/2010/main" val="545528636"/>
       </p:ext>
     </p:extLst>
   </p:cSld>
@@ -8117,6 +9562,580 @@
 </p:sld>
 </file>
 
+<file path=ppt/slides/slide20.xml><?xml version="1.0" encoding="utf-8"?>
+<p:sld xmlns:a="http://schemas.openxmlformats.org/drawingml/2006/main" xmlns:r="http://schemas.openxmlformats.org/officeDocument/2006/relationships" xmlns:p="http://schemas.openxmlformats.org/presentationml/2006/main">
+  <p:cSld>
+    <p:spTree>
+      <p:nvGrpSpPr>
+        <p:cNvPr id="1" name=""/>
+        <p:cNvGrpSpPr/>
+        <p:nvPr/>
+      </p:nvGrpSpPr>
+      <p:grpSpPr>
+        <a:xfrm>
+          <a:off x="0" y="0"/>
+          <a:ext cx="0" cy="0"/>
+          <a:chOff x="0" y="0"/>
+          <a:chExt cx="0" cy="0"/>
+        </a:xfrm>
+      </p:grpSpPr>
+      <p:sp>
+        <p:nvSpPr>
+          <p:cNvPr id="2" name="Title 1">
+            <a:extLst>
+              <a:ext uri="{FF2B5EF4-FFF2-40B4-BE49-F238E27FC236}">
+                <a16:creationId xmlns:a16="http://schemas.microsoft.com/office/drawing/2014/main" id="{22BE46A5-BE5C-40A2-B259-1E44E2202981}"/>
+              </a:ext>
+            </a:extLst>
+          </p:cNvPr>
+          <p:cNvSpPr>
+            <a:spLocks noGrp="1"/>
+          </p:cNvSpPr>
+          <p:nvPr>
+            <p:ph type="title"/>
+          </p:nvPr>
+        </p:nvSpPr>
+        <p:spPr>
+          <a:xfrm>
+            <a:off x="91751" y="85207"/>
+            <a:ext cx="5021424" cy="586597"/>
+          </a:xfrm>
+        </p:spPr>
+        <p:txBody>
+          <a:bodyPr>
+            <a:normAutofit fontScale="90000"/>
+          </a:bodyPr>
+          <a:lstStyle/>
+          <a:p>
+            <a:r>
+              <a:rPr lang="en-CA" dirty="0"/>
+              <a:t>New Error message:</a:t>
+            </a:r>
+          </a:p>
+        </p:txBody>
+      </p:sp>
+      <p:pic>
+        <p:nvPicPr>
+          <p:cNvPr id="5" name="Picture 4">
+            <a:extLst>
+              <a:ext uri="{FF2B5EF4-FFF2-40B4-BE49-F238E27FC236}">
+                <a16:creationId xmlns:a16="http://schemas.microsoft.com/office/drawing/2014/main" id="{BEE605A6-0264-4B7A-90FE-DC90AD14840C}"/>
+              </a:ext>
+            </a:extLst>
+          </p:cNvPr>
+          <p:cNvPicPr>
+            <a:picLocks noChangeAspect="1"/>
+          </p:cNvPicPr>
+          <p:nvPr/>
+        </p:nvPicPr>
+        <p:blipFill>
+          <a:blip r:embed="rId2"/>
+          <a:stretch>
+            <a:fillRect/>
+          </a:stretch>
+        </p:blipFill>
+        <p:spPr>
+          <a:xfrm>
+            <a:off x="167272" y="2448309"/>
+            <a:ext cx="6485455" cy="4199750"/>
+          </a:xfrm>
+          <a:prstGeom prst="rect">
+            <a:avLst/>
+          </a:prstGeom>
+        </p:spPr>
+      </p:pic>
+      <p:pic>
+        <p:nvPicPr>
+          <p:cNvPr id="6" name="Picture 5">
+            <a:extLst>
+              <a:ext uri="{FF2B5EF4-FFF2-40B4-BE49-F238E27FC236}">
+                <a16:creationId xmlns:a16="http://schemas.microsoft.com/office/drawing/2014/main" id="{C0BFDC74-9E0A-4DF7-9217-4989DD5552BF}"/>
+              </a:ext>
+            </a:extLst>
+          </p:cNvPr>
+          <p:cNvPicPr>
+            <a:picLocks noChangeAspect="1"/>
+          </p:cNvPicPr>
+          <p:nvPr/>
+        </p:nvPicPr>
+        <p:blipFill>
+          <a:blip r:embed="rId3"/>
+          <a:stretch>
+            <a:fillRect/>
+          </a:stretch>
+        </p:blipFill>
+        <p:spPr>
+          <a:xfrm>
+            <a:off x="4432638" y="168598"/>
+            <a:ext cx="7174644" cy="2196320"/>
+          </a:xfrm>
+          <a:prstGeom prst="rect">
+            <a:avLst/>
+          </a:prstGeom>
+        </p:spPr>
+      </p:pic>
+    </p:spTree>
+    <p:extLst>
+      <p:ext uri="{BB962C8B-B14F-4D97-AF65-F5344CB8AC3E}">
+        <p14:creationId xmlns:p14="http://schemas.microsoft.com/office/powerpoint/2010/main" val="3931187049"/>
+      </p:ext>
+    </p:extLst>
+  </p:cSld>
+  <p:clrMapOvr>
+    <a:masterClrMapping/>
+  </p:clrMapOvr>
+</p:sld>
+</file>
+
+<file path=ppt/slides/slide21.xml><?xml version="1.0" encoding="utf-8"?>
+<p:sld xmlns:a="http://schemas.openxmlformats.org/drawingml/2006/main" xmlns:r="http://schemas.openxmlformats.org/officeDocument/2006/relationships" xmlns:p="http://schemas.openxmlformats.org/presentationml/2006/main">
+  <p:cSld>
+    <p:spTree>
+      <p:nvGrpSpPr>
+        <p:cNvPr id="1" name=""/>
+        <p:cNvGrpSpPr/>
+        <p:nvPr/>
+      </p:nvGrpSpPr>
+      <p:grpSpPr>
+        <a:xfrm>
+          <a:off x="0" y="0"/>
+          <a:ext cx="0" cy="0"/>
+          <a:chOff x="0" y="0"/>
+          <a:chExt cx="0" cy="0"/>
+        </a:xfrm>
+      </p:grpSpPr>
+      <p:sp>
+        <p:nvSpPr>
+          <p:cNvPr id="2" name="Title 1">
+            <a:extLst>
+              <a:ext uri="{FF2B5EF4-FFF2-40B4-BE49-F238E27FC236}">
+                <a16:creationId xmlns:a16="http://schemas.microsoft.com/office/drawing/2014/main" id="{CEC34056-2624-473D-88C6-CBA78951C21F}"/>
+              </a:ext>
+            </a:extLst>
+          </p:cNvPr>
+          <p:cNvSpPr>
+            <a:spLocks noGrp="1"/>
+          </p:cNvSpPr>
+          <p:nvPr>
+            <p:ph type="title"/>
+          </p:nvPr>
+        </p:nvSpPr>
+        <p:spPr/>
+        <p:txBody>
+          <a:bodyPr/>
+          <a:lstStyle/>
+          <a:p>
+            <a:r>
+              <a:rPr lang="en-CA" dirty="0"/>
+              <a:t>Cloudflare’s help center:</a:t>
+            </a:r>
+          </a:p>
+        </p:txBody>
+      </p:sp>
+      <p:pic>
+        <p:nvPicPr>
+          <p:cNvPr id="4" name="Picture 3">
+            <a:extLst>
+              <a:ext uri="{FF2B5EF4-FFF2-40B4-BE49-F238E27FC236}">
+                <a16:creationId xmlns:a16="http://schemas.microsoft.com/office/drawing/2014/main" id="{9CD676EB-5CF2-4A25-B780-D255B5E1D812}"/>
+              </a:ext>
+            </a:extLst>
+          </p:cNvPr>
+          <p:cNvPicPr>
+            <a:picLocks noChangeAspect="1"/>
+          </p:cNvPicPr>
+          <p:nvPr/>
+        </p:nvPicPr>
+        <p:blipFill>
+          <a:blip r:embed="rId2"/>
+          <a:stretch>
+            <a:fillRect/>
+          </a:stretch>
+        </p:blipFill>
+        <p:spPr>
+          <a:xfrm>
+            <a:off x="1818594" y="2465129"/>
+            <a:ext cx="9052684" cy="3366504"/>
+          </a:xfrm>
+          <a:prstGeom prst="rect">
+            <a:avLst/>
+          </a:prstGeom>
+        </p:spPr>
+      </p:pic>
+    </p:spTree>
+    <p:extLst>
+      <p:ext uri="{BB962C8B-B14F-4D97-AF65-F5344CB8AC3E}">
+        <p14:creationId xmlns:p14="http://schemas.microsoft.com/office/powerpoint/2010/main" val="2048609869"/>
+      </p:ext>
+    </p:extLst>
+  </p:cSld>
+  <p:clrMapOvr>
+    <a:masterClrMapping/>
+  </p:clrMapOvr>
+</p:sld>
+</file>
+
+<file path=ppt/slides/slide22.xml><?xml version="1.0" encoding="utf-8"?>
+<p:sld xmlns:a="http://schemas.openxmlformats.org/drawingml/2006/main" xmlns:r="http://schemas.openxmlformats.org/officeDocument/2006/relationships" xmlns:p="http://schemas.openxmlformats.org/presentationml/2006/main">
+  <p:cSld>
+    <p:spTree>
+      <p:nvGrpSpPr>
+        <p:cNvPr id="1" name=""/>
+        <p:cNvGrpSpPr/>
+        <p:nvPr/>
+      </p:nvGrpSpPr>
+      <p:grpSpPr>
+        <a:xfrm>
+          <a:off x="0" y="0"/>
+          <a:ext cx="0" cy="0"/>
+          <a:chOff x="0" y="0"/>
+          <a:chExt cx="0" cy="0"/>
+        </a:xfrm>
+      </p:grpSpPr>
+      <p:sp>
+        <p:nvSpPr>
+          <p:cNvPr id="2" name="Title 1">
+            <a:extLst>
+              <a:ext uri="{FF2B5EF4-FFF2-40B4-BE49-F238E27FC236}">
+                <a16:creationId xmlns:a16="http://schemas.microsoft.com/office/drawing/2014/main" id="{7DB1C03F-32AA-4E4F-A789-8677CACBF13E}"/>
+              </a:ext>
+            </a:extLst>
+          </p:cNvPr>
+          <p:cNvSpPr>
+            <a:spLocks noGrp="1"/>
+          </p:cNvSpPr>
+          <p:nvPr>
+            <p:ph type="title"/>
+          </p:nvPr>
+        </p:nvSpPr>
+        <p:spPr>
+          <a:xfrm>
+            <a:off x="101081" y="-1975"/>
+            <a:ext cx="10515600" cy="1325563"/>
+          </a:xfrm>
+        </p:spPr>
+        <p:txBody>
+          <a:bodyPr/>
+          <a:lstStyle/>
+          <a:p>
+            <a:r>
+              <a:rPr lang="en-CA" dirty="0"/>
+              <a:t>Cookie	</a:t>
+            </a:r>
+          </a:p>
+        </p:txBody>
+      </p:sp>
+      <p:sp>
+        <p:nvSpPr>
+          <p:cNvPr id="3" name="Content Placeholder 2">
+            <a:extLst>
+              <a:ext uri="{FF2B5EF4-FFF2-40B4-BE49-F238E27FC236}">
+                <a16:creationId xmlns:a16="http://schemas.microsoft.com/office/drawing/2014/main" id="{99387E47-C65D-4641-AAD3-F334E2A756E2}"/>
+              </a:ext>
+            </a:extLst>
+          </p:cNvPr>
+          <p:cNvSpPr>
+            <a:spLocks noGrp="1"/>
+          </p:cNvSpPr>
+          <p:nvPr>
+            <p:ph idx="1"/>
+          </p:nvPr>
+        </p:nvSpPr>
+        <p:spPr>
+          <a:xfrm>
+            <a:off x="524847" y="1022088"/>
+            <a:ext cx="11142306" cy="5490679"/>
+          </a:xfrm>
+        </p:spPr>
+        <p:txBody>
+          <a:bodyPr>
+            <a:normAutofit/>
+          </a:bodyPr>
+          <a:lstStyle/>
+          <a:p>
+            <a:pPr marL="514350" indent="-514350">
+              <a:buFont typeface="+mj-lt"/>
+              <a:buAutoNum type="arabicPeriod"/>
+            </a:pPr>
+            <a:r>
+              <a:rPr lang="en-CA" dirty="0"/>
+              <a:t>Go to google.com</a:t>
+            </a:r>
+          </a:p>
+          <a:p>
+            <a:pPr marL="514350" indent="-514350">
+              <a:buFont typeface="+mj-lt"/>
+              <a:buAutoNum type="arabicPeriod"/>
+            </a:pPr>
+            <a:r>
+              <a:rPr lang="en-CA" dirty="0"/>
+              <a:t>Click on </a:t>
+            </a:r>
+            <a:r>
+              <a:rPr lang="en-CA" b="1" dirty="0"/>
+              <a:t>Application</a:t>
+            </a:r>
+            <a:r>
+              <a:rPr lang="en-CA" dirty="0"/>
+              <a:t> tab at the top (network, memory, application)</a:t>
+            </a:r>
+          </a:p>
+          <a:p>
+            <a:pPr marL="514350" indent="-514350">
+              <a:buFont typeface="+mj-lt"/>
+              <a:buAutoNum type="arabicPeriod"/>
+            </a:pPr>
+            <a:r>
+              <a:rPr lang="en-CA" dirty="0" err="1"/>
+              <a:t>Cick</a:t>
+            </a:r>
+            <a:r>
+              <a:rPr lang="en-CA" dirty="0"/>
+              <a:t> </a:t>
+            </a:r>
+            <a:r>
+              <a:rPr lang="en-CA" b="1" dirty="0"/>
+              <a:t>Cookies</a:t>
+            </a:r>
+            <a:r>
+              <a:rPr lang="en-CA" dirty="0"/>
+              <a:t> on the sidebar on the left and click on a domain</a:t>
+            </a:r>
+          </a:p>
+          <a:p>
+            <a:pPr marL="514350" indent="-514350">
+              <a:buFont typeface="+mj-lt"/>
+              <a:buAutoNum type="arabicPeriod"/>
+            </a:pPr>
+            <a:r>
+              <a:rPr lang="en-CA" dirty="0"/>
+              <a:t>Double click on an empty row under the </a:t>
+            </a:r>
+            <a:r>
+              <a:rPr lang="en-CA" dirty="0" err="1"/>
+              <a:t>entires</a:t>
+            </a:r>
+            <a:endParaRPr lang="en-CA" dirty="0"/>
+          </a:p>
+          <a:p>
+            <a:pPr marL="0" indent="0">
+              <a:buNone/>
+            </a:pPr>
+            <a:r>
+              <a:rPr lang="en-CA" dirty="0"/>
+              <a:t>Name: </a:t>
+            </a:r>
+            <a:r>
+              <a:rPr lang="en-CA" b="1" dirty="0"/>
+              <a:t>role</a:t>
+            </a:r>
+          </a:p>
+          <a:p>
+            <a:pPr marL="0" indent="0">
+              <a:buNone/>
+            </a:pPr>
+            <a:r>
+              <a:rPr lang="en-CA" dirty="0"/>
+              <a:t>Value: </a:t>
+            </a:r>
+            <a:r>
+              <a:rPr lang="en-CA" b="1" dirty="0"/>
+              <a:t>host</a:t>
+            </a:r>
+          </a:p>
+          <a:p>
+            <a:pPr marL="0" indent="0">
+              <a:buNone/>
+            </a:pPr>
+            <a:r>
+              <a:rPr lang="en-CA" dirty="0"/>
+              <a:t>Domain: </a:t>
+            </a:r>
+            <a:r>
+              <a:rPr lang="en-CA" b="1" dirty="0"/>
+              <a:t>gameshow.geoffspielman.com </a:t>
+            </a:r>
+            <a:r>
+              <a:rPr lang="en-CA" dirty="0"/>
+              <a:t>(tab over this for now)</a:t>
+            </a:r>
+          </a:p>
+          <a:p>
+            <a:pPr marL="0" indent="0">
+              <a:buNone/>
+            </a:pPr>
+            <a:r>
+              <a:rPr lang="en-CA" dirty="0"/>
+              <a:t>Path: </a:t>
+            </a:r>
+            <a:r>
+              <a:rPr lang="en-CA" b="1" dirty="0"/>
+              <a:t>/</a:t>
+            </a:r>
+          </a:p>
+          <a:p>
+            <a:pPr marL="0" indent="0">
+              <a:buNone/>
+            </a:pPr>
+            <a:r>
+              <a:rPr lang="en-CA" dirty="0"/>
+              <a:t>Expires: </a:t>
+            </a:r>
+            <a:r>
+              <a:rPr lang="en-CA" b="1" dirty="0" err="1"/>
+              <a:t>2021-01-01T00:00:00</a:t>
+            </a:r>
+            <a:endParaRPr lang="en-CA" b="1" dirty="0"/>
+          </a:p>
+          <a:p>
+            <a:pPr marL="0" indent="0">
+              <a:buNone/>
+            </a:pPr>
+            <a:endParaRPr lang="en-CA" b="1" dirty="0"/>
+          </a:p>
+          <a:p>
+            <a:pPr marL="0" indent="0">
+              <a:buNone/>
+            </a:pPr>
+            <a:endParaRPr lang="en-CA" dirty="0"/>
+          </a:p>
+          <a:p>
+            <a:pPr marL="0" indent="0">
+              <a:buNone/>
+            </a:pPr>
+            <a:endParaRPr lang="en-CA" dirty="0"/>
+          </a:p>
+          <a:p>
+            <a:pPr marL="0" indent="0">
+              <a:buNone/>
+            </a:pPr>
+            <a:endParaRPr lang="en-CA" dirty="0"/>
+          </a:p>
+          <a:p>
+            <a:pPr marL="0" indent="0">
+              <a:buNone/>
+            </a:pPr>
+            <a:endParaRPr lang="en-CA" dirty="0"/>
+          </a:p>
+          <a:p>
+            <a:pPr marL="0" indent="0">
+              <a:buNone/>
+            </a:pPr>
+            <a:endParaRPr lang="en-CA" dirty="0"/>
+          </a:p>
+          <a:p>
+            <a:endParaRPr lang="en-CA" dirty="0"/>
+          </a:p>
+          <a:p>
+            <a:pPr marL="0" indent="0">
+              <a:buNone/>
+            </a:pPr>
+            <a:endParaRPr lang="en-CA" dirty="0"/>
+          </a:p>
+        </p:txBody>
+      </p:sp>
+      <p:sp>
+        <p:nvSpPr>
+          <p:cNvPr id="5" name="Rectangle 2">
+            <a:extLst>
+              <a:ext uri="{FF2B5EF4-FFF2-40B4-BE49-F238E27FC236}">
+                <a16:creationId xmlns:a16="http://schemas.microsoft.com/office/drawing/2014/main" id="{9D8C2F60-44BF-4104-931A-8A745A187DF7}"/>
+              </a:ext>
+            </a:extLst>
+          </p:cNvPr>
+          <p:cNvSpPr>
+            <a:spLocks noChangeArrowheads="1"/>
+          </p:cNvSpPr>
+          <p:nvPr/>
+        </p:nvSpPr>
+        <p:spPr bwMode="auto">
+          <a:xfrm>
+            <a:off x="3554963" y="1323588"/>
+            <a:ext cx="65" cy="276999"/>
+          </a:xfrm>
+          <a:prstGeom prst="rect">
+            <a:avLst/>
+          </a:prstGeom>
+          <a:solidFill>
+            <a:srgbClr val="EEEEEE"/>
+          </a:solidFill>
+          <a:ln>
+            <a:noFill/>
+          </a:ln>
+          <a:effectLst/>
+          <a:extLst>
+            <a:ext uri="{91240B29-F687-4F45-9708-019B960494DF}">
+              <a14:hiddenLine xmlns:a14="http://schemas.microsoft.com/office/drawing/2010/main" w="9525">
+                <a:solidFill>
+                  <a:schemeClr val="tx1"/>
+                </a:solidFill>
+                <a:miter lim="800000"/>
+                <a:headEnd/>
+                <a:tailEnd/>
+              </a14:hiddenLine>
+            </a:ext>
+            <a:ext uri="{AF507438-7753-43E0-B8FC-AC1667EBCBE1}">
+              <a14:hiddenEffects xmlns:a14="http://schemas.microsoft.com/office/drawing/2010/main">
+                <a:effectLst>
+                  <a:outerShdw dist="35921" dir="2700000" algn="ctr" rotWithShape="0">
+                    <a:schemeClr val="bg2"/>
+                  </a:outerShdw>
+                </a:effectLst>
+              </a14:hiddenEffects>
+            </a:ext>
+          </a:extLst>
+        </p:spPr>
+        <p:txBody>
+          <a:bodyPr vert="horz" wrap="none" lIns="0" tIns="0" rIns="0" bIns="0" numCol="1" anchor="ctr" anchorCtr="0" compatLnSpc="1">
+            <a:prstTxWarp prst="textNoShape">
+              <a:avLst/>
+            </a:prstTxWarp>
+            <a:spAutoFit/>
+          </a:bodyPr>
+          <a:lstStyle/>
+          <a:p>
+            <a:pPr marL="0" marR="0" lvl="0" indent="0" algn="l" defTabSz="914400" rtl="0" eaLnBrk="0" fontAlgn="base" latinLnBrk="0" hangingPunct="0">
+              <a:lnSpc>
+                <a:spcPct val="100000"/>
+              </a:lnSpc>
+              <a:spcBef>
+                <a:spcPct val="0"/>
+              </a:spcBef>
+              <a:spcAft>
+                <a:spcPct val="0"/>
+              </a:spcAft>
+              <a:buClrTx/>
+              <a:buSzTx/>
+              <a:buFontTx/>
+              <a:buNone/>
+              <a:tabLst/>
+            </a:pPr>
+            <a:endParaRPr kumimoji="0" lang="en-US" altLang="en-US" sz="1800" b="0" i="0" u="none" strike="noStrike" cap="none" normalizeH="0" baseline="0" dirty="0">
+              <a:ln>
+                <a:noFill/>
+              </a:ln>
+              <a:solidFill>
+                <a:schemeClr val="tx1"/>
+              </a:solidFill>
+              <a:effectLst/>
+              <a:latin typeface="Arial" panose="020B0604020202020204" pitchFamily="34" charset="0"/>
+            </a:endParaRPr>
+          </a:p>
+        </p:txBody>
+      </p:sp>
+    </p:spTree>
+    <p:extLst>
+      <p:ext uri="{BB962C8B-B14F-4D97-AF65-F5344CB8AC3E}">
+        <p14:creationId xmlns:p14="http://schemas.microsoft.com/office/powerpoint/2010/main" val="2904817129"/>
+      </p:ext>
+    </p:extLst>
+  </p:cSld>
+  <p:clrMapOvr>
+    <a:masterClrMapping/>
+  </p:clrMapOvr>
+</p:sld>
+</file>
+
 <file path=ppt/slides/slide3.xml><?xml version="1.0" encoding="utf-8"?>
 <p:sld xmlns:a="http://schemas.openxmlformats.org/drawingml/2006/main" xmlns:r="http://schemas.openxmlformats.org/officeDocument/2006/relationships" xmlns:p="http://schemas.openxmlformats.org/presentationml/2006/main">
   <p:cSld>
@@ -9079,41 +11098,6 @@
       </p:sp>
       <p:sp>
         <p:nvSpPr>
-          <p:cNvPr id="47" name="TextBox 46">
-            <a:extLst>
-              <a:ext uri="{FF2B5EF4-FFF2-40B4-BE49-F238E27FC236}">
-                <a16:creationId xmlns:a16="http://schemas.microsoft.com/office/drawing/2014/main" id="{DA37511C-23A2-4C26-B0E8-896ADD136AE7}"/>
-              </a:ext>
-            </a:extLst>
-          </p:cNvPr>
-          <p:cNvSpPr txBox="1"/>
-          <p:nvPr/>
-        </p:nvSpPr>
-        <p:spPr>
-          <a:xfrm>
-            <a:off x="7231152" y="93495"/>
-            <a:ext cx="2761146" cy="369332"/>
-          </a:xfrm>
-          <a:prstGeom prst="rect">
-            <a:avLst/>
-          </a:prstGeom>
-          <a:noFill/>
-        </p:spPr>
-        <p:txBody>
-          <a:bodyPr wrap="square" rtlCol="0">
-            <a:spAutoFit/>
-          </a:bodyPr>
-          <a:lstStyle/>
-          <a:p>
-            <a:r>
-              <a:rPr lang="en-CA" dirty="0"/>
-              <a:t>Answer/Host Info/Prompts</a:t>
-            </a:r>
-          </a:p>
-        </p:txBody>
-      </p:sp>
-      <p:sp>
-        <p:nvSpPr>
           <p:cNvPr id="5" name="Rectangle 4">
             <a:extLst>
               <a:ext uri="{FF2B5EF4-FFF2-40B4-BE49-F238E27FC236}">
@@ -9528,7 +11512,7 @@
         <p:spPr>
           <a:xfrm>
             <a:off x="5969772" y="437799"/>
-            <a:ext cx="811764" cy="369332"/>
+            <a:ext cx="811764" cy="646331"/>
           </a:xfrm>
           <a:prstGeom prst="rect">
             <a:avLst/>
@@ -9543,7 +11527,7 @@
           <a:p>
             <a:r>
               <a:rPr lang="en-CA" dirty="0"/>
-              <a:t>PLAY!</a:t>
+              <a:t>Start Game</a:t>
             </a:r>
           </a:p>
         </p:txBody>
@@ -9562,8 +11546,8 @@
         </p:nvSpPr>
         <p:spPr>
           <a:xfrm>
-            <a:off x="6753472" y="530317"/>
-            <a:ext cx="3406450" cy="800236"/>
+            <a:off x="6753472" y="61341"/>
+            <a:ext cx="3406450" cy="1269212"/>
           </a:xfrm>
           <a:prstGeom prst="rect">
             <a:avLst/>
@@ -9627,10 +11611,10 @@
       </p:grpSpPr>
       <p:sp>
         <p:nvSpPr>
-          <p:cNvPr id="4" name="Rectangle 3">
-            <a:extLst>
-              <a:ext uri="{FF2B5EF4-FFF2-40B4-BE49-F238E27FC236}">
-                <a16:creationId xmlns:a16="http://schemas.microsoft.com/office/drawing/2014/main" id="{93C211A5-1E4D-477F-90FE-C69C7C35897D}"/>
+          <p:cNvPr id="44" name="Rectangle 43">
+            <a:extLst>
+              <a:ext uri="{FF2B5EF4-FFF2-40B4-BE49-F238E27FC236}">
+                <a16:creationId xmlns:a16="http://schemas.microsoft.com/office/drawing/2014/main" id="{59782275-37B3-46E5-9E14-0E224F0F5C08}"/>
               </a:ext>
             </a:extLst>
           </p:cNvPr>
@@ -9639,25 +11623,27 @@
         </p:nvSpPr>
         <p:spPr>
           <a:xfrm>
-            <a:off x="0" y="0"/>
-            <a:ext cx="12192000" cy="6858000"/>
+            <a:off x="1963117" y="19484"/>
+            <a:ext cx="8227470" cy="1794396"/>
           </a:xfrm>
           <a:prstGeom prst="rect">
             <a:avLst/>
           </a:prstGeom>
           <a:solidFill>
-            <a:schemeClr val="accent1"/>
+            <a:srgbClr val="FFFF00"/>
           </a:solidFill>
         </p:spPr>
         <p:style>
-          <a:lnRef idx="1">
-            <a:schemeClr val="accent1"/>
+          <a:lnRef idx="2">
+            <a:schemeClr val="accent4">
+              <a:shade val="50000"/>
+            </a:schemeClr>
           </a:lnRef>
-          <a:fillRef idx="3">
-            <a:schemeClr val="accent1"/>
+          <a:fillRef idx="1">
+            <a:schemeClr val="accent4"/>
           </a:fillRef>
-          <a:effectRef idx="2">
-            <a:schemeClr val="accent1"/>
+          <a:effectRef idx="0">
+            <a:schemeClr val="accent4"/>
           </a:effectRef>
           <a:fontRef idx="minor">
             <a:schemeClr val="lt1"/>
@@ -9672,165 +11658,12 @@
           </a:p>
         </p:txBody>
       </p:sp>
-      <p:sp>
-        <p:nvSpPr>
-          <p:cNvPr id="2" name="Title 1">
-            <a:extLst>
-              <a:ext uri="{FF2B5EF4-FFF2-40B4-BE49-F238E27FC236}">
-                <a16:creationId xmlns:a16="http://schemas.microsoft.com/office/drawing/2014/main" id="{8E83465D-C748-4E39-8A69-FEF542524D67}"/>
-              </a:ext>
-            </a:extLst>
-          </p:cNvPr>
-          <p:cNvSpPr>
-            <a:spLocks noGrp="1"/>
-          </p:cNvSpPr>
-          <p:nvPr>
-            <p:ph type="title"/>
-          </p:nvPr>
-        </p:nvSpPr>
-        <p:spPr>
-          <a:xfrm>
-            <a:off x="2756418" y="691560"/>
-            <a:ext cx="6475446" cy="1325563"/>
-          </a:xfrm>
-        </p:spPr>
-        <p:txBody>
-          <a:bodyPr>
-            <a:normAutofit fontScale="90000"/>
-          </a:bodyPr>
-          <a:lstStyle/>
-          <a:p>
-            <a:pPr algn="ctr"/>
-            <a:r>
-              <a:rPr lang="en-CA" dirty="0">
-                <a:solidFill>
-                  <a:schemeClr val="bg1"/>
-                </a:solidFill>
-              </a:rPr>
-              <a:t>Welcome to Geoff and Garry’s Game Show Extravaganza!</a:t>
-            </a:r>
-          </a:p>
-        </p:txBody>
-      </p:sp>
-      <p:sp>
-        <p:nvSpPr>
-          <p:cNvPr id="3" name="Content Placeholder 2">
-            <a:extLst>
-              <a:ext uri="{FF2B5EF4-FFF2-40B4-BE49-F238E27FC236}">
-                <a16:creationId xmlns:a16="http://schemas.microsoft.com/office/drawing/2014/main" id="{83D8A163-B309-4114-82DB-6607AF9B6CFF}"/>
-              </a:ext>
-            </a:extLst>
-          </p:cNvPr>
-          <p:cNvSpPr>
-            <a:spLocks noGrp="1"/>
-          </p:cNvSpPr>
-          <p:nvPr>
-            <p:ph idx="1"/>
-          </p:nvPr>
-        </p:nvSpPr>
-        <p:spPr>
-          <a:xfrm>
-            <a:off x="1462184" y="3929111"/>
-            <a:ext cx="3849655" cy="522516"/>
-          </a:xfrm>
-        </p:spPr>
-        <p:txBody>
-          <a:bodyPr/>
-          <a:lstStyle/>
-          <a:p>
-            <a:pPr marL="0" indent="0">
-              <a:buNone/>
-            </a:pPr>
-            <a:r>
-              <a:rPr lang="en-CA" dirty="0">
-                <a:solidFill>
-                  <a:schemeClr val="bg1"/>
-                </a:solidFill>
-              </a:rPr>
-              <a:t>Please enter your name:</a:t>
-            </a:r>
-          </a:p>
-        </p:txBody>
-      </p:sp>
-      <p:sp>
-        <p:nvSpPr>
-          <p:cNvPr id="5" name="TextBox 4">
-            <a:extLst>
-              <a:ext uri="{FF2B5EF4-FFF2-40B4-BE49-F238E27FC236}">
-                <a16:creationId xmlns:a16="http://schemas.microsoft.com/office/drawing/2014/main" id="{AC282587-8856-4FF0-B0AE-A3156A9912B5}"/>
-              </a:ext>
-            </a:extLst>
-          </p:cNvPr>
-          <p:cNvSpPr txBox="1"/>
-          <p:nvPr/>
-        </p:nvSpPr>
-        <p:spPr>
-          <a:xfrm>
-            <a:off x="5554435" y="3735501"/>
-            <a:ext cx="5622472" cy="909735"/>
-          </a:xfrm>
-          <a:prstGeom prst="rect">
-            <a:avLst/>
-          </a:prstGeom>
-          <a:solidFill>
-            <a:schemeClr val="bg1"/>
-          </a:solidFill>
-        </p:spPr>
-        <p:txBody>
-          <a:bodyPr wrap="square" rtlCol="0">
-            <a:spAutoFit/>
-          </a:bodyPr>
-          <a:lstStyle/>
-          <a:p>
-            <a:endParaRPr lang="en-CA" dirty="0"/>
-          </a:p>
-        </p:txBody>
-      </p:sp>
-      <p:sp>
-        <p:nvSpPr>
-          <p:cNvPr id="6" name="TextBox 5">
-            <a:extLst>
-              <a:ext uri="{FF2B5EF4-FFF2-40B4-BE49-F238E27FC236}">
-                <a16:creationId xmlns:a16="http://schemas.microsoft.com/office/drawing/2014/main" id="{A44D81BC-8141-42E4-B124-1A672C970954}"/>
-              </a:ext>
-            </a:extLst>
-          </p:cNvPr>
-          <p:cNvSpPr txBox="1"/>
-          <p:nvPr/>
-        </p:nvSpPr>
-        <p:spPr>
-          <a:xfrm>
-            <a:off x="3708139" y="2559558"/>
-            <a:ext cx="7647216" cy="369332"/>
-          </a:xfrm>
-          <a:prstGeom prst="rect">
-            <a:avLst/>
-          </a:prstGeom>
-          <a:noFill/>
-        </p:spPr>
-        <p:txBody>
-          <a:bodyPr wrap="square" rtlCol="0">
-            <a:spAutoFit/>
-          </a:bodyPr>
-          <a:lstStyle/>
-          <a:p>
-            <a:r>
-              <a:rPr lang="en-CA" dirty="0">
-                <a:solidFill>
-                  <a:schemeClr val="bg1"/>
-                </a:solidFill>
-              </a:rPr>
-              <a:t>Some words of encouragement/ our catch phrase</a:t>
-            </a:r>
-          </a:p>
-        </p:txBody>
-      </p:sp>
       <p:pic>
         <p:nvPicPr>
-          <p:cNvPr id="2050" name="Picture 2" descr="Star clip art free clipart images - Cliparting.com">
-            <a:extLst>
-              <a:ext uri="{FF2B5EF4-FFF2-40B4-BE49-F238E27FC236}">
-                <a16:creationId xmlns:a16="http://schemas.microsoft.com/office/drawing/2014/main" id="{332D2EDA-6A47-4EDA-A672-DBD88E1616B6}"/>
+          <p:cNvPr id="1026" name="Picture 2" descr="avatar-generic - Premier Thermal Solutions">
+            <a:extLst>
+              <a:ext uri="{FF2B5EF4-FFF2-40B4-BE49-F238E27FC236}">
+                <a16:creationId xmlns:a16="http://schemas.microsoft.com/office/drawing/2014/main" id="{BE35871F-889F-4FEF-8823-486EFC771402}"/>
               </a:ext>
             </a:extLst>
           </p:cNvPr>
@@ -9841,16 +11674,6 @@
         </p:nvPicPr>
         <p:blipFill>
           <a:blip r:embed="rId2">
-            <a:clrChange>
-              <a:clrFrom>
-                <a:srgbClr val="FFFFFF"/>
-              </a:clrFrom>
-              <a:clrTo>
-                <a:srgbClr val="FFFFFF">
-                  <a:alpha val="0"/>
-                </a:srgbClr>
-              </a:clrTo>
-            </a:clrChange>
             <a:extLst>
               <a:ext uri="{28A0092B-C50C-407E-A947-70E740481C1C}">
                 <a14:useLocalDpi xmlns:a14="http://schemas.microsoft.com/office/drawing/2010/main" val="0"/>
@@ -9864,8 +11687,8 @@
         </p:blipFill>
         <p:spPr bwMode="auto">
           <a:xfrm>
-            <a:off x="206634" y="190167"/>
-            <a:ext cx="2343150" cy="1952625"/>
+            <a:off x="57929" y="44902"/>
+            <a:ext cx="1882840" cy="1882840"/>
           </a:xfrm>
           <a:prstGeom prst="rect">
             <a:avLst/>
@@ -9882,12 +11705,128 @@
           </a:extLst>
         </p:spPr>
       </p:pic>
+      <p:sp>
+        <p:nvSpPr>
+          <p:cNvPr id="6" name="TextBox 5">
+            <a:extLst>
+              <a:ext uri="{FF2B5EF4-FFF2-40B4-BE49-F238E27FC236}">
+                <a16:creationId xmlns:a16="http://schemas.microsoft.com/office/drawing/2014/main" id="{50D88001-5633-42AC-BECB-EF35B35C2D97}"/>
+              </a:ext>
+            </a:extLst>
+          </p:cNvPr>
+          <p:cNvSpPr txBox="1"/>
+          <p:nvPr/>
+        </p:nvSpPr>
+        <p:spPr>
+          <a:xfrm>
+            <a:off x="292897" y="1892546"/>
+            <a:ext cx="1679510" cy="369332"/>
+          </a:xfrm>
+          <a:prstGeom prst="rect">
+            <a:avLst/>
+          </a:prstGeom>
+          <a:noFill/>
+        </p:spPr>
+        <p:txBody>
+          <a:bodyPr wrap="square" rtlCol="0">
+            <a:spAutoFit/>
+          </a:bodyPr>
+          <a:lstStyle/>
+          <a:p>
+            <a:r>
+              <a:rPr lang="en-CA" dirty="0"/>
+              <a:t>Player 1 Name</a:t>
+            </a:r>
+          </a:p>
+        </p:txBody>
+      </p:sp>
+      <p:sp>
+        <p:nvSpPr>
+          <p:cNvPr id="43" name="Rectangle 42">
+            <a:extLst>
+              <a:ext uri="{FF2B5EF4-FFF2-40B4-BE49-F238E27FC236}">
+                <a16:creationId xmlns:a16="http://schemas.microsoft.com/office/drawing/2014/main" id="{A832D1D8-B083-4875-A158-DED9B303E36B}"/>
+              </a:ext>
+            </a:extLst>
+          </p:cNvPr>
+          <p:cNvSpPr/>
+          <p:nvPr/>
+        </p:nvSpPr>
+        <p:spPr>
+          <a:xfrm>
+            <a:off x="324535" y="2244280"/>
+            <a:ext cx="1438951" cy="231694"/>
+          </a:xfrm>
+          <a:prstGeom prst="rect">
+            <a:avLst/>
+          </a:prstGeom>
+        </p:spPr>
+        <p:style>
+          <a:lnRef idx="2">
+            <a:schemeClr val="accent3">
+              <a:shade val="50000"/>
+            </a:schemeClr>
+          </a:lnRef>
+          <a:fillRef idx="1">
+            <a:schemeClr val="accent3"/>
+          </a:fillRef>
+          <a:effectRef idx="0">
+            <a:schemeClr val="accent3"/>
+          </a:effectRef>
+          <a:fontRef idx="minor">
+            <a:schemeClr val="lt1"/>
+          </a:fontRef>
+        </p:style>
+        <p:txBody>
+          <a:bodyPr rtlCol="0" anchor="ctr"/>
+          <a:lstStyle/>
+          <a:p>
+            <a:pPr algn="ctr"/>
+            <a:endParaRPr lang="en-CA"/>
+          </a:p>
+        </p:txBody>
+      </p:sp>
+      <p:sp>
+        <p:nvSpPr>
+          <p:cNvPr id="19" name="TextBox 18">
+            <a:extLst>
+              <a:ext uri="{FF2B5EF4-FFF2-40B4-BE49-F238E27FC236}">
+                <a16:creationId xmlns:a16="http://schemas.microsoft.com/office/drawing/2014/main" id="{34447A23-B4BD-4311-B475-203C387F02F1}"/>
+              </a:ext>
+            </a:extLst>
+          </p:cNvPr>
+          <p:cNvSpPr txBox="1"/>
+          <p:nvPr/>
+        </p:nvSpPr>
+        <p:spPr>
+          <a:xfrm>
+            <a:off x="292897" y="2159436"/>
+            <a:ext cx="1679510" cy="369332"/>
+          </a:xfrm>
+          <a:prstGeom prst="rect">
+            <a:avLst/>
+          </a:prstGeom>
+          <a:noFill/>
+        </p:spPr>
+        <p:txBody>
+          <a:bodyPr wrap="square" rtlCol="0">
+            <a:spAutoFit/>
+          </a:bodyPr>
+          <a:lstStyle/>
+          <a:p>
+            <a:r>
+              <a:rPr lang="en-CA" dirty="0"/>
+              <a:t>Player 1 Score</a:t>
+            </a:r>
+          </a:p>
+        </p:txBody>
+      </p:sp>
       <p:pic>
         <p:nvPicPr>
-          <p:cNvPr id="8" name="Picture 2" descr="Star clip art free clipart images - Cliparting.com">
-            <a:extLst>
-              <a:ext uri="{FF2B5EF4-FFF2-40B4-BE49-F238E27FC236}">
-                <a16:creationId xmlns:a16="http://schemas.microsoft.com/office/drawing/2014/main" id="{17253DB0-F32A-4E8D-8756-06D9B36B1B10}"/>
+          <p:cNvPr id="20" name="Picture 2" descr="avatar-generic - Premier Thermal Solutions">
+            <a:extLst>
+              <a:ext uri="{FF2B5EF4-FFF2-40B4-BE49-F238E27FC236}">
+                <a16:creationId xmlns:a16="http://schemas.microsoft.com/office/drawing/2014/main" id="{8D37C1D3-284F-437C-ADA9-FA57F00711B6}"/>
               </a:ext>
             </a:extLst>
           </p:cNvPr>
@@ -9898,16 +11837,6 @@
         </p:nvPicPr>
         <p:blipFill>
           <a:blip r:embed="rId2">
-            <a:clrChange>
-              <a:clrFrom>
-                <a:srgbClr val="FFFFFF"/>
-              </a:clrFrom>
-              <a:clrTo>
-                <a:srgbClr val="FFFFFF">
-                  <a:alpha val="0"/>
-                </a:srgbClr>
-              </a:clrTo>
-            </a:clrChange>
             <a:extLst>
               <a:ext uri="{28A0092B-C50C-407E-A947-70E740481C1C}">
                 <a14:useLocalDpi xmlns:a14="http://schemas.microsoft.com/office/drawing/2010/main" val="0"/>
@@ -9920,9 +11849,9 @@
           </a:stretch>
         </p:blipFill>
         <p:spPr bwMode="auto">
-          <a:xfrm flipH="1">
-            <a:off x="9279951" y="61725"/>
-            <a:ext cx="2563391" cy="1952625"/>
+          <a:xfrm>
+            <a:off x="10242874" y="44902"/>
+            <a:ext cx="1882840" cy="1882840"/>
           </a:xfrm>
           <a:prstGeom prst="rect">
             <a:avLst/>
@@ -9941,10 +11870,10 @@
       </p:pic>
       <p:sp>
         <p:nvSpPr>
-          <p:cNvPr id="7" name="TextBox 6">
-            <a:extLst>
-              <a:ext uri="{FF2B5EF4-FFF2-40B4-BE49-F238E27FC236}">
-                <a16:creationId xmlns:a16="http://schemas.microsoft.com/office/drawing/2014/main" id="{08D8C077-C5A4-4C31-AE30-B40D68853E17}"/>
+          <p:cNvPr id="21" name="TextBox 20">
+            <a:extLst>
+              <a:ext uri="{FF2B5EF4-FFF2-40B4-BE49-F238E27FC236}">
+                <a16:creationId xmlns:a16="http://schemas.microsoft.com/office/drawing/2014/main" id="{2FB06E8C-886C-4FD0-A7B0-893ACB589AF5}"/>
               </a:ext>
             </a:extLst>
           </p:cNvPr>
@@ -9953,8 +11882,8 @@
         </p:nvSpPr>
         <p:spPr>
           <a:xfrm>
-            <a:off x="3688312" y="5984969"/>
-            <a:ext cx="1623527" cy="369332"/>
+            <a:off x="10344539" y="1892546"/>
+            <a:ext cx="1679510" cy="369332"/>
           </a:xfrm>
           <a:prstGeom prst="rect">
             <a:avLst/>
@@ -9969,17 +11898,17 @@
           <a:p>
             <a:r>
               <a:rPr lang="en-CA" dirty="0"/>
-              <a:t>I am Geoff</a:t>
-            </a:r>
-          </a:p>
-        </p:txBody>
-      </p:sp>
-      <p:sp>
-        <p:nvSpPr>
-          <p:cNvPr id="10" name="TextBox 9">
-            <a:extLst>
-              <a:ext uri="{FF2B5EF4-FFF2-40B4-BE49-F238E27FC236}">
-                <a16:creationId xmlns:a16="http://schemas.microsoft.com/office/drawing/2014/main" id="{695A700C-F099-4771-B364-CE030329596E}"/>
+              <a:t>Player 2 Name</a:t>
+            </a:r>
+          </a:p>
+        </p:txBody>
+      </p:sp>
+      <p:sp>
+        <p:nvSpPr>
+          <p:cNvPr id="22" name="TextBox 21">
+            <a:extLst>
+              <a:ext uri="{FF2B5EF4-FFF2-40B4-BE49-F238E27FC236}">
+                <a16:creationId xmlns:a16="http://schemas.microsoft.com/office/drawing/2014/main" id="{023B4FD0-98E3-4266-BE2B-43E80E2F5F8A}"/>
               </a:ext>
             </a:extLst>
           </p:cNvPr>
@@ -9988,8 +11917,8 @@
         </p:nvSpPr>
         <p:spPr>
           <a:xfrm>
-            <a:off x="5908220" y="5968408"/>
-            <a:ext cx="1623527" cy="369332"/>
+            <a:off x="10344539" y="2159436"/>
+            <a:ext cx="1679510" cy="369332"/>
           </a:xfrm>
           <a:prstGeom prst="rect">
             <a:avLst/>
@@ -10004,61 +11933,1235 @@
           <a:p>
             <a:r>
               <a:rPr lang="en-CA" dirty="0"/>
-              <a:t>I am Garrett</a:t>
+              <a:t>Player 2 Score</a:t>
             </a:r>
           </a:p>
         </p:txBody>
       </p:sp>
       <p:pic>
         <p:nvPicPr>
-          <p:cNvPr id="11" name="Picture 10" descr="A picture containing drawing, kite&#10;&#10;Description automatically generated">
-            <a:extLst>
-              <a:ext uri="{FF2B5EF4-FFF2-40B4-BE49-F238E27FC236}">
-                <a16:creationId xmlns:a16="http://schemas.microsoft.com/office/drawing/2014/main" id="{8378143D-73C4-45B2-8B45-192D30EE45BF}"/>
+          <p:cNvPr id="26" name="Picture 2" descr="avatar-generic - Premier Thermal Solutions">
+            <a:extLst>
+              <a:ext uri="{FF2B5EF4-FFF2-40B4-BE49-F238E27FC236}">
+                <a16:creationId xmlns:a16="http://schemas.microsoft.com/office/drawing/2014/main" id="{E70EC03A-B2C0-4FCB-A01C-7FB12525A370}"/>
               </a:ext>
             </a:extLst>
           </p:cNvPr>
           <p:cNvPicPr>
-            <a:picLocks noChangeAspect="1"/>
+            <a:picLocks noChangeAspect="1" noChangeArrowheads="1"/>
           </p:cNvPicPr>
           <p:nvPr/>
         </p:nvPicPr>
         <p:blipFill>
-          <a:blip r:embed="rId3">
-            <a:clrChange>
-              <a:clrFrom>
-                <a:srgbClr val="22B14C"/>
-              </a:clrFrom>
-              <a:clrTo>
-                <a:srgbClr val="22B14C">
-                  <a:alpha val="0"/>
-                </a:srgbClr>
-              </a:clrTo>
-            </a:clrChange>
+          <a:blip r:embed="rId2">
             <a:extLst>
               <a:ext uri="{28A0092B-C50C-407E-A947-70E740481C1C}">
                 <a14:useLocalDpi xmlns:a14="http://schemas.microsoft.com/office/drawing/2010/main" val="0"/>
               </a:ext>
             </a:extLst>
           </a:blip>
+          <a:srcRect/>
           <a:stretch>
             <a:fillRect/>
           </a:stretch>
         </p:blipFill>
-        <p:spPr>
-          <a:xfrm flipH="1">
-            <a:off x="1015093" y="2289727"/>
-            <a:ext cx="2342857" cy="1952381"/>
-          </a:xfrm>
-          <a:prstGeom prst="rect">
-            <a:avLst/>
-          </a:prstGeom>
+        <p:spPr bwMode="auto">
+          <a:xfrm>
+            <a:off x="10242874" y="4049307"/>
+            <a:ext cx="1882840" cy="1882840"/>
+          </a:xfrm>
+          <a:prstGeom prst="rect">
+            <a:avLst/>
+          </a:prstGeom>
+          <a:noFill/>
+          <a:extLst>
+            <a:ext uri="{909E8E84-426E-40DD-AFC4-6F175D3DCCD1}">
+              <a14:hiddenFill xmlns:a14="http://schemas.microsoft.com/office/drawing/2010/main">
+                <a:solidFill>
+                  <a:srgbClr val="FFFFFF"/>
+                </a:solidFill>
+              </a14:hiddenFill>
+            </a:ext>
+          </a:extLst>
         </p:spPr>
       </p:pic>
+      <p:sp>
+        <p:nvSpPr>
+          <p:cNvPr id="27" name="TextBox 26">
+            <a:extLst>
+              <a:ext uri="{FF2B5EF4-FFF2-40B4-BE49-F238E27FC236}">
+                <a16:creationId xmlns:a16="http://schemas.microsoft.com/office/drawing/2014/main" id="{44BE09B7-F819-4CEF-9D17-AD390E49340D}"/>
+              </a:ext>
+            </a:extLst>
+          </p:cNvPr>
+          <p:cNvSpPr txBox="1"/>
+          <p:nvPr/>
+        </p:nvSpPr>
+        <p:spPr>
+          <a:xfrm>
+            <a:off x="10344539" y="5896951"/>
+            <a:ext cx="1679510" cy="369332"/>
+          </a:xfrm>
+          <a:prstGeom prst="rect">
+            <a:avLst/>
+          </a:prstGeom>
+          <a:noFill/>
+        </p:spPr>
+        <p:txBody>
+          <a:bodyPr wrap="square" rtlCol="0">
+            <a:spAutoFit/>
+          </a:bodyPr>
+          <a:lstStyle/>
+          <a:p>
+            <a:r>
+              <a:rPr lang="en-CA" dirty="0"/>
+              <a:t>Player 4 Name</a:t>
+            </a:r>
+          </a:p>
+        </p:txBody>
+      </p:sp>
+      <p:sp>
+        <p:nvSpPr>
+          <p:cNvPr id="28" name="TextBox 27">
+            <a:extLst>
+              <a:ext uri="{FF2B5EF4-FFF2-40B4-BE49-F238E27FC236}">
+                <a16:creationId xmlns:a16="http://schemas.microsoft.com/office/drawing/2014/main" id="{D739B8CC-FF8F-41BC-AA2F-71195EF5025E}"/>
+              </a:ext>
+            </a:extLst>
+          </p:cNvPr>
+          <p:cNvSpPr txBox="1"/>
+          <p:nvPr/>
+        </p:nvSpPr>
+        <p:spPr>
+          <a:xfrm>
+            <a:off x="10344539" y="6163841"/>
+            <a:ext cx="1679510" cy="369332"/>
+          </a:xfrm>
+          <a:prstGeom prst="rect">
+            <a:avLst/>
+          </a:prstGeom>
+          <a:noFill/>
+        </p:spPr>
+        <p:txBody>
+          <a:bodyPr wrap="square" rtlCol="0">
+            <a:spAutoFit/>
+          </a:bodyPr>
+          <a:lstStyle/>
+          <a:p>
+            <a:r>
+              <a:rPr lang="en-CA" dirty="0"/>
+              <a:t>Player 4 Score</a:t>
+            </a:r>
+          </a:p>
+        </p:txBody>
+      </p:sp>
+      <p:pic>
+        <p:nvPicPr>
+          <p:cNvPr id="34" name="Picture 2" descr="avatar-generic - Premier Thermal Solutions">
+            <a:extLst>
+              <a:ext uri="{FF2B5EF4-FFF2-40B4-BE49-F238E27FC236}">
+                <a16:creationId xmlns:a16="http://schemas.microsoft.com/office/drawing/2014/main" id="{C2DDE3F0-9D68-438F-B749-DE1BC5911D33}"/>
+              </a:ext>
+            </a:extLst>
+          </p:cNvPr>
+          <p:cNvPicPr>
+            <a:picLocks noChangeAspect="1" noChangeArrowheads="1"/>
+          </p:cNvPicPr>
+          <p:nvPr/>
+        </p:nvPicPr>
+        <p:blipFill>
+          <a:blip r:embed="rId2">
+            <a:extLst>
+              <a:ext uri="{28A0092B-C50C-407E-A947-70E740481C1C}">
+                <a14:useLocalDpi xmlns:a14="http://schemas.microsoft.com/office/drawing/2010/main" val="0"/>
+              </a:ext>
+            </a:extLst>
+          </a:blip>
+          <a:srcRect/>
+          <a:stretch>
+            <a:fillRect/>
+          </a:stretch>
+        </p:blipFill>
+        <p:spPr bwMode="auto">
+          <a:xfrm>
+            <a:off x="89567" y="4012802"/>
+            <a:ext cx="1882840" cy="1882840"/>
+          </a:xfrm>
+          <a:prstGeom prst="rect">
+            <a:avLst/>
+          </a:prstGeom>
+          <a:noFill/>
+          <a:extLst>
+            <a:ext uri="{909E8E84-426E-40DD-AFC4-6F175D3DCCD1}">
+              <a14:hiddenFill xmlns:a14="http://schemas.microsoft.com/office/drawing/2010/main">
+                <a:solidFill>
+                  <a:srgbClr val="FFFFFF"/>
+                </a:solidFill>
+              </a14:hiddenFill>
+            </a:ext>
+          </a:extLst>
+        </p:spPr>
+      </p:pic>
+      <p:sp>
+        <p:nvSpPr>
+          <p:cNvPr id="35" name="TextBox 34">
+            <a:extLst>
+              <a:ext uri="{FF2B5EF4-FFF2-40B4-BE49-F238E27FC236}">
+                <a16:creationId xmlns:a16="http://schemas.microsoft.com/office/drawing/2014/main" id="{13E32527-FCBF-44E8-82E6-5FD9D47ADAEF}"/>
+              </a:ext>
+            </a:extLst>
+          </p:cNvPr>
+          <p:cNvSpPr txBox="1"/>
+          <p:nvPr/>
+        </p:nvSpPr>
+        <p:spPr>
+          <a:xfrm>
+            <a:off x="324535" y="5860446"/>
+            <a:ext cx="1679510" cy="369332"/>
+          </a:xfrm>
+          <a:prstGeom prst="rect">
+            <a:avLst/>
+          </a:prstGeom>
+          <a:noFill/>
+        </p:spPr>
+        <p:txBody>
+          <a:bodyPr wrap="square" rtlCol="0">
+            <a:spAutoFit/>
+          </a:bodyPr>
+          <a:lstStyle/>
+          <a:p>
+            <a:r>
+              <a:rPr lang="en-CA" dirty="0"/>
+              <a:t>Player 2 Name</a:t>
+            </a:r>
+          </a:p>
+        </p:txBody>
+      </p:sp>
+      <p:sp>
+        <p:nvSpPr>
+          <p:cNvPr id="36" name="TextBox 35">
+            <a:extLst>
+              <a:ext uri="{FF2B5EF4-FFF2-40B4-BE49-F238E27FC236}">
+                <a16:creationId xmlns:a16="http://schemas.microsoft.com/office/drawing/2014/main" id="{2E5744F0-4F2E-4644-8AE7-223DEE6B71C6}"/>
+              </a:ext>
+            </a:extLst>
+          </p:cNvPr>
+          <p:cNvSpPr txBox="1"/>
+          <p:nvPr/>
+        </p:nvSpPr>
+        <p:spPr>
+          <a:xfrm>
+            <a:off x="324535" y="6127336"/>
+            <a:ext cx="1679510" cy="369332"/>
+          </a:xfrm>
+          <a:prstGeom prst="rect">
+            <a:avLst/>
+          </a:prstGeom>
+          <a:noFill/>
+        </p:spPr>
+        <p:txBody>
+          <a:bodyPr wrap="square" rtlCol="0">
+            <a:spAutoFit/>
+          </a:bodyPr>
+          <a:lstStyle/>
+          <a:p>
+            <a:r>
+              <a:rPr lang="en-CA" dirty="0"/>
+              <a:t>Player 2 Score</a:t>
+            </a:r>
+          </a:p>
+        </p:txBody>
+      </p:sp>
+      <p:sp>
+        <p:nvSpPr>
+          <p:cNvPr id="4" name="Rectangle 3">
+            <a:extLst>
+              <a:ext uri="{FF2B5EF4-FFF2-40B4-BE49-F238E27FC236}">
+                <a16:creationId xmlns:a16="http://schemas.microsoft.com/office/drawing/2014/main" id="{AA22B2A7-7D41-4CC8-9BB5-3B7C4A20A3ED}"/>
+              </a:ext>
+            </a:extLst>
+          </p:cNvPr>
+          <p:cNvSpPr/>
+          <p:nvPr/>
+        </p:nvSpPr>
+        <p:spPr>
+          <a:xfrm>
+            <a:off x="2001414" y="54135"/>
+            <a:ext cx="3795472" cy="1288349"/>
+          </a:xfrm>
+          <a:prstGeom prst="rect">
+            <a:avLst/>
+          </a:prstGeom>
+          <a:solidFill>
+            <a:srgbClr val="FF0000"/>
+          </a:solidFill>
+        </p:spPr>
+        <p:style>
+          <a:lnRef idx="2">
+            <a:schemeClr val="accent1">
+              <a:shade val="50000"/>
+            </a:schemeClr>
+          </a:lnRef>
+          <a:fillRef idx="1">
+            <a:schemeClr val="accent1"/>
+          </a:fillRef>
+          <a:effectRef idx="0">
+            <a:schemeClr val="accent1"/>
+          </a:effectRef>
+          <a:fontRef idx="minor">
+            <a:schemeClr val="lt1"/>
+          </a:fontRef>
+        </p:style>
+        <p:txBody>
+          <a:bodyPr rtlCol="0" anchor="ctr"/>
+          <a:lstStyle/>
+          <a:p>
+            <a:pPr algn="ctr"/>
+            <a:endParaRPr lang="en-CA"/>
+          </a:p>
+        </p:txBody>
+      </p:sp>
+      <p:sp>
+        <p:nvSpPr>
+          <p:cNvPr id="42" name="Rectangle 41">
+            <a:extLst>
+              <a:ext uri="{FF2B5EF4-FFF2-40B4-BE49-F238E27FC236}">
+                <a16:creationId xmlns:a16="http://schemas.microsoft.com/office/drawing/2014/main" id="{F0878545-7DBB-4845-8A61-9BB63AD4D728}"/>
+              </a:ext>
+            </a:extLst>
+          </p:cNvPr>
+          <p:cNvSpPr/>
+          <p:nvPr/>
+        </p:nvSpPr>
+        <p:spPr>
+          <a:xfrm>
+            <a:off x="1963117" y="1789903"/>
+            <a:ext cx="8248119" cy="5013962"/>
+          </a:xfrm>
+          <a:prstGeom prst="rect">
+            <a:avLst/>
+          </a:prstGeom>
+          <a:solidFill>
+            <a:schemeClr val="accent4">
+              <a:lumMod val="20000"/>
+              <a:lumOff val="80000"/>
+            </a:schemeClr>
+          </a:solidFill>
+        </p:spPr>
+        <p:style>
+          <a:lnRef idx="2">
+            <a:schemeClr val="accent1">
+              <a:shade val="50000"/>
+            </a:schemeClr>
+          </a:lnRef>
+          <a:fillRef idx="1">
+            <a:schemeClr val="accent1"/>
+          </a:fillRef>
+          <a:effectRef idx="0">
+            <a:schemeClr val="accent1"/>
+          </a:effectRef>
+          <a:fontRef idx="minor">
+            <a:schemeClr val="lt1"/>
+          </a:fontRef>
+        </p:style>
+        <p:txBody>
+          <a:bodyPr rtlCol="0" anchor="ctr"/>
+          <a:lstStyle/>
+          <a:p>
+            <a:pPr algn="ctr"/>
+            <a:endParaRPr lang="en-CA"/>
+          </a:p>
+        </p:txBody>
+      </p:sp>
+      <p:sp>
+        <p:nvSpPr>
+          <p:cNvPr id="3" name="TextBox 2">
+            <a:extLst>
+              <a:ext uri="{FF2B5EF4-FFF2-40B4-BE49-F238E27FC236}">
+                <a16:creationId xmlns:a16="http://schemas.microsoft.com/office/drawing/2014/main" id="{F161AF48-8B49-444C-BCA4-F2B4A2E59B99}"/>
+              </a:ext>
+            </a:extLst>
+          </p:cNvPr>
+          <p:cNvSpPr txBox="1"/>
+          <p:nvPr/>
+        </p:nvSpPr>
+        <p:spPr>
+          <a:xfrm>
+            <a:off x="2324440" y="257141"/>
+            <a:ext cx="2507208" cy="646331"/>
+          </a:xfrm>
+          <a:prstGeom prst="rect">
+            <a:avLst/>
+          </a:prstGeom>
+          <a:noFill/>
+        </p:spPr>
+        <p:txBody>
+          <a:bodyPr wrap="square" rtlCol="0">
+            <a:spAutoFit/>
+          </a:bodyPr>
+          <a:lstStyle/>
+          <a:p>
+            <a:r>
+              <a:rPr lang="en-CA" dirty="0"/>
+              <a:t>Tree structure to select game/questions/content</a:t>
+            </a:r>
+          </a:p>
+        </p:txBody>
+      </p:sp>
+      <p:sp>
+        <p:nvSpPr>
+          <p:cNvPr id="5" name="Rectangle 4">
+            <a:extLst>
+              <a:ext uri="{FF2B5EF4-FFF2-40B4-BE49-F238E27FC236}">
+                <a16:creationId xmlns:a16="http://schemas.microsoft.com/office/drawing/2014/main" id="{1B370F9B-625A-4EF9-927D-27673B30186C}"/>
+              </a:ext>
+            </a:extLst>
+          </p:cNvPr>
+          <p:cNvSpPr/>
+          <p:nvPr/>
+        </p:nvSpPr>
+        <p:spPr>
+          <a:xfrm>
+            <a:off x="2001413" y="1342484"/>
+            <a:ext cx="8189174" cy="405278"/>
+          </a:xfrm>
+          <a:prstGeom prst="rect">
+            <a:avLst/>
+          </a:prstGeom>
+          <a:solidFill>
+            <a:srgbClr val="FFC000"/>
+          </a:solidFill>
+        </p:spPr>
+        <p:style>
+          <a:lnRef idx="2">
+            <a:schemeClr val="accent1">
+              <a:shade val="50000"/>
+            </a:schemeClr>
+          </a:lnRef>
+          <a:fillRef idx="1">
+            <a:schemeClr val="accent1"/>
+          </a:fillRef>
+          <a:effectRef idx="0">
+            <a:schemeClr val="accent1"/>
+          </a:effectRef>
+          <a:fontRef idx="minor">
+            <a:schemeClr val="lt1"/>
+          </a:fontRef>
+        </p:style>
+        <p:txBody>
+          <a:bodyPr rtlCol="0" anchor="ctr"/>
+          <a:lstStyle/>
+          <a:p>
+            <a:pPr algn="ctr"/>
+            <a:endParaRPr lang="en-CA"/>
+          </a:p>
+        </p:txBody>
+      </p:sp>
+      <p:sp>
+        <p:nvSpPr>
+          <p:cNvPr id="48" name="TextBox 47">
+            <a:extLst>
+              <a:ext uri="{FF2B5EF4-FFF2-40B4-BE49-F238E27FC236}">
+                <a16:creationId xmlns:a16="http://schemas.microsoft.com/office/drawing/2014/main" id="{50E10B67-D120-418B-A7AE-482957D37E94}"/>
+              </a:ext>
+            </a:extLst>
+          </p:cNvPr>
+          <p:cNvSpPr txBox="1"/>
+          <p:nvPr/>
+        </p:nvSpPr>
+        <p:spPr>
+          <a:xfrm>
+            <a:off x="2099055" y="3798661"/>
+            <a:ext cx="1679510" cy="369332"/>
+          </a:xfrm>
+          <a:prstGeom prst="rect">
+            <a:avLst/>
+          </a:prstGeom>
+          <a:noFill/>
+          <a:ln>
+            <a:solidFill>
+              <a:schemeClr val="tx1"/>
+            </a:solidFill>
+          </a:ln>
+        </p:spPr>
+        <p:txBody>
+          <a:bodyPr wrap="square" rtlCol="0">
+            <a:spAutoFit/>
+          </a:bodyPr>
+          <a:lstStyle/>
+          <a:p>
+            <a:r>
+              <a:rPr lang="en-CA" dirty="0"/>
+              <a:t>Update Names</a:t>
+            </a:r>
+          </a:p>
+        </p:txBody>
+      </p:sp>
+      <p:sp>
+        <p:nvSpPr>
+          <p:cNvPr id="49" name="TextBox 48">
+            <a:extLst>
+              <a:ext uri="{FF2B5EF4-FFF2-40B4-BE49-F238E27FC236}">
+                <a16:creationId xmlns:a16="http://schemas.microsoft.com/office/drawing/2014/main" id="{99EFCC52-6560-4EA1-A0B7-DF0C850C7B7C}"/>
+              </a:ext>
+            </a:extLst>
+          </p:cNvPr>
+          <p:cNvSpPr txBox="1"/>
+          <p:nvPr/>
+        </p:nvSpPr>
+        <p:spPr>
+          <a:xfrm>
+            <a:off x="3978196" y="3798010"/>
+            <a:ext cx="1679510" cy="369332"/>
+          </a:xfrm>
+          <a:prstGeom prst="rect">
+            <a:avLst/>
+          </a:prstGeom>
+          <a:noFill/>
+          <a:ln>
+            <a:solidFill>
+              <a:schemeClr val="tx1"/>
+            </a:solidFill>
+          </a:ln>
+        </p:spPr>
+        <p:txBody>
+          <a:bodyPr wrap="square" rtlCol="0">
+            <a:spAutoFit/>
+          </a:bodyPr>
+          <a:lstStyle/>
+          <a:p>
+            <a:r>
+              <a:rPr lang="en-CA" dirty="0"/>
+              <a:t>Update Scores</a:t>
+            </a:r>
+          </a:p>
+        </p:txBody>
+      </p:sp>
+      <p:sp>
+        <p:nvSpPr>
+          <p:cNvPr id="50" name="TextBox 49">
+            <a:extLst>
+              <a:ext uri="{FF2B5EF4-FFF2-40B4-BE49-F238E27FC236}">
+                <a16:creationId xmlns:a16="http://schemas.microsoft.com/office/drawing/2014/main" id="{0E65BEA9-1ED9-4B90-9A6E-26B922A473EA}"/>
+              </a:ext>
+            </a:extLst>
+          </p:cNvPr>
+          <p:cNvSpPr txBox="1"/>
+          <p:nvPr/>
+        </p:nvSpPr>
+        <p:spPr>
+          <a:xfrm>
+            <a:off x="2127080" y="1360457"/>
+            <a:ext cx="1450964" cy="369332"/>
+          </a:xfrm>
+          <a:prstGeom prst="rect">
+            <a:avLst/>
+          </a:prstGeom>
+          <a:solidFill>
+            <a:srgbClr val="92D050"/>
+          </a:solidFill>
+          <a:ln>
+            <a:solidFill>
+              <a:schemeClr val="tx1"/>
+            </a:solidFill>
+          </a:ln>
+        </p:spPr>
+        <p:txBody>
+          <a:bodyPr wrap="square" rtlCol="0">
+            <a:spAutoFit/>
+          </a:bodyPr>
+          <a:lstStyle/>
+          <a:p>
+            <a:r>
+              <a:rPr lang="en-CA" dirty="0"/>
+              <a:t>Deploy Pic</a:t>
+            </a:r>
+          </a:p>
+        </p:txBody>
+      </p:sp>
+      <p:sp>
+        <p:nvSpPr>
+          <p:cNvPr id="51" name="TextBox 50">
+            <a:extLst>
+              <a:ext uri="{FF2B5EF4-FFF2-40B4-BE49-F238E27FC236}">
+                <a16:creationId xmlns:a16="http://schemas.microsoft.com/office/drawing/2014/main" id="{6BB919F6-D46E-4A45-8C19-02FCBF6B9373}"/>
+              </a:ext>
+            </a:extLst>
+          </p:cNvPr>
+          <p:cNvSpPr txBox="1"/>
+          <p:nvPr/>
+        </p:nvSpPr>
+        <p:spPr>
+          <a:xfrm>
+            <a:off x="3516620" y="1387485"/>
+            <a:ext cx="2245130" cy="369332"/>
+          </a:xfrm>
+          <a:prstGeom prst="rect">
+            <a:avLst/>
+          </a:prstGeom>
+          <a:solidFill>
+            <a:srgbClr val="92D050"/>
+          </a:solidFill>
+          <a:ln>
+            <a:solidFill>
+              <a:schemeClr val="tx1"/>
+            </a:solidFill>
+          </a:ln>
+        </p:spPr>
+        <p:txBody>
+          <a:bodyPr wrap="square" rtlCol="0">
+            <a:spAutoFit/>
+          </a:bodyPr>
+          <a:lstStyle/>
+          <a:p>
+            <a:r>
+              <a:rPr lang="en-CA" dirty="0"/>
+              <a:t>Summon Leprechaun</a:t>
+            </a:r>
+          </a:p>
+        </p:txBody>
+      </p:sp>
+      <p:sp>
+        <p:nvSpPr>
+          <p:cNvPr id="52" name="TextBox 51">
+            <a:extLst>
+              <a:ext uri="{FF2B5EF4-FFF2-40B4-BE49-F238E27FC236}">
+                <a16:creationId xmlns:a16="http://schemas.microsoft.com/office/drawing/2014/main" id="{C3D518AC-6692-4CD9-805D-0BBFDBDE9F10}"/>
+              </a:ext>
+            </a:extLst>
+          </p:cNvPr>
+          <p:cNvSpPr txBox="1"/>
+          <p:nvPr/>
+        </p:nvSpPr>
+        <p:spPr>
+          <a:xfrm>
+            <a:off x="5855060" y="1367570"/>
+            <a:ext cx="898412" cy="369332"/>
+          </a:xfrm>
+          <a:prstGeom prst="rect">
+            <a:avLst/>
+          </a:prstGeom>
+          <a:solidFill>
+            <a:srgbClr val="92D050"/>
+          </a:solidFill>
+          <a:ln>
+            <a:solidFill>
+              <a:schemeClr val="tx1"/>
+            </a:solidFill>
+          </a:ln>
+        </p:spPr>
+        <p:txBody>
+          <a:bodyPr wrap="square" rtlCol="0">
+            <a:spAutoFit/>
+          </a:bodyPr>
+          <a:lstStyle/>
+          <a:p>
+            <a:r>
+              <a:rPr lang="en-CA" dirty="0"/>
+              <a:t>Sharks!</a:t>
+            </a:r>
+          </a:p>
+        </p:txBody>
+      </p:sp>
+      <p:sp>
+        <p:nvSpPr>
+          <p:cNvPr id="9" name="Rectangle 8">
+            <a:extLst>
+              <a:ext uri="{FF2B5EF4-FFF2-40B4-BE49-F238E27FC236}">
+                <a16:creationId xmlns:a16="http://schemas.microsoft.com/office/drawing/2014/main" id="{3065CE7F-3E3A-44E6-BB6D-AC9D2B07A8AD}"/>
+              </a:ext>
+            </a:extLst>
+          </p:cNvPr>
+          <p:cNvSpPr/>
+          <p:nvPr/>
+        </p:nvSpPr>
+        <p:spPr>
+          <a:xfrm>
+            <a:off x="5883329" y="61341"/>
+            <a:ext cx="811764" cy="1264372"/>
+          </a:xfrm>
+          <a:prstGeom prst="rect">
+            <a:avLst/>
+          </a:prstGeom>
+          <a:solidFill>
+            <a:srgbClr val="00B0F0"/>
+          </a:solidFill>
+        </p:spPr>
+        <p:style>
+          <a:lnRef idx="2">
+            <a:schemeClr val="accent1">
+              <a:shade val="50000"/>
+            </a:schemeClr>
+          </a:lnRef>
+          <a:fillRef idx="1">
+            <a:schemeClr val="accent1"/>
+          </a:fillRef>
+          <a:effectRef idx="0">
+            <a:schemeClr val="accent1"/>
+          </a:effectRef>
+          <a:fontRef idx="minor">
+            <a:schemeClr val="lt1"/>
+          </a:fontRef>
+        </p:style>
+        <p:txBody>
+          <a:bodyPr rtlCol="0" anchor="ctr"/>
+          <a:lstStyle/>
+          <a:p>
+            <a:pPr algn="ctr"/>
+            <a:endParaRPr lang="en-CA"/>
+          </a:p>
+        </p:txBody>
+      </p:sp>
+      <p:sp>
+        <p:nvSpPr>
+          <p:cNvPr id="8" name="TextBox 7">
+            <a:extLst>
+              <a:ext uri="{FF2B5EF4-FFF2-40B4-BE49-F238E27FC236}">
+                <a16:creationId xmlns:a16="http://schemas.microsoft.com/office/drawing/2014/main" id="{859AEC81-9CBE-4A1C-B741-CE3A9AD1A002}"/>
+              </a:ext>
+            </a:extLst>
+          </p:cNvPr>
+          <p:cNvSpPr txBox="1"/>
+          <p:nvPr/>
+        </p:nvSpPr>
+        <p:spPr>
+          <a:xfrm>
+            <a:off x="5969772" y="437799"/>
+            <a:ext cx="811764" cy="369332"/>
+          </a:xfrm>
+          <a:prstGeom prst="rect">
+            <a:avLst/>
+          </a:prstGeom>
+          <a:noFill/>
+        </p:spPr>
+        <p:txBody>
+          <a:bodyPr wrap="square" rtlCol="0">
+            <a:spAutoFit/>
+          </a:bodyPr>
+          <a:lstStyle/>
+          <a:p>
+            <a:r>
+              <a:rPr lang="en-CA" dirty="0"/>
+              <a:t>PLAY!</a:t>
+            </a:r>
+          </a:p>
+        </p:txBody>
+      </p:sp>
+      <p:sp>
+        <p:nvSpPr>
+          <p:cNvPr id="11" name="Rectangle 10">
+            <a:extLst>
+              <a:ext uri="{FF2B5EF4-FFF2-40B4-BE49-F238E27FC236}">
+                <a16:creationId xmlns:a16="http://schemas.microsoft.com/office/drawing/2014/main" id="{C8077DC8-C3F0-45A0-BD02-2AE74B90E9D3}"/>
+              </a:ext>
+            </a:extLst>
+          </p:cNvPr>
+          <p:cNvSpPr/>
+          <p:nvPr/>
+        </p:nvSpPr>
+        <p:spPr>
+          <a:xfrm>
+            <a:off x="6747380" y="103235"/>
+            <a:ext cx="3406450" cy="1594643"/>
+          </a:xfrm>
+          <a:prstGeom prst="rect">
+            <a:avLst/>
+          </a:prstGeom>
+        </p:spPr>
+        <p:style>
+          <a:lnRef idx="1">
+            <a:schemeClr val="accent2"/>
+          </a:lnRef>
+          <a:fillRef idx="2">
+            <a:schemeClr val="accent2"/>
+          </a:fillRef>
+          <a:effectRef idx="1">
+            <a:schemeClr val="accent2"/>
+          </a:effectRef>
+          <a:fontRef idx="minor">
+            <a:schemeClr val="dk1"/>
+          </a:fontRef>
+        </p:style>
+        <p:txBody>
+          <a:bodyPr rtlCol="0" anchor="ctr"/>
+          <a:lstStyle/>
+          <a:p>
+            <a:pPr algn="ctr"/>
+            <a:r>
+              <a:rPr lang="en-CA" dirty="0"/>
+              <a:t>Chat Window</a:t>
+            </a:r>
+          </a:p>
+        </p:txBody>
+      </p:sp>
+      <p:graphicFrame>
+        <p:nvGraphicFramePr>
+          <p:cNvPr id="2" name="Table 9">
+            <a:extLst>
+              <a:ext uri="{FF2B5EF4-FFF2-40B4-BE49-F238E27FC236}">
+                <a16:creationId xmlns:a16="http://schemas.microsoft.com/office/drawing/2014/main" id="{E89F1528-7E57-471A-9F0E-BF476A3D0C40}"/>
+              </a:ext>
+            </a:extLst>
+          </p:cNvPr>
+          <p:cNvGraphicFramePr>
+            <a:graphicFrameLocks noGrp="1"/>
+          </p:cNvGraphicFramePr>
+          <p:nvPr>
+            <p:extLst>
+              <p:ext uri="{D42A27DB-BD31-4B8C-83A1-F6EECF244321}">
+                <p14:modId xmlns:p14="http://schemas.microsoft.com/office/powerpoint/2010/main" val="1002645681"/>
+              </p:ext>
+            </p:extLst>
+          </p:nvPr>
+        </p:nvGraphicFramePr>
+        <p:xfrm>
+          <a:off x="2099055" y="1877837"/>
+          <a:ext cx="8060869" cy="1828800"/>
+        </p:xfrm>
+        <a:graphic>
+          <a:graphicData uri="http://schemas.openxmlformats.org/drawingml/2006/table">
+            <a:tbl>
+              <a:tblPr firstRow="1" bandRow="1">
+                <a:tableStyleId>{5C22544A-7EE6-4342-B048-85BDC9FD1C3A}</a:tableStyleId>
+              </a:tblPr>
+              <a:tblGrid>
+                <a:gridCol w="914733">
+                  <a:extLst>
+                    <a:ext uri="{9D8B030D-6E8A-4147-A177-3AD203B41FA5}">
+                      <a16:colId xmlns:a16="http://schemas.microsoft.com/office/drawing/2014/main" val="836460442"/>
+                    </a:ext>
+                  </a:extLst>
+                </a:gridCol>
+                <a:gridCol w="1373671">
+                  <a:extLst>
+                    <a:ext uri="{9D8B030D-6E8A-4147-A177-3AD203B41FA5}">
+                      <a16:colId xmlns:a16="http://schemas.microsoft.com/office/drawing/2014/main" val="3002254449"/>
+                    </a:ext>
+                  </a:extLst>
+                </a:gridCol>
+                <a:gridCol w="1515320">
+                  <a:extLst>
+                    <a:ext uri="{9D8B030D-6E8A-4147-A177-3AD203B41FA5}">
+                      <a16:colId xmlns:a16="http://schemas.microsoft.com/office/drawing/2014/main" val="768291718"/>
+                    </a:ext>
+                  </a:extLst>
+                </a:gridCol>
+                <a:gridCol w="1515320">
+                  <a:extLst>
+                    <a:ext uri="{9D8B030D-6E8A-4147-A177-3AD203B41FA5}">
+                      <a16:colId xmlns:a16="http://schemas.microsoft.com/office/drawing/2014/main" val="249977210"/>
+                    </a:ext>
+                  </a:extLst>
+                </a:gridCol>
+                <a:gridCol w="2741825">
+                  <a:extLst>
+                    <a:ext uri="{9D8B030D-6E8A-4147-A177-3AD203B41FA5}">
+                      <a16:colId xmlns:a16="http://schemas.microsoft.com/office/drawing/2014/main" val="3683043344"/>
+                    </a:ext>
+                  </a:extLst>
+                </a:gridCol>
+              </a:tblGrid>
+              <a:tr h="292504">
+                <a:tc>
+                  <a:txBody>
+                    <a:bodyPr/>
+                    <a:lstStyle/>
+                    <a:p>
+                      <a:r>
+                        <a:rPr lang="en-CA" dirty="0"/>
+                        <a:t>Player</a:t>
+                      </a:r>
+                    </a:p>
+                  </a:txBody>
+                  <a:tcPr/>
+                </a:tc>
+                <a:tc>
+                  <a:txBody>
+                    <a:bodyPr/>
+                    <a:lstStyle/>
+                    <a:p>
+                      <a:r>
+                        <a:rPr lang="en-CA" dirty="0"/>
+                        <a:t>Name</a:t>
+                      </a:r>
+                    </a:p>
+                  </a:txBody>
+                  <a:tcPr/>
+                </a:tc>
+                <a:tc>
+                  <a:txBody>
+                    <a:bodyPr/>
+                    <a:lstStyle/>
+                    <a:p>
+                      <a:r>
+                        <a:rPr lang="en-CA" dirty="0"/>
+                        <a:t>score</a:t>
+                      </a:r>
+                    </a:p>
+                  </a:txBody>
+                  <a:tcPr/>
+                </a:tc>
+                <a:tc>
+                  <a:txBody>
+                    <a:bodyPr/>
+                    <a:lstStyle/>
+                    <a:p>
+                      <a:r>
+                        <a:rPr lang="en-CA" dirty="0" err="1"/>
+                        <a:t>socketID</a:t>
+                      </a:r>
+                      <a:endParaRPr lang="en-CA" dirty="0"/>
+                    </a:p>
+                  </a:txBody>
+                  <a:tcPr/>
+                </a:tc>
+                <a:tc>
+                  <a:txBody>
+                    <a:bodyPr/>
+                    <a:lstStyle/>
+                    <a:p>
+                      <a:r>
+                        <a:rPr lang="en-CA" dirty="0" err="1"/>
+                        <a:t>ipAddress</a:t>
+                      </a:r>
+                      <a:endParaRPr lang="en-CA" dirty="0"/>
+                    </a:p>
+                  </a:txBody>
+                  <a:tcPr/>
+                </a:tc>
+                <a:extLst>
+                  <a:ext uri="{0D108BD9-81ED-4DB2-BD59-A6C34878D82A}">
+                    <a16:rowId xmlns:a16="http://schemas.microsoft.com/office/drawing/2014/main" val="3427548169"/>
+                  </a:ext>
+                </a:extLst>
+              </a:tr>
+              <a:tr h="292504">
+                <a:tc>
+                  <a:txBody>
+                    <a:bodyPr/>
+                    <a:lstStyle/>
+                    <a:p>
+                      <a:endParaRPr lang="en-CA"/>
+                    </a:p>
+                  </a:txBody>
+                  <a:tcPr/>
+                </a:tc>
+                <a:tc>
+                  <a:txBody>
+                    <a:bodyPr/>
+                    <a:lstStyle/>
+                    <a:p>
+                      <a:endParaRPr lang="en-CA"/>
+                    </a:p>
+                  </a:txBody>
+                  <a:tcPr/>
+                </a:tc>
+                <a:tc>
+                  <a:txBody>
+                    <a:bodyPr/>
+                    <a:lstStyle/>
+                    <a:p>
+                      <a:endParaRPr lang="en-CA" dirty="0"/>
+                    </a:p>
+                  </a:txBody>
+                  <a:tcPr/>
+                </a:tc>
+                <a:tc>
+                  <a:txBody>
+                    <a:bodyPr/>
+                    <a:lstStyle/>
+                    <a:p>
+                      <a:endParaRPr lang="en-CA" dirty="0"/>
+                    </a:p>
+                  </a:txBody>
+                  <a:tcPr/>
+                </a:tc>
+                <a:tc>
+                  <a:txBody>
+                    <a:bodyPr/>
+                    <a:lstStyle/>
+                    <a:p>
+                      <a:endParaRPr lang="en-CA" dirty="0"/>
+                    </a:p>
+                  </a:txBody>
+                  <a:tcPr/>
+                </a:tc>
+                <a:extLst>
+                  <a:ext uri="{0D108BD9-81ED-4DB2-BD59-A6C34878D82A}">
+                    <a16:rowId xmlns:a16="http://schemas.microsoft.com/office/drawing/2014/main" val="1002822163"/>
+                  </a:ext>
+                </a:extLst>
+              </a:tr>
+              <a:tr h="292504">
+                <a:tc>
+                  <a:txBody>
+                    <a:bodyPr/>
+                    <a:lstStyle/>
+                    <a:p>
+                      <a:endParaRPr lang="en-CA"/>
+                    </a:p>
+                  </a:txBody>
+                  <a:tcPr/>
+                </a:tc>
+                <a:tc>
+                  <a:txBody>
+                    <a:bodyPr/>
+                    <a:lstStyle/>
+                    <a:p>
+                      <a:endParaRPr lang="en-CA"/>
+                    </a:p>
+                  </a:txBody>
+                  <a:tcPr/>
+                </a:tc>
+                <a:tc>
+                  <a:txBody>
+                    <a:bodyPr/>
+                    <a:lstStyle/>
+                    <a:p>
+                      <a:endParaRPr lang="en-CA"/>
+                    </a:p>
+                  </a:txBody>
+                  <a:tcPr/>
+                </a:tc>
+                <a:tc>
+                  <a:txBody>
+                    <a:bodyPr/>
+                    <a:lstStyle/>
+                    <a:p>
+                      <a:endParaRPr lang="en-CA"/>
+                    </a:p>
+                  </a:txBody>
+                  <a:tcPr/>
+                </a:tc>
+                <a:tc>
+                  <a:txBody>
+                    <a:bodyPr/>
+                    <a:lstStyle/>
+                    <a:p>
+                      <a:endParaRPr lang="en-CA"/>
+                    </a:p>
+                  </a:txBody>
+                  <a:tcPr/>
+                </a:tc>
+                <a:extLst>
+                  <a:ext uri="{0D108BD9-81ED-4DB2-BD59-A6C34878D82A}">
+                    <a16:rowId xmlns:a16="http://schemas.microsoft.com/office/drawing/2014/main" val="934216260"/>
+                  </a:ext>
+                </a:extLst>
+              </a:tr>
+              <a:tr h="292504">
+                <a:tc>
+                  <a:txBody>
+                    <a:bodyPr/>
+                    <a:lstStyle/>
+                    <a:p>
+                      <a:endParaRPr lang="en-CA"/>
+                    </a:p>
+                  </a:txBody>
+                  <a:tcPr/>
+                </a:tc>
+                <a:tc>
+                  <a:txBody>
+                    <a:bodyPr/>
+                    <a:lstStyle/>
+                    <a:p>
+                      <a:endParaRPr lang="en-CA"/>
+                    </a:p>
+                  </a:txBody>
+                  <a:tcPr/>
+                </a:tc>
+                <a:tc>
+                  <a:txBody>
+                    <a:bodyPr/>
+                    <a:lstStyle/>
+                    <a:p>
+                      <a:endParaRPr lang="en-CA"/>
+                    </a:p>
+                  </a:txBody>
+                  <a:tcPr/>
+                </a:tc>
+                <a:tc>
+                  <a:txBody>
+                    <a:bodyPr/>
+                    <a:lstStyle/>
+                    <a:p>
+                      <a:endParaRPr lang="en-CA"/>
+                    </a:p>
+                  </a:txBody>
+                  <a:tcPr/>
+                </a:tc>
+                <a:tc>
+                  <a:txBody>
+                    <a:bodyPr/>
+                    <a:lstStyle/>
+                    <a:p>
+                      <a:endParaRPr lang="en-CA"/>
+                    </a:p>
+                  </a:txBody>
+                  <a:tcPr/>
+                </a:tc>
+                <a:extLst>
+                  <a:ext uri="{0D108BD9-81ED-4DB2-BD59-A6C34878D82A}">
+                    <a16:rowId xmlns:a16="http://schemas.microsoft.com/office/drawing/2014/main" val="1106471718"/>
+                  </a:ext>
+                </a:extLst>
+              </a:tr>
+              <a:tr h="292504">
+                <a:tc>
+                  <a:txBody>
+                    <a:bodyPr/>
+                    <a:lstStyle/>
+                    <a:p>
+                      <a:endParaRPr lang="en-CA"/>
+                    </a:p>
+                  </a:txBody>
+                  <a:tcPr/>
+                </a:tc>
+                <a:tc>
+                  <a:txBody>
+                    <a:bodyPr/>
+                    <a:lstStyle/>
+                    <a:p>
+                      <a:endParaRPr lang="en-CA"/>
+                    </a:p>
+                  </a:txBody>
+                  <a:tcPr/>
+                </a:tc>
+                <a:tc>
+                  <a:txBody>
+                    <a:bodyPr/>
+                    <a:lstStyle/>
+                    <a:p>
+                      <a:endParaRPr lang="en-CA" dirty="0"/>
+                    </a:p>
+                  </a:txBody>
+                  <a:tcPr/>
+                </a:tc>
+                <a:tc>
+                  <a:txBody>
+                    <a:bodyPr/>
+                    <a:lstStyle/>
+                    <a:p>
+                      <a:endParaRPr lang="en-CA" dirty="0"/>
+                    </a:p>
+                  </a:txBody>
+                  <a:tcPr/>
+                </a:tc>
+                <a:tc>
+                  <a:txBody>
+                    <a:bodyPr/>
+                    <a:lstStyle/>
+                    <a:p>
+                      <a:endParaRPr lang="en-CA" dirty="0"/>
+                    </a:p>
+                  </a:txBody>
+                  <a:tcPr/>
+                </a:tc>
+                <a:extLst>
+                  <a:ext uri="{0D108BD9-81ED-4DB2-BD59-A6C34878D82A}">
+                    <a16:rowId xmlns:a16="http://schemas.microsoft.com/office/drawing/2014/main" val="3340187024"/>
+                  </a:ext>
+                </a:extLst>
+              </a:tr>
+            </a:tbl>
+          </a:graphicData>
+        </a:graphic>
+      </p:graphicFrame>
+      <p:sp>
+        <p:nvSpPr>
+          <p:cNvPr id="40" name="TextBox 39">
+            <a:extLst>
+              <a:ext uri="{FF2B5EF4-FFF2-40B4-BE49-F238E27FC236}">
+                <a16:creationId xmlns:a16="http://schemas.microsoft.com/office/drawing/2014/main" id="{8EBDA75E-6B95-433B-915E-3BA80A23F6DF}"/>
+              </a:ext>
+            </a:extLst>
+          </p:cNvPr>
+          <p:cNvSpPr txBox="1"/>
+          <p:nvPr/>
+        </p:nvSpPr>
+        <p:spPr>
+          <a:xfrm>
+            <a:off x="5733149" y="3798010"/>
+            <a:ext cx="2324345" cy="369332"/>
+          </a:xfrm>
+          <a:prstGeom prst="rect">
+            <a:avLst/>
+          </a:prstGeom>
+          <a:solidFill>
+            <a:srgbClr val="FFC000"/>
+          </a:solidFill>
+          <a:ln>
+            <a:solidFill>
+              <a:schemeClr val="tx1"/>
+            </a:solidFill>
+          </a:ln>
+        </p:spPr>
+        <p:txBody>
+          <a:bodyPr wrap="square" rtlCol="0">
+            <a:spAutoFit/>
+          </a:bodyPr>
+          <a:lstStyle/>
+          <a:p>
+            <a:r>
+              <a:rPr lang="en-CA" dirty="0"/>
+              <a:t>Request Data Update</a:t>
+            </a:r>
+          </a:p>
+        </p:txBody>
+      </p:sp>
+      <p:sp>
+        <p:nvSpPr>
+          <p:cNvPr id="12" name="Rectangle 11">
+            <a:extLst>
+              <a:ext uri="{FF2B5EF4-FFF2-40B4-BE49-F238E27FC236}">
+                <a16:creationId xmlns:a16="http://schemas.microsoft.com/office/drawing/2014/main" id="{79EA1EB3-0444-4493-8458-E96E2FC81A0F}"/>
+              </a:ext>
+            </a:extLst>
+          </p:cNvPr>
+          <p:cNvSpPr/>
+          <p:nvPr/>
+        </p:nvSpPr>
+        <p:spPr>
+          <a:xfrm>
+            <a:off x="2035683" y="5515515"/>
+            <a:ext cx="8105526" cy="1267955"/>
+          </a:xfrm>
+          <a:prstGeom prst="rect">
+            <a:avLst/>
+          </a:prstGeom>
+        </p:spPr>
+        <p:style>
+          <a:lnRef idx="2">
+            <a:schemeClr val="accent1">
+              <a:shade val="50000"/>
+            </a:schemeClr>
+          </a:lnRef>
+          <a:fillRef idx="1">
+            <a:schemeClr val="accent1"/>
+          </a:fillRef>
+          <a:effectRef idx="0">
+            <a:schemeClr val="accent1"/>
+          </a:effectRef>
+          <a:fontRef idx="minor">
+            <a:schemeClr val="lt1"/>
+          </a:fontRef>
+        </p:style>
+        <p:txBody>
+          <a:bodyPr rtlCol="0" anchor="ctr"/>
+          <a:lstStyle/>
+          <a:p>
+            <a:pPr algn="ctr"/>
+            <a:r>
+              <a:rPr lang="en-CA" dirty="0"/>
+              <a:t>Mock Console Window</a:t>
+            </a:r>
+          </a:p>
+        </p:txBody>
+      </p:sp>
     </p:spTree>
     <p:extLst>
       <p:ext uri="{BB962C8B-B14F-4D97-AF65-F5344CB8AC3E}">
-        <p14:creationId xmlns:p14="http://schemas.microsoft.com/office/powerpoint/2010/main" val="3006575257"/>
+        <p14:creationId xmlns:p14="http://schemas.microsoft.com/office/powerpoint/2010/main" val="1801567281"/>
       </p:ext>
     </p:extLst>
   </p:cSld>
@@ -10085,6 +13188,546 @@
           <a:chExt cx="0" cy="0"/>
         </a:xfrm>
       </p:grpSpPr>
+      <p:sp>
+        <p:nvSpPr>
+          <p:cNvPr id="2" name="Title 1">
+            <a:extLst>
+              <a:ext uri="{FF2B5EF4-FFF2-40B4-BE49-F238E27FC236}">
+                <a16:creationId xmlns:a16="http://schemas.microsoft.com/office/drawing/2014/main" id="{AFAFA3D1-F147-476E-962D-0952CFB40F2A}"/>
+              </a:ext>
+            </a:extLst>
+          </p:cNvPr>
+          <p:cNvSpPr>
+            <a:spLocks noGrp="1"/>
+          </p:cNvSpPr>
+          <p:nvPr>
+            <p:ph type="title"/>
+          </p:nvPr>
+        </p:nvSpPr>
+        <p:spPr/>
+        <p:txBody>
+          <a:bodyPr/>
+          <a:lstStyle/>
+          <a:p>
+            <a:endParaRPr lang="en-CA"/>
+          </a:p>
+        </p:txBody>
+      </p:sp>
+      <p:sp>
+        <p:nvSpPr>
+          <p:cNvPr id="3" name="Content Placeholder 2">
+            <a:extLst>
+              <a:ext uri="{FF2B5EF4-FFF2-40B4-BE49-F238E27FC236}">
+                <a16:creationId xmlns:a16="http://schemas.microsoft.com/office/drawing/2014/main" id="{B8C83D26-664C-4F7B-B3CB-720E79374F1C}"/>
+              </a:ext>
+            </a:extLst>
+          </p:cNvPr>
+          <p:cNvSpPr>
+            <a:spLocks noGrp="1"/>
+          </p:cNvSpPr>
+          <p:nvPr>
+            <p:ph idx="1"/>
+          </p:nvPr>
+        </p:nvSpPr>
+        <p:spPr/>
+        <p:txBody>
+          <a:bodyPr/>
+          <a:lstStyle/>
+          <a:p>
+            <a:endParaRPr lang="en-CA"/>
+          </a:p>
+        </p:txBody>
+      </p:sp>
+    </p:spTree>
+    <p:extLst>
+      <p:ext uri="{BB962C8B-B14F-4D97-AF65-F5344CB8AC3E}">
+        <p14:creationId xmlns:p14="http://schemas.microsoft.com/office/powerpoint/2010/main" val="2348697754"/>
+      </p:ext>
+    </p:extLst>
+  </p:cSld>
+  <p:clrMapOvr>
+    <a:masterClrMapping/>
+  </p:clrMapOvr>
+</p:sld>
+</file>
+
+<file path=ppt/slides/slide6.xml><?xml version="1.0" encoding="utf-8"?>
+<p:sld xmlns:a="http://schemas.openxmlformats.org/drawingml/2006/main" xmlns:r="http://schemas.openxmlformats.org/officeDocument/2006/relationships" xmlns:p="http://schemas.openxmlformats.org/presentationml/2006/main">
+  <p:cSld>
+    <p:spTree>
+      <p:nvGrpSpPr>
+        <p:cNvPr id="1" name=""/>
+        <p:cNvGrpSpPr/>
+        <p:nvPr/>
+      </p:nvGrpSpPr>
+      <p:grpSpPr>
+        <a:xfrm>
+          <a:off x="0" y="0"/>
+          <a:ext cx="0" cy="0"/>
+          <a:chOff x="0" y="0"/>
+          <a:chExt cx="0" cy="0"/>
+        </a:xfrm>
+      </p:grpSpPr>
+      <p:sp>
+        <p:nvSpPr>
+          <p:cNvPr id="4" name="Rectangle 3">
+            <a:extLst>
+              <a:ext uri="{FF2B5EF4-FFF2-40B4-BE49-F238E27FC236}">
+                <a16:creationId xmlns:a16="http://schemas.microsoft.com/office/drawing/2014/main" id="{93C211A5-1E4D-477F-90FE-C69C7C35897D}"/>
+              </a:ext>
+            </a:extLst>
+          </p:cNvPr>
+          <p:cNvSpPr/>
+          <p:nvPr/>
+        </p:nvSpPr>
+        <p:spPr>
+          <a:xfrm>
+            <a:off x="0" y="0"/>
+            <a:ext cx="12192000" cy="6858000"/>
+          </a:xfrm>
+          <a:prstGeom prst="rect">
+            <a:avLst/>
+          </a:prstGeom>
+          <a:solidFill>
+            <a:schemeClr val="accent1"/>
+          </a:solidFill>
+        </p:spPr>
+        <p:style>
+          <a:lnRef idx="1">
+            <a:schemeClr val="accent1"/>
+          </a:lnRef>
+          <a:fillRef idx="3">
+            <a:schemeClr val="accent1"/>
+          </a:fillRef>
+          <a:effectRef idx="2">
+            <a:schemeClr val="accent1"/>
+          </a:effectRef>
+          <a:fontRef idx="minor">
+            <a:schemeClr val="lt1"/>
+          </a:fontRef>
+        </p:style>
+        <p:txBody>
+          <a:bodyPr rtlCol="0" anchor="ctr"/>
+          <a:lstStyle/>
+          <a:p>
+            <a:pPr algn="ctr"/>
+            <a:endParaRPr lang="en-CA"/>
+          </a:p>
+        </p:txBody>
+      </p:sp>
+      <p:sp>
+        <p:nvSpPr>
+          <p:cNvPr id="2" name="Title 1">
+            <a:extLst>
+              <a:ext uri="{FF2B5EF4-FFF2-40B4-BE49-F238E27FC236}">
+                <a16:creationId xmlns:a16="http://schemas.microsoft.com/office/drawing/2014/main" id="{8E83465D-C748-4E39-8A69-FEF542524D67}"/>
+              </a:ext>
+            </a:extLst>
+          </p:cNvPr>
+          <p:cNvSpPr>
+            <a:spLocks noGrp="1"/>
+          </p:cNvSpPr>
+          <p:nvPr>
+            <p:ph type="title"/>
+          </p:nvPr>
+        </p:nvSpPr>
+        <p:spPr>
+          <a:xfrm>
+            <a:off x="2756418" y="691560"/>
+            <a:ext cx="6475446" cy="1325563"/>
+          </a:xfrm>
+        </p:spPr>
+        <p:txBody>
+          <a:bodyPr>
+            <a:normAutofit fontScale="90000"/>
+          </a:bodyPr>
+          <a:lstStyle/>
+          <a:p>
+            <a:pPr algn="ctr"/>
+            <a:r>
+              <a:rPr lang="en-CA" dirty="0">
+                <a:solidFill>
+                  <a:schemeClr val="bg1"/>
+                </a:solidFill>
+              </a:rPr>
+              <a:t>Welcome to Geoff and Garry’s Game Show Extravaganza!</a:t>
+            </a:r>
+          </a:p>
+        </p:txBody>
+      </p:sp>
+      <p:sp>
+        <p:nvSpPr>
+          <p:cNvPr id="3" name="Content Placeholder 2">
+            <a:extLst>
+              <a:ext uri="{FF2B5EF4-FFF2-40B4-BE49-F238E27FC236}">
+                <a16:creationId xmlns:a16="http://schemas.microsoft.com/office/drawing/2014/main" id="{83D8A163-B309-4114-82DB-6607AF9B6CFF}"/>
+              </a:ext>
+            </a:extLst>
+          </p:cNvPr>
+          <p:cNvSpPr>
+            <a:spLocks noGrp="1"/>
+          </p:cNvSpPr>
+          <p:nvPr>
+            <p:ph idx="1"/>
+          </p:nvPr>
+        </p:nvSpPr>
+        <p:spPr>
+          <a:xfrm>
+            <a:off x="1462184" y="3929111"/>
+            <a:ext cx="3849655" cy="522516"/>
+          </a:xfrm>
+        </p:spPr>
+        <p:txBody>
+          <a:bodyPr/>
+          <a:lstStyle/>
+          <a:p>
+            <a:pPr marL="0" indent="0">
+              <a:buNone/>
+            </a:pPr>
+            <a:r>
+              <a:rPr lang="en-CA" dirty="0">
+                <a:solidFill>
+                  <a:schemeClr val="bg1"/>
+                </a:solidFill>
+              </a:rPr>
+              <a:t>Please enter your name:</a:t>
+            </a:r>
+          </a:p>
+        </p:txBody>
+      </p:sp>
+      <p:sp>
+        <p:nvSpPr>
+          <p:cNvPr id="5" name="TextBox 4">
+            <a:extLst>
+              <a:ext uri="{FF2B5EF4-FFF2-40B4-BE49-F238E27FC236}">
+                <a16:creationId xmlns:a16="http://schemas.microsoft.com/office/drawing/2014/main" id="{AC282587-8856-4FF0-B0AE-A3156A9912B5}"/>
+              </a:ext>
+            </a:extLst>
+          </p:cNvPr>
+          <p:cNvSpPr txBox="1"/>
+          <p:nvPr/>
+        </p:nvSpPr>
+        <p:spPr>
+          <a:xfrm>
+            <a:off x="5554435" y="3735501"/>
+            <a:ext cx="5622472" cy="909735"/>
+          </a:xfrm>
+          <a:prstGeom prst="rect">
+            <a:avLst/>
+          </a:prstGeom>
+          <a:solidFill>
+            <a:schemeClr val="bg1"/>
+          </a:solidFill>
+        </p:spPr>
+        <p:txBody>
+          <a:bodyPr wrap="square" rtlCol="0">
+            <a:spAutoFit/>
+          </a:bodyPr>
+          <a:lstStyle/>
+          <a:p>
+            <a:endParaRPr lang="en-CA" dirty="0"/>
+          </a:p>
+        </p:txBody>
+      </p:sp>
+      <p:sp>
+        <p:nvSpPr>
+          <p:cNvPr id="6" name="TextBox 5">
+            <a:extLst>
+              <a:ext uri="{FF2B5EF4-FFF2-40B4-BE49-F238E27FC236}">
+                <a16:creationId xmlns:a16="http://schemas.microsoft.com/office/drawing/2014/main" id="{A44D81BC-8141-42E4-B124-1A672C970954}"/>
+              </a:ext>
+            </a:extLst>
+          </p:cNvPr>
+          <p:cNvSpPr txBox="1"/>
+          <p:nvPr/>
+        </p:nvSpPr>
+        <p:spPr>
+          <a:xfrm>
+            <a:off x="3708139" y="2559558"/>
+            <a:ext cx="7647216" cy="369332"/>
+          </a:xfrm>
+          <a:prstGeom prst="rect">
+            <a:avLst/>
+          </a:prstGeom>
+          <a:noFill/>
+        </p:spPr>
+        <p:txBody>
+          <a:bodyPr wrap="square" rtlCol="0">
+            <a:spAutoFit/>
+          </a:bodyPr>
+          <a:lstStyle/>
+          <a:p>
+            <a:r>
+              <a:rPr lang="en-CA" dirty="0">
+                <a:solidFill>
+                  <a:schemeClr val="bg1"/>
+                </a:solidFill>
+              </a:rPr>
+              <a:t>Some words of encouragement/ our catch phrase</a:t>
+            </a:r>
+          </a:p>
+        </p:txBody>
+      </p:sp>
+      <p:pic>
+        <p:nvPicPr>
+          <p:cNvPr id="2050" name="Picture 2" descr="Star clip art free clipart images - Cliparting.com">
+            <a:extLst>
+              <a:ext uri="{FF2B5EF4-FFF2-40B4-BE49-F238E27FC236}">
+                <a16:creationId xmlns:a16="http://schemas.microsoft.com/office/drawing/2014/main" id="{332D2EDA-6A47-4EDA-A672-DBD88E1616B6}"/>
+              </a:ext>
+            </a:extLst>
+          </p:cNvPr>
+          <p:cNvPicPr>
+            <a:picLocks noChangeAspect="1" noChangeArrowheads="1"/>
+          </p:cNvPicPr>
+          <p:nvPr/>
+        </p:nvPicPr>
+        <p:blipFill>
+          <a:blip r:embed="rId2">
+            <a:clrChange>
+              <a:clrFrom>
+                <a:srgbClr val="FFFFFF"/>
+              </a:clrFrom>
+              <a:clrTo>
+                <a:srgbClr val="FFFFFF">
+                  <a:alpha val="0"/>
+                </a:srgbClr>
+              </a:clrTo>
+            </a:clrChange>
+            <a:extLst>
+              <a:ext uri="{28A0092B-C50C-407E-A947-70E740481C1C}">
+                <a14:useLocalDpi xmlns:a14="http://schemas.microsoft.com/office/drawing/2010/main" val="0"/>
+              </a:ext>
+            </a:extLst>
+          </a:blip>
+          <a:srcRect/>
+          <a:stretch>
+            <a:fillRect/>
+          </a:stretch>
+        </p:blipFill>
+        <p:spPr bwMode="auto">
+          <a:xfrm>
+            <a:off x="206634" y="190167"/>
+            <a:ext cx="2343150" cy="1952625"/>
+          </a:xfrm>
+          <a:prstGeom prst="rect">
+            <a:avLst/>
+          </a:prstGeom>
+          <a:noFill/>
+          <a:extLst>
+            <a:ext uri="{909E8E84-426E-40DD-AFC4-6F175D3DCCD1}">
+              <a14:hiddenFill xmlns:a14="http://schemas.microsoft.com/office/drawing/2010/main">
+                <a:solidFill>
+                  <a:srgbClr val="FFFFFF"/>
+                </a:solidFill>
+              </a14:hiddenFill>
+            </a:ext>
+          </a:extLst>
+        </p:spPr>
+      </p:pic>
+      <p:pic>
+        <p:nvPicPr>
+          <p:cNvPr id="8" name="Picture 2" descr="Star clip art free clipart images - Cliparting.com">
+            <a:extLst>
+              <a:ext uri="{FF2B5EF4-FFF2-40B4-BE49-F238E27FC236}">
+                <a16:creationId xmlns:a16="http://schemas.microsoft.com/office/drawing/2014/main" id="{17253DB0-F32A-4E8D-8756-06D9B36B1B10}"/>
+              </a:ext>
+            </a:extLst>
+          </p:cNvPr>
+          <p:cNvPicPr>
+            <a:picLocks noChangeAspect="1" noChangeArrowheads="1"/>
+          </p:cNvPicPr>
+          <p:nvPr/>
+        </p:nvPicPr>
+        <p:blipFill>
+          <a:blip r:embed="rId2">
+            <a:clrChange>
+              <a:clrFrom>
+                <a:srgbClr val="FFFFFF"/>
+              </a:clrFrom>
+              <a:clrTo>
+                <a:srgbClr val="FFFFFF">
+                  <a:alpha val="0"/>
+                </a:srgbClr>
+              </a:clrTo>
+            </a:clrChange>
+            <a:extLst>
+              <a:ext uri="{28A0092B-C50C-407E-A947-70E740481C1C}">
+                <a14:useLocalDpi xmlns:a14="http://schemas.microsoft.com/office/drawing/2010/main" val="0"/>
+              </a:ext>
+            </a:extLst>
+          </a:blip>
+          <a:srcRect/>
+          <a:stretch>
+            <a:fillRect/>
+          </a:stretch>
+        </p:blipFill>
+        <p:spPr bwMode="auto">
+          <a:xfrm flipH="1">
+            <a:off x="9279951" y="61725"/>
+            <a:ext cx="2563391" cy="1952625"/>
+          </a:xfrm>
+          <a:prstGeom prst="rect">
+            <a:avLst/>
+          </a:prstGeom>
+          <a:noFill/>
+          <a:extLst>
+            <a:ext uri="{909E8E84-426E-40DD-AFC4-6F175D3DCCD1}">
+              <a14:hiddenFill xmlns:a14="http://schemas.microsoft.com/office/drawing/2010/main">
+                <a:solidFill>
+                  <a:srgbClr val="FFFFFF"/>
+                </a:solidFill>
+              </a14:hiddenFill>
+            </a:ext>
+          </a:extLst>
+        </p:spPr>
+      </p:pic>
+      <p:sp>
+        <p:nvSpPr>
+          <p:cNvPr id="7" name="TextBox 6">
+            <a:extLst>
+              <a:ext uri="{FF2B5EF4-FFF2-40B4-BE49-F238E27FC236}">
+                <a16:creationId xmlns:a16="http://schemas.microsoft.com/office/drawing/2014/main" id="{08D8C077-C5A4-4C31-AE30-B40D68853E17}"/>
+              </a:ext>
+            </a:extLst>
+          </p:cNvPr>
+          <p:cNvSpPr txBox="1"/>
+          <p:nvPr/>
+        </p:nvSpPr>
+        <p:spPr>
+          <a:xfrm>
+            <a:off x="3688312" y="5984969"/>
+            <a:ext cx="1623527" cy="369332"/>
+          </a:xfrm>
+          <a:prstGeom prst="rect">
+            <a:avLst/>
+          </a:prstGeom>
+          <a:noFill/>
+        </p:spPr>
+        <p:txBody>
+          <a:bodyPr wrap="square" rtlCol="0">
+            <a:spAutoFit/>
+          </a:bodyPr>
+          <a:lstStyle/>
+          <a:p>
+            <a:r>
+              <a:rPr lang="en-CA" dirty="0"/>
+              <a:t>I am Geoff</a:t>
+            </a:r>
+          </a:p>
+        </p:txBody>
+      </p:sp>
+      <p:sp>
+        <p:nvSpPr>
+          <p:cNvPr id="10" name="TextBox 9">
+            <a:extLst>
+              <a:ext uri="{FF2B5EF4-FFF2-40B4-BE49-F238E27FC236}">
+                <a16:creationId xmlns:a16="http://schemas.microsoft.com/office/drawing/2014/main" id="{695A700C-F099-4771-B364-CE030329596E}"/>
+              </a:ext>
+            </a:extLst>
+          </p:cNvPr>
+          <p:cNvSpPr txBox="1"/>
+          <p:nvPr/>
+        </p:nvSpPr>
+        <p:spPr>
+          <a:xfrm>
+            <a:off x="5908220" y="5968408"/>
+            <a:ext cx="1623527" cy="369332"/>
+          </a:xfrm>
+          <a:prstGeom prst="rect">
+            <a:avLst/>
+          </a:prstGeom>
+          <a:noFill/>
+        </p:spPr>
+        <p:txBody>
+          <a:bodyPr wrap="square" rtlCol="0">
+            <a:spAutoFit/>
+          </a:bodyPr>
+          <a:lstStyle/>
+          <a:p>
+            <a:r>
+              <a:rPr lang="en-CA" dirty="0"/>
+              <a:t>I am Garrett</a:t>
+            </a:r>
+          </a:p>
+        </p:txBody>
+      </p:sp>
+      <p:pic>
+        <p:nvPicPr>
+          <p:cNvPr id="11" name="Picture 10" descr="A picture containing drawing, kite&#10;&#10;Description automatically generated">
+            <a:extLst>
+              <a:ext uri="{FF2B5EF4-FFF2-40B4-BE49-F238E27FC236}">
+                <a16:creationId xmlns:a16="http://schemas.microsoft.com/office/drawing/2014/main" id="{8378143D-73C4-45B2-8B45-192D30EE45BF}"/>
+              </a:ext>
+            </a:extLst>
+          </p:cNvPr>
+          <p:cNvPicPr>
+            <a:picLocks noChangeAspect="1"/>
+          </p:cNvPicPr>
+          <p:nvPr/>
+        </p:nvPicPr>
+        <p:blipFill>
+          <a:blip r:embed="rId3">
+            <a:clrChange>
+              <a:clrFrom>
+                <a:srgbClr val="22B14C"/>
+              </a:clrFrom>
+              <a:clrTo>
+                <a:srgbClr val="22B14C">
+                  <a:alpha val="0"/>
+                </a:srgbClr>
+              </a:clrTo>
+            </a:clrChange>
+            <a:extLst>
+              <a:ext uri="{28A0092B-C50C-407E-A947-70E740481C1C}">
+                <a14:useLocalDpi xmlns:a14="http://schemas.microsoft.com/office/drawing/2010/main" val="0"/>
+              </a:ext>
+            </a:extLst>
+          </a:blip>
+          <a:stretch>
+            <a:fillRect/>
+          </a:stretch>
+        </p:blipFill>
+        <p:spPr>
+          <a:xfrm flipH="1">
+            <a:off x="1015093" y="2289727"/>
+            <a:ext cx="2342857" cy="1952381"/>
+          </a:xfrm>
+          <a:prstGeom prst="rect">
+            <a:avLst/>
+          </a:prstGeom>
+        </p:spPr>
+      </p:pic>
+    </p:spTree>
+    <p:extLst>
+      <p:ext uri="{BB962C8B-B14F-4D97-AF65-F5344CB8AC3E}">
+        <p14:creationId xmlns:p14="http://schemas.microsoft.com/office/powerpoint/2010/main" val="3006575257"/>
+      </p:ext>
+    </p:extLst>
+  </p:cSld>
+  <p:clrMapOvr>
+    <a:masterClrMapping/>
+  </p:clrMapOvr>
+</p:sld>
+</file>
+
+<file path=ppt/slides/slide7.xml><?xml version="1.0" encoding="utf-8"?>
+<p:sld xmlns:a="http://schemas.openxmlformats.org/drawingml/2006/main" xmlns:r="http://schemas.openxmlformats.org/officeDocument/2006/relationships" xmlns:p="http://schemas.openxmlformats.org/presentationml/2006/main">
+  <p:cSld>
+    <p:spTree>
+      <p:nvGrpSpPr>
+        <p:cNvPr id="1" name=""/>
+        <p:cNvGrpSpPr/>
+        <p:nvPr/>
+      </p:nvGrpSpPr>
+      <p:grpSpPr>
+        <a:xfrm>
+          <a:off x="0" y="0"/>
+          <a:ext cx="0" cy="0"/>
+          <a:chOff x="0" y="0"/>
+          <a:chExt cx="0" cy="0"/>
+        </a:xfrm>
+      </p:grpSpPr>
       <p:grpSp>
         <p:nvGrpSpPr>
           <p:cNvPr id="6" name="Group 5">
@@ -10099,10 +13742,10 @@
         </p:nvGrpSpPr>
         <p:grpSpPr>
           <a:xfrm>
-            <a:off x="3139440" y="810768"/>
-            <a:ext cx="2883408" cy="2164081"/>
-            <a:chOff x="3194304" y="865632"/>
-            <a:chExt cx="2883408" cy="2164081"/>
+            <a:off x="2865121" y="928991"/>
+            <a:ext cx="2883408" cy="2232470"/>
+            <a:chOff x="3194304" y="797243"/>
+            <a:chExt cx="2883408" cy="2232470"/>
           </a:xfrm>
         </p:grpSpPr>
         <p:pic>
@@ -10127,13 +13770,13 @@
                 </a:ext>
               </a:extLst>
             </a:blip>
-            <a:srcRect l="2303" t="17861" r="37381" b="14185"/>
+            <a:srcRect l="2303" t="15713" r="37381" b="14185"/>
             <a:stretch/>
           </p:blipFill>
           <p:spPr bwMode="auto">
             <a:xfrm>
-              <a:off x="3194304" y="865633"/>
-              <a:ext cx="2883408" cy="2164080"/>
+              <a:off x="3194304" y="797243"/>
+              <a:ext cx="2883408" cy="2232470"/>
             </a:xfrm>
             <a:prstGeom prst="rect">
               <a:avLst/>
@@ -10188,8 +13831,8 @@
           </p:blipFill>
           <p:spPr>
             <a:xfrm flipH="1">
-              <a:off x="3958155" y="865632"/>
-              <a:ext cx="774560" cy="944402"/>
+              <a:off x="3920833" y="797243"/>
+              <a:ext cx="817998" cy="997365"/>
             </a:xfrm>
             <a:prstGeom prst="rect">
               <a:avLst/>
@@ -10322,7 +13965,7 @@
 </p:sld>
 </file>
 
-<file path=ppt/slides/slide6.xml><?xml version="1.0" encoding="utf-8"?>
+<file path=ppt/slides/slide8.xml><?xml version="1.0" encoding="utf-8"?>
 <p:sld xmlns:a="http://schemas.openxmlformats.org/drawingml/2006/main" xmlns:r="http://schemas.openxmlformats.org/officeDocument/2006/relationships" xmlns:p="http://schemas.openxmlformats.org/presentationml/2006/main">
   <p:cSld>
     <p:spTree>
@@ -10388,158 +14031,6 @@
     <p:extLst>
       <p:ext uri="{BB962C8B-B14F-4D97-AF65-F5344CB8AC3E}">
         <p14:creationId xmlns:p14="http://schemas.microsoft.com/office/powerpoint/2010/main" val="1181898287"/>
-      </p:ext>
-    </p:extLst>
-  </p:cSld>
-  <p:clrMapOvr>
-    <a:masterClrMapping/>
-  </p:clrMapOvr>
-</p:sld>
-</file>
-
-<file path=ppt/slides/slide7.xml><?xml version="1.0" encoding="utf-8"?>
-<p:sld xmlns:a="http://schemas.openxmlformats.org/drawingml/2006/main" xmlns:r="http://schemas.openxmlformats.org/officeDocument/2006/relationships" xmlns:p="http://schemas.openxmlformats.org/presentationml/2006/main">
-  <p:cSld>
-    <p:spTree>
-      <p:nvGrpSpPr>
-        <p:cNvPr id="1" name=""/>
-        <p:cNvGrpSpPr/>
-        <p:nvPr/>
-      </p:nvGrpSpPr>
-      <p:grpSpPr>
-        <a:xfrm>
-          <a:off x="0" y="0"/>
-          <a:ext cx="0" cy="0"/>
-          <a:chOff x="0" y="0"/>
-          <a:chExt cx="0" cy="0"/>
-        </a:xfrm>
-      </p:grpSpPr>
-      <p:pic>
-        <p:nvPicPr>
-          <p:cNvPr id="11" name="Picture 10" descr="A picture containing drawing&#10;&#10;Description automatically generated">
-            <a:extLst>
-              <a:ext uri="{FF2B5EF4-FFF2-40B4-BE49-F238E27FC236}">
-                <a16:creationId xmlns:a16="http://schemas.microsoft.com/office/drawing/2014/main" id="{5D0731AB-AA8B-4D56-9ED3-FFB83C138181}"/>
-              </a:ext>
-            </a:extLst>
-          </p:cNvPr>
-          <p:cNvPicPr>
-            <a:picLocks noChangeAspect="1"/>
-          </p:cNvPicPr>
-          <p:nvPr/>
-        </p:nvPicPr>
-        <p:blipFill>
-          <a:blip r:embed="rId2">
-            <a:clrChange>
-              <a:clrFrom>
-                <a:srgbClr val="FFFFFF"/>
-              </a:clrFrom>
-              <a:clrTo>
-                <a:srgbClr val="FFFFFF">
-                  <a:alpha val="0"/>
-                </a:srgbClr>
-              </a:clrTo>
-            </a:clrChange>
-            <a:extLst>
-              <a:ext uri="{28A0092B-C50C-407E-A947-70E740481C1C}">
-                <a14:useLocalDpi xmlns:a14="http://schemas.microsoft.com/office/drawing/2010/main" val="0"/>
-              </a:ext>
-            </a:extLst>
-          </a:blip>
-          <a:stretch>
-            <a:fillRect/>
-          </a:stretch>
-        </p:blipFill>
-        <p:spPr>
-          <a:xfrm flipH="1">
-            <a:off x="1460839" y="487566"/>
-            <a:ext cx="8067160" cy="5216766"/>
-          </a:xfrm>
-          <a:prstGeom prst="rect">
-            <a:avLst/>
-          </a:prstGeom>
-        </p:spPr>
-      </p:pic>
-    </p:spTree>
-    <p:extLst>
-      <p:ext uri="{BB962C8B-B14F-4D97-AF65-F5344CB8AC3E}">
-        <p14:creationId xmlns:p14="http://schemas.microsoft.com/office/powerpoint/2010/main" val="2645935605"/>
-      </p:ext>
-    </p:extLst>
-  </p:cSld>
-  <p:clrMapOvr>
-    <a:masterClrMapping/>
-  </p:clrMapOvr>
-</p:sld>
-</file>
-
-<file path=ppt/slides/slide8.xml><?xml version="1.0" encoding="utf-8"?>
-<p:sld xmlns:a="http://schemas.openxmlformats.org/drawingml/2006/main" xmlns:r="http://schemas.openxmlformats.org/officeDocument/2006/relationships" xmlns:p="http://schemas.openxmlformats.org/presentationml/2006/main">
-  <p:cSld>
-    <p:spTree>
-      <p:nvGrpSpPr>
-        <p:cNvPr id="1" name=""/>
-        <p:cNvGrpSpPr/>
-        <p:nvPr/>
-      </p:nvGrpSpPr>
-      <p:grpSpPr>
-        <a:xfrm>
-          <a:off x="0" y="0"/>
-          <a:ext cx="0" cy="0"/>
-          <a:chOff x="0" y="0"/>
-          <a:chExt cx="0" cy="0"/>
-        </a:xfrm>
-      </p:grpSpPr>
-      <p:pic>
-        <p:nvPicPr>
-          <p:cNvPr id="7" name="Picture 6" descr="A picture containing drawing&#10;&#10;Description automatically generated">
-            <a:extLst>
-              <a:ext uri="{FF2B5EF4-FFF2-40B4-BE49-F238E27FC236}">
-                <a16:creationId xmlns:a16="http://schemas.microsoft.com/office/drawing/2014/main" id="{3D28DBB6-0C1D-4B8F-B4BD-C160AA8CB938}"/>
-              </a:ext>
-            </a:extLst>
-          </p:cNvPr>
-          <p:cNvPicPr>
-            <a:picLocks noChangeAspect="1"/>
-          </p:cNvPicPr>
-          <p:nvPr/>
-        </p:nvPicPr>
-        <p:blipFill>
-          <a:blip r:embed="rId2">
-            <a:clrChange>
-              <a:clrFrom>
-                <a:srgbClr val="FFFFFF"/>
-              </a:clrFrom>
-              <a:clrTo>
-                <a:srgbClr val="FFFFFF">
-                  <a:alpha val="0"/>
-                </a:srgbClr>
-              </a:clrTo>
-            </a:clrChange>
-            <a:extLst>
-              <a:ext uri="{28A0092B-C50C-407E-A947-70E740481C1C}">
-                <a14:useLocalDpi xmlns:a14="http://schemas.microsoft.com/office/drawing/2010/main" val="0"/>
-              </a:ext>
-            </a:extLst>
-          </a:blip>
-          <a:stretch>
-            <a:fillRect/>
-          </a:stretch>
-        </p:blipFill>
-        <p:spPr>
-          <a:xfrm>
-            <a:off x="1588274" y="571880"/>
-            <a:ext cx="8062433" cy="5200269"/>
-          </a:xfrm>
-          <a:prstGeom prst="rect">
-            <a:avLst/>
-          </a:prstGeom>
-        </p:spPr>
-      </p:pic>
-    </p:spTree>
-    <p:extLst>
-      <p:ext uri="{BB962C8B-B14F-4D97-AF65-F5344CB8AC3E}">
-        <p14:creationId xmlns:p14="http://schemas.microsoft.com/office/powerpoint/2010/main" val="1630469568"/>
       </p:ext>
     </p:extLst>
   </p:cSld>
@@ -10568,10 +14059,10 @@
       </p:grpSpPr>
       <p:pic>
         <p:nvPicPr>
-          <p:cNvPr id="3" name="Picture 2" descr="A picture containing drawing&#10;&#10;Description automatically generated">
-            <a:extLst>
-              <a:ext uri="{FF2B5EF4-FFF2-40B4-BE49-F238E27FC236}">
-                <a16:creationId xmlns:a16="http://schemas.microsoft.com/office/drawing/2014/main" id="{26C10F46-AFEA-4F76-847C-6B5D8A9382EB}"/>
+          <p:cNvPr id="11" name="Picture 10" descr="A picture containing drawing&#10;&#10;Description automatically generated">
+            <a:extLst>
+              <a:ext uri="{FF2B5EF4-FFF2-40B4-BE49-F238E27FC236}">
+                <a16:creationId xmlns:a16="http://schemas.microsoft.com/office/drawing/2014/main" id="{5D0731AB-AA8B-4D56-9ED3-FFB83C138181}"/>
               </a:ext>
             </a:extLst>
           </p:cNvPr>
@@ -10603,9 +14094,9 @@
           </a:stretch>
         </p:blipFill>
         <p:spPr>
-          <a:xfrm>
-            <a:off x="2361679" y="351995"/>
-            <a:ext cx="7468642" cy="6154009"/>
+          <a:xfrm flipH="1">
+            <a:off x="1460839" y="487566"/>
+            <a:ext cx="8067160" cy="5216766"/>
           </a:xfrm>
           <a:prstGeom prst="rect">
             <a:avLst/>
@@ -10615,7 +14106,7 @@
     </p:spTree>
     <p:extLst>
       <p:ext uri="{BB962C8B-B14F-4D97-AF65-F5344CB8AC3E}">
-        <p14:creationId xmlns:p14="http://schemas.microsoft.com/office/powerpoint/2010/main" val="3387815339"/>
+        <p14:creationId xmlns:p14="http://schemas.microsoft.com/office/powerpoint/2010/main" val="2645935605"/>
       </p:ext>
     </p:extLst>
   </p:cSld>

--- a/Not_Shared/Ideas.pptx
+++ b/Not_Shared/Ideas.pptx
@@ -22,11 +22,13 @@
     <p:sldId id="275" r:id="rId16"/>
     <p:sldId id="267" r:id="rId17"/>
     <p:sldId id="276" r:id="rId18"/>
-    <p:sldId id="268" r:id="rId19"/>
-    <p:sldId id="269" r:id="rId20"/>
-    <p:sldId id="270" r:id="rId21"/>
-    <p:sldId id="271" r:id="rId22"/>
-    <p:sldId id="272" r:id="rId23"/>
+    <p:sldId id="279" r:id="rId19"/>
+    <p:sldId id="280" r:id="rId20"/>
+    <p:sldId id="268" r:id="rId21"/>
+    <p:sldId id="269" r:id="rId22"/>
+    <p:sldId id="270" r:id="rId23"/>
+    <p:sldId id="271" r:id="rId24"/>
+    <p:sldId id="272" r:id="rId25"/>
   </p:sldIdLst>
   <p:sldSz cx="12192000" cy="6858000"/>
   <p:notesSz cx="6858000" cy="9144000"/>
@@ -282,7 +284,7 @@
           <a:p>
             <a:fld id="{454D742E-0134-4A01-B575-6354CF2907B5}" type="datetimeFigureOut">
               <a:rPr lang="en-CA" smtClean="0"/>
-              <a:t>2020-05-02</a:t>
+              <a:t>2020-05-03</a:t>
             </a:fld>
             <a:endParaRPr lang="en-CA"/>
           </a:p>
@@ -482,7 +484,7 @@
           <a:p>
             <a:fld id="{454D742E-0134-4A01-B575-6354CF2907B5}" type="datetimeFigureOut">
               <a:rPr lang="en-CA" smtClean="0"/>
-              <a:t>2020-05-02</a:t>
+              <a:t>2020-05-03</a:t>
             </a:fld>
             <a:endParaRPr lang="en-CA"/>
           </a:p>
@@ -692,7 +694,7 @@
           <a:p>
             <a:fld id="{454D742E-0134-4A01-B575-6354CF2907B5}" type="datetimeFigureOut">
               <a:rPr lang="en-CA" smtClean="0"/>
-              <a:t>2020-05-02</a:t>
+              <a:t>2020-05-03</a:t>
             </a:fld>
             <a:endParaRPr lang="en-CA"/>
           </a:p>
@@ -892,7 +894,7 @@
           <a:p>
             <a:fld id="{454D742E-0134-4A01-B575-6354CF2907B5}" type="datetimeFigureOut">
               <a:rPr lang="en-CA" smtClean="0"/>
-              <a:t>2020-05-02</a:t>
+              <a:t>2020-05-03</a:t>
             </a:fld>
             <a:endParaRPr lang="en-CA"/>
           </a:p>
@@ -1168,7 +1170,7 @@
           <a:p>
             <a:fld id="{454D742E-0134-4A01-B575-6354CF2907B5}" type="datetimeFigureOut">
               <a:rPr lang="en-CA" smtClean="0"/>
-              <a:t>2020-05-02</a:t>
+              <a:t>2020-05-03</a:t>
             </a:fld>
             <a:endParaRPr lang="en-CA"/>
           </a:p>
@@ -1436,7 +1438,7 @@
           <a:p>
             <a:fld id="{454D742E-0134-4A01-B575-6354CF2907B5}" type="datetimeFigureOut">
               <a:rPr lang="en-CA" smtClean="0"/>
-              <a:t>2020-05-02</a:t>
+              <a:t>2020-05-03</a:t>
             </a:fld>
             <a:endParaRPr lang="en-CA"/>
           </a:p>
@@ -1851,7 +1853,7 @@
           <a:p>
             <a:fld id="{454D742E-0134-4A01-B575-6354CF2907B5}" type="datetimeFigureOut">
               <a:rPr lang="en-CA" smtClean="0"/>
-              <a:t>2020-05-02</a:t>
+              <a:t>2020-05-03</a:t>
             </a:fld>
             <a:endParaRPr lang="en-CA"/>
           </a:p>
@@ -1993,7 +1995,7 @@
           <a:p>
             <a:fld id="{454D742E-0134-4A01-B575-6354CF2907B5}" type="datetimeFigureOut">
               <a:rPr lang="en-CA" smtClean="0"/>
-              <a:t>2020-05-02</a:t>
+              <a:t>2020-05-03</a:t>
             </a:fld>
             <a:endParaRPr lang="en-CA"/>
           </a:p>
@@ -2106,7 +2108,7 @@
           <a:p>
             <a:fld id="{454D742E-0134-4A01-B575-6354CF2907B5}" type="datetimeFigureOut">
               <a:rPr lang="en-CA" smtClean="0"/>
-              <a:t>2020-05-02</a:t>
+              <a:t>2020-05-03</a:t>
             </a:fld>
             <a:endParaRPr lang="en-CA"/>
           </a:p>
@@ -2419,7 +2421,7 @@
           <a:p>
             <a:fld id="{454D742E-0134-4A01-B575-6354CF2907B5}" type="datetimeFigureOut">
               <a:rPr lang="en-CA" smtClean="0"/>
-              <a:t>2020-05-02</a:t>
+              <a:t>2020-05-03</a:t>
             </a:fld>
             <a:endParaRPr lang="en-CA"/>
           </a:p>
@@ -2708,7 +2710,7 @@
           <a:p>
             <a:fld id="{454D742E-0134-4A01-B575-6354CF2907B5}" type="datetimeFigureOut">
               <a:rPr lang="en-CA" smtClean="0"/>
-              <a:t>2020-05-02</a:t>
+              <a:t>2020-05-03</a:t>
             </a:fld>
             <a:endParaRPr lang="en-CA"/>
           </a:p>
@@ -2951,7 +2953,7 @@
           <a:p>
             <a:fld id="{454D742E-0134-4A01-B575-6354CF2907B5}" type="datetimeFigureOut">
               <a:rPr lang="en-CA" smtClean="0"/>
-              <a:t>2020-05-02</a:t>
+              <a:t>2020-05-03</a:t>
             </a:fld>
             <a:endParaRPr lang="en-CA"/>
           </a:p>
@@ -7628,45 +7630,12 @@
           <a:chExt cx="0" cy="0"/>
         </a:xfrm>
       </p:grpSpPr>
-      <p:sp>
-        <p:nvSpPr>
-          <p:cNvPr id="2" name="Title 1">
-            <a:extLst>
-              <a:ext uri="{FF2B5EF4-FFF2-40B4-BE49-F238E27FC236}">
-                <a16:creationId xmlns:a16="http://schemas.microsoft.com/office/drawing/2014/main" id="{8D67DFE2-A656-4EB7-87FE-78EFCF09B8D4}"/>
-              </a:ext>
-            </a:extLst>
-          </p:cNvPr>
-          <p:cNvSpPr>
-            <a:spLocks noGrp="1"/>
-          </p:cNvSpPr>
-          <p:nvPr>
-            <p:ph type="title"/>
-          </p:nvPr>
-        </p:nvSpPr>
-        <p:spPr>
-          <a:xfrm>
-            <a:off x="0" y="-68508"/>
-            <a:ext cx="10515600" cy="832079"/>
-          </a:xfrm>
-        </p:spPr>
-        <p:txBody>
-          <a:bodyPr/>
-          <a:lstStyle/>
-          <a:p>
-            <a:r>
-              <a:rPr lang="en-CA" dirty="0"/>
-              <a:t>Socket Connection</a:t>
-            </a:r>
-          </a:p>
-        </p:txBody>
-      </p:sp>
       <p:pic>
         <p:nvPicPr>
-          <p:cNvPr id="4" name="Picture 4" descr="Dedicated Server PNG Image | Server, Dedication, Png images">
-            <a:extLst>
-              <a:ext uri="{FF2B5EF4-FFF2-40B4-BE49-F238E27FC236}">
-                <a16:creationId xmlns:a16="http://schemas.microsoft.com/office/drawing/2014/main" id="{B8BBBA72-D009-4D28-BDFD-C4E6B0F3493C}"/>
+          <p:cNvPr id="1028" name="Picture 4" descr="Dedicated Server PNG Image | Server, Dedication, Png images">
+            <a:extLst>
+              <a:ext uri="{FF2B5EF4-FFF2-40B4-BE49-F238E27FC236}">
+                <a16:creationId xmlns:a16="http://schemas.microsoft.com/office/drawing/2014/main" id="{B259F46C-6CBA-4D56-93C3-3D41AC3A6B13}"/>
               </a:ext>
             </a:extLst>
           </p:cNvPr>
@@ -7690,8 +7659,8 @@
         </p:blipFill>
         <p:spPr bwMode="auto">
           <a:xfrm>
-            <a:off x="5359389" y="1019598"/>
-            <a:ext cx="770945" cy="1039475"/>
+            <a:off x="5268415" y="280021"/>
+            <a:ext cx="757916" cy="1021909"/>
           </a:xfrm>
           <a:prstGeom prst="rect">
             <a:avLst/>
@@ -7710,10 +7679,10 @@
       </p:pic>
       <p:pic>
         <p:nvPicPr>
-          <p:cNvPr id="5" name="Picture 6" descr="Laptop Clip Art At Clker Com Vector - Laptop Black And White Clip ...">
-            <a:extLst>
-              <a:ext uri="{FF2B5EF4-FFF2-40B4-BE49-F238E27FC236}">
-                <a16:creationId xmlns:a16="http://schemas.microsoft.com/office/drawing/2014/main" id="{A54F7E2C-EF05-4D30-9675-D7EADDD40D5F}"/>
+          <p:cNvPr id="1030" name="Picture 6" descr="Laptop Clip Art At Clker Com Vector - Laptop Black And White Clip ...">
+            <a:extLst>
+              <a:ext uri="{FF2B5EF4-FFF2-40B4-BE49-F238E27FC236}">
+                <a16:creationId xmlns:a16="http://schemas.microsoft.com/office/drawing/2014/main" id="{260BCD3F-BD74-4543-B965-10ECD47442A9}"/>
               </a:ext>
             </a:extLst>
           </p:cNvPr>
@@ -7747,8 +7716,8 @@
         </p:blipFill>
         <p:spPr bwMode="auto">
           <a:xfrm>
-            <a:off x="8946107" y="4054361"/>
-            <a:ext cx="1849089" cy="1533392"/>
+            <a:off x="7836444" y="280021"/>
+            <a:ext cx="1632673" cy="1353925"/>
           </a:xfrm>
           <a:prstGeom prst="rect">
             <a:avLst/>
@@ -7765,210 +7734,30 @@
           </a:extLst>
         </p:spPr>
       </p:pic>
-      <p:pic>
-        <p:nvPicPr>
-          <p:cNvPr id="2050" name="Picture 2" descr="Free Free Laptop Cliparts, Download Free Clip Art, Free Clip Art ...">
-            <a:extLst>
-              <a:ext uri="{FF2B5EF4-FFF2-40B4-BE49-F238E27FC236}">
-                <a16:creationId xmlns:a16="http://schemas.microsoft.com/office/drawing/2014/main" id="{2F1D7E14-40B7-4333-9751-1D4C24BCECF9}"/>
-              </a:ext>
-            </a:extLst>
-          </p:cNvPr>
-          <p:cNvPicPr>
-            <a:picLocks noChangeAspect="1" noChangeArrowheads="1"/>
-          </p:cNvPicPr>
-          <p:nvPr/>
-        </p:nvPicPr>
-        <p:blipFill>
-          <a:blip r:embed="rId4">
-            <a:extLst>
-              <a:ext uri="{28A0092B-C50C-407E-A947-70E740481C1C}">
-                <a14:useLocalDpi xmlns:a14="http://schemas.microsoft.com/office/drawing/2010/main" val="0"/>
-              </a:ext>
-            </a:extLst>
-          </a:blip>
-          <a:srcRect/>
-          <a:stretch>
-            <a:fillRect/>
-          </a:stretch>
-        </p:blipFill>
-        <p:spPr bwMode="auto">
-          <a:xfrm>
-            <a:off x="1346757" y="1968079"/>
-            <a:ext cx="1975759" cy="1568063"/>
-          </a:xfrm>
-          <a:prstGeom prst="rect">
-            <a:avLst/>
-          </a:prstGeom>
-          <a:noFill/>
-          <a:extLst>
-            <a:ext uri="{909E8E84-426E-40DD-AFC4-6F175D3DCCD1}">
-              <a14:hiddenFill xmlns:a14="http://schemas.microsoft.com/office/drawing/2010/main">
-                <a:solidFill>
-                  <a:srgbClr val="FFFFFF"/>
-                </a:solidFill>
-              </a14:hiddenFill>
-            </a:ext>
-          </a:extLst>
-        </p:spPr>
-      </p:pic>
-      <p:pic>
-        <p:nvPicPr>
-          <p:cNvPr id="2052" name="Picture 4" descr="Facebook Brand Resources">
-            <a:extLst>
-              <a:ext uri="{FF2B5EF4-FFF2-40B4-BE49-F238E27FC236}">
-                <a16:creationId xmlns:a16="http://schemas.microsoft.com/office/drawing/2014/main" id="{7A69D878-E909-49BD-8643-2C4A6148D6CD}"/>
-              </a:ext>
-            </a:extLst>
-          </p:cNvPr>
-          <p:cNvPicPr>
-            <a:picLocks noChangeAspect="1" noChangeArrowheads="1"/>
-          </p:cNvPicPr>
-          <p:nvPr/>
-        </p:nvPicPr>
-        <p:blipFill>
-          <a:blip r:embed="rId5">
-            <a:extLst>
-              <a:ext uri="{28A0092B-C50C-407E-A947-70E740481C1C}">
-                <a14:useLocalDpi xmlns:a14="http://schemas.microsoft.com/office/drawing/2010/main" val="0"/>
-              </a:ext>
-            </a:extLst>
-          </a:blip>
-          <a:srcRect/>
-          <a:stretch>
-            <a:fillRect/>
-          </a:stretch>
-        </p:blipFill>
-        <p:spPr bwMode="auto">
-          <a:xfrm>
-            <a:off x="3266350" y="3519306"/>
-            <a:ext cx="646331" cy="646331"/>
-          </a:xfrm>
-          <a:prstGeom prst="rect">
-            <a:avLst/>
-          </a:prstGeom>
-          <a:noFill/>
-          <a:extLst>
-            <a:ext uri="{909E8E84-426E-40DD-AFC4-6F175D3DCCD1}">
-              <a14:hiddenFill xmlns:a14="http://schemas.microsoft.com/office/drawing/2010/main">
-                <a:solidFill>
-                  <a:srgbClr val="FFFFFF"/>
-                </a:solidFill>
-              </a14:hiddenFill>
-            </a:ext>
-          </a:extLst>
-        </p:spPr>
-      </p:pic>
-      <p:sp>
-        <p:nvSpPr>
-          <p:cNvPr id="6" name="Arc 5">
-            <a:extLst>
-              <a:ext uri="{FF2B5EF4-FFF2-40B4-BE49-F238E27FC236}">
-                <a16:creationId xmlns:a16="http://schemas.microsoft.com/office/drawing/2014/main" id="{F3F126BB-CFC8-4AAB-BA91-EF2A1E81FAAC}"/>
-              </a:ext>
-            </a:extLst>
-          </p:cNvPr>
-          <p:cNvSpPr/>
-          <p:nvPr/>
-        </p:nvSpPr>
-        <p:spPr>
-          <a:xfrm flipV="1">
-            <a:off x="3064785" y="1803628"/>
-            <a:ext cx="9988784" cy="3671174"/>
-          </a:xfrm>
-          <a:prstGeom prst="arc">
-            <a:avLst>
-              <a:gd name="adj1" fmla="val 10764713"/>
-              <a:gd name="adj2" fmla="val 18709222"/>
-            </a:avLst>
-          </a:prstGeom>
-          <a:ln w="38100">
-            <a:headEnd type="none" w="med" len="med"/>
-            <a:tailEnd type="triangle" w="lg" len="lg"/>
-          </a:ln>
-        </p:spPr>
-        <p:style>
-          <a:lnRef idx="1">
-            <a:schemeClr val="accent1"/>
-          </a:lnRef>
-          <a:fillRef idx="0">
-            <a:schemeClr val="accent1"/>
-          </a:fillRef>
-          <a:effectRef idx="0">
-            <a:schemeClr val="accent1"/>
-          </a:effectRef>
-          <a:fontRef idx="minor">
-            <a:schemeClr val="tx1"/>
-          </a:fontRef>
-        </p:style>
-        <p:txBody>
-          <a:bodyPr rtlCol="0" anchor="ctr"/>
-          <a:lstStyle/>
-          <a:p>
-            <a:pPr algn="ctr"/>
-            <a:endParaRPr lang="en-CA" dirty="0"/>
-          </a:p>
-        </p:txBody>
-      </p:sp>
-      <p:sp>
-        <p:nvSpPr>
-          <p:cNvPr id="7" name="TextBox 6">
-            <a:extLst>
-              <a:ext uri="{FF2B5EF4-FFF2-40B4-BE49-F238E27FC236}">
-                <a16:creationId xmlns:a16="http://schemas.microsoft.com/office/drawing/2014/main" id="{BAC1A465-975D-4218-8A09-B4FE7FE49144}"/>
-              </a:ext>
-            </a:extLst>
-          </p:cNvPr>
-          <p:cNvSpPr txBox="1"/>
-          <p:nvPr/>
-        </p:nvSpPr>
-        <p:spPr>
-          <a:xfrm rot="708815">
-            <a:off x="2572196" y="4849105"/>
-            <a:ext cx="5478845" cy="646331"/>
-          </a:xfrm>
-          <a:prstGeom prst="rect">
-            <a:avLst/>
-          </a:prstGeom>
-          <a:noFill/>
-        </p:spPr>
-        <p:txBody>
-          <a:bodyPr wrap="square" rtlCol="0">
-            <a:spAutoFit/>
-          </a:bodyPr>
-          <a:lstStyle/>
-          <a:p>
-            <a:r>
-              <a:rPr lang="en-CA" dirty="0"/>
-              <a:t>I give them www.gameshow.geoffspielman.com?ip=24.212.142.167</a:t>
-            </a:r>
-          </a:p>
-        </p:txBody>
-      </p:sp>
       <p:cxnSp>
         <p:nvCxnSpPr>
-          <p:cNvPr id="9" name="Straight Arrow Connector 8">
-            <a:extLst>
-              <a:ext uri="{FF2B5EF4-FFF2-40B4-BE49-F238E27FC236}">
-                <a16:creationId xmlns:a16="http://schemas.microsoft.com/office/drawing/2014/main" id="{20ACEA87-24DC-4E77-ABFD-90BCA1E3EE2F}"/>
-              </a:ext>
-            </a:extLst>
-          </p:cNvPr>
-          <p:cNvCxnSpPr>
-            <a:cxnSpLocks/>
-          </p:cNvCxnSpPr>
+          <p:cNvPr id="5" name="Straight Connector 4">
+            <a:extLst>
+              <a:ext uri="{FF2B5EF4-FFF2-40B4-BE49-F238E27FC236}">
+                <a16:creationId xmlns:a16="http://schemas.microsoft.com/office/drawing/2014/main" id="{BF9CACD2-A8C3-491E-BE07-2BE5E2CD73AD}"/>
+              </a:ext>
+            </a:extLst>
+          </p:cNvPr>
+          <p:cNvCxnSpPr/>
           <p:nvPr/>
         </p:nvCxnSpPr>
         <p:spPr>
-          <a:xfrm flipH="1" flipV="1">
-            <a:off x="8634953" y="3983709"/>
-            <a:ext cx="979901" cy="450469"/>
-          </a:xfrm>
-          <a:prstGeom prst="straightConnector1">
+          <a:xfrm>
+            <a:off x="5738677" y="1491343"/>
+            <a:ext cx="0" cy="3875314"/>
+          </a:xfrm>
+          <a:prstGeom prst="line">
             <a:avLst/>
           </a:prstGeom>
           <a:ln w="28575">
-            <a:tailEnd type="triangle"/>
+            <a:solidFill>
+              <a:schemeClr val="accent1"/>
+            </a:solidFill>
           </a:ln>
         </p:spPr>
         <p:style>
@@ -7986,192 +7775,34 @@
           </a:fontRef>
         </p:style>
       </p:cxnSp>
-      <p:sp>
-        <p:nvSpPr>
-          <p:cNvPr id="12" name="TextBox 11">
-            <a:extLst>
-              <a:ext uri="{FF2B5EF4-FFF2-40B4-BE49-F238E27FC236}">
-                <a16:creationId xmlns:a16="http://schemas.microsoft.com/office/drawing/2014/main" id="{49F76250-7EFD-4046-8AD9-C67D014EB8D7}"/>
-              </a:ext>
-            </a:extLst>
-          </p:cNvPr>
-          <p:cNvSpPr txBox="1"/>
-          <p:nvPr/>
-        </p:nvSpPr>
-        <p:spPr>
-          <a:xfrm>
-            <a:off x="6212860" y="991651"/>
-            <a:ext cx="2311139" cy="923330"/>
-          </a:xfrm>
-          <a:prstGeom prst="rect">
-            <a:avLst/>
-          </a:prstGeom>
-          <a:noFill/>
-        </p:spPr>
-        <p:txBody>
-          <a:bodyPr wrap="square" rtlCol="0">
-            <a:spAutoFit/>
-          </a:bodyPr>
-          <a:lstStyle/>
-          <a:p>
-            <a:r>
-              <a:rPr lang="en-CA" dirty="0"/>
-              <a:t>Client gets public content (index, images </a:t>
-            </a:r>
-            <a:r>
-              <a:rPr lang="en-CA" dirty="0" err="1"/>
-              <a:t>etc</a:t>
-            </a:r>
-            <a:r>
-              <a:rPr lang="en-CA" dirty="0"/>
-              <a:t>) from digital ocean </a:t>
-            </a:r>
-          </a:p>
-        </p:txBody>
-      </p:sp>
-      <p:pic>
-        <p:nvPicPr>
-          <p:cNvPr id="11" name="Picture 10">
-            <a:extLst>
-              <a:ext uri="{FF2B5EF4-FFF2-40B4-BE49-F238E27FC236}">
-                <a16:creationId xmlns:a16="http://schemas.microsoft.com/office/drawing/2014/main" id="{B1632617-9153-482F-99B7-8E54F2289BEE}"/>
-              </a:ext>
-            </a:extLst>
-          </p:cNvPr>
-          <p:cNvPicPr>
-            <a:picLocks noChangeAspect="1"/>
-          </p:cNvPicPr>
-          <p:nvPr/>
-        </p:nvPicPr>
-        <p:blipFill>
-          <a:blip r:embed="rId6">
-            <a:clrChange>
-              <a:clrFrom>
-                <a:srgbClr val="000000"/>
-              </a:clrFrom>
-              <a:clrTo>
-                <a:srgbClr val="000000">
-                  <a:alpha val="0"/>
-                </a:srgbClr>
-              </a:clrTo>
-            </a:clrChange>
-          </a:blip>
-          <a:stretch>
-            <a:fillRect/>
-          </a:stretch>
-        </p:blipFill>
-        <p:spPr>
-          <a:xfrm>
-            <a:off x="7963916" y="3488385"/>
-            <a:ext cx="580616" cy="890047"/>
-          </a:xfrm>
-          <a:prstGeom prst="rect">
-            <a:avLst/>
-          </a:prstGeom>
-        </p:spPr>
-      </p:pic>
-      <p:sp>
-        <p:nvSpPr>
-          <p:cNvPr id="17" name="TextBox 16">
-            <a:extLst>
-              <a:ext uri="{FF2B5EF4-FFF2-40B4-BE49-F238E27FC236}">
-                <a16:creationId xmlns:a16="http://schemas.microsoft.com/office/drawing/2014/main" id="{D829789C-D2FA-4964-B3B8-5139751AB539}"/>
-              </a:ext>
-            </a:extLst>
-          </p:cNvPr>
-          <p:cNvSpPr txBox="1"/>
-          <p:nvPr/>
-        </p:nvSpPr>
-        <p:spPr>
-          <a:xfrm>
-            <a:off x="7632581" y="3169712"/>
-            <a:ext cx="1243286" cy="369332"/>
-          </a:xfrm>
-          <a:prstGeom prst="rect">
-            <a:avLst/>
-          </a:prstGeom>
-          <a:noFill/>
-        </p:spPr>
-        <p:txBody>
-          <a:bodyPr wrap="square" rtlCol="0">
-            <a:spAutoFit/>
-          </a:bodyPr>
-          <a:lstStyle/>
-          <a:p>
-            <a:r>
-              <a:rPr lang="en-CA"/>
-              <a:t>DNS Server</a:t>
-            </a:r>
-            <a:endParaRPr lang="en-CA" dirty="0"/>
-          </a:p>
-        </p:txBody>
-      </p:sp>
-      <p:pic>
-        <p:nvPicPr>
-          <p:cNvPr id="18" name="Picture 17">
-            <a:extLst>
-              <a:ext uri="{FF2B5EF4-FFF2-40B4-BE49-F238E27FC236}">
-                <a16:creationId xmlns:a16="http://schemas.microsoft.com/office/drawing/2014/main" id="{481234E0-FD00-4AB6-A6E4-62D149C7D8DB}"/>
-              </a:ext>
-            </a:extLst>
-          </p:cNvPr>
-          <p:cNvPicPr>
-            <a:picLocks noChangeAspect="1"/>
-          </p:cNvPicPr>
-          <p:nvPr/>
-        </p:nvPicPr>
-        <p:blipFill>
-          <a:blip r:embed="rId7">
-            <a:clrChange>
-              <a:clrFrom>
-                <a:srgbClr val="000000"/>
-              </a:clrFrom>
-              <a:clrTo>
-                <a:srgbClr val="000000">
-                  <a:alpha val="0"/>
-                </a:srgbClr>
-              </a:clrTo>
-            </a:clrChange>
-          </a:blip>
-          <a:stretch>
-            <a:fillRect/>
-          </a:stretch>
-        </p:blipFill>
-        <p:spPr>
-          <a:xfrm>
-            <a:off x="4668719" y="3039411"/>
-            <a:ext cx="1818293" cy="542991"/>
-          </a:xfrm>
-          <a:prstGeom prst="rect">
-            <a:avLst/>
-          </a:prstGeom>
-        </p:spPr>
-      </p:pic>
       <p:cxnSp>
         <p:nvCxnSpPr>
-          <p:cNvPr id="21" name="Straight Arrow Connector 20">
-            <a:extLst>
-              <a:ext uri="{FF2B5EF4-FFF2-40B4-BE49-F238E27FC236}">
-                <a16:creationId xmlns:a16="http://schemas.microsoft.com/office/drawing/2014/main" id="{DB9448DA-77CA-4332-8CBF-7209CBBFC28A}"/>
+          <p:cNvPr id="9" name="Straight Connector 8">
+            <a:extLst>
+              <a:ext uri="{FF2B5EF4-FFF2-40B4-BE49-F238E27FC236}">
+                <a16:creationId xmlns:a16="http://schemas.microsoft.com/office/drawing/2014/main" id="{E670D51B-3EFE-40B0-8EFE-090055CE2ADF}"/>
               </a:ext>
             </a:extLst>
           </p:cNvPr>
           <p:cNvCxnSpPr>
             <a:cxnSpLocks/>
-            <a:endCxn id="18" idx="3"/>
           </p:cNvCxnSpPr>
           <p:nvPr/>
         </p:nvCxnSpPr>
         <p:spPr>
-          <a:xfrm flipH="1" flipV="1">
-            <a:off x="6487012" y="3310907"/>
-            <a:ext cx="1311238" cy="450470"/>
-          </a:xfrm>
-          <a:prstGeom prst="straightConnector1">
+          <a:xfrm flipH="1">
+            <a:off x="5895703" y="1491343"/>
+            <a:ext cx="2386148" cy="607423"/>
+          </a:xfrm>
+          <a:prstGeom prst="line">
             <a:avLst/>
           </a:prstGeom>
           <a:ln w="28575">
-            <a:tailEnd type="triangle"/>
+            <a:solidFill>
+              <a:srgbClr val="FFC000"/>
+            </a:solidFill>
+            <a:headEnd type="none" w="lg" len="lg"/>
+            <a:tailEnd type="triangle" w="lg" len="lg"/>
           </a:ln>
         </p:spPr>
         <p:style>
@@ -8189,59 +7820,118 @@
           </a:fontRef>
         </p:style>
       </p:cxnSp>
-      <p:pic>
-        <p:nvPicPr>
-          <p:cNvPr id="2058" name="Picture 10" descr="DigitalOcean - Wikipedia">
-            <a:extLst>
-              <a:ext uri="{FF2B5EF4-FFF2-40B4-BE49-F238E27FC236}">
-                <a16:creationId xmlns:a16="http://schemas.microsoft.com/office/drawing/2014/main" id="{E0D2E34C-73D0-4949-AA2C-746BE6140F69}"/>
-              </a:ext>
-            </a:extLst>
-          </p:cNvPr>
-          <p:cNvPicPr>
-            <a:picLocks noChangeAspect="1" noChangeArrowheads="1"/>
-          </p:cNvPicPr>
-          <p:nvPr/>
-        </p:nvPicPr>
-        <p:blipFill>
-          <a:blip r:embed="rId8">
-            <a:extLst>
-              <a:ext uri="{28A0092B-C50C-407E-A947-70E740481C1C}">
-                <a14:useLocalDpi xmlns:a14="http://schemas.microsoft.com/office/drawing/2010/main" val="0"/>
-              </a:ext>
-            </a:extLst>
-          </a:blip>
-          <a:srcRect/>
-          <a:stretch>
-            <a:fillRect/>
-          </a:stretch>
-        </p:blipFill>
-        <p:spPr bwMode="auto">
-          <a:xfrm>
-            <a:off x="4334916" y="1001158"/>
-            <a:ext cx="922884" cy="922884"/>
+      <p:sp>
+        <p:nvSpPr>
+          <p:cNvPr id="8" name="TextBox 7">
+            <a:extLst>
+              <a:ext uri="{FF2B5EF4-FFF2-40B4-BE49-F238E27FC236}">
+                <a16:creationId xmlns:a16="http://schemas.microsoft.com/office/drawing/2014/main" id="{65DC4DAD-CC47-4B42-99C6-82E0969D7768}"/>
+              </a:ext>
+            </a:extLst>
+          </p:cNvPr>
+          <p:cNvSpPr txBox="1"/>
+          <p:nvPr/>
+        </p:nvSpPr>
+        <p:spPr>
+          <a:xfrm rot="20682798">
+            <a:off x="6467630" y="1696310"/>
+            <a:ext cx="1943468" cy="369332"/>
           </a:xfrm>
           <a:prstGeom prst="rect">
             <a:avLst/>
           </a:prstGeom>
           <a:noFill/>
-          <a:extLst>
-            <a:ext uri="{909E8E84-426E-40DD-AFC4-6F175D3DCCD1}">
-              <a14:hiddenFill xmlns:a14="http://schemas.microsoft.com/office/drawing/2010/main">
-                <a:solidFill>
-                  <a:srgbClr val="FFFFFF"/>
-                </a:solidFill>
-              </a14:hiddenFill>
-            </a:ext>
-          </a:extLst>
-        </p:spPr>
-      </p:pic>
+        </p:spPr>
+        <p:txBody>
+          <a:bodyPr wrap="square" rtlCol="0">
+            <a:spAutoFit/>
+          </a:bodyPr>
+          <a:lstStyle/>
+          <a:p>
+            <a:r>
+              <a:rPr lang="en-CA" dirty="0" err="1"/>
+              <a:t>gameDataRequest</a:t>
+            </a:r>
+            <a:endParaRPr lang="en-CA" dirty="0"/>
+          </a:p>
+        </p:txBody>
+      </p:sp>
+      <p:sp>
+        <p:nvSpPr>
+          <p:cNvPr id="13" name="TextBox 12">
+            <a:extLst>
+              <a:ext uri="{FF2B5EF4-FFF2-40B4-BE49-F238E27FC236}">
+                <a16:creationId xmlns:a16="http://schemas.microsoft.com/office/drawing/2014/main" id="{06ED55D2-2DBD-4AF4-94D6-1CE632A0A946}"/>
+              </a:ext>
+            </a:extLst>
+          </p:cNvPr>
+          <p:cNvSpPr txBox="1"/>
+          <p:nvPr/>
+        </p:nvSpPr>
+        <p:spPr>
+          <a:xfrm>
+            <a:off x="9469117" y="403648"/>
+            <a:ext cx="2690588" cy="646331"/>
+          </a:xfrm>
+          <a:prstGeom prst="rect">
+            <a:avLst/>
+          </a:prstGeom>
+          <a:noFill/>
+        </p:spPr>
+        <p:txBody>
+          <a:bodyPr wrap="square" rtlCol="0">
+            <a:spAutoFit/>
+          </a:bodyPr>
+          <a:lstStyle/>
+          <a:p>
+            <a:r>
+              <a:rPr lang="en-CA" dirty="0"/>
+              <a:t>Technician clicks ‘request current data’</a:t>
+            </a:r>
+          </a:p>
+        </p:txBody>
+      </p:sp>
+      <p:sp>
+        <p:nvSpPr>
+          <p:cNvPr id="12" name="TextBox 11">
+            <a:extLst>
+              <a:ext uri="{FF2B5EF4-FFF2-40B4-BE49-F238E27FC236}">
+                <a16:creationId xmlns:a16="http://schemas.microsoft.com/office/drawing/2014/main" id="{CBCC5FC8-8483-4274-96CA-CF87DC104B93}"/>
+              </a:ext>
+            </a:extLst>
+          </p:cNvPr>
+          <p:cNvSpPr txBox="1"/>
+          <p:nvPr/>
+        </p:nvSpPr>
+        <p:spPr>
+          <a:xfrm>
+            <a:off x="32295" y="0"/>
+            <a:ext cx="4754309" cy="461665"/>
+          </a:xfrm>
+          <a:prstGeom prst="rect">
+            <a:avLst/>
+          </a:prstGeom>
+          <a:noFill/>
+        </p:spPr>
+        <p:txBody>
+          <a:bodyPr wrap="square" rtlCol="0">
+            <a:spAutoFit/>
+          </a:bodyPr>
+          <a:lstStyle/>
+          <a:p>
+            <a:r>
+              <a:rPr lang="en-CA" sz="2400" b="1" dirty="0"/>
+              <a:t>Technician request fresh data</a:t>
+            </a:r>
+          </a:p>
+        </p:txBody>
+      </p:sp>
       <p:cxnSp>
         <p:nvCxnSpPr>
-          <p:cNvPr id="24" name="Straight Arrow Connector 23">
-            <a:extLst>
-              <a:ext uri="{FF2B5EF4-FFF2-40B4-BE49-F238E27FC236}">
-                <a16:creationId xmlns:a16="http://schemas.microsoft.com/office/drawing/2014/main" id="{44136FD6-B266-4EC7-8849-B5344E7A6DC6}"/>
+          <p:cNvPr id="14" name="Straight Connector 13">
+            <a:extLst>
+              <a:ext uri="{FF2B5EF4-FFF2-40B4-BE49-F238E27FC236}">
+                <a16:creationId xmlns:a16="http://schemas.microsoft.com/office/drawing/2014/main" id="{0B168BB9-2FFE-4390-A062-8727EF70FE7B}"/>
               </a:ext>
             </a:extLst>
           </p:cNvPr>
@@ -8251,15 +7941,19 @@
           <p:nvPr/>
         </p:nvCxnSpPr>
         <p:spPr>
-          <a:xfrm flipH="1" flipV="1">
-            <a:off x="5359389" y="2148405"/>
-            <a:ext cx="385472" cy="826725"/>
-          </a:xfrm>
-          <a:prstGeom prst="straightConnector1">
+          <a:xfrm>
+            <a:off x="5895703" y="2821577"/>
+            <a:ext cx="2616701" cy="958571"/>
+          </a:xfrm>
+          <a:prstGeom prst="line">
             <a:avLst/>
           </a:prstGeom>
           <a:ln w="28575">
-            <a:tailEnd type="triangle"/>
+            <a:solidFill>
+              <a:srgbClr val="92D050"/>
+            </a:solidFill>
+            <a:headEnd type="none" w="lg" len="lg"/>
+            <a:tailEnd type="triangle" w="lg" len="lg"/>
           </a:ln>
         </p:spPr>
         <p:style>
@@ -8279,61 +7973,10 @@
       </p:cxnSp>
       <p:sp>
         <p:nvSpPr>
-          <p:cNvPr id="28" name="Arc 27">
-            <a:extLst>
-              <a:ext uri="{FF2B5EF4-FFF2-40B4-BE49-F238E27FC236}">
-                <a16:creationId xmlns:a16="http://schemas.microsoft.com/office/drawing/2014/main" id="{C7257964-613E-4432-A46F-B23F51E26DF4}"/>
-              </a:ext>
-            </a:extLst>
-          </p:cNvPr>
-          <p:cNvSpPr/>
-          <p:nvPr/>
-        </p:nvSpPr>
-        <p:spPr>
-          <a:xfrm rot="13889773" flipH="1" flipV="1">
-            <a:off x="5243741" y="1326305"/>
-            <a:ext cx="5193195" cy="3739505"/>
-          </a:xfrm>
-          <a:prstGeom prst="arc">
-            <a:avLst>
-              <a:gd name="adj1" fmla="val 11463417"/>
-              <a:gd name="adj2" fmla="val 19922351"/>
-            </a:avLst>
-          </a:prstGeom>
-          <a:ln w="38100">
-            <a:headEnd type="none" w="med" len="med"/>
-            <a:tailEnd type="triangle" w="lg" len="lg"/>
-          </a:ln>
-        </p:spPr>
-        <p:style>
-          <a:lnRef idx="1">
-            <a:schemeClr val="accent1"/>
-          </a:lnRef>
-          <a:fillRef idx="0">
-            <a:schemeClr val="accent1"/>
-          </a:fillRef>
-          <a:effectRef idx="0">
-            <a:schemeClr val="accent1"/>
-          </a:effectRef>
-          <a:fontRef idx="minor">
-            <a:schemeClr val="tx1"/>
-          </a:fontRef>
-        </p:style>
-        <p:txBody>
-          <a:bodyPr rtlCol="0" anchor="ctr"/>
-          <a:lstStyle/>
-          <a:p>
-            <a:pPr algn="ctr"/>
-            <a:endParaRPr lang="en-CA"/>
-          </a:p>
-        </p:txBody>
-      </p:sp>
-      <p:sp>
-        <p:nvSpPr>
-          <p:cNvPr id="29" name="TextBox 28">
-            <a:extLst>
-              <a:ext uri="{FF2B5EF4-FFF2-40B4-BE49-F238E27FC236}">
-                <a16:creationId xmlns:a16="http://schemas.microsoft.com/office/drawing/2014/main" id="{0E3641A7-21FF-4407-ACC9-920FB9C11AFA}"/>
+          <p:cNvPr id="15" name="TextBox 14">
+            <a:extLst>
+              <a:ext uri="{FF2B5EF4-FFF2-40B4-BE49-F238E27FC236}">
+                <a16:creationId xmlns:a16="http://schemas.microsoft.com/office/drawing/2014/main" id="{F227B532-2DB3-4F25-8AAF-6F03FD75AE9C}"/>
               </a:ext>
             </a:extLst>
           </p:cNvPr>
@@ -8341,9 +7984,9 @@
           <p:nvPr/>
         </p:nvSpPr>
         <p:spPr>
-          <a:xfrm>
-            <a:off x="4674877" y="3539535"/>
-            <a:ext cx="2311139" cy="646331"/>
+          <a:xfrm rot="1248694">
+            <a:off x="6229854" y="3327229"/>
+            <a:ext cx="2154027" cy="369332"/>
           </a:xfrm>
           <a:prstGeom prst="rect">
             <a:avLst/>
@@ -8357,59 +8000,19 @@
           <a:lstStyle/>
           <a:p>
             <a:r>
-              <a:rPr lang="en-CA" dirty="0"/>
-              <a:t>Worker: no SSL on *gameshow</a:t>
-            </a:r>
-          </a:p>
-        </p:txBody>
-      </p:sp>
-      <p:pic>
-        <p:nvPicPr>
-          <p:cNvPr id="25" name="Picture 24">
-            <a:extLst>
-              <a:ext uri="{FF2B5EF4-FFF2-40B4-BE49-F238E27FC236}">
-                <a16:creationId xmlns:a16="http://schemas.microsoft.com/office/drawing/2014/main" id="{8F645A89-6FC5-40B9-8E1D-04D66B7ACAAA}"/>
-              </a:ext>
-            </a:extLst>
-          </p:cNvPr>
-          <p:cNvPicPr>
-            <a:picLocks noChangeAspect="1"/>
-          </p:cNvPicPr>
-          <p:nvPr/>
-        </p:nvPicPr>
-        <p:blipFill>
-          <a:blip r:embed="rId9">
-            <a:clrChange>
-              <a:clrFrom>
-                <a:srgbClr val="000000"/>
-              </a:clrFrom>
-              <a:clrTo>
-                <a:srgbClr val="000000">
-                  <a:alpha val="0"/>
-                </a:srgbClr>
-              </a:clrTo>
-            </a:clrChange>
-          </a:blip>
-          <a:stretch>
-            <a:fillRect/>
-          </a:stretch>
-        </p:blipFill>
-        <p:spPr>
-          <a:xfrm>
-            <a:off x="10405987" y="3920693"/>
-            <a:ext cx="903323" cy="1026970"/>
-          </a:xfrm>
-          <a:prstGeom prst="rect">
-            <a:avLst/>
-          </a:prstGeom>
-        </p:spPr>
-      </p:pic>
-      <p:sp>
-        <p:nvSpPr>
-          <p:cNvPr id="32" name="TextBox 31">
-            <a:extLst>
-              <a:ext uri="{FF2B5EF4-FFF2-40B4-BE49-F238E27FC236}">
-                <a16:creationId xmlns:a16="http://schemas.microsoft.com/office/drawing/2014/main" id="{DB0590A1-23F4-42DE-B060-F05E0295FDD7}"/>
+              <a:rPr lang="en-CA" dirty="0" err="1"/>
+              <a:t>gameDataDelivery</a:t>
+            </a:r>
+            <a:endParaRPr lang="en-CA" dirty="0"/>
+          </a:p>
+        </p:txBody>
+      </p:sp>
+      <p:sp>
+        <p:nvSpPr>
+          <p:cNvPr id="17" name="TextBox 16">
+            <a:extLst>
+              <a:ext uri="{FF2B5EF4-FFF2-40B4-BE49-F238E27FC236}">
+                <a16:creationId xmlns:a16="http://schemas.microsoft.com/office/drawing/2014/main" id="{57FCC26E-B2CC-4059-A9DF-65C62C29FF99}"/>
               </a:ext>
             </a:extLst>
           </p:cNvPr>
@@ -8418,8 +8021,8 @@
         </p:nvSpPr>
         <p:spPr>
           <a:xfrm>
-            <a:off x="10654472" y="4907270"/>
-            <a:ext cx="1468685" cy="646331"/>
+            <a:off x="3491263" y="2604785"/>
+            <a:ext cx="2962061" cy="369332"/>
           </a:xfrm>
           <a:prstGeom prst="rect">
             <a:avLst/>
@@ -8434,159 +8037,15 @@
           <a:p>
             <a:r>
               <a:rPr lang="en-CA" dirty="0"/>
-              <a:t>Parse </a:t>
-            </a:r>
-            <a:r>
-              <a:rPr lang="en-CA" dirty="0" err="1"/>
-              <a:t>url</a:t>
-            </a:r>
-            <a:r>
-              <a:rPr lang="en-CA" dirty="0"/>
-              <a:t> for my IP address</a:t>
-            </a:r>
-          </a:p>
-        </p:txBody>
-      </p:sp>
-      <p:sp>
-        <p:nvSpPr>
-          <p:cNvPr id="33" name="Arc 32">
-            <a:extLst>
-              <a:ext uri="{FF2B5EF4-FFF2-40B4-BE49-F238E27FC236}">
-                <a16:creationId xmlns:a16="http://schemas.microsoft.com/office/drawing/2014/main" id="{3EEEFB70-3E1C-4FC6-8BF9-BA6CB948DB2B}"/>
-              </a:ext>
-            </a:extLst>
-          </p:cNvPr>
-          <p:cNvSpPr/>
-          <p:nvPr/>
-        </p:nvSpPr>
-        <p:spPr>
-          <a:xfrm flipH="1" flipV="1">
-            <a:off x="1396804" y="1270247"/>
-            <a:ext cx="9988784" cy="5377895"/>
-          </a:xfrm>
-          <a:prstGeom prst="arc">
-            <a:avLst>
-              <a:gd name="adj1" fmla="val 11931196"/>
-              <a:gd name="adj2" fmla="val 213157"/>
-            </a:avLst>
-          </a:prstGeom>
-          <a:ln w="38100">
-            <a:solidFill>
-              <a:srgbClr val="FF0000"/>
-            </a:solidFill>
-            <a:headEnd type="triangle" w="med" len="med"/>
-            <a:tailEnd type="triangle" w="med" len="med"/>
-          </a:ln>
-        </p:spPr>
-        <p:style>
-          <a:lnRef idx="1">
-            <a:schemeClr val="accent1"/>
-          </a:lnRef>
-          <a:fillRef idx="0">
-            <a:schemeClr val="accent1"/>
-          </a:fillRef>
-          <a:effectRef idx="0">
-            <a:schemeClr val="accent1"/>
-          </a:effectRef>
-          <a:fontRef idx="minor">
-            <a:schemeClr val="tx1"/>
-          </a:fontRef>
-        </p:style>
-        <p:txBody>
-          <a:bodyPr rtlCol="0" anchor="ctr"/>
-          <a:lstStyle/>
-          <a:p>
-            <a:pPr algn="ctr"/>
-            <a:endParaRPr lang="en-CA" dirty="0"/>
-          </a:p>
-        </p:txBody>
-      </p:sp>
-      <p:sp>
-        <p:nvSpPr>
-          <p:cNvPr id="34" name="TextBox 33">
-            <a:extLst>
-              <a:ext uri="{FF2B5EF4-FFF2-40B4-BE49-F238E27FC236}">
-                <a16:creationId xmlns:a16="http://schemas.microsoft.com/office/drawing/2014/main" id="{F59675D6-D1BD-47DB-8662-F2B23CA93E81}"/>
-              </a:ext>
-            </a:extLst>
-          </p:cNvPr>
-          <p:cNvSpPr txBox="1"/>
-          <p:nvPr/>
-        </p:nvSpPr>
-        <p:spPr>
-          <a:xfrm rot="708815">
-            <a:off x="2601010" y="5969142"/>
-            <a:ext cx="5478845" cy="369332"/>
-          </a:xfrm>
-          <a:prstGeom prst="rect">
-            <a:avLst/>
-          </a:prstGeom>
-          <a:noFill/>
-        </p:spPr>
-        <p:txBody>
-          <a:bodyPr wrap="square" rtlCol="0">
-            <a:spAutoFit/>
-          </a:bodyPr>
-          <a:lstStyle/>
-          <a:p>
-            <a:r>
-              <a:rPr lang="en-CA" dirty="0"/>
-              <a:t>Socket connection @ 24.212.142.167:3000</a:t>
-            </a:r>
-          </a:p>
-        </p:txBody>
-      </p:sp>
-      <p:pic>
-        <p:nvPicPr>
-          <p:cNvPr id="2062" name="Picture 14">
-            <a:extLst>
-              <a:ext uri="{FF2B5EF4-FFF2-40B4-BE49-F238E27FC236}">
-                <a16:creationId xmlns:a16="http://schemas.microsoft.com/office/drawing/2014/main" id="{3436B604-3FFF-47C9-BBAF-AF7A9175D956}"/>
-              </a:ext>
-            </a:extLst>
-          </p:cNvPr>
-          <p:cNvPicPr>
-            <a:picLocks noChangeAspect="1" noChangeArrowheads="1"/>
-          </p:cNvPicPr>
-          <p:nvPr/>
-        </p:nvPicPr>
-        <p:blipFill>
-          <a:blip r:embed="rId10">
-            <a:extLst>
-              <a:ext uri="{28A0092B-C50C-407E-A947-70E740481C1C}">
-                <a14:useLocalDpi xmlns:a14="http://schemas.microsoft.com/office/drawing/2010/main" val="0"/>
-              </a:ext>
-            </a:extLst>
-          </a:blip>
-          <a:srcRect/>
-          <a:stretch>
-            <a:fillRect/>
-          </a:stretch>
-        </p:blipFill>
-        <p:spPr bwMode="auto">
-          <a:xfrm>
-            <a:off x="122485" y="2944310"/>
-            <a:ext cx="1202435" cy="733192"/>
-          </a:xfrm>
-          <a:prstGeom prst="rect">
-            <a:avLst/>
-          </a:prstGeom>
-          <a:noFill/>
-          <a:extLst>
-            <a:ext uri="{909E8E84-426E-40DD-AFC4-6F175D3DCCD1}">
-              <a14:hiddenFill xmlns:a14="http://schemas.microsoft.com/office/drawing/2010/main">
-                <a:solidFill>
-                  <a:srgbClr val="FFFFFF"/>
-                </a:solidFill>
-              </a14:hiddenFill>
-            </a:ext>
-          </a:extLst>
-        </p:spPr>
-      </p:pic>
+              <a:t>Only sent to host:</a:t>
+            </a:r>
+          </a:p>
+        </p:txBody>
+      </p:sp>
     </p:spTree>
     <p:extLst>
       <p:ext uri="{BB962C8B-B14F-4D97-AF65-F5344CB8AC3E}">
-        <p14:creationId xmlns:p14="http://schemas.microsoft.com/office/powerpoint/2010/main" val="1160604219"/>
+        <p14:creationId xmlns:p14="http://schemas.microsoft.com/office/powerpoint/2010/main" val="1645236886"/>
       </p:ext>
     </p:extLst>
   </p:cSld>
@@ -8613,195 +8072,403 @@
           <a:chExt cx="0" cy="0"/>
         </a:xfrm>
       </p:grpSpPr>
-      <p:sp>
-        <p:nvSpPr>
-          <p:cNvPr id="2" name="Title 1">
-            <a:extLst>
-              <a:ext uri="{FF2B5EF4-FFF2-40B4-BE49-F238E27FC236}">
-                <a16:creationId xmlns:a16="http://schemas.microsoft.com/office/drawing/2014/main" id="{F834305A-B403-4127-8A5F-0ACDF6A6BB40}"/>
-              </a:ext>
-            </a:extLst>
-          </p:cNvPr>
-          <p:cNvSpPr>
-            <a:spLocks noGrp="1"/>
-          </p:cNvSpPr>
-          <p:nvPr>
-            <p:ph type="title"/>
-          </p:nvPr>
-        </p:nvSpPr>
-        <p:spPr>
-          <a:xfrm>
-            <a:off x="150223" y="0"/>
-            <a:ext cx="7896497" cy="740864"/>
-          </a:xfrm>
-        </p:spPr>
-        <p:txBody>
-          <a:bodyPr/>
-          <a:lstStyle/>
+      <p:pic>
+        <p:nvPicPr>
+          <p:cNvPr id="1028" name="Picture 4" descr="Dedicated Server PNG Image | Server, Dedication, Png images">
+            <a:extLst>
+              <a:ext uri="{FF2B5EF4-FFF2-40B4-BE49-F238E27FC236}">
+                <a16:creationId xmlns:a16="http://schemas.microsoft.com/office/drawing/2014/main" id="{B259F46C-6CBA-4D56-93C3-3D41AC3A6B13}"/>
+              </a:ext>
+            </a:extLst>
+          </p:cNvPr>
+          <p:cNvPicPr>
+            <a:picLocks noChangeAspect="1" noChangeArrowheads="1"/>
+          </p:cNvPicPr>
+          <p:nvPr/>
+        </p:nvPicPr>
+        <p:blipFill>
+          <a:blip r:embed="rId2">
+            <a:extLst>
+              <a:ext uri="{28A0092B-C50C-407E-A947-70E740481C1C}">
+                <a14:useLocalDpi xmlns:a14="http://schemas.microsoft.com/office/drawing/2010/main" val="0"/>
+              </a:ext>
+            </a:extLst>
+          </a:blip>
+          <a:srcRect/>
+          <a:stretch>
+            <a:fillRect/>
+          </a:stretch>
+        </p:blipFill>
+        <p:spPr bwMode="auto">
+          <a:xfrm>
+            <a:off x="5268415" y="280021"/>
+            <a:ext cx="757916" cy="1021909"/>
+          </a:xfrm>
+          <a:prstGeom prst="rect">
+            <a:avLst/>
+          </a:prstGeom>
+          <a:noFill/>
+          <a:extLst>
+            <a:ext uri="{909E8E84-426E-40DD-AFC4-6F175D3DCCD1}">
+              <a14:hiddenFill xmlns:a14="http://schemas.microsoft.com/office/drawing/2010/main">
+                <a:solidFill>
+                  <a:srgbClr val="FFFFFF"/>
+                </a:solidFill>
+              </a14:hiddenFill>
+            </a:ext>
+          </a:extLst>
+        </p:spPr>
+      </p:pic>
+      <p:pic>
+        <p:nvPicPr>
+          <p:cNvPr id="1030" name="Picture 6" descr="Laptop Clip Art At Clker Com Vector - Laptop Black And White Clip ...">
+            <a:extLst>
+              <a:ext uri="{FF2B5EF4-FFF2-40B4-BE49-F238E27FC236}">
+                <a16:creationId xmlns:a16="http://schemas.microsoft.com/office/drawing/2014/main" id="{260BCD3F-BD74-4543-B965-10ECD47442A9}"/>
+              </a:ext>
+            </a:extLst>
+          </p:cNvPr>
+          <p:cNvPicPr>
+            <a:picLocks noChangeAspect="1" noChangeArrowheads="1"/>
+          </p:cNvPicPr>
+          <p:nvPr/>
+        </p:nvPicPr>
+        <p:blipFill>
+          <a:blip r:embed="rId3">
+            <a:clrChange>
+              <a:clrFrom>
+                <a:srgbClr val="F6F6F6"/>
+              </a:clrFrom>
+              <a:clrTo>
+                <a:srgbClr val="F6F6F6">
+                  <a:alpha val="0"/>
+                </a:srgbClr>
+              </a:clrTo>
+            </a:clrChange>
+            <a:extLst>
+              <a:ext uri="{28A0092B-C50C-407E-A947-70E740481C1C}">
+                <a14:useLocalDpi xmlns:a14="http://schemas.microsoft.com/office/drawing/2010/main" val="0"/>
+              </a:ext>
+            </a:extLst>
+          </a:blip>
+          <a:srcRect/>
+          <a:stretch>
+            <a:fillRect/>
+          </a:stretch>
+        </p:blipFill>
+        <p:spPr bwMode="auto">
+          <a:xfrm>
+            <a:off x="7836444" y="280021"/>
+            <a:ext cx="1632673" cy="1353925"/>
+          </a:xfrm>
+          <a:prstGeom prst="rect">
+            <a:avLst/>
+          </a:prstGeom>
+          <a:noFill/>
+          <a:extLst>
+            <a:ext uri="{909E8E84-426E-40DD-AFC4-6F175D3DCCD1}">
+              <a14:hiddenFill xmlns:a14="http://schemas.microsoft.com/office/drawing/2010/main">
+                <a:solidFill>
+                  <a:srgbClr val="FFFFFF"/>
+                </a:solidFill>
+              </a14:hiddenFill>
+            </a:ext>
+          </a:extLst>
+        </p:spPr>
+      </p:pic>
+      <p:cxnSp>
+        <p:nvCxnSpPr>
+          <p:cNvPr id="5" name="Straight Connector 4">
+            <a:extLst>
+              <a:ext uri="{FF2B5EF4-FFF2-40B4-BE49-F238E27FC236}">
+                <a16:creationId xmlns:a16="http://schemas.microsoft.com/office/drawing/2014/main" id="{BF9CACD2-A8C3-491E-BE07-2BE5E2CD73AD}"/>
+              </a:ext>
+            </a:extLst>
+          </p:cNvPr>
+          <p:cNvCxnSpPr/>
+          <p:nvPr/>
+        </p:nvCxnSpPr>
+        <p:spPr>
+          <a:xfrm>
+            <a:off x="5738677" y="1491343"/>
+            <a:ext cx="0" cy="3875314"/>
+          </a:xfrm>
+          <a:prstGeom prst="line">
+            <a:avLst/>
+          </a:prstGeom>
+          <a:ln w="28575">
+            <a:solidFill>
+              <a:schemeClr val="accent1"/>
+            </a:solidFill>
+          </a:ln>
+        </p:spPr>
+        <p:style>
+          <a:lnRef idx="1">
+            <a:schemeClr val="accent1"/>
+          </a:lnRef>
+          <a:fillRef idx="0">
+            <a:schemeClr val="accent1"/>
+          </a:fillRef>
+          <a:effectRef idx="0">
+            <a:schemeClr val="accent1"/>
+          </a:effectRef>
+          <a:fontRef idx="minor">
+            <a:schemeClr val="tx1"/>
+          </a:fontRef>
+        </p:style>
+      </p:cxnSp>
+      <p:cxnSp>
+        <p:nvCxnSpPr>
+          <p:cNvPr id="9" name="Straight Connector 8">
+            <a:extLst>
+              <a:ext uri="{FF2B5EF4-FFF2-40B4-BE49-F238E27FC236}">
+                <a16:creationId xmlns:a16="http://schemas.microsoft.com/office/drawing/2014/main" id="{E670D51B-3EFE-40B0-8EFE-090055CE2ADF}"/>
+              </a:ext>
+            </a:extLst>
+          </p:cNvPr>
+          <p:cNvCxnSpPr>
+            <a:cxnSpLocks/>
+          </p:cNvCxnSpPr>
+          <p:nvPr/>
+        </p:nvCxnSpPr>
+        <p:spPr>
+          <a:xfrm flipH="1">
+            <a:off x="5895703" y="1491343"/>
+            <a:ext cx="2386148" cy="607423"/>
+          </a:xfrm>
+          <a:prstGeom prst="line">
+            <a:avLst/>
+          </a:prstGeom>
+          <a:ln w="28575">
+            <a:solidFill>
+              <a:srgbClr val="FFC000"/>
+            </a:solidFill>
+            <a:headEnd type="none" w="lg" len="lg"/>
+            <a:tailEnd type="triangle" w="lg" len="lg"/>
+          </a:ln>
+        </p:spPr>
+        <p:style>
+          <a:lnRef idx="1">
+            <a:schemeClr val="accent1"/>
+          </a:lnRef>
+          <a:fillRef idx="0">
+            <a:schemeClr val="accent1"/>
+          </a:fillRef>
+          <a:effectRef idx="0">
+            <a:schemeClr val="accent1"/>
+          </a:effectRef>
+          <a:fontRef idx="minor">
+            <a:schemeClr val="tx1"/>
+          </a:fontRef>
+        </p:style>
+      </p:cxnSp>
+      <p:sp>
+        <p:nvSpPr>
+          <p:cNvPr id="8" name="TextBox 7">
+            <a:extLst>
+              <a:ext uri="{FF2B5EF4-FFF2-40B4-BE49-F238E27FC236}">
+                <a16:creationId xmlns:a16="http://schemas.microsoft.com/office/drawing/2014/main" id="{65DC4DAD-CC47-4B42-99C6-82E0969D7768}"/>
+              </a:ext>
+            </a:extLst>
+          </p:cNvPr>
+          <p:cNvSpPr txBox="1"/>
+          <p:nvPr/>
+        </p:nvSpPr>
+        <p:spPr>
+          <a:xfrm rot="20682798">
+            <a:off x="6273941" y="1630193"/>
+            <a:ext cx="2587482" cy="646331"/>
+          </a:xfrm>
+          <a:prstGeom prst="rect">
+            <a:avLst/>
+          </a:prstGeom>
+          <a:noFill/>
+        </p:spPr>
+        <p:txBody>
+          <a:bodyPr wrap="square" rtlCol="0">
+            <a:spAutoFit/>
+          </a:bodyPr>
+          <a:lstStyle/>
+          <a:p>
+            <a:r>
+              <a:rPr lang="en-CA" dirty="0" err="1"/>
+              <a:t>nameChangeRequest</a:t>
+            </a:r>
+            <a:endParaRPr lang="en-CA" dirty="0"/>
+          </a:p>
           <a:p>
             <a:r>
               <a:rPr lang="en-CA" dirty="0"/>
-              <a:t>Worker Threw an Exception</a:t>
-            </a:r>
-          </a:p>
-        </p:txBody>
-      </p:sp>
-      <p:sp>
-        <p:nvSpPr>
-          <p:cNvPr id="3" name="Content Placeholder 2">
-            <a:extLst>
-              <a:ext uri="{FF2B5EF4-FFF2-40B4-BE49-F238E27FC236}">
-                <a16:creationId xmlns:a16="http://schemas.microsoft.com/office/drawing/2014/main" id="{0AAB999F-6D84-41DC-8140-C86A79AA1013}"/>
-              </a:ext>
-            </a:extLst>
-          </p:cNvPr>
-          <p:cNvSpPr>
-            <a:spLocks noGrp="1"/>
-          </p:cNvSpPr>
-          <p:nvPr>
-            <p:ph idx="1"/>
-          </p:nvPr>
-        </p:nvSpPr>
-        <p:spPr>
-          <a:xfrm>
-            <a:off x="315686" y="815431"/>
-            <a:ext cx="10515600" cy="4351338"/>
-          </a:xfrm>
-        </p:spPr>
-        <p:txBody>
-          <a:bodyPr>
-            <a:normAutofit lnSpcReduction="10000"/>
+              <a:t>Or </a:t>
+            </a:r>
+            <a:r>
+              <a:rPr lang="en-CA" dirty="0" err="1"/>
+              <a:t>scoreChangeRequest</a:t>
+            </a:r>
+            <a:endParaRPr lang="en-CA" dirty="0"/>
+          </a:p>
+        </p:txBody>
+      </p:sp>
+      <p:sp>
+        <p:nvSpPr>
+          <p:cNvPr id="13" name="TextBox 12">
+            <a:extLst>
+              <a:ext uri="{FF2B5EF4-FFF2-40B4-BE49-F238E27FC236}">
+                <a16:creationId xmlns:a16="http://schemas.microsoft.com/office/drawing/2014/main" id="{06ED55D2-2DBD-4AF4-94D6-1CE632A0A946}"/>
+              </a:ext>
+            </a:extLst>
+          </p:cNvPr>
+          <p:cNvSpPr txBox="1"/>
+          <p:nvPr/>
+        </p:nvSpPr>
+        <p:spPr>
+          <a:xfrm>
+            <a:off x="9469117" y="403648"/>
+            <a:ext cx="2690588" cy="646331"/>
+          </a:xfrm>
+          <a:prstGeom prst="rect">
+            <a:avLst/>
+          </a:prstGeom>
+          <a:noFill/>
+        </p:spPr>
+        <p:txBody>
+          <a:bodyPr wrap="square" rtlCol="0">
+            <a:spAutoFit/>
           </a:bodyPr>
           <a:lstStyle/>
           <a:p>
-            <a:pPr fontAlgn="t"/>
-            <a:r>
-              <a:rPr lang="en-CA" b="1" dirty="0"/>
-              <a:t>Request URL: </a:t>
-            </a:r>
-          </a:p>
-          <a:p>
-            <a:pPr marL="457200" lvl="1" indent="0" latinLnBrk="1">
-              <a:buNone/>
-            </a:pPr>
-            <a:r>
-              <a:rPr lang="en-CA" dirty="0">
-                <a:hlinkClick r:id="rId2"/>
-              </a:rPr>
-              <a:t>https://gameshow.geoffspielman.com/gamesocket/?ip=24.212.142.167&amp;EIO=3&amp;transport=polling&amp;t=N7C6_EQ</a:t>
+            <a:r>
+              <a:rPr lang="en-CA" dirty="0"/>
+              <a:t>Technician clicks relevant button</a:t>
+            </a:r>
+          </a:p>
+        </p:txBody>
+      </p:sp>
+      <p:sp>
+        <p:nvSpPr>
+          <p:cNvPr id="12" name="TextBox 11">
+            <a:extLst>
+              <a:ext uri="{FF2B5EF4-FFF2-40B4-BE49-F238E27FC236}">
+                <a16:creationId xmlns:a16="http://schemas.microsoft.com/office/drawing/2014/main" id="{CBCC5FC8-8483-4274-96CA-CF87DC104B93}"/>
+              </a:ext>
+            </a:extLst>
+          </p:cNvPr>
+          <p:cNvSpPr txBox="1"/>
+          <p:nvPr/>
+        </p:nvSpPr>
+        <p:spPr>
+          <a:xfrm>
+            <a:off x="32295" y="0"/>
+            <a:ext cx="4754309" cy="461665"/>
+          </a:xfrm>
+          <a:prstGeom prst="rect">
+            <a:avLst/>
+          </a:prstGeom>
+          <a:noFill/>
+        </p:spPr>
+        <p:txBody>
+          <a:bodyPr wrap="square" rtlCol="0">
+            <a:spAutoFit/>
+          </a:bodyPr>
+          <a:lstStyle/>
+          <a:p>
+            <a:r>
+              <a:rPr lang="en-CA" sz="2400" b="1" dirty="0"/>
+              <a:t>Technician change names/scores</a:t>
+            </a:r>
+          </a:p>
+        </p:txBody>
+      </p:sp>
+      <p:cxnSp>
+        <p:nvCxnSpPr>
+          <p:cNvPr id="14" name="Straight Connector 13">
+            <a:extLst>
+              <a:ext uri="{FF2B5EF4-FFF2-40B4-BE49-F238E27FC236}">
+                <a16:creationId xmlns:a16="http://schemas.microsoft.com/office/drawing/2014/main" id="{0B168BB9-2FFE-4390-A062-8727EF70FE7B}"/>
+              </a:ext>
+            </a:extLst>
+          </p:cNvPr>
+          <p:cNvCxnSpPr>
+            <a:cxnSpLocks/>
+          </p:cNvCxnSpPr>
+          <p:nvPr/>
+        </p:nvCxnSpPr>
+        <p:spPr>
+          <a:xfrm>
+            <a:off x="5895703" y="2821577"/>
+            <a:ext cx="2616701" cy="958571"/>
+          </a:xfrm>
+          <a:prstGeom prst="line">
+            <a:avLst/>
+          </a:prstGeom>
+          <a:ln w="28575">
+            <a:solidFill>
+              <a:srgbClr val="92D050"/>
+            </a:solidFill>
+            <a:headEnd type="none" w="lg" len="lg"/>
+            <a:tailEnd type="triangle" w="lg" len="lg"/>
+          </a:ln>
+        </p:spPr>
+        <p:style>
+          <a:lnRef idx="1">
+            <a:schemeClr val="accent1"/>
+          </a:lnRef>
+          <a:fillRef idx="0">
+            <a:schemeClr val="accent1"/>
+          </a:fillRef>
+          <a:effectRef idx="0">
+            <a:schemeClr val="accent1"/>
+          </a:effectRef>
+          <a:fontRef idx="minor">
+            <a:schemeClr val="tx1"/>
+          </a:fontRef>
+        </p:style>
+      </p:cxnSp>
+      <p:sp>
+        <p:nvSpPr>
+          <p:cNvPr id="15" name="TextBox 14">
+            <a:extLst>
+              <a:ext uri="{FF2B5EF4-FFF2-40B4-BE49-F238E27FC236}">
+                <a16:creationId xmlns:a16="http://schemas.microsoft.com/office/drawing/2014/main" id="{F227B532-2DB3-4F25-8AAF-6F03FD75AE9C}"/>
+              </a:ext>
+            </a:extLst>
+          </p:cNvPr>
+          <p:cNvSpPr txBox="1"/>
+          <p:nvPr/>
+        </p:nvSpPr>
+        <p:spPr>
+          <a:xfrm rot="1248694">
+            <a:off x="5984512" y="3318483"/>
+            <a:ext cx="2305708" cy="923330"/>
+          </a:xfrm>
+          <a:prstGeom prst="rect">
+            <a:avLst/>
+          </a:prstGeom>
+          <a:noFill/>
+        </p:spPr>
+        <p:txBody>
+          <a:bodyPr wrap="square" rtlCol="0">
+            <a:spAutoFit/>
+          </a:bodyPr>
+          <a:lstStyle/>
+          <a:p>
+            <a:r>
+              <a:rPr lang="en-CA" dirty="0" err="1"/>
+              <a:t>playerListChanged</a:t>
             </a:r>
             <a:endParaRPr lang="en-CA" dirty="0"/>
           </a:p>
           <a:p>
-            <a:pPr fontAlgn="t"/>
-            <a:r>
-              <a:rPr lang="en-CA" b="1" dirty="0"/>
-              <a:t>Request Method: </a:t>
-            </a:r>
-          </a:p>
-          <a:p>
-            <a:pPr marL="0" indent="0" latinLnBrk="1">
-              <a:buNone/>
-            </a:pPr>
             <a:r>
               <a:rPr lang="en-CA" dirty="0"/>
-              <a:t>	GET</a:t>
-            </a:r>
-          </a:p>
-          <a:p>
-            <a:pPr fontAlgn="t"/>
-            <a:r>
-              <a:rPr lang="en-CA" b="1" dirty="0"/>
-              <a:t>path: </a:t>
-            </a:r>
-          </a:p>
-          <a:p>
-            <a:pPr marL="457200" lvl="1" indent="0" latinLnBrk="1">
-              <a:buNone/>
-            </a:pPr>
-            <a:r>
-              <a:rPr lang="en-CA" dirty="0"/>
-              <a:t>/</a:t>
-            </a:r>
+              <a:t>OR</a:t>
+            </a:r>
+          </a:p>
+          <a:p>
             <a:r>
               <a:rPr lang="en-CA" dirty="0" err="1"/>
-              <a:t>gamesocket</a:t>
-            </a:r>
-            <a:r>
-              <a:rPr lang="en-CA" dirty="0"/>
-              <a:t>/?</a:t>
-            </a:r>
-            <a:r>
-              <a:rPr lang="en-CA" dirty="0" err="1"/>
-              <a:t>ip</a:t>
-            </a:r>
-            <a:r>
-              <a:rPr lang="en-CA" dirty="0"/>
-              <a:t>=</a:t>
-            </a:r>
-            <a:r>
-              <a:rPr lang="en-CA" dirty="0" err="1"/>
-              <a:t>24.212.142.167&amp;EIO</a:t>
-            </a:r>
-            <a:r>
-              <a:rPr lang="en-CA" dirty="0"/>
-              <a:t>=</a:t>
-            </a:r>
-            <a:r>
-              <a:rPr lang="en-CA" dirty="0" err="1"/>
-              <a:t>3&amp;transport</a:t>
-            </a:r>
-            <a:r>
-              <a:rPr lang="en-CA" dirty="0"/>
-              <a:t>=</a:t>
-            </a:r>
-            <a:r>
-              <a:rPr lang="en-CA" dirty="0" err="1"/>
-              <a:t>polling&amp;t</a:t>
-            </a:r>
-            <a:r>
-              <a:rPr lang="en-CA" dirty="0"/>
-              <a:t>=</a:t>
-            </a:r>
-            <a:r>
-              <a:rPr lang="en-CA" dirty="0" err="1"/>
-              <a:t>N7C6_EQ</a:t>
-            </a:r>
-            <a:endParaRPr lang="en-CA" dirty="0"/>
-          </a:p>
-          <a:p>
-            <a:pPr marL="457200" lvl="1" indent="0" latinLnBrk="1">
-              <a:buNone/>
-            </a:pPr>
-            <a:endParaRPr lang="en-CA" dirty="0"/>
-          </a:p>
-          <a:p>
-            <a:pPr latinLnBrk="1"/>
-            <a:r>
-              <a:rPr lang="en-CA" b="1" dirty="0"/>
-              <a:t>Query String Parameters</a:t>
-            </a:r>
-          </a:p>
-          <a:p>
-            <a:pPr marL="457200" lvl="1" indent="0" latinLnBrk="1">
-              <a:buNone/>
-            </a:pPr>
-            <a:r>
-              <a:rPr lang="en-CA" dirty="0" err="1"/>
-              <a:t>ip</a:t>
-            </a:r>
-            <a:r>
-              <a:rPr lang="en-CA" dirty="0"/>
-              <a:t>: 24.212.142.167</a:t>
-            </a:r>
-          </a:p>
-          <a:p>
-            <a:pPr marL="457200" lvl="1" indent="0" latinLnBrk="1">
-              <a:buNone/>
-            </a:pPr>
-            <a:endParaRPr lang="en-CA" dirty="0"/>
-          </a:p>
-          <a:p>
+              <a:t>playerScoresChanged</a:t>
+            </a:r>
             <a:endParaRPr lang="en-CA" dirty="0"/>
           </a:p>
         </p:txBody>
@@ -8809,7 +8476,7 @@
     </p:spTree>
     <p:extLst>
       <p:ext uri="{BB962C8B-B14F-4D97-AF65-F5344CB8AC3E}">
-        <p14:creationId xmlns:p14="http://schemas.microsoft.com/office/powerpoint/2010/main" val="545528636"/>
+        <p14:creationId xmlns:p14="http://schemas.microsoft.com/office/powerpoint/2010/main" val="2531946653"/>
       </p:ext>
     </p:extLst>
   </p:cSld>
@@ -9584,7 +9251,7 @@
           <p:cNvPr id="2" name="Title 1">
             <a:extLst>
               <a:ext uri="{FF2B5EF4-FFF2-40B4-BE49-F238E27FC236}">
-                <a16:creationId xmlns:a16="http://schemas.microsoft.com/office/drawing/2014/main" id="{22BE46A5-BE5C-40A2-B259-1E44E2202981}"/>
+                <a16:creationId xmlns:a16="http://schemas.microsoft.com/office/drawing/2014/main" id="{8D67DFE2-A656-4EB7-87FE-78EFCF09B8D4}"/>
               </a:ext>
             </a:extLst>
           </p:cNvPr>
@@ -9597,87 +9264,947 @@
         </p:nvSpPr>
         <p:spPr>
           <a:xfrm>
-            <a:off x="91751" y="85207"/>
-            <a:ext cx="5021424" cy="586597"/>
-          </a:xfrm>
-        </p:spPr>
-        <p:txBody>
-          <a:bodyPr>
-            <a:normAutofit fontScale="90000"/>
-          </a:bodyPr>
+            <a:off x="0" y="-68508"/>
+            <a:ext cx="10515600" cy="832079"/>
+          </a:xfrm>
+        </p:spPr>
+        <p:txBody>
+          <a:bodyPr/>
           <a:lstStyle/>
           <a:p>
             <a:r>
               <a:rPr lang="en-CA" dirty="0"/>
-              <a:t>New Error message:</a:t>
+              <a:t>Socket Connection</a:t>
             </a:r>
           </a:p>
         </p:txBody>
       </p:sp>
       <p:pic>
         <p:nvPicPr>
-          <p:cNvPr id="5" name="Picture 4">
-            <a:extLst>
-              <a:ext uri="{FF2B5EF4-FFF2-40B4-BE49-F238E27FC236}">
-                <a16:creationId xmlns:a16="http://schemas.microsoft.com/office/drawing/2014/main" id="{BEE605A6-0264-4B7A-90FE-DC90AD14840C}"/>
+          <p:cNvPr id="4" name="Picture 4" descr="Dedicated Server PNG Image | Server, Dedication, Png images">
+            <a:extLst>
+              <a:ext uri="{FF2B5EF4-FFF2-40B4-BE49-F238E27FC236}">
+                <a16:creationId xmlns:a16="http://schemas.microsoft.com/office/drawing/2014/main" id="{B8BBBA72-D009-4D28-BDFD-C4E6B0F3493C}"/>
               </a:ext>
             </a:extLst>
           </p:cNvPr>
           <p:cNvPicPr>
-            <a:picLocks noChangeAspect="1"/>
+            <a:picLocks noChangeAspect="1" noChangeArrowheads="1"/>
           </p:cNvPicPr>
           <p:nvPr/>
         </p:nvPicPr>
         <p:blipFill>
-          <a:blip r:embed="rId2"/>
+          <a:blip r:embed="rId2">
+            <a:extLst>
+              <a:ext uri="{28A0092B-C50C-407E-A947-70E740481C1C}">
+                <a14:useLocalDpi xmlns:a14="http://schemas.microsoft.com/office/drawing/2010/main" val="0"/>
+              </a:ext>
+            </a:extLst>
+          </a:blip>
+          <a:srcRect/>
           <a:stretch>
             <a:fillRect/>
           </a:stretch>
         </p:blipFill>
-        <p:spPr>
-          <a:xfrm>
-            <a:off x="167272" y="2448309"/>
-            <a:ext cx="6485455" cy="4199750"/>
-          </a:xfrm>
-          <a:prstGeom prst="rect">
-            <a:avLst/>
-          </a:prstGeom>
+        <p:spPr bwMode="auto">
+          <a:xfrm>
+            <a:off x="5359389" y="1019598"/>
+            <a:ext cx="770945" cy="1039475"/>
+          </a:xfrm>
+          <a:prstGeom prst="rect">
+            <a:avLst/>
+          </a:prstGeom>
+          <a:noFill/>
+          <a:extLst>
+            <a:ext uri="{909E8E84-426E-40DD-AFC4-6F175D3DCCD1}">
+              <a14:hiddenFill xmlns:a14="http://schemas.microsoft.com/office/drawing/2010/main">
+                <a:solidFill>
+                  <a:srgbClr val="FFFFFF"/>
+                </a:solidFill>
+              </a14:hiddenFill>
+            </a:ext>
+          </a:extLst>
         </p:spPr>
       </p:pic>
       <p:pic>
         <p:nvPicPr>
-          <p:cNvPr id="6" name="Picture 5">
-            <a:extLst>
-              <a:ext uri="{FF2B5EF4-FFF2-40B4-BE49-F238E27FC236}">
-                <a16:creationId xmlns:a16="http://schemas.microsoft.com/office/drawing/2014/main" id="{C0BFDC74-9E0A-4DF7-9217-4989DD5552BF}"/>
+          <p:cNvPr id="5" name="Picture 6" descr="Laptop Clip Art At Clker Com Vector - Laptop Black And White Clip ...">
+            <a:extLst>
+              <a:ext uri="{FF2B5EF4-FFF2-40B4-BE49-F238E27FC236}">
+                <a16:creationId xmlns:a16="http://schemas.microsoft.com/office/drawing/2014/main" id="{A54F7E2C-EF05-4D30-9675-D7EADDD40D5F}"/>
               </a:ext>
             </a:extLst>
           </p:cNvPr>
           <p:cNvPicPr>
-            <a:picLocks noChangeAspect="1"/>
+            <a:picLocks noChangeAspect="1" noChangeArrowheads="1"/>
           </p:cNvPicPr>
           <p:nvPr/>
         </p:nvPicPr>
         <p:blipFill>
-          <a:blip r:embed="rId3"/>
+          <a:blip r:embed="rId3">
+            <a:clrChange>
+              <a:clrFrom>
+                <a:srgbClr val="F6F6F6"/>
+              </a:clrFrom>
+              <a:clrTo>
+                <a:srgbClr val="F6F6F6">
+                  <a:alpha val="0"/>
+                </a:srgbClr>
+              </a:clrTo>
+            </a:clrChange>
+            <a:extLst>
+              <a:ext uri="{28A0092B-C50C-407E-A947-70E740481C1C}">
+                <a14:useLocalDpi xmlns:a14="http://schemas.microsoft.com/office/drawing/2010/main" val="0"/>
+              </a:ext>
+            </a:extLst>
+          </a:blip>
+          <a:srcRect/>
           <a:stretch>
             <a:fillRect/>
           </a:stretch>
         </p:blipFill>
-        <p:spPr>
-          <a:xfrm>
-            <a:off x="4432638" y="168598"/>
-            <a:ext cx="7174644" cy="2196320"/>
-          </a:xfrm>
-          <a:prstGeom prst="rect">
-            <a:avLst/>
-          </a:prstGeom>
+        <p:spPr bwMode="auto">
+          <a:xfrm>
+            <a:off x="8946107" y="4054361"/>
+            <a:ext cx="1849089" cy="1533392"/>
+          </a:xfrm>
+          <a:prstGeom prst="rect">
+            <a:avLst/>
+          </a:prstGeom>
+          <a:noFill/>
+          <a:extLst>
+            <a:ext uri="{909E8E84-426E-40DD-AFC4-6F175D3DCCD1}">
+              <a14:hiddenFill xmlns:a14="http://schemas.microsoft.com/office/drawing/2010/main">
+                <a:solidFill>
+                  <a:srgbClr val="FFFFFF"/>
+                </a:solidFill>
+              </a14:hiddenFill>
+            </a:ext>
+          </a:extLst>
+        </p:spPr>
+      </p:pic>
+      <p:pic>
+        <p:nvPicPr>
+          <p:cNvPr id="2050" name="Picture 2" descr="Free Free Laptop Cliparts, Download Free Clip Art, Free Clip Art ...">
+            <a:extLst>
+              <a:ext uri="{FF2B5EF4-FFF2-40B4-BE49-F238E27FC236}">
+                <a16:creationId xmlns:a16="http://schemas.microsoft.com/office/drawing/2014/main" id="{2F1D7E14-40B7-4333-9751-1D4C24BCECF9}"/>
+              </a:ext>
+            </a:extLst>
+          </p:cNvPr>
+          <p:cNvPicPr>
+            <a:picLocks noChangeAspect="1" noChangeArrowheads="1"/>
+          </p:cNvPicPr>
+          <p:nvPr/>
+        </p:nvPicPr>
+        <p:blipFill>
+          <a:blip r:embed="rId4">
+            <a:extLst>
+              <a:ext uri="{28A0092B-C50C-407E-A947-70E740481C1C}">
+                <a14:useLocalDpi xmlns:a14="http://schemas.microsoft.com/office/drawing/2010/main" val="0"/>
+              </a:ext>
+            </a:extLst>
+          </a:blip>
+          <a:srcRect/>
+          <a:stretch>
+            <a:fillRect/>
+          </a:stretch>
+        </p:blipFill>
+        <p:spPr bwMode="auto">
+          <a:xfrm>
+            <a:off x="1346757" y="1968079"/>
+            <a:ext cx="1975759" cy="1568063"/>
+          </a:xfrm>
+          <a:prstGeom prst="rect">
+            <a:avLst/>
+          </a:prstGeom>
+          <a:noFill/>
+          <a:extLst>
+            <a:ext uri="{909E8E84-426E-40DD-AFC4-6F175D3DCCD1}">
+              <a14:hiddenFill xmlns:a14="http://schemas.microsoft.com/office/drawing/2010/main">
+                <a:solidFill>
+                  <a:srgbClr val="FFFFFF"/>
+                </a:solidFill>
+              </a14:hiddenFill>
+            </a:ext>
+          </a:extLst>
+        </p:spPr>
+      </p:pic>
+      <p:pic>
+        <p:nvPicPr>
+          <p:cNvPr id="2052" name="Picture 4" descr="Facebook Brand Resources">
+            <a:extLst>
+              <a:ext uri="{FF2B5EF4-FFF2-40B4-BE49-F238E27FC236}">
+                <a16:creationId xmlns:a16="http://schemas.microsoft.com/office/drawing/2014/main" id="{7A69D878-E909-49BD-8643-2C4A6148D6CD}"/>
+              </a:ext>
+            </a:extLst>
+          </p:cNvPr>
+          <p:cNvPicPr>
+            <a:picLocks noChangeAspect="1" noChangeArrowheads="1"/>
+          </p:cNvPicPr>
+          <p:nvPr/>
+        </p:nvPicPr>
+        <p:blipFill>
+          <a:blip r:embed="rId5">
+            <a:extLst>
+              <a:ext uri="{28A0092B-C50C-407E-A947-70E740481C1C}">
+                <a14:useLocalDpi xmlns:a14="http://schemas.microsoft.com/office/drawing/2010/main" val="0"/>
+              </a:ext>
+            </a:extLst>
+          </a:blip>
+          <a:srcRect/>
+          <a:stretch>
+            <a:fillRect/>
+          </a:stretch>
+        </p:blipFill>
+        <p:spPr bwMode="auto">
+          <a:xfrm>
+            <a:off x="3266350" y="3519306"/>
+            <a:ext cx="646331" cy="646331"/>
+          </a:xfrm>
+          <a:prstGeom prst="rect">
+            <a:avLst/>
+          </a:prstGeom>
+          <a:noFill/>
+          <a:extLst>
+            <a:ext uri="{909E8E84-426E-40DD-AFC4-6F175D3DCCD1}">
+              <a14:hiddenFill xmlns:a14="http://schemas.microsoft.com/office/drawing/2010/main">
+                <a:solidFill>
+                  <a:srgbClr val="FFFFFF"/>
+                </a:solidFill>
+              </a14:hiddenFill>
+            </a:ext>
+          </a:extLst>
+        </p:spPr>
+      </p:pic>
+      <p:sp>
+        <p:nvSpPr>
+          <p:cNvPr id="6" name="Arc 5">
+            <a:extLst>
+              <a:ext uri="{FF2B5EF4-FFF2-40B4-BE49-F238E27FC236}">
+                <a16:creationId xmlns:a16="http://schemas.microsoft.com/office/drawing/2014/main" id="{F3F126BB-CFC8-4AAB-BA91-EF2A1E81FAAC}"/>
+              </a:ext>
+            </a:extLst>
+          </p:cNvPr>
+          <p:cNvSpPr/>
+          <p:nvPr/>
+        </p:nvSpPr>
+        <p:spPr>
+          <a:xfrm flipV="1">
+            <a:off x="3064785" y="1803628"/>
+            <a:ext cx="9988784" cy="3671174"/>
+          </a:xfrm>
+          <a:prstGeom prst="arc">
+            <a:avLst>
+              <a:gd name="adj1" fmla="val 10764713"/>
+              <a:gd name="adj2" fmla="val 18709222"/>
+            </a:avLst>
+          </a:prstGeom>
+          <a:ln w="38100">
+            <a:headEnd type="none" w="med" len="med"/>
+            <a:tailEnd type="triangle" w="lg" len="lg"/>
+          </a:ln>
+        </p:spPr>
+        <p:style>
+          <a:lnRef idx="1">
+            <a:schemeClr val="accent1"/>
+          </a:lnRef>
+          <a:fillRef idx="0">
+            <a:schemeClr val="accent1"/>
+          </a:fillRef>
+          <a:effectRef idx="0">
+            <a:schemeClr val="accent1"/>
+          </a:effectRef>
+          <a:fontRef idx="minor">
+            <a:schemeClr val="tx1"/>
+          </a:fontRef>
+        </p:style>
+        <p:txBody>
+          <a:bodyPr rtlCol="0" anchor="ctr"/>
+          <a:lstStyle/>
+          <a:p>
+            <a:pPr algn="ctr"/>
+            <a:endParaRPr lang="en-CA" dirty="0"/>
+          </a:p>
+        </p:txBody>
+      </p:sp>
+      <p:sp>
+        <p:nvSpPr>
+          <p:cNvPr id="7" name="TextBox 6">
+            <a:extLst>
+              <a:ext uri="{FF2B5EF4-FFF2-40B4-BE49-F238E27FC236}">
+                <a16:creationId xmlns:a16="http://schemas.microsoft.com/office/drawing/2014/main" id="{BAC1A465-975D-4218-8A09-B4FE7FE49144}"/>
+              </a:ext>
+            </a:extLst>
+          </p:cNvPr>
+          <p:cNvSpPr txBox="1"/>
+          <p:nvPr/>
+        </p:nvSpPr>
+        <p:spPr>
+          <a:xfrm rot="708815">
+            <a:off x="2572196" y="4849105"/>
+            <a:ext cx="5478845" cy="646331"/>
+          </a:xfrm>
+          <a:prstGeom prst="rect">
+            <a:avLst/>
+          </a:prstGeom>
+          <a:noFill/>
+        </p:spPr>
+        <p:txBody>
+          <a:bodyPr wrap="square" rtlCol="0">
+            <a:spAutoFit/>
+          </a:bodyPr>
+          <a:lstStyle/>
+          <a:p>
+            <a:r>
+              <a:rPr lang="en-CA" dirty="0"/>
+              <a:t>I give them www.gameshow.geoffspielman.com?ip=24.212.142.167</a:t>
+            </a:r>
+          </a:p>
+        </p:txBody>
+      </p:sp>
+      <p:cxnSp>
+        <p:nvCxnSpPr>
+          <p:cNvPr id="9" name="Straight Arrow Connector 8">
+            <a:extLst>
+              <a:ext uri="{FF2B5EF4-FFF2-40B4-BE49-F238E27FC236}">
+                <a16:creationId xmlns:a16="http://schemas.microsoft.com/office/drawing/2014/main" id="{20ACEA87-24DC-4E77-ABFD-90BCA1E3EE2F}"/>
+              </a:ext>
+            </a:extLst>
+          </p:cNvPr>
+          <p:cNvCxnSpPr>
+            <a:cxnSpLocks/>
+          </p:cNvCxnSpPr>
+          <p:nvPr/>
+        </p:nvCxnSpPr>
+        <p:spPr>
+          <a:xfrm flipH="1" flipV="1">
+            <a:off x="8634953" y="3983709"/>
+            <a:ext cx="979901" cy="450469"/>
+          </a:xfrm>
+          <a:prstGeom prst="straightConnector1">
+            <a:avLst/>
+          </a:prstGeom>
+          <a:ln w="28575">
+            <a:tailEnd type="triangle"/>
+          </a:ln>
+        </p:spPr>
+        <p:style>
+          <a:lnRef idx="1">
+            <a:schemeClr val="accent1"/>
+          </a:lnRef>
+          <a:fillRef idx="0">
+            <a:schemeClr val="accent1"/>
+          </a:fillRef>
+          <a:effectRef idx="0">
+            <a:schemeClr val="accent1"/>
+          </a:effectRef>
+          <a:fontRef idx="minor">
+            <a:schemeClr val="tx1"/>
+          </a:fontRef>
+        </p:style>
+      </p:cxnSp>
+      <p:sp>
+        <p:nvSpPr>
+          <p:cNvPr id="12" name="TextBox 11">
+            <a:extLst>
+              <a:ext uri="{FF2B5EF4-FFF2-40B4-BE49-F238E27FC236}">
+                <a16:creationId xmlns:a16="http://schemas.microsoft.com/office/drawing/2014/main" id="{49F76250-7EFD-4046-8AD9-C67D014EB8D7}"/>
+              </a:ext>
+            </a:extLst>
+          </p:cNvPr>
+          <p:cNvSpPr txBox="1"/>
+          <p:nvPr/>
+        </p:nvSpPr>
+        <p:spPr>
+          <a:xfrm>
+            <a:off x="6212860" y="991651"/>
+            <a:ext cx="2311139" cy="923330"/>
+          </a:xfrm>
+          <a:prstGeom prst="rect">
+            <a:avLst/>
+          </a:prstGeom>
+          <a:noFill/>
+        </p:spPr>
+        <p:txBody>
+          <a:bodyPr wrap="square" rtlCol="0">
+            <a:spAutoFit/>
+          </a:bodyPr>
+          <a:lstStyle/>
+          <a:p>
+            <a:r>
+              <a:rPr lang="en-CA" dirty="0"/>
+              <a:t>Client gets public content (index, images </a:t>
+            </a:r>
+            <a:r>
+              <a:rPr lang="en-CA" dirty="0" err="1"/>
+              <a:t>etc</a:t>
+            </a:r>
+            <a:r>
+              <a:rPr lang="en-CA" dirty="0"/>
+              <a:t>) from digital ocean </a:t>
+            </a:r>
+          </a:p>
+        </p:txBody>
+      </p:sp>
+      <p:pic>
+        <p:nvPicPr>
+          <p:cNvPr id="11" name="Picture 10">
+            <a:extLst>
+              <a:ext uri="{FF2B5EF4-FFF2-40B4-BE49-F238E27FC236}">
+                <a16:creationId xmlns:a16="http://schemas.microsoft.com/office/drawing/2014/main" id="{B1632617-9153-482F-99B7-8E54F2289BEE}"/>
+              </a:ext>
+            </a:extLst>
+          </p:cNvPr>
+          <p:cNvPicPr>
+            <a:picLocks noChangeAspect="1"/>
+          </p:cNvPicPr>
+          <p:nvPr/>
+        </p:nvPicPr>
+        <p:blipFill>
+          <a:blip r:embed="rId6">
+            <a:clrChange>
+              <a:clrFrom>
+                <a:srgbClr val="000000"/>
+              </a:clrFrom>
+              <a:clrTo>
+                <a:srgbClr val="000000">
+                  <a:alpha val="0"/>
+                </a:srgbClr>
+              </a:clrTo>
+            </a:clrChange>
+          </a:blip>
+          <a:stretch>
+            <a:fillRect/>
+          </a:stretch>
+        </p:blipFill>
+        <p:spPr>
+          <a:xfrm>
+            <a:off x="7963916" y="3488385"/>
+            <a:ext cx="580616" cy="890047"/>
+          </a:xfrm>
+          <a:prstGeom prst="rect">
+            <a:avLst/>
+          </a:prstGeom>
+        </p:spPr>
+      </p:pic>
+      <p:sp>
+        <p:nvSpPr>
+          <p:cNvPr id="17" name="TextBox 16">
+            <a:extLst>
+              <a:ext uri="{FF2B5EF4-FFF2-40B4-BE49-F238E27FC236}">
+                <a16:creationId xmlns:a16="http://schemas.microsoft.com/office/drawing/2014/main" id="{D829789C-D2FA-4964-B3B8-5139751AB539}"/>
+              </a:ext>
+            </a:extLst>
+          </p:cNvPr>
+          <p:cNvSpPr txBox="1"/>
+          <p:nvPr/>
+        </p:nvSpPr>
+        <p:spPr>
+          <a:xfrm>
+            <a:off x="7632581" y="3169712"/>
+            <a:ext cx="1243286" cy="369332"/>
+          </a:xfrm>
+          <a:prstGeom prst="rect">
+            <a:avLst/>
+          </a:prstGeom>
+          <a:noFill/>
+        </p:spPr>
+        <p:txBody>
+          <a:bodyPr wrap="square" rtlCol="0">
+            <a:spAutoFit/>
+          </a:bodyPr>
+          <a:lstStyle/>
+          <a:p>
+            <a:r>
+              <a:rPr lang="en-CA"/>
+              <a:t>DNS Server</a:t>
+            </a:r>
+            <a:endParaRPr lang="en-CA" dirty="0"/>
+          </a:p>
+        </p:txBody>
+      </p:sp>
+      <p:pic>
+        <p:nvPicPr>
+          <p:cNvPr id="18" name="Picture 17">
+            <a:extLst>
+              <a:ext uri="{FF2B5EF4-FFF2-40B4-BE49-F238E27FC236}">
+                <a16:creationId xmlns:a16="http://schemas.microsoft.com/office/drawing/2014/main" id="{481234E0-FD00-4AB6-A6E4-62D149C7D8DB}"/>
+              </a:ext>
+            </a:extLst>
+          </p:cNvPr>
+          <p:cNvPicPr>
+            <a:picLocks noChangeAspect="1"/>
+          </p:cNvPicPr>
+          <p:nvPr/>
+        </p:nvPicPr>
+        <p:blipFill>
+          <a:blip r:embed="rId7">
+            <a:clrChange>
+              <a:clrFrom>
+                <a:srgbClr val="000000"/>
+              </a:clrFrom>
+              <a:clrTo>
+                <a:srgbClr val="000000">
+                  <a:alpha val="0"/>
+                </a:srgbClr>
+              </a:clrTo>
+            </a:clrChange>
+          </a:blip>
+          <a:stretch>
+            <a:fillRect/>
+          </a:stretch>
+        </p:blipFill>
+        <p:spPr>
+          <a:xfrm>
+            <a:off x="4668719" y="3039411"/>
+            <a:ext cx="1818293" cy="542991"/>
+          </a:xfrm>
+          <a:prstGeom prst="rect">
+            <a:avLst/>
+          </a:prstGeom>
+        </p:spPr>
+      </p:pic>
+      <p:cxnSp>
+        <p:nvCxnSpPr>
+          <p:cNvPr id="21" name="Straight Arrow Connector 20">
+            <a:extLst>
+              <a:ext uri="{FF2B5EF4-FFF2-40B4-BE49-F238E27FC236}">
+                <a16:creationId xmlns:a16="http://schemas.microsoft.com/office/drawing/2014/main" id="{DB9448DA-77CA-4332-8CBF-7209CBBFC28A}"/>
+              </a:ext>
+            </a:extLst>
+          </p:cNvPr>
+          <p:cNvCxnSpPr>
+            <a:cxnSpLocks/>
+            <a:endCxn id="18" idx="3"/>
+          </p:cNvCxnSpPr>
+          <p:nvPr/>
+        </p:nvCxnSpPr>
+        <p:spPr>
+          <a:xfrm flipH="1" flipV="1">
+            <a:off x="6487012" y="3310907"/>
+            <a:ext cx="1311238" cy="450470"/>
+          </a:xfrm>
+          <a:prstGeom prst="straightConnector1">
+            <a:avLst/>
+          </a:prstGeom>
+          <a:ln w="28575">
+            <a:tailEnd type="triangle"/>
+          </a:ln>
+        </p:spPr>
+        <p:style>
+          <a:lnRef idx="1">
+            <a:schemeClr val="accent1"/>
+          </a:lnRef>
+          <a:fillRef idx="0">
+            <a:schemeClr val="accent1"/>
+          </a:fillRef>
+          <a:effectRef idx="0">
+            <a:schemeClr val="accent1"/>
+          </a:effectRef>
+          <a:fontRef idx="minor">
+            <a:schemeClr val="tx1"/>
+          </a:fontRef>
+        </p:style>
+      </p:cxnSp>
+      <p:pic>
+        <p:nvPicPr>
+          <p:cNvPr id="2058" name="Picture 10" descr="DigitalOcean - Wikipedia">
+            <a:extLst>
+              <a:ext uri="{FF2B5EF4-FFF2-40B4-BE49-F238E27FC236}">
+                <a16:creationId xmlns:a16="http://schemas.microsoft.com/office/drawing/2014/main" id="{E0D2E34C-73D0-4949-AA2C-746BE6140F69}"/>
+              </a:ext>
+            </a:extLst>
+          </p:cNvPr>
+          <p:cNvPicPr>
+            <a:picLocks noChangeAspect="1" noChangeArrowheads="1"/>
+          </p:cNvPicPr>
+          <p:nvPr/>
+        </p:nvPicPr>
+        <p:blipFill>
+          <a:blip r:embed="rId8">
+            <a:extLst>
+              <a:ext uri="{28A0092B-C50C-407E-A947-70E740481C1C}">
+                <a14:useLocalDpi xmlns:a14="http://schemas.microsoft.com/office/drawing/2010/main" val="0"/>
+              </a:ext>
+            </a:extLst>
+          </a:blip>
+          <a:srcRect/>
+          <a:stretch>
+            <a:fillRect/>
+          </a:stretch>
+        </p:blipFill>
+        <p:spPr bwMode="auto">
+          <a:xfrm>
+            <a:off x="4334916" y="1001158"/>
+            <a:ext cx="922884" cy="922884"/>
+          </a:xfrm>
+          <a:prstGeom prst="rect">
+            <a:avLst/>
+          </a:prstGeom>
+          <a:noFill/>
+          <a:extLst>
+            <a:ext uri="{909E8E84-426E-40DD-AFC4-6F175D3DCCD1}">
+              <a14:hiddenFill xmlns:a14="http://schemas.microsoft.com/office/drawing/2010/main">
+                <a:solidFill>
+                  <a:srgbClr val="FFFFFF"/>
+                </a:solidFill>
+              </a14:hiddenFill>
+            </a:ext>
+          </a:extLst>
+        </p:spPr>
+      </p:pic>
+      <p:cxnSp>
+        <p:nvCxnSpPr>
+          <p:cNvPr id="24" name="Straight Arrow Connector 23">
+            <a:extLst>
+              <a:ext uri="{FF2B5EF4-FFF2-40B4-BE49-F238E27FC236}">
+                <a16:creationId xmlns:a16="http://schemas.microsoft.com/office/drawing/2014/main" id="{44136FD6-B266-4EC7-8849-B5344E7A6DC6}"/>
+              </a:ext>
+            </a:extLst>
+          </p:cNvPr>
+          <p:cNvCxnSpPr>
+            <a:cxnSpLocks/>
+          </p:cNvCxnSpPr>
+          <p:nvPr/>
+        </p:nvCxnSpPr>
+        <p:spPr>
+          <a:xfrm flipH="1" flipV="1">
+            <a:off x="5359389" y="2148405"/>
+            <a:ext cx="385472" cy="826725"/>
+          </a:xfrm>
+          <a:prstGeom prst="straightConnector1">
+            <a:avLst/>
+          </a:prstGeom>
+          <a:ln w="28575">
+            <a:tailEnd type="triangle"/>
+          </a:ln>
+        </p:spPr>
+        <p:style>
+          <a:lnRef idx="1">
+            <a:schemeClr val="accent1"/>
+          </a:lnRef>
+          <a:fillRef idx="0">
+            <a:schemeClr val="accent1"/>
+          </a:fillRef>
+          <a:effectRef idx="0">
+            <a:schemeClr val="accent1"/>
+          </a:effectRef>
+          <a:fontRef idx="minor">
+            <a:schemeClr val="tx1"/>
+          </a:fontRef>
+        </p:style>
+      </p:cxnSp>
+      <p:sp>
+        <p:nvSpPr>
+          <p:cNvPr id="28" name="Arc 27">
+            <a:extLst>
+              <a:ext uri="{FF2B5EF4-FFF2-40B4-BE49-F238E27FC236}">
+                <a16:creationId xmlns:a16="http://schemas.microsoft.com/office/drawing/2014/main" id="{C7257964-613E-4432-A46F-B23F51E26DF4}"/>
+              </a:ext>
+            </a:extLst>
+          </p:cNvPr>
+          <p:cNvSpPr/>
+          <p:nvPr/>
+        </p:nvSpPr>
+        <p:spPr>
+          <a:xfrm rot="13889773" flipH="1" flipV="1">
+            <a:off x="5243741" y="1326305"/>
+            <a:ext cx="5193195" cy="3739505"/>
+          </a:xfrm>
+          <a:prstGeom prst="arc">
+            <a:avLst>
+              <a:gd name="adj1" fmla="val 11463417"/>
+              <a:gd name="adj2" fmla="val 19922351"/>
+            </a:avLst>
+          </a:prstGeom>
+          <a:ln w="38100">
+            <a:headEnd type="none" w="med" len="med"/>
+            <a:tailEnd type="triangle" w="lg" len="lg"/>
+          </a:ln>
+        </p:spPr>
+        <p:style>
+          <a:lnRef idx="1">
+            <a:schemeClr val="accent1"/>
+          </a:lnRef>
+          <a:fillRef idx="0">
+            <a:schemeClr val="accent1"/>
+          </a:fillRef>
+          <a:effectRef idx="0">
+            <a:schemeClr val="accent1"/>
+          </a:effectRef>
+          <a:fontRef idx="minor">
+            <a:schemeClr val="tx1"/>
+          </a:fontRef>
+        </p:style>
+        <p:txBody>
+          <a:bodyPr rtlCol="0" anchor="ctr"/>
+          <a:lstStyle/>
+          <a:p>
+            <a:pPr algn="ctr"/>
+            <a:endParaRPr lang="en-CA"/>
+          </a:p>
+        </p:txBody>
+      </p:sp>
+      <p:sp>
+        <p:nvSpPr>
+          <p:cNvPr id="29" name="TextBox 28">
+            <a:extLst>
+              <a:ext uri="{FF2B5EF4-FFF2-40B4-BE49-F238E27FC236}">
+                <a16:creationId xmlns:a16="http://schemas.microsoft.com/office/drawing/2014/main" id="{0E3641A7-21FF-4407-ACC9-920FB9C11AFA}"/>
+              </a:ext>
+            </a:extLst>
+          </p:cNvPr>
+          <p:cNvSpPr txBox="1"/>
+          <p:nvPr/>
+        </p:nvSpPr>
+        <p:spPr>
+          <a:xfrm>
+            <a:off x="4674877" y="3539535"/>
+            <a:ext cx="2311139" cy="646331"/>
+          </a:xfrm>
+          <a:prstGeom prst="rect">
+            <a:avLst/>
+          </a:prstGeom>
+          <a:noFill/>
+        </p:spPr>
+        <p:txBody>
+          <a:bodyPr wrap="square" rtlCol="0">
+            <a:spAutoFit/>
+          </a:bodyPr>
+          <a:lstStyle/>
+          <a:p>
+            <a:r>
+              <a:rPr lang="en-CA" dirty="0"/>
+              <a:t>Worker: no SSL on *gameshow</a:t>
+            </a:r>
+          </a:p>
+        </p:txBody>
+      </p:sp>
+      <p:pic>
+        <p:nvPicPr>
+          <p:cNvPr id="25" name="Picture 24">
+            <a:extLst>
+              <a:ext uri="{FF2B5EF4-FFF2-40B4-BE49-F238E27FC236}">
+                <a16:creationId xmlns:a16="http://schemas.microsoft.com/office/drawing/2014/main" id="{8F645A89-6FC5-40B9-8E1D-04D66B7ACAAA}"/>
+              </a:ext>
+            </a:extLst>
+          </p:cNvPr>
+          <p:cNvPicPr>
+            <a:picLocks noChangeAspect="1"/>
+          </p:cNvPicPr>
+          <p:nvPr/>
+        </p:nvPicPr>
+        <p:blipFill>
+          <a:blip r:embed="rId9">
+            <a:clrChange>
+              <a:clrFrom>
+                <a:srgbClr val="000000"/>
+              </a:clrFrom>
+              <a:clrTo>
+                <a:srgbClr val="000000">
+                  <a:alpha val="0"/>
+                </a:srgbClr>
+              </a:clrTo>
+            </a:clrChange>
+          </a:blip>
+          <a:stretch>
+            <a:fillRect/>
+          </a:stretch>
+        </p:blipFill>
+        <p:spPr>
+          <a:xfrm>
+            <a:off x="10405987" y="3920693"/>
+            <a:ext cx="903323" cy="1026970"/>
+          </a:xfrm>
+          <a:prstGeom prst="rect">
+            <a:avLst/>
+          </a:prstGeom>
+        </p:spPr>
+      </p:pic>
+      <p:sp>
+        <p:nvSpPr>
+          <p:cNvPr id="32" name="TextBox 31">
+            <a:extLst>
+              <a:ext uri="{FF2B5EF4-FFF2-40B4-BE49-F238E27FC236}">
+                <a16:creationId xmlns:a16="http://schemas.microsoft.com/office/drawing/2014/main" id="{DB0590A1-23F4-42DE-B060-F05E0295FDD7}"/>
+              </a:ext>
+            </a:extLst>
+          </p:cNvPr>
+          <p:cNvSpPr txBox="1"/>
+          <p:nvPr/>
+        </p:nvSpPr>
+        <p:spPr>
+          <a:xfrm>
+            <a:off x="10654472" y="4907270"/>
+            <a:ext cx="1468685" cy="646331"/>
+          </a:xfrm>
+          <a:prstGeom prst="rect">
+            <a:avLst/>
+          </a:prstGeom>
+          <a:noFill/>
+        </p:spPr>
+        <p:txBody>
+          <a:bodyPr wrap="square" rtlCol="0">
+            <a:spAutoFit/>
+          </a:bodyPr>
+          <a:lstStyle/>
+          <a:p>
+            <a:r>
+              <a:rPr lang="en-CA" dirty="0"/>
+              <a:t>Parse </a:t>
+            </a:r>
+            <a:r>
+              <a:rPr lang="en-CA" dirty="0" err="1"/>
+              <a:t>url</a:t>
+            </a:r>
+            <a:r>
+              <a:rPr lang="en-CA" dirty="0"/>
+              <a:t> for my IP address</a:t>
+            </a:r>
+          </a:p>
+        </p:txBody>
+      </p:sp>
+      <p:sp>
+        <p:nvSpPr>
+          <p:cNvPr id="33" name="Arc 32">
+            <a:extLst>
+              <a:ext uri="{FF2B5EF4-FFF2-40B4-BE49-F238E27FC236}">
+                <a16:creationId xmlns:a16="http://schemas.microsoft.com/office/drawing/2014/main" id="{3EEEFB70-3E1C-4FC6-8BF9-BA6CB948DB2B}"/>
+              </a:ext>
+            </a:extLst>
+          </p:cNvPr>
+          <p:cNvSpPr/>
+          <p:nvPr/>
+        </p:nvSpPr>
+        <p:spPr>
+          <a:xfrm flipH="1" flipV="1">
+            <a:off x="1396804" y="1270247"/>
+            <a:ext cx="9988784" cy="5377895"/>
+          </a:xfrm>
+          <a:prstGeom prst="arc">
+            <a:avLst>
+              <a:gd name="adj1" fmla="val 11931196"/>
+              <a:gd name="adj2" fmla="val 213157"/>
+            </a:avLst>
+          </a:prstGeom>
+          <a:ln w="38100">
+            <a:solidFill>
+              <a:srgbClr val="FF0000"/>
+            </a:solidFill>
+            <a:headEnd type="triangle" w="med" len="med"/>
+            <a:tailEnd type="triangle" w="med" len="med"/>
+          </a:ln>
+        </p:spPr>
+        <p:style>
+          <a:lnRef idx="1">
+            <a:schemeClr val="accent1"/>
+          </a:lnRef>
+          <a:fillRef idx="0">
+            <a:schemeClr val="accent1"/>
+          </a:fillRef>
+          <a:effectRef idx="0">
+            <a:schemeClr val="accent1"/>
+          </a:effectRef>
+          <a:fontRef idx="minor">
+            <a:schemeClr val="tx1"/>
+          </a:fontRef>
+        </p:style>
+        <p:txBody>
+          <a:bodyPr rtlCol="0" anchor="ctr"/>
+          <a:lstStyle/>
+          <a:p>
+            <a:pPr algn="ctr"/>
+            <a:endParaRPr lang="en-CA" dirty="0"/>
+          </a:p>
+        </p:txBody>
+      </p:sp>
+      <p:sp>
+        <p:nvSpPr>
+          <p:cNvPr id="34" name="TextBox 33">
+            <a:extLst>
+              <a:ext uri="{FF2B5EF4-FFF2-40B4-BE49-F238E27FC236}">
+                <a16:creationId xmlns:a16="http://schemas.microsoft.com/office/drawing/2014/main" id="{F59675D6-D1BD-47DB-8662-F2B23CA93E81}"/>
+              </a:ext>
+            </a:extLst>
+          </p:cNvPr>
+          <p:cNvSpPr txBox="1"/>
+          <p:nvPr/>
+        </p:nvSpPr>
+        <p:spPr>
+          <a:xfrm rot="708815">
+            <a:off x="2601010" y="5969142"/>
+            <a:ext cx="5478845" cy="369332"/>
+          </a:xfrm>
+          <a:prstGeom prst="rect">
+            <a:avLst/>
+          </a:prstGeom>
+          <a:noFill/>
+        </p:spPr>
+        <p:txBody>
+          <a:bodyPr wrap="square" rtlCol="0">
+            <a:spAutoFit/>
+          </a:bodyPr>
+          <a:lstStyle/>
+          <a:p>
+            <a:r>
+              <a:rPr lang="en-CA" dirty="0"/>
+              <a:t>Socket connection @ 24.212.142.167:3000</a:t>
+            </a:r>
+          </a:p>
+        </p:txBody>
+      </p:sp>
+      <p:pic>
+        <p:nvPicPr>
+          <p:cNvPr id="2062" name="Picture 14">
+            <a:extLst>
+              <a:ext uri="{FF2B5EF4-FFF2-40B4-BE49-F238E27FC236}">
+                <a16:creationId xmlns:a16="http://schemas.microsoft.com/office/drawing/2014/main" id="{3436B604-3FFF-47C9-BBAF-AF7A9175D956}"/>
+              </a:ext>
+            </a:extLst>
+          </p:cNvPr>
+          <p:cNvPicPr>
+            <a:picLocks noChangeAspect="1" noChangeArrowheads="1"/>
+          </p:cNvPicPr>
+          <p:nvPr/>
+        </p:nvPicPr>
+        <p:blipFill>
+          <a:blip r:embed="rId10">
+            <a:extLst>
+              <a:ext uri="{28A0092B-C50C-407E-A947-70E740481C1C}">
+                <a14:useLocalDpi xmlns:a14="http://schemas.microsoft.com/office/drawing/2010/main" val="0"/>
+              </a:ext>
+            </a:extLst>
+          </a:blip>
+          <a:srcRect/>
+          <a:stretch>
+            <a:fillRect/>
+          </a:stretch>
+        </p:blipFill>
+        <p:spPr bwMode="auto">
+          <a:xfrm>
+            <a:off x="122485" y="2944310"/>
+            <a:ext cx="1202435" cy="733192"/>
+          </a:xfrm>
+          <a:prstGeom prst="rect">
+            <a:avLst/>
+          </a:prstGeom>
+          <a:noFill/>
+          <a:extLst>
+            <a:ext uri="{909E8E84-426E-40DD-AFC4-6F175D3DCCD1}">
+              <a14:hiddenFill xmlns:a14="http://schemas.microsoft.com/office/drawing/2010/main">
+                <a:solidFill>
+                  <a:srgbClr val="FFFFFF"/>
+                </a:solidFill>
+              </a14:hiddenFill>
+            </a:ext>
+          </a:extLst>
         </p:spPr>
       </p:pic>
     </p:spTree>
     <p:extLst>
       <p:ext uri="{BB962C8B-B14F-4D97-AF65-F5344CB8AC3E}">
-        <p14:creationId xmlns:p14="http://schemas.microsoft.com/office/powerpoint/2010/main" val="3931187049"/>
+        <p14:creationId xmlns:p14="http://schemas.microsoft.com/office/powerpoint/2010/main" val="1160604219"/>
       </p:ext>
     </p:extLst>
   </p:cSld>
@@ -9709,6 +10236,354 @@
           <p:cNvPr id="2" name="Title 1">
             <a:extLst>
               <a:ext uri="{FF2B5EF4-FFF2-40B4-BE49-F238E27FC236}">
+                <a16:creationId xmlns:a16="http://schemas.microsoft.com/office/drawing/2014/main" id="{F834305A-B403-4127-8A5F-0ACDF6A6BB40}"/>
+              </a:ext>
+            </a:extLst>
+          </p:cNvPr>
+          <p:cNvSpPr>
+            <a:spLocks noGrp="1"/>
+          </p:cNvSpPr>
+          <p:nvPr>
+            <p:ph type="title"/>
+          </p:nvPr>
+        </p:nvSpPr>
+        <p:spPr>
+          <a:xfrm>
+            <a:off x="150223" y="0"/>
+            <a:ext cx="7896497" cy="740864"/>
+          </a:xfrm>
+        </p:spPr>
+        <p:txBody>
+          <a:bodyPr/>
+          <a:lstStyle/>
+          <a:p>
+            <a:r>
+              <a:rPr lang="en-CA" dirty="0"/>
+              <a:t>Worker Threw an Exception</a:t>
+            </a:r>
+          </a:p>
+        </p:txBody>
+      </p:sp>
+      <p:sp>
+        <p:nvSpPr>
+          <p:cNvPr id="3" name="Content Placeholder 2">
+            <a:extLst>
+              <a:ext uri="{FF2B5EF4-FFF2-40B4-BE49-F238E27FC236}">
+                <a16:creationId xmlns:a16="http://schemas.microsoft.com/office/drawing/2014/main" id="{0AAB999F-6D84-41DC-8140-C86A79AA1013}"/>
+              </a:ext>
+            </a:extLst>
+          </p:cNvPr>
+          <p:cNvSpPr>
+            <a:spLocks noGrp="1"/>
+          </p:cNvSpPr>
+          <p:nvPr>
+            <p:ph idx="1"/>
+          </p:nvPr>
+        </p:nvSpPr>
+        <p:spPr>
+          <a:xfrm>
+            <a:off x="315686" y="815431"/>
+            <a:ext cx="10515600" cy="4351338"/>
+          </a:xfrm>
+        </p:spPr>
+        <p:txBody>
+          <a:bodyPr>
+            <a:normAutofit lnSpcReduction="10000"/>
+          </a:bodyPr>
+          <a:lstStyle/>
+          <a:p>
+            <a:pPr fontAlgn="t"/>
+            <a:r>
+              <a:rPr lang="en-CA" b="1" dirty="0"/>
+              <a:t>Request URL: </a:t>
+            </a:r>
+          </a:p>
+          <a:p>
+            <a:pPr marL="457200" lvl="1" indent="0" latinLnBrk="1">
+              <a:buNone/>
+            </a:pPr>
+            <a:r>
+              <a:rPr lang="en-CA" dirty="0">
+                <a:hlinkClick r:id="rId2"/>
+              </a:rPr>
+              <a:t>https://gameshow.geoffspielman.com/gamesocket/?ip=24.212.142.167&amp;EIO=3&amp;transport=polling&amp;t=N7C6_EQ</a:t>
+            </a:r>
+            <a:endParaRPr lang="en-CA" dirty="0"/>
+          </a:p>
+          <a:p>
+            <a:pPr fontAlgn="t"/>
+            <a:r>
+              <a:rPr lang="en-CA" b="1" dirty="0"/>
+              <a:t>Request Method: </a:t>
+            </a:r>
+          </a:p>
+          <a:p>
+            <a:pPr marL="0" indent="0" latinLnBrk="1">
+              <a:buNone/>
+            </a:pPr>
+            <a:r>
+              <a:rPr lang="en-CA" dirty="0"/>
+              <a:t>	GET</a:t>
+            </a:r>
+          </a:p>
+          <a:p>
+            <a:pPr fontAlgn="t"/>
+            <a:r>
+              <a:rPr lang="en-CA" b="1" dirty="0"/>
+              <a:t>path: </a:t>
+            </a:r>
+          </a:p>
+          <a:p>
+            <a:pPr marL="457200" lvl="1" indent="0" latinLnBrk="1">
+              <a:buNone/>
+            </a:pPr>
+            <a:r>
+              <a:rPr lang="en-CA" dirty="0"/>
+              <a:t>/</a:t>
+            </a:r>
+            <a:r>
+              <a:rPr lang="en-CA" dirty="0" err="1"/>
+              <a:t>gamesocket</a:t>
+            </a:r>
+            <a:r>
+              <a:rPr lang="en-CA" dirty="0"/>
+              <a:t>/?</a:t>
+            </a:r>
+            <a:r>
+              <a:rPr lang="en-CA" dirty="0" err="1"/>
+              <a:t>ip</a:t>
+            </a:r>
+            <a:r>
+              <a:rPr lang="en-CA" dirty="0"/>
+              <a:t>=</a:t>
+            </a:r>
+            <a:r>
+              <a:rPr lang="en-CA" dirty="0" err="1"/>
+              <a:t>24.212.142.167&amp;EIO</a:t>
+            </a:r>
+            <a:r>
+              <a:rPr lang="en-CA" dirty="0"/>
+              <a:t>=</a:t>
+            </a:r>
+            <a:r>
+              <a:rPr lang="en-CA" dirty="0" err="1"/>
+              <a:t>3&amp;transport</a:t>
+            </a:r>
+            <a:r>
+              <a:rPr lang="en-CA" dirty="0"/>
+              <a:t>=</a:t>
+            </a:r>
+            <a:r>
+              <a:rPr lang="en-CA" dirty="0" err="1"/>
+              <a:t>polling&amp;t</a:t>
+            </a:r>
+            <a:r>
+              <a:rPr lang="en-CA" dirty="0"/>
+              <a:t>=</a:t>
+            </a:r>
+            <a:r>
+              <a:rPr lang="en-CA" dirty="0" err="1"/>
+              <a:t>N7C6_EQ</a:t>
+            </a:r>
+            <a:endParaRPr lang="en-CA" dirty="0"/>
+          </a:p>
+          <a:p>
+            <a:pPr marL="457200" lvl="1" indent="0" latinLnBrk="1">
+              <a:buNone/>
+            </a:pPr>
+            <a:endParaRPr lang="en-CA" dirty="0"/>
+          </a:p>
+          <a:p>
+            <a:pPr latinLnBrk="1"/>
+            <a:r>
+              <a:rPr lang="en-CA" b="1" dirty="0"/>
+              <a:t>Query String Parameters</a:t>
+            </a:r>
+          </a:p>
+          <a:p>
+            <a:pPr marL="457200" lvl="1" indent="0" latinLnBrk="1">
+              <a:buNone/>
+            </a:pPr>
+            <a:r>
+              <a:rPr lang="en-CA" dirty="0" err="1"/>
+              <a:t>ip</a:t>
+            </a:r>
+            <a:r>
+              <a:rPr lang="en-CA" dirty="0"/>
+              <a:t>: 24.212.142.167		</a:t>
+            </a:r>
+          </a:p>
+          <a:p>
+            <a:pPr marL="457200" lvl="1" indent="0" latinLnBrk="1">
+              <a:buNone/>
+            </a:pPr>
+            <a:endParaRPr lang="en-CA" dirty="0"/>
+          </a:p>
+          <a:p>
+            <a:endParaRPr lang="en-CA" dirty="0"/>
+          </a:p>
+        </p:txBody>
+      </p:sp>
+    </p:spTree>
+    <p:extLst>
+      <p:ext uri="{BB962C8B-B14F-4D97-AF65-F5344CB8AC3E}">
+        <p14:creationId xmlns:p14="http://schemas.microsoft.com/office/powerpoint/2010/main" val="545528636"/>
+      </p:ext>
+    </p:extLst>
+  </p:cSld>
+  <p:clrMapOvr>
+    <a:masterClrMapping/>
+  </p:clrMapOvr>
+</p:sld>
+</file>
+
+<file path=ppt/slides/slide22.xml><?xml version="1.0" encoding="utf-8"?>
+<p:sld xmlns:a="http://schemas.openxmlformats.org/drawingml/2006/main" xmlns:r="http://schemas.openxmlformats.org/officeDocument/2006/relationships" xmlns:p="http://schemas.openxmlformats.org/presentationml/2006/main">
+  <p:cSld>
+    <p:spTree>
+      <p:nvGrpSpPr>
+        <p:cNvPr id="1" name=""/>
+        <p:cNvGrpSpPr/>
+        <p:nvPr/>
+      </p:nvGrpSpPr>
+      <p:grpSpPr>
+        <a:xfrm>
+          <a:off x="0" y="0"/>
+          <a:ext cx="0" cy="0"/>
+          <a:chOff x="0" y="0"/>
+          <a:chExt cx="0" cy="0"/>
+        </a:xfrm>
+      </p:grpSpPr>
+      <p:sp>
+        <p:nvSpPr>
+          <p:cNvPr id="2" name="Title 1">
+            <a:extLst>
+              <a:ext uri="{FF2B5EF4-FFF2-40B4-BE49-F238E27FC236}">
+                <a16:creationId xmlns:a16="http://schemas.microsoft.com/office/drawing/2014/main" id="{22BE46A5-BE5C-40A2-B259-1E44E2202981}"/>
+              </a:ext>
+            </a:extLst>
+          </p:cNvPr>
+          <p:cNvSpPr>
+            <a:spLocks noGrp="1"/>
+          </p:cNvSpPr>
+          <p:nvPr>
+            <p:ph type="title"/>
+          </p:nvPr>
+        </p:nvSpPr>
+        <p:spPr>
+          <a:xfrm>
+            <a:off x="91751" y="85207"/>
+            <a:ext cx="5021424" cy="586597"/>
+          </a:xfrm>
+        </p:spPr>
+        <p:txBody>
+          <a:bodyPr>
+            <a:normAutofit fontScale="90000"/>
+          </a:bodyPr>
+          <a:lstStyle/>
+          <a:p>
+            <a:r>
+              <a:rPr lang="en-CA" dirty="0"/>
+              <a:t>New Error message:</a:t>
+            </a:r>
+          </a:p>
+        </p:txBody>
+      </p:sp>
+      <p:pic>
+        <p:nvPicPr>
+          <p:cNvPr id="5" name="Picture 4">
+            <a:extLst>
+              <a:ext uri="{FF2B5EF4-FFF2-40B4-BE49-F238E27FC236}">
+                <a16:creationId xmlns:a16="http://schemas.microsoft.com/office/drawing/2014/main" id="{BEE605A6-0264-4B7A-90FE-DC90AD14840C}"/>
+              </a:ext>
+            </a:extLst>
+          </p:cNvPr>
+          <p:cNvPicPr>
+            <a:picLocks noChangeAspect="1"/>
+          </p:cNvPicPr>
+          <p:nvPr/>
+        </p:nvPicPr>
+        <p:blipFill>
+          <a:blip r:embed="rId2"/>
+          <a:stretch>
+            <a:fillRect/>
+          </a:stretch>
+        </p:blipFill>
+        <p:spPr>
+          <a:xfrm>
+            <a:off x="167272" y="2448309"/>
+            <a:ext cx="6485455" cy="4199750"/>
+          </a:xfrm>
+          <a:prstGeom prst="rect">
+            <a:avLst/>
+          </a:prstGeom>
+        </p:spPr>
+      </p:pic>
+      <p:pic>
+        <p:nvPicPr>
+          <p:cNvPr id="6" name="Picture 5">
+            <a:extLst>
+              <a:ext uri="{FF2B5EF4-FFF2-40B4-BE49-F238E27FC236}">
+                <a16:creationId xmlns:a16="http://schemas.microsoft.com/office/drawing/2014/main" id="{C0BFDC74-9E0A-4DF7-9217-4989DD5552BF}"/>
+              </a:ext>
+            </a:extLst>
+          </p:cNvPr>
+          <p:cNvPicPr>
+            <a:picLocks noChangeAspect="1"/>
+          </p:cNvPicPr>
+          <p:nvPr/>
+        </p:nvPicPr>
+        <p:blipFill>
+          <a:blip r:embed="rId3"/>
+          <a:stretch>
+            <a:fillRect/>
+          </a:stretch>
+        </p:blipFill>
+        <p:spPr>
+          <a:xfrm>
+            <a:off x="4432638" y="168598"/>
+            <a:ext cx="7174644" cy="2196320"/>
+          </a:xfrm>
+          <a:prstGeom prst="rect">
+            <a:avLst/>
+          </a:prstGeom>
+        </p:spPr>
+      </p:pic>
+    </p:spTree>
+    <p:extLst>
+      <p:ext uri="{BB962C8B-B14F-4D97-AF65-F5344CB8AC3E}">
+        <p14:creationId xmlns:p14="http://schemas.microsoft.com/office/powerpoint/2010/main" val="3931187049"/>
+      </p:ext>
+    </p:extLst>
+  </p:cSld>
+  <p:clrMapOvr>
+    <a:masterClrMapping/>
+  </p:clrMapOvr>
+</p:sld>
+</file>
+
+<file path=ppt/slides/slide23.xml><?xml version="1.0" encoding="utf-8"?>
+<p:sld xmlns:a="http://schemas.openxmlformats.org/drawingml/2006/main" xmlns:r="http://schemas.openxmlformats.org/officeDocument/2006/relationships" xmlns:p="http://schemas.openxmlformats.org/presentationml/2006/main">
+  <p:cSld>
+    <p:spTree>
+      <p:nvGrpSpPr>
+        <p:cNvPr id="1" name=""/>
+        <p:cNvGrpSpPr/>
+        <p:nvPr/>
+      </p:nvGrpSpPr>
+      <p:grpSpPr>
+        <a:xfrm>
+          <a:off x="0" y="0"/>
+          <a:ext cx="0" cy="0"/>
+          <a:chOff x="0" y="0"/>
+          <a:chExt cx="0" cy="0"/>
+        </a:xfrm>
+      </p:grpSpPr>
+      <p:sp>
+        <p:nvSpPr>
+          <p:cNvPr id="2" name="Title 1">
+            <a:extLst>
+              <a:ext uri="{FF2B5EF4-FFF2-40B4-BE49-F238E27FC236}">
                 <a16:creationId xmlns:a16="http://schemas.microsoft.com/office/drawing/2014/main" id="{CEC34056-2624-473D-88C6-CBA78951C21F}"/>
               </a:ext>
             </a:extLst>
@@ -9775,7 +10650,7 @@
 </p:sld>
 </file>
 
-<file path=ppt/slides/slide22.xml><?xml version="1.0" encoding="utf-8"?>
+<file path=ppt/slides/slide24.xml><?xml version="1.0" encoding="utf-8"?>
 <p:sld xmlns:a="http://schemas.openxmlformats.org/drawingml/2006/main" xmlns:r="http://schemas.openxmlformats.org/officeDocument/2006/relationships" xmlns:p="http://schemas.openxmlformats.org/presentationml/2006/main">
   <p:cSld>
     <p:spTree>
@@ -12709,7 +13584,7 @@
           <p:nvPr>
             <p:extLst>
               <p:ext uri="{D42A27DB-BD31-4B8C-83A1-F6EECF244321}">
-                <p14:modId xmlns:p14="http://schemas.microsoft.com/office/powerpoint/2010/main" val="1002645681"/>
+                <p14:modId xmlns:p14="http://schemas.microsoft.com/office/powerpoint/2010/main" val="1678049192"/>
               </p:ext>
             </p:extLst>
           </p:nvPr>
@@ -12725,14 +13600,14 @@
                 <a:tableStyleId>{5C22544A-7EE6-4342-B048-85BDC9FD1C3A}</a:tableStyleId>
               </a:tblPr>
               <a:tblGrid>
-                <a:gridCol w="914733">
+                <a:gridCol w="1166659">
                   <a:extLst>
                     <a:ext uri="{9D8B030D-6E8A-4147-A177-3AD203B41FA5}">
                       <a16:colId xmlns:a16="http://schemas.microsoft.com/office/drawing/2014/main" val="836460442"/>
                     </a:ext>
                   </a:extLst>
                 </a:gridCol>
-                <a:gridCol w="1373671">
+                <a:gridCol w="1121745">
                   <a:extLst>
                     <a:ext uri="{9D8B030D-6E8A-4147-A177-3AD203B41FA5}">
                       <a16:colId xmlns:a16="http://schemas.microsoft.com/office/drawing/2014/main" val="3002254449"/>
@@ -12768,9 +13643,10 @@
                     <a:lstStyle/>
                     <a:p>
                       <a:r>
-                        <a:rPr lang="en-CA" dirty="0"/>
-                        <a:t>Player</a:t>
+                        <a:rPr lang="en-CA" dirty="0" err="1"/>
+                        <a:t>PlayerID</a:t>
                       </a:r>
+                      <a:endParaRPr lang="en-CA" dirty="0"/>
                     </a:p>
                   </a:txBody>
                   <a:tcPr/>
@@ -12841,7 +13717,7 @@
                     <a:bodyPr/>
                     <a:lstStyle/>
                     <a:p>
-                      <a:endParaRPr lang="en-CA"/>
+                      <a:endParaRPr lang="en-CA" dirty="0"/>
                     </a:p>
                   </a:txBody>
                   <a:tcPr/>
@@ -12898,7 +13774,7 @@
                     <a:bodyPr/>
                     <a:lstStyle/>
                     <a:p>
-                      <a:endParaRPr lang="en-CA"/>
+                      <a:endParaRPr lang="en-CA" dirty="0"/>
                     </a:p>
                   </a:txBody>
                   <a:tcPr/>
@@ -12908,7 +13784,7 @@
                     <a:bodyPr/>
                     <a:lstStyle/>
                     <a:p>
-                      <a:endParaRPr lang="en-CA"/>
+                      <a:endParaRPr lang="en-CA" dirty="0"/>
                     </a:p>
                   </a:txBody>
                   <a:tcPr/>
@@ -12985,7 +13861,7 @@
                     <a:bodyPr/>
                     <a:lstStyle/>
                     <a:p>
-                      <a:endParaRPr lang="en-CA"/>
+                      <a:endParaRPr lang="en-CA" dirty="0"/>
                     </a:p>
                   </a:txBody>
                   <a:tcPr/>

--- a/Not_Shared/Ideas.pptx
+++ b/Not_Shared/Ideas.pptx
@@ -8,27 +8,28 @@
     <p:sldId id="256" r:id="rId2"/>
     <p:sldId id="257" r:id="rId3"/>
     <p:sldId id="258" r:id="rId4"/>
-    <p:sldId id="274" r:id="rId5"/>
-    <p:sldId id="273" r:id="rId6"/>
-    <p:sldId id="259" r:id="rId7"/>
-    <p:sldId id="260" r:id="rId8"/>
-    <p:sldId id="264" r:id="rId9"/>
-    <p:sldId id="261" r:id="rId10"/>
-    <p:sldId id="262" r:id="rId11"/>
-    <p:sldId id="263" r:id="rId12"/>
-    <p:sldId id="265" r:id="rId13"/>
-    <p:sldId id="266" r:id="rId14"/>
-    <p:sldId id="277" r:id="rId15"/>
-    <p:sldId id="275" r:id="rId16"/>
-    <p:sldId id="267" r:id="rId17"/>
-    <p:sldId id="276" r:id="rId18"/>
-    <p:sldId id="279" r:id="rId19"/>
-    <p:sldId id="280" r:id="rId20"/>
-    <p:sldId id="268" r:id="rId21"/>
-    <p:sldId id="269" r:id="rId22"/>
-    <p:sldId id="270" r:id="rId23"/>
-    <p:sldId id="271" r:id="rId24"/>
-    <p:sldId id="272" r:id="rId25"/>
+    <p:sldId id="281" r:id="rId5"/>
+    <p:sldId id="274" r:id="rId6"/>
+    <p:sldId id="273" r:id="rId7"/>
+    <p:sldId id="259" r:id="rId8"/>
+    <p:sldId id="260" r:id="rId9"/>
+    <p:sldId id="264" r:id="rId10"/>
+    <p:sldId id="261" r:id="rId11"/>
+    <p:sldId id="262" r:id="rId12"/>
+    <p:sldId id="263" r:id="rId13"/>
+    <p:sldId id="265" r:id="rId14"/>
+    <p:sldId id="266" r:id="rId15"/>
+    <p:sldId id="277" r:id="rId16"/>
+    <p:sldId id="275" r:id="rId17"/>
+    <p:sldId id="267" r:id="rId18"/>
+    <p:sldId id="276" r:id="rId19"/>
+    <p:sldId id="279" r:id="rId20"/>
+    <p:sldId id="280" r:id="rId21"/>
+    <p:sldId id="268" r:id="rId22"/>
+    <p:sldId id="269" r:id="rId23"/>
+    <p:sldId id="270" r:id="rId24"/>
+    <p:sldId id="271" r:id="rId25"/>
+    <p:sldId id="272" r:id="rId26"/>
   </p:sldIdLst>
   <p:sldSz cx="12192000" cy="6858000"/>
   <p:notesSz cx="6858000" cy="9144000"/>
@@ -284,7 +285,7 @@
           <a:p>
             <a:fld id="{454D742E-0134-4A01-B575-6354CF2907B5}" type="datetimeFigureOut">
               <a:rPr lang="en-CA" smtClean="0"/>
-              <a:t>2020-05-03</a:t>
+              <a:t>2020-05-04</a:t>
             </a:fld>
             <a:endParaRPr lang="en-CA"/>
           </a:p>
@@ -484,7 +485,7 @@
           <a:p>
             <a:fld id="{454D742E-0134-4A01-B575-6354CF2907B5}" type="datetimeFigureOut">
               <a:rPr lang="en-CA" smtClean="0"/>
-              <a:t>2020-05-03</a:t>
+              <a:t>2020-05-04</a:t>
             </a:fld>
             <a:endParaRPr lang="en-CA"/>
           </a:p>
@@ -694,7 +695,7 @@
           <a:p>
             <a:fld id="{454D742E-0134-4A01-B575-6354CF2907B5}" type="datetimeFigureOut">
               <a:rPr lang="en-CA" smtClean="0"/>
-              <a:t>2020-05-03</a:t>
+              <a:t>2020-05-04</a:t>
             </a:fld>
             <a:endParaRPr lang="en-CA"/>
           </a:p>
@@ -894,7 +895,7 @@
           <a:p>
             <a:fld id="{454D742E-0134-4A01-B575-6354CF2907B5}" type="datetimeFigureOut">
               <a:rPr lang="en-CA" smtClean="0"/>
-              <a:t>2020-05-03</a:t>
+              <a:t>2020-05-04</a:t>
             </a:fld>
             <a:endParaRPr lang="en-CA"/>
           </a:p>
@@ -1170,7 +1171,7 @@
           <a:p>
             <a:fld id="{454D742E-0134-4A01-B575-6354CF2907B5}" type="datetimeFigureOut">
               <a:rPr lang="en-CA" smtClean="0"/>
-              <a:t>2020-05-03</a:t>
+              <a:t>2020-05-04</a:t>
             </a:fld>
             <a:endParaRPr lang="en-CA"/>
           </a:p>
@@ -1438,7 +1439,7 @@
           <a:p>
             <a:fld id="{454D742E-0134-4A01-B575-6354CF2907B5}" type="datetimeFigureOut">
               <a:rPr lang="en-CA" smtClean="0"/>
-              <a:t>2020-05-03</a:t>
+              <a:t>2020-05-04</a:t>
             </a:fld>
             <a:endParaRPr lang="en-CA"/>
           </a:p>
@@ -1853,7 +1854,7 @@
           <a:p>
             <a:fld id="{454D742E-0134-4A01-B575-6354CF2907B5}" type="datetimeFigureOut">
               <a:rPr lang="en-CA" smtClean="0"/>
-              <a:t>2020-05-03</a:t>
+              <a:t>2020-05-04</a:t>
             </a:fld>
             <a:endParaRPr lang="en-CA"/>
           </a:p>
@@ -1995,7 +1996,7 @@
           <a:p>
             <a:fld id="{454D742E-0134-4A01-B575-6354CF2907B5}" type="datetimeFigureOut">
               <a:rPr lang="en-CA" smtClean="0"/>
-              <a:t>2020-05-03</a:t>
+              <a:t>2020-05-04</a:t>
             </a:fld>
             <a:endParaRPr lang="en-CA"/>
           </a:p>
@@ -2108,7 +2109,7 @@
           <a:p>
             <a:fld id="{454D742E-0134-4A01-B575-6354CF2907B5}" type="datetimeFigureOut">
               <a:rPr lang="en-CA" smtClean="0"/>
-              <a:t>2020-05-03</a:t>
+              <a:t>2020-05-04</a:t>
             </a:fld>
             <a:endParaRPr lang="en-CA"/>
           </a:p>
@@ -2421,7 +2422,7 @@
           <a:p>
             <a:fld id="{454D742E-0134-4A01-B575-6354CF2907B5}" type="datetimeFigureOut">
               <a:rPr lang="en-CA" smtClean="0"/>
-              <a:t>2020-05-03</a:t>
+              <a:t>2020-05-04</a:t>
             </a:fld>
             <a:endParaRPr lang="en-CA"/>
           </a:p>
@@ -2710,7 +2711,7 @@
           <a:p>
             <a:fld id="{454D742E-0134-4A01-B575-6354CF2907B5}" type="datetimeFigureOut">
               <a:rPr lang="en-CA" smtClean="0"/>
-              <a:t>2020-05-03</a:t>
+              <a:t>2020-05-04</a:t>
             </a:fld>
             <a:endParaRPr lang="en-CA"/>
           </a:p>
@@ -2953,7 +2954,7 @@
           <a:p>
             <a:fld id="{454D742E-0134-4A01-B575-6354CF2907B5}" type="datetimeFigureOut">
               <a:rPr lang="en-CA" smtClean="0"/>
-              <a:t>2020-05-03</a:t>
+              <a:t>2020-05-04</a:t>
             </a:fld>
             <a:endParaRPr lang="en-CA"/>
           </a:p>
@@ -4474,10 +4475,10 @@
       </p:grpSpPr>
       <p:pic>
         <p:nvPicPr>
-          <p:cNvPr id="7" name="Picture 6" descr="A picture containing drawing&#10;&#10;Description automatically generated">
-            <a:extLst>
-              <a:ext uri="{FF2B5EF4-FFF2-40B4-BE49-F238E27FC236}">
-                <a16:creationId xmlns:a16="http://schemas.microsoft.com/office/drawing/2014/main" id="{3D28DBB6-0C1D-4B8F-B4BD-C160AA8CB938}"/>
+          <p:cNvPr id="11" name="Picture 10" descr="A picture containing drawing&#10;&#10;Description automatically generated">
+            <a:extLst>
+              <a:ext uri="{FF2B5EF4-FFF2-40B4-BE49-F238E27FC236}">
+                <a16:creationId xmlns:a16="http://schemas.microsoft.com/office/drawing/2014/main" id="{5D0731AB-AA8B-4D56-9ED3-FFB83C138181}"/>
               </a:ext>
             </a:extLst>
           </p:cNvPr>
@@ -4509,9 +4510,9 @@
           </a:stretch>
         </p:blipFill>
         <p:spPr>
-          <a:xfrm>
-            <a:off x="1588274" y="571880"/>
-            <a:ext cx="8062433" cy="5200269"/>
+          <a:xfrm flipH="1">
+            <a:off x="1460839" y="487566"/>
+            <a:ext cx="8067160" cy="5216766"/>
           </a:xfrm>
           <a:prstGeom prst="rect">
             <a:avLst/>
@@ -4521,7 +4522,7 @@
     </p:spTree>
     <p:extLst>
       <p:ext uri="{BB962C8B-B14F-4D97-AF65-F5344CB8AC3E}">
-        <p14:creationId xmlns:p14="http://schemas.microsoft.com/office/powerpoint/2010/main" val="1630469568"/>
+        <p14:creationId xmlns:p14="http://schemas.microsoft.com/office/powerpoint/2010/main" val="2645935605"/>
       </p:ext>
     </p:extLst>
   </p:cSld>
@@ -4550,10 +4551,10 @@
       </p:grpSpPr>
       <p:pic>
         <p:nvPicPr>
-          <p:cNvPr id="3" name="Picture 2" descr="A picture containing drawing&#10;&#10;Description automatically generated">
-            <a:extLst>
-              <a:ext uri="{FF2B5EF4-FFF2-40B4-BE49-F238E27FC236}">
-                <a16:creationId xmlns:a16="http://schemas.microsoft.com/office/drawing/2014/main" id="{26C10F46-AFEA-4F76-847C-6B5D8A9382EB}"/>
+          <p:cNvPr id="7" name="Picture 6" descr="A picture containing drawing&#10;&#10;Description automatically generated">
+            <a:extLst>
+              <a:ext uri="{FF2B5EF4-FFF2-40B4-BE49-F238E27FC236}">
+                <a16:creationId xmlns:a16="http://schemas.microsoft.com/office/drawing/2014/main" id="{3D28DBB6-0C1D-4B8F-B4BD-C160AA8CB938}"/>
               </a:ext>
             </a:extLst>
           </p:cNvPr>
@@ -4586,8 +4587,8 @@
         </p:blipFill>
         <p:spPr>
           <a:xfrm>
-            <a:off x="2361679" y="351995"/>
-            <a:ext cx="7468642" cy="6154009"/>
+            <a:off x="1588274" y="571880"/>
+            <a:ext cx="8062433" cy="5200269"/>
           </a:xfrm>
           <a:prstGeom prst="rect">
             <a:avLst/>
@@ -4597,7 +4598,7 @@
     </p:spTree>
     <p:extLst>
       <p:ext uri="{BB962C8B-B14F-4D97-AF65-F5344CB8AC3E}">
-        <p14:creationId xmlns:p14="http://schemas.microsoft.com/office/powerpoint/2010/main" val="3387815339"/>
+        <p14:creationId xmlns:p14="http://schemas.microsoft.com/office/powerpoint/2010/main" val="1630469568"/>
       </p:ext>
     </p:extLst>
   </p:cSld>
@@ -4626,558 +4627,54 @@
       </p:grpSpPr>
       <p:pic>
         <p:nvPicPr>
-          <p:cNvPr id="1028" name="Picture 4" descr="Dedicated Server PNG Image | Server, Dedication, Png images">
-            <a:extLst>
-              <a:ext uri="{FF2B5EF4-FFF2-40B4-BE49-F238E27FC236}">
-                <a16:creationId xmlns:a16="http://schemas.microsoft.com/office/drawing/2014/main" id="{B259F46C-6CBA-4D56-93C3-3D41AC3A6B13}"/>
+          <p:cNvPr id="3" name="Picture 2" descr="A picture containing drawing&#10;&#10;Description automatically generated">
+            <a:extLst>
+              <a:ext uri="{FF2B5EF4-FFF2-40B4-BE49-F238E27FC236}">
+                <a16:creationId xmlns:a16="http://schemas.microsoft.com/office/drawing/2014/main" id="{26C10F46-AFEA-4F76-847C-6B5D8A9382EB}"/>
               </a:ext>
             </a:extLst>
           </p:cNvPr>
           <p:cNvPicPr>
-            <a:picLocks noChangeAspect="1" noChangeArrowheads="1"/>
+            <a:picLocks noChangeAspect="1"/>
           </p:cNvPicPr>
           <p:nvPr/>
         </p:nvPicPr>
         <p:blipFill>
           <a:blip r:embed="rId2">
+            <a:clrChange>
+              <a:clrFrom>
+                <a:srgbClr val="FFFFFF"/>
+              </a:clrFrom>
+              <a:clrTo>
+                <a:srgbClr val="FFFFFF">
+                  <a:alpha val="0"/>
+                </a:srgbClr>
+              </a:clrTo>
+            </a:clrChange>
             <a:extLst>
               <a:ext uri="{28A0092B-C50C-407E-A947-70E740481C1C}">
                 <a14:useLocalDpi xmlns:a14="http://schemas.microsoft.com/office/drawing/2010/main" val="0"/>
               </a:ext>
             </a:extLst>
           </a:blip>
-          <a:srcRect/>
           <a:stretch>
             <a:fillRect/>
           </a:stretch>
         </p:blipFill>
-        <p:spPr bwMode="auto">
-          <a:xfrm>
-            <a:off x="5268415" y="280021"/>
-            <a:ext cx="757916" cy="1021909"/>
-          </a:xfrm>
-          <a:prstGeom prst="rect">
-            <a:avLst/>
-          </a:prstGeom>
-          <a:noFill/>
-          <a:extLst>
-            <a:ext uri="{909E8E84-426E-40DD-AFC4-6F175D3DCCD1}">
-              <a14:hiddenFill xmlns:a14="http://schemas.microsoft.com/office/drawing/2010/main">
-                <a:solidFill>
-                  <a:srgbClr val="FFFFFF"/>
-                </a:solidFill>
-              </a14:hiddenFill>
-            </a:ext>
-          </a:extLst>
+        <p:spPr>
+          <a:xfrm>
+            <a:off x="2361679" y="351995"/>
+            <a:ext cx="7468642" cy="6154009"/>
+          </a:xfrm>
+          <a:prstGeom prst="rect">
+            <a:avLst/>
+          </a:prstGeom>
         </p:spPr>
       </p:pic>
-      <p:pic>
-        <p:nvPicPr>
-          <p:cNvPr id="1030" name="Picture 6" descr="Laptop Clip Art At Clker Com Vector - Laptop Black And White Clip ...">
-            <a:extLst>
-              <a:ext uri="{FF2B5EF4-FFF2-40B4-BE49-F238E27FC236}">
-                <a16:creationId xmlns:a16="http://schemas.microsoft.com/office/drawing/2014/main" id="{260BCD3F-BD74-4543-B965-10ECD47442A9}"/>
-              </a:ext>
-            </a:extLst>
-          </p:cNvPr>
-          <p:cNvPicPr>
-            <a:picLocks noChangeAspect="1" noChangeArrowheads="1"/>
-          </p:cNvPicPr>
-          <p:nvPr/>
-        </p:nvPicPr>
-        <p:blipFill>
-          <a:blip r:embed="rId3">
-            <a:clrChange>
-              <a:clrFrom>
-                <a:srgbClr val="F6F6F6"/>
-              </a:clrFrom>
-              <a:clrTo>
-                <a:srgbClr val="F6F6F6">
-                  <a:alpha val="0"/>
-                </a:srgbClr>
-              </a:clrTo>
-            </a:clrChange>
-            <a:extLst>
-              <a:ext uri="{28A0092B-C50C-407E-A947-70E740481C1C}">
-                <a14:useLocalDpi xmlns:a14="http://schemas.microsoft.com/office/drawing/2010/main" val="0"/>
-              </a:ext>
-            </a:extLst>
-          </a:blip>
-          <a:srcRect/>
-          <a:stretch>
-            <a:fillRect/>
-          </a:stretch>
-        </p:blipFill>
-        <p:spPr bwMode="auto">
-          <a:xfrm>
-            <a:off x="7836444" y="280021"/>
-            <a:ext cx="1632673" cy="1353925"/>
-          </a:xfrm>
-          <a:prstGeom prst="rect">
-            <a:avLst/>
-          </a:prstGeom>
-          <a:noFill/>
-          <a:extLst>
-            <a:ext uri="{909E8E84-426E-40DD-AFC4-6F175D3DCCD1}">
-              <a14:hiddenFill xmlns:a14="http://schemas.microsoft.com/office/drawing/2010/main">
-                <a:solidFill>
-                  <a:srgbClr val="FFFFFF"/>
-                </a:solidFill>
-              </a14:hiddenFill>
-            </a:ext>
-          </a:extLst>
-        </p:spPr>
-      </p:pic>
-      <p:cxnSp>
-        <p:nvCxnSpPr>
-          <p:cNvPr id="5" name="Straight Connector 4">
-            <a:extLst>
-              <a:ext uri="{FF2B5EF4-FFF2-40B4-BE49-F238E27FC236}">
-                <a16:creationId xmlns:a16="http://schemas.microsoft.com/office/drawing/2014/main" id="{BF9CACD2-A8C3-491E-BE07-2BE5E2CD73AD}"/>
-              </a:ext>
-            </a:extLst>
-          </p:cNvPr>
-          <p:cNvCxnSpPr/>
-          <p:nvPr/>
-        </p:nvCxnSpPr>
-        <p:spPr>
-          <a:xfrm>
-            <a:off x="5738677" y="1491343"/>
-            <a:ext cx="0" cy="3875314"/>
-          </a:xfrm>
-          <a:prstGeom prst="line">
-            <a:avLst/>
-          </a:prstGeom>
-          <a:ln w="28575">
-            <a:solidFill>
-              <a:schemeClr val="accent1"/>
-            </a:solidFill>
-          </a:ln>
-        </p:spPr>
-        <p:style>
-          <a:lnRef idx="1">
-            <a:schemeClr val="accent1"/>
-          </a:lnRef>
-          <a:fillRef idx="0">
-            <a:schemeClr val="accent1"/>
-          </a:fillRef>
-          <a:effectRef idx="0">
-            <a:schemeClr val="accent1"/>
-          </a:effectRef>
-          <a:fontRef idx="minor">
-            <a:schemeClr val="tx1"/>
-          </a:fontRef>
-        </p:style>
-      </p:cxnSp>
-      <p:cxnSp>
-        <p:nvCxnSpPr>
-          <p:cNvPr id="9" name="Straight Connector 8">
-            <a:extLst>
-              <a:ext uri="{FF2B5EF4-FFF2-40B4-BE49-F238E27FC236}">
-                <a16:creationId xmlns:a16="http://schemas.microsoft.com/office/drawing/2014/main" id="{E670D51B-3EFE-40B0-8EFE-090055CE2ADF}"/>
-              </a:ext>
-            </a:extLst>
-          </p:cNvPr>
-          <p:cNvCxnSpPr>
-            <a:cxnSpLocks/>
-          </p:cNvCxnSpPr>
-          <p:nvPr/>
-        </p:nvCxnSpPr>
-        <p:spPr>
-          <a:xfrm flipH="1">
-            <a:off x="5895703" y="1491343"/>
-            <a:ext cx="2386148" cy="607423"/>
-          </a:xfrm>
-          <a:prstGeom prst="line">
-            <a:avLst/>
-          </a:prstGeom>
-          <a:ln w="28575">
-            <a:solidFill>
-              <a:srgbClr val="FFC000"/>
-            </a:solidFill>
-            <a:headEnd type="none" w="lg" len="lg"/>
-            <a:tailEnd type="triangle" w="lg" len="lg"/>
-          </a:ln>
-        </p:spPr>
-        <p:style>
-          <a:lnRef idx="1">
-            <a:schemeClr val="accent1"/>
-          </a:lnRef>
-          <a:fillRef idx="0">
-            <a:schemeClr val="accent1"/>
-          </a:fillRef>
-          <a:effectRef idx="0">
-            <a:schemeClr val="accent1"/>
-          </a:effectRef>
-          <a:fontRef idx="minor">
-            <a:schemeClr val="tx1"/>
-          </a:fontRef>
-        </p:style>
-      </p:cxnSp>
-      <p:sp>
-        <p:nvSpPr>
-          <p:cNvPr id="8" name="TextBox 7">
-            <a:extLst>
-              <a:ext uri="{FF2B5EF4-FFF2-40B4-BE49-F238E27FC236}">
-                <a16:creationId xmlns:a16="http://schemas.microsoft.com/office/drawing/2014/main" id="{65DC4DAD-CC47-4B42-99C6-82E0969D7768}"/>
-              </a:ext>
-            </a:extLst>
-          </p:cNvPr>
-          <p:cNvSpPr txBox="1"/>
-          <p:nvPr/>
-        </p:nvSpPr>
-        <p:spPr>
-          <a:xfrm rot="20682798">
-            <a:off x="6472160" y="1730066"/>
-            <a:ext cx="1687398" cy="369332"/>
-          </a:xfrm>
-          <a:prstGeom prst="rect">
-            <a:avLst/>
-          </a:prstGeom>
-          <a:noFill/>
-        </p:spPr>
-        <p:txBody>
-          <a:bodyPr wrap="square" rtlCol="0">
-            <a:spAutoFit/>
-          </a:bodyPr>
-          <a:lstStyle/>
-          <a:p>
-            <a:r>
-              <a:rPr lang="en-CA" dirty="0" err="1"/>
-              <a:t>playerRequest</a:t>
-            </a:r>
-            <a:endParaRPr lang="en-CA" dirty="0"/>
-          </a:p>
-        </p:txBody>
-      </p:sp>
-      <p:sp>
-        <p:nvSpPr>
-          <p:cNvPr id="13" name="TextBox 12">
-            <a:extLst>
-              <a:ext uri="{FF2B5EF4-FFF2-40B4-BE49-F238E27FC236}">
-                <a16:creationId xmlns:a16="http://schemas.microsoft.com/office/drawing/2014/main" id="{06ED55D2-2DBD-4AF4-94D6-1CE632A0A946}"/>
-              </a:ext>
-            </a:extLst>
-          </p:cNvPr>
-          <p:cNvSpPr txBox="1"/>
-          <p:nvPr/>
-        </p:nvSpPr>
-        <p:spPr>
-          <a:xfrm>
-            <a:off x="9722460" y="568013"/>
-            <a:ext cx="1687398" cy="923330"/>
-          </a:xfrm>
-          <a:prstGeom prst="rect">
-            <a:avLst/>
-          </a:prstGeom>
-          <a:noFill/>
-        </p:spPr>
-        <p:txBody>
-          <a:bodyPr wrap="square" rtlCol="0">
-            <a:spAutoFit/>
-          </a:bodyPr>
-          <a:lstStyle/>
-          <a:p>
-            <a:r>
-              <a:rPr lang="en-CA" dirty="0"/>
-              <a:t>Player lands on index, clicks “join game”</a:t>
-            </a:r>
-          </a:p>
-        </p:txBody>
-      </p:sp>
-      <p:cxnSp>
-        <p:nvCxnSpPr>
-          <p:cNvPr id="14" name="Straight Connector 13">
-            <a:extLst>
-              <a:ext uri="{FF2B5EF4-FFF2-40B4-BE49-F238E27FC236}">
-                <a16:creationId xmlns:a16="http://schemas.microsoft.com/office/drawing/2014/main" id="{0978EACB-9475-46A5-A8D8-C4356A0E7612}"/>
-              </a:ext>
-            </a:extLst>
-          </p:cNvPr>
-          <p:cNvCxnSpPr>
-            <a:cxnSpLocks/>
-          </p:cNvCxnSpPr>
-          <p:nvPr/>
-        </p:nvCxnSpPr>
-        <p:spPr>
-          <a:xfrm>
-            <a:off x="5895703" y="2821577"/>
-            <a:ext cx="2616701" cy="958571"/>
-          </a:xfrm>
-          <a:prstGeom prst="line">
-            <a:avLst/>
-          </a:prstGeom>
-          <a:ln w="28575">
-            <a:solidFill>
-              <a:srgbClr val="92D050"/>
-            </a:solidFill>
-            <a:headEnd type="none" w="lg" len="lg"/>
-            <a:tailEnd type="triangle" w="lg" len="lg"/>
-          </a:ln>
-        </p:spPr>
-        <p:style>
-          <a:lnRef idx="1">
-            <a:schemeClr val="accent1"/>
-          </a:lnRef>
-          <a:fillRef idx="0">
-            <a:schemeClr val="accent1"/>
-          </a:fillRef>
-          <a:effectRef idx="0">
-            <a:schemeClr val="accent1"/>
-          </a:effectRef>
-          <a:fontRef idx="minor">
-            <a:schemeClr val="tx1"/>
-          </a:fontRef>
-        </p:style>
-      </p:cxnSp>
-      <p:sp>
-        <p:nvSpPr>
-          <p:cNvPr id="16" name="TextBox 15">
-            <a:extLst>
-              <a:ext uri="{FF2B5EF4-FFF2-40B4-BE49-F238E27FC236}">
-                <a16:creationId xmlns:a16="http://schemas.microsoft.com/office/drawing/2014/main" id="{16792A5A-F83C-4B3A-9A59-ADAA1D99AB9B}"/>
-              </a:ext>
-            </a:extLst>
-          </p:cNvPr>
-          <p:cNvSpPr txBox="1"/>
-          <p:nvPr/>
-        </p:nvSpPr>
-        <p:spPr>
-          <a:xfrm rot="1248694">
-            <a:off x="6229854" y="3327229"/>
-            <a:ext cx="2154027" cy="369332"/>
-          </a:xfrm>
-          <a:prstGeom prst="rect">
-            <a:avLst/>
-          </a:prstGeom>
-          <a:noFill/>
-        </p:spPr>
-        <p:txBody>
-          <a:bodyPr wrap="square" rtlCol="0">
-            <a:spAutoFit/>
-          </a:bodyPr>
-          <a:lstStyle/>
-          <a:p>
-            <a:r>
-              <a:rPr lang="en-CA" dirty="0" err="1"/>
-              <a:t>playerListChanged</a:t>
-            </a:r>
-            <a:endParaRPr lang="en-CA" dirty="0"/>
-          </a:p>
-        </p:txBody>
-      </p:sp>
-      <p:sp>
-        <p:nvSpPr>
-          <p:cNvPr id="17" name="TextBox 16">
-            <a:extLst>
-              <a:ext uri="{FF2B5EF4-FFF2-40B4-BE49-F238E27FC236}">
-                <a16:creationId xmlns:a16="http://schemas.microsoft.com/office/drawing/2014/main" id="{6E649200-E4E3-4219-AC19-D8F92B453DB4}"/>
-              </a:ext>
-            </a:extLst>
-          </p:cNvPr>
-          <p:cNvSpPr txBox="1"/>
-          <p:nvPr/>
-        </p:nvSpPr>
-        <p:spPr>
-          <a:xfrm>
-            <a:off x="8793162" y="3318483"/>
-            <a:ext cx="2616696" cy="923330"/>
-          </a:xfrm>
-          <a:prstGeom prst="rect">
-            <a:avLst/>
-          </a:prstGeom>
-          <a:noFill/>
-        </p:spPr>
-        <p:txBody>
-          <a:bodyPr wrap="square" rtlCol="0">
-            <a:spAutoFit/>
-          </a:bodyPr>
-          <a:lstStyle/>
-          <a:p>
-            <a:r>
-              <a:rPr lang="en-CA" dirty="0"/>
-              <a:t>Player successfully added to game, broadcast to ALL sockets</a:t>
-            </a:r>
-          </a:p>
-        </p:txBody>
-      </p:sp>
-      <p:cxnSp>
-        <p:nvCxnSpPr>
-          <p:cNvPr id="18" name="Straight Connector 17">
-            <a:extLst>
-              <a:ext uri="{FF2B5EF4-FFF2-40B4-BE49-F238E27FC236}">
-                <a16:creationId xmlns:a16="http://schemas.microsoft.com/office/drawing/2014/main" id="{552C052E-6206-488F-AF55-75D03BDB9B43}"/>
-              </a:ext>
-            </a:extLst>
-          </p:cNvPr>
-          <p:cNvCxnSpPr>
-            <a:cxnSpLocks/>
-          </p:cNvCxnSpPr>
-          <p:nvPr/>
-        </p:nvCxnSpPr>
-        <p:spPr>
-          <a:xfrm flipH="1">
-            <a:off x="2952572" y="2807111"/>
-            <a:ext cx="2609121" cy="973037"/>
-          </a:xfrm>
-          <a:prstGeom prst="line">
-            <a:avLst/>
-          </a:prstGeom>
-          <a:ln w="28575">
-            <a:solidFill>
-              <a:srgbClr val="FF0000"/>
-            </a:solidFill>
-            <a:headEnd type="none" w="lg" len="lg"/>
-            <a:tailEnd type="triangle" w="lg" len="lg"/>
-          </a:ln>
-        </p:spPr>
-        <p:style>
-          <a:lnRef idx="1">
-            <a:schemeClr val="accent1"/>
-          </a:lnRef>
-          <a:fillRef idx="0">
-            <a:schemeClr val="accent1"/>
-          </a:fillRef>
-          <a:effectRef idx="0">
-            <a:schemeClr val="accent1"/>
-          </a:effectRef>
-          <a:fontRef idx="minor">
-            <a:schemeClr val="tx1"/>
-          </a:fontRef>
-        </p:style>
-      </p:cxnSp>
-      <p:sp>
-        <p:nvSpPr>
-          <p:cNvPr id="20" name="TextBox 19">
-            <a:extLst>
-              <a:ext uri="{FF2B5EF4-FFF2-40B4-BE49-F238E27FC236}">
-                <a16:creationId xmlns:a16="http://schemas.microsoft.com/office/drawing/2014/main" id="{3DEBFF5A-7786-41EE-85A8-B463C0F42426}"/>
-              </a:ext>
-            </a:extLst>
-          </p:cNvPr>
-          <p:cNvSpPr txBox="1"/>
-          <p:nvPr/>
-        </p:nvSpPr>
-        <p:spPr>
-          <a:xfrm rot="20360508">
-            <a:off x="3192554" y="3226388"/>
-            <a:ext cx="2312874" cy="369332"/>
-          </a:xfrm>
-          <a:prstGeom prst="rect">
-            <a:avLst/>
-          </a:prstGeom>
-          <a:noFill/>
-        </p:spPr>
-        <p:txBody>
-          <a:bodyPr wrap="square" rtlCol="0">
-            <a:spAutoFit/>
-          </a:bodyPr>
-          <a:lstStyle/>
-          <a:p>
-            <a:r>
-              <a:rPr lang="en-CA" dirty="0" err="1"/>
-              <a:t>newObserver</a:t>
-            </a:r>
-            <a:endParaRPr lang="en-CA" dirty="0"/>
-          </a:p>
-        </p:txBody>
-      </p:sp>
-      <p:sp>
-        <p:nvSpPr>
-          <p:cNvPr id="12" name="TextBox 11">
-            <a:extLst>
-              <a:ext uri="{FF2B5EF4-FFF2-40B4-BE49-F238E27FC236}">
-                <a16:creationId xmlns:a16="http://schemas.microsoft.com/office/drawing/2014/main" id="{CBCC5FC8-8483-4274-96CA-CF87DC104B93}"/>
-              </a:ext>
-            </a:extLst>
-          </p:cNvPr>
-          <p:cNvSpPr txBox="1"/>
-          <p:nvPr/>
-        </p:nvSpPr>
-        <p:spPr>
-          <a:xfrm>
-            <a:off x="0" y="0"/>
-            <a:ext cx="2479249" cy="461665"/>
-          </a:xfrm>
-          <a:prstGeom prst="rect">
-            <a:avLst/>
-          </a:prstGeom>
-          <a:noFill/>
-        </p:spPr>
-        <p:txBody>
-          <a:bodyPr wrap="square" rtlCol="0">
-            <a:spAutoFit/>
-          </a:bodyPr>
-          <a:lstStyle/>
-          <a:p>
-            <a:r>
-              <a:rPr lang="en-CA" sz="2400" b="1" dirty="0"/>
-              <a:t>Player Request</a:t>
-            </a:r>
-          </a:p>
-        </p:txBody>
-      </p:sp>
-      <p:sp>
-        <p:nvSpPr>
-          <p:cNvPr id="22" name="TextBox 21">
-            <a:extLst>
-              <a:ext uri="{FF2B5EF4-FFF2-40B4-BE49-F238E27FC236}">
-                <a16:creationId xmlns:a16="http://schemas.microsoft.com/office/drawing/2014/main" id="{DE2BBBAC-841A-4AD8-AC65-12BE29341716}"/>
-              </a:ext>
-            </a:extLst>
-          </p:cNvPr>
-          <p:cNvSpPr txBox="1"/>
-          <p:nvPr/>
-        </p:nvSpPr>
-        <p:spPr>
-          <a:xfrm>
-            <a:off x="116530" y="4133242"/>
-            <a:ext cx="4232461" cy="923330"/>
-          </a:xfrm>
-          <a:prstGeom prst="rect">
-            <a:avLst/>
-          </a:prstGeom>
-          <a:noFill/>
-        </p:spPr>
-        <p:txBody>
-          <a:bodyPr wrap="square" rtlCol="0">
-            <a:spAutoFit/>
-          </a:bodyPr>
-          <a:lstStyle/>
-          <a:p>
-            <a:r>
-              <a:rPr lang="en-CA" dirty="0" err="1"/>
-              <a:t>playerName</a:t>
-            </a:r>
-            <a:r>
-              <a:rPr lang="en-CA" dirty="0"/>
-              <a:t> = </a:t>
-            </a:r>
-            <a:r>
-              <a:rPr lang="en-CA" dirty="0" err="1"/>
-              <a:t>AUDIENCE_MEMBER</a:t>
-            </a:r>
-            <a:endParaRPr lang="en-CA" dirty="0"/>
-          </a:p>
-          <a:p>
-            <a:r>
-              <a:rPr lang="en-CA" dirty="0" err="1"/>
-              <a:t>Broacast</a:t>
-            </a:r>
-            <a:r>
-              <a:rPr lang="en-CA" dirty="0"/>
-              <a:t> to ONLY the socket trying to join</a:t>
-            </a:r>
-          </a:p>
-          <a:p>
-            <a:endParaRPr lang="en-CA" dirty="0"/>
-          </a:p>
-        </p:txBody>
-      </p:sp>
     </p:spTree>
     <p:extLst>
       <p:ext uri="{BB962C8B-B14F-4D97-AF65-F5344CB8AC3E}">
-        <p14:creationId xmlns:p14="http://schemas.microsoft.com/office/powerpoint/2010/main" val="2924469556"/>
+        <p14:creationId xmlns:p14="http://schemas.microsoft.com/office/powerpoint/2010/main" val="3387815339"/>
       </p:ext>
     </p:extLst>
   </p:cSld>
@@ -5408,8 +4905,8 @@
         </p:nvSpPr>
         <p:spPr>
           <a:xfrm rot="20682798">
-            <a:off x="6467630" y="1696310"/>
-            <a:ext cx="1943468" cy="369332"/>
+            <a:off x="6472160" y="1730066"/>
+            <a:ext cx="1687398" cy="369332"/>
           </a:xfrm>
           <a:prstGeom prst="rect">
             <a:avLst/>
@@ -5424,7 +4921,7 @@
           <a:p>
             <a:r>
               <a:rPr lang="en-CA" dirty="0" err="1"/>
-              <a:t>audienceRequest</a:t>
+              <a:t>playerRequest</a:t>
             </a:r>
             <a:endParaRPr lang="en-CA" dirty="0"/>
           </a:p>
@@ -5444,8 +4941,8 @@
         </p:nvSpPr>
         <p:spPr>
           <a:xfrm>
-            <a:off x="9469117" y="403648"/>
-            <a:ext cx="2690588" cy="1477328"/>
+            <a:off x="9722460" y="568013"/>
+            <a:ext cx="1687398" cy="923330"/>
           </a:xfrm>
           <a:prstGeom prst="rect">
             <a:avLst/>
@@ -5460,35 +4957,17 @@
           <a:p>
             <a:r>
               <a:rPr lang="en-CA" dirty="0"/>
-              <a:t>Player lands on index, clicks “Watch as Audience”</a:t>
-            </a:r>
-          </a:p>
-          <a:p>
-            <a:r>
-              <a:rPr lang="en-CA" dirty="0" err="1"/>
-              <a:t>playerName</a:t>
-            </a:r>
-            <a:r>
-              <a:rPr lang="en-CA" dirty="0"/>
-              <a:t> = </a:t>
-            </a:r>
-            <a:r>
-              <a:rPr lang="en-CA" dirty="0" err="1"/>
-              <a:t>AUDIENCE_MEMBER</a:t>
-            </a:r>
-            <a:endParaRPr lang="en-CA" dirty="0"/>
-          </a:p>
-          <a:p>
-            <a:endParaRPr lang="en-CA" dirty="0"/>
+              <a:t>Player lands on index, clicks “join game”</a:t>
+            </a:r>
           </a:p>
         </p:txBody>
       </p:sp>
       <p:cxnSp>
         <p:nvCxnSpPr>
-          <p:cNvPr id="18" name="Straight Connector 17">
-            <a:extLst>
-              <a:ext uri="{FF2B5EF4-FFF2-40B4-BE49-F238E27FC236}">
-                <a16:creationId xmlns:a16="http://schemas.microsoft.com/office/drawing/2014/main" id="{552C052E-6206-488F-AF55-75D03BDB9B43}"/>
+          <p:cNvPr id="14" name="Straight Connector 13">
+            <a:extLst>
+              <a:ext uri="{FF2B5EF4-FFF2-40B4-BE49-F238E27FC236}">
+                <a16:creationId xmlns:a16="http://schemas.microsoft.com/office/drawing/2014/main" id="{0978EACB-9475-46A5-A8D8-C4356A0E7612}"/>
               </a:ext>
             </a:extLst>
           </p:cNvPr>
@@ -5498,9 +4977,9 @@
           <p:nvPr/>
         </p:nvCxnSpPr>
         <p:spPr>
-          <a:xfrm flipH="1">
-            <a:off x="2952572" y="2807111"/>
-            <a:ext cx="2609121" cy="973037"/>
+          <a:xfrm>
+            <a:off x="5895703" y="2821577"/>
+            <a:ext cx="2616701" cy="958571"/>
           </a:xfrm>
           <a:prstGeom prst="line">
             <a:avLst/>
@@ -5530,6 +5009,122 @@
       </p:cxnSp>
       <p:sp>
         <p:nvSpPr>
+          <p:cNvPr id="16" name="TextBox 15">
+            <a:extLst>
+              <a:ext uri="{FF2B5EF4-FFF2-40B4-BE49-F238E27FC236}">
+                <a16:creationId xmlns:a16="http://schemas.microsoft.com/office/drawing/2014/main" id="{16792A5A-F83C-4B3A-9A59-ADAA1D99AB9B}"/>
+              </a:ext>
+            </a:extLst>
+          </p:cNvPr>
+          <p:cNvSpPr txBox="1"/>
+          <p:nvPr/>
+        </p:nvSpPr>
+        <p:spPr>
+          <a:xfrm rot="1248694">
+            <a:off x="6229854" y="3327229"/>
+            <a:ext cx="2154027" cy="369332"/>
+          </a:xfrm>
+          <a:prstGeom prst="rect">
+            <a:avLst/>
+          </a:prstGeom>
+          <a:noFill/>
+        </p:spPr>
+        <p:txBody>
+          <a:bodyPr wrap="square" rtlCol="0">
+            <a:spAutoFit/>
+          </a:bodyPr>
+          <a:lstStyle/>
+          <a:p>
+            <a:r>
+              <a:rPr lang="en-CA" dirty="0" err="1"/>
+              <a:t>playerListChanged</a:t>
+            </a:r>
+            <a:endParaRPr lang="en-CA" dirty="0"/>
+          </a:p>
+        </p:txBody>
+      </p:sp>
+      <p:sp>
+        <p:nvSpPr>
+          <p:cNvPr id="17" name="TextBox 16">
+            <a:extLst>
+              <a:ext uri="{FF2B5EF4-FFF2-40B4-BE49-F238E27FC236}">
+                <a16:creationId xmlns:a16="http://schemas.microsoft.com/office/drawing/2014/main" id="{6E649200-E4E3-4219-AC19-D8F92B453DB4}"/>
+              </a:ext>
+            </a:extLst>
+          </p:cNvPr>
+          <p:cNvSpPr txBox="1"/>
+          <p:nvPr/>
+        </p:nvSpPr>
+        <p:spPr>
+          <a:xfrm>
+            <a:off x="8793162" y="3318483"/>
+            <a:ext cx="2616696" cy="923330"/>
+          </a:xfrm>
+          <a:prstGeom prst="rect">
+            <a:avLst/>
+          </a:prstGeom>
+          <a:noFill/>
+        </p:spPr>
+        <p:txBody>
+          <a:bodyPr wrap="square" rtlCol="0">
+            <a:spAutoFit/>
+          </a:bodyPr>
+          <a:lstStyle/>
+          <a:p>
+            <a:r>
+              <a:rPr lang="en-CA" dirty="0"/>
+              <a:t>Player successfully added to game, broadcast to ALL sockets</a:t>
+            </a:r>
+          </a:p>
+        </p:txBody>
+      </p:sp>
+      <p:cxnSp>
+        <p:nvCxnSpPr>
+          <p:cNvPr id="18" name="Straight Connector 17">
+            <a:extLst>
+              <a:ext uri="{FF2B5EF4-FFF2-40B4-BE49-F238E27FC236}">
+                <a16:creationId xmlns:a16="http://schemas.microsoft.com/office/drawing/2014/main" id="{552C052E-6206-488F-AF55-75D03BDB9B43}"/>
+              </a:ext>
+            </a:extLst>
+          </p:cNvPr>
+          <p:cNvCxnSpPr>
+            <a:cxnSpLocks/>
+          </p:cNvCxnSpPr>
+          <p:nvPr/>
+        </p:nvCxnSpPr>
+        <p:spPr>
+          <a:xfrm flipH="1">
+            <a:off x="2952572" y="2807111"/>
+            <a:ext cx="2609121" cy="973037"/>
+          </a:xfrm>
+          <a:prstGeom prst="line">
+            <a:avLst/>
+          </a:prstGeom>
+          <a:ln w="28575">
+            <a:solidFill>
+              <a:srgbClr val="FF0000"/>
+            </a:solidFill>
+            <a:headEnd type="none" w="lg" len="lg"/>
+            <a:tailEnd type="triangle" w="lg" len="lg"/>
+          </a:ln>
+        </p:spPr>
+        <p:style>
+          <a:lnRef idx="1">
+            <a:schemeClr val="accent1"/>
+          </a:lnRef>
+          <a:fillRef idx="0">
+            <a:schemeClr val="accent1"/>
+          </a:fillRef>
+          <a:effectRef idx="0">
+            <a:schemeClr val="accent1"/>
+          </a:effectRef>
+          <a:fontRef idx="minor">
+            <a:schemeClr val="tx1"/>
+          </a:fontRef>
+        </p:style>
+      </p:cxnSp>
+      <p:sp>
+        <p:nvSpPr>
           <p:cNvPr id="20" name="TextBox 19">
             <a:extLst>
               <a:ext uri="{FF2B5EF4-FFF2-40B4-BE49-F238E27FC236}">
@@ -5579,7 +5174,7 @@
         <p:spPr>
           <a:xfrm>
             <a:off x="0" y="0"/>
-            <a:ext cx="4907902" cy="461665"/>
+            <a:ext cx="2479249" cy="461665"/>
           </a:xfrm>
           <a:prstGeom prst="rect">
             <a:avLst/>
@@ -5594,7 +5189,7 @@
           <a:p>
             <a:r>
               <a:rPr lang="en-CA" sz="2400" b="1" dirty="0"/>
-              <a:t>Audience Request</a:t>
+              <a:t>Player Request</a:t>
             </a:r>
           </a:p>
         </p:txBody>
@@ -5613,8 +5208,8 @@
         </p:nvSpPr>
         <p:spPr>
           <a:xfrm>
-            <a:off x="116530" y="4067171"/>
-            <a:ext cx="4232461" cy="646331"/>
+            <a:off x="116530" y="4133242"/>
+            <a:ext cx="4232461" cy="923330"/>
           </a:xfrm>
           <a:prstGeom prst="rect">
             <a:avLst/>
@@ -5629,6 +5224,21 @@
           <a:p>
             <a:r>
               <a:rPr lang="en-CA" dirty="0" err="1"/>
+              <a:t>playerName</a:t>
+            </a:r>
+            <a:r>
+              <a:rPr lang="en-CA" dirty="0"/>
+              <a:t> = </a:t>
+            </a:r>
+            <a:r>
+              <a:rPr lang="en-CA" dirty="0" err="1"/>
+              <a:t>AUDIENCE_MEMBER</a:t>
+            </a:r>
+            <a:endParaRPr lang="en-CA" dirty="0"/>
+          </a:p>
+          <a:p>
+            <a:r>
+              <a:rPr lang="en-CA" dirty="0" err="1"/>
               <a:t>Broacast</a:t>
             </a:r>
             <a:r>
@@ -5644,7 +5254,7 @@
     </p:spTree>
     <p:extLst>
       <p:ext uri="{BB962C8B-B14F-4D97-AF65-F5344CB8AC3E}">
-        <p14:creationId xmlns:p14="http://schemas.microsoft.com/office/powerpoint/2010/main" val="2061288246"/>
+        <p14:creationId xmlns:p14="http://schemas.microsoft.com/office/powerpoint/2010/main" val="2924469556"/>
       </p:ext>
     </p:extLst>
   </p:cSld>
@@ -5891,8 +5501,61 @@
           <a:p>
             <a:r>
               <a:rPr lang="en-CA" dirty="0" err="1"/>
-              <a:t>hostRequest</a:t>
-            </a:r>
+              <a:t>audienceRequest</a:t>
+            </a:r>
+            <a:endParaRPr lang="en-CA" dirty="0"/>
+          </a:p>
+        </p:txBody>
+      </p:sp>
+      <p:sp>
+        <p:nvSpPr>
+          <p:cNvPr id="13" name="TextBox 12">
+            <a:extLst>
+              <a:ext uri="{FF2B5EF4-FFF2-40B4-BE49-F238E27FC236}">
+                <a16:creationId xmlns:a16="http://schemas.microsoft.com/office/drawing/2014/main" id="{06ED55D2-2DBD-4AF4-94D6-1CE632A0A946}"/>
+              </a:ext>
+            </a:extLst>
+          </p:cNvPr>
+          <p:cNvSpPr txBox="1"/>
+          <p:nvPr/>
+        </p:nvSpPr>
+        <p:spPr>
+          <a:xfrm>
+            <a:off x="9469117" y="403648"/>
+            <a:ext cx="2690588" cy="1477328"/>
+          </a:xfrm>
+          <a:prstGeom prst="rect">
+            <a:avLst/>
+          </a:prstGeom>
+          <a:noFill/>
+        </p:spPr>
+        <p:txBody>
+          <a:bodyPr wrap="square" rtlCol="0">
+            <a:spAutoFit/>
+          </a:bodyPr>
+          <a:lstStyle/>
+          <a:p>
+            <a:r>
+              <a:rPr lang="en-CA" dirty="0"/>
+              <a:t>Player lands on index, clicks “Watch as Audience”</a:t>
+            </a:r>
+          </a:p>
+          <a:p>
+            <a:r>
+              <a:rPr lang="en-CA" dirty="0" err="1"/>
+              <a:t>playerName</a:t>
+            </a:r>
+            <a:r>
+              <a:rPr lang="en-CA" dirty="0"/>
+              <a:t> = </a:t>
+            </a:r>
+            <a:r>
+              <a:rPr lang="en-CA" dirty="0" err="1"/>
+              <a:t>AUDIENCE_MEMBER</a:t>
+            </a:r>
+            <a:endParaRPr lang="en-CA" dirty="0"/>
+          </a:p>
+          <a:p>
             <a:endParaRPr lang="en-CA" dirty="0"/>
           </a:p>
         </p:txBody>
@@ -5972,7 +5635,7 @@
           <a:p>
             <a:r>
               <a:rPr lang="en-CA" dirty="0" err="1"/>
-              <a:t>newCastMember</a:t>
+              <a:t>newObserver</a:t>
             </a:r>
             <a:endParaRPr lang="en-CA" dirty="0"/>
           </a:p>
@@ -6008,7 +5671,7 @@
           <a:p>
             <a:r>
               <a:rPr lang="en-CA" sz="2400" b="1" dirty="0"/>
-              <a:t>Host Request</a:t>
+              <a:t>Audience Request</a:t>
             </a:r>
           </a:p>
         </p:txBody>
@@ -6042,111 +5705,23 @@
           <a:lstStyle/>
           <a:p>
             <a:r>
+              <a:rPr lang="en-CA" dirty="0" err="1"/>
+              <a:t>Broacast</a:t>
+            </a:r>
+            <a:r>
               <a:rPr lang="en-CA" dirty="0"/>
-              <a:t>Broadcast to ONLY the socket trying to join</a:t>
+              <a:t> to ONLY the socket trying to join</a:t>
             </a:r>
           </a:p>
           <a:p>
             <a:endParaRPr lang="en-CA" dirty="0"/>
-          </a:p>
-        </p:txBody>
-      </p:sp>
-      <p:sp>
-        <p:nvSpPr>
-          <p:cNvPr id="14" name="TextBox 13">
-            <a:extLst>
-              <a:ext uri="{FF2B5EF4-FFF2-40B4-BE49-F238E27FC236}">
-                <a16:creationId xmlns:a16="http://schemas.microsoft.com/office/drawing/2014/main" id="{D7135AA9-278D-4E16-97B9-07679DB7C4D9}"/>
-              </a:ext>
-            </a:extLst>
-          </p:cNvPr>
-          <p:cNvSpPr txBox="1"/>
-          <p:nvPr/>
-        </p:nvSpPr>
-        <p:spPr>
-          <a:xfrm>
-            <a:off x="9366481" y="317726"/>
-            <a:ext cx="2690588" cy="1477328"/>
-          </a:xfrm>
-          <a:prstGeom prst="rect">
-            <a:avLst/>
-          </a:prstGeom>
-          <a:noFill/>
-        </p:spPr>
-        <p:txBody>
-          <a:bodyPr wrap="square" rtlCol="0">
-            <a:spAutoFit/>
-          </a:bodyPr>
-          <a:lstStyle/>
-          <a:p>
-            <a:r>
-              <a:rPr lang="en-CA" dirty="0"/>
-              <a:t>Host lands on index, clicks “I am Garrett”</a:t>
-            </a:r>
-          </a:p>
-          <a:p>
-            <a:r>
-              <a:rPr lang="en-CA" dirty="0" err="1"/>
-              <a:t>playerName</a:t>
-            </a:r>
-            <a:r>
-              <a:rPr lang="en-CA" dirty="0"/>
-              <a:t> = </a:t>
-            </a:r>
-            <a:r>
-              <a:rPr lang="en-CA" dirty="0" err="1"/>
-              <a:t>HOST_GARRETT</a:t>
-            </a:r>
-            <a:endParaRPr lang="en-CA" dirty="0"/>
-          </a:p>
-          <a:p>
-            <a:endParaRPr lang="en-CA" dirty="0"/>
-          </a:p>
-        </p:txBody>
-      </p:sp>
-      <p:sp>
-        <p:nvSpPr>
-          <p:cNvPr id="15" name="TextBox 14">
-            <a:extLst>
-              <a:ext uri="{FF2B5EF4-FFF2-40B4-BE49-F238E27FC236}">
-                <a16:creationId xmlns:a16="http://schemas.microsoft.com/office/drawing/2014/main" id="{A0608BED-905A-472D-BF68-DEC92BAC6DCD}"/>
-              </a:ext>
-            </a:extLst>
-          </p:cNvPr>
-          <p:cNvSpPr txBox="1"/>
-          <p:nvPr/>
-        </p:nvSpPr>
-        <p:spPr>
-          <a:xfrm>
-            <a:off x="5981135" y="2504719"/>
-            <a:ext cx="2690588" cy="369332"/>
-          </a:xfrm>
-          <a:prstGeom prst="rect">
-            <a:avLst/>
-          </a:prstGeom>
-          <a:noFill/>
-        </p:spPr>
-        <p:txBody>
-          <a:bodyPr wrap="square" rtlCol="0">
-            <a:spAutoFit/>
-          </a:bodyPr>
-          <a:lstStyle/>
-          <a:p>
-            <a:r>
-              <a:rPr lang="en-CA" dirty="0" err="1"/>
-              <a:t>HostSocketID</a:t>
-            </a:r>
-            <a:r>
-              <a:rPr lang="en-CA" dirty="0"/>
-              <a:t> is recorded</a:t>
-            </a:r>
           </a:p>
         </p:txBody>
       </p:sp>
     </p:spTree>
     <p:extLst>
       <p:ext uri="{BB962C8B-B14F-4D97-AF65-F5344CB8AC3E}">
-        <p14:creationId xmlns:p14="http://schemas.microsoft.com/office/powerpoint/2010/main" val="3693801284"/>
+        <p14:creationId xmlns:p14="http://schemas.microsoft.com/office/powerpoint/2010/main" val="2061288246"/>
       </p:ext>
     </p:extLst>
   </p:cSld>
@@ -6393,62 +5968,9 @@
           <a:p>
             <a:r>
               <a:rPr lang="en-CA" dirty="0" err="1"/>
-              <a:t>technicianRequest</a:t>
+              <a:t>hostRequest</a:t>
             </a:r>
             <a:endParaRPr lang="en-CA" dirty="0"/>
-          </a:p>
-        </p:txBody>
-      </p:sp>
-      <p:sp>
-        <p:nvSpPr>
-          <p:cNvPr id="13" name="TextBox 12">
-            <a:extLst>
-              <a:ext uri="{FF2B5EF4-FFF2-40B4-BE49-F238E27FC236}">
-                <a16:creationId xmlns:a16="http://schemas.microsoft.com/office/drawing/2014/main" id="{06ED55D2-2DBD-4AF4-94D6-1CE632A0A946}"/>
-              </a:ext>
-            </a:extLst>
-          </p:cNvPr>
-          <p:cNvSpPr txBox="1"/>
-          <p:nvPr/>
-        </p:nvSpPr>
-        <p:spPr>
-          <a:xfrm>
-            <a:off x="9469117" y="403648"/>
-            <a:ext cx="2690588" cy="1200329"/>
-          </a:xfrm>
-          <a:prstGeom prst="rect">
-            <a:avLst/>
-          </a:prstGeom>
-          <a:noFill/>
-        </p:spPr>
-        <p:txBody>
-          <a:bodyPr wrap="square" rtlCol="0">
-            <a:spAutoFit/>
-          </a:bodyPr>
-          <a:lstStyle/>
-          <a:p>
-            <a:r>
-              <a:rPr lang="en-CA" dirty="0"/>
-              <a:t>Technician clicks “I am Geoff”, </a:t>
-            </a:r>
-          </a:p>
-          <a:p>
-            <a:r>
-              <a:rPr lang="en-CA" dirty="0" err="1"/>
-              <a:t>playerName</a:t>
-            </a:r>
-            <a:r>
-              <a:rPr lang="en-CA" dirty="0"/>
-              <a:t> = “</a:t>
-            </a:r>
-            <a:r>
-              <a:rPr lang="en-CA" dirty="0" err="1"/>
-              <a:t>TECHNICIAN_GEOFF</a:t>
-            </a:r>
-            <a:r>
-              <a:rPr lang="en-CA" dirty="0"/>
-              <a:t>”</a:t>
-            </a:r>
           </a:p>
         </p:txBody>
       </p:sp>
@@ -6563,7 +6085,7 @@
           <a:p>
             <a:r>
               <a:rPr lang="en-CA" sz="2400" b="1" dirty="0"/>
-              <a:t>Technician Request</a:t>
+              <a:t>Host Request</a:t>
             </a:r>
           </a:p>
         </p:txBody>
@@ -6611,7 +6133,7 @@
           <p:cNvPr id="14" name="TextBox 13">
             <a:extLst>
               <a:ext uri="{FF2B5EF4-FFF2-40B4-BE49-F238E27FC236}">
-                <a16:creationId xmlns:a16="http://schemas.microsoft.com/office/drawing/2014/main" id="{0DA9A4E3-86E5-438D-8625-D88A123B31E0}"/>
+                <a16:creationId xmlns:a16="http://schemas.microsoft.com/office/drawing/2014/main" id="{D7135AA9-278D-4E16-97B9-07679DB7C4D9}"/>
               </a:ext>
             </a:extLst>
           </p:cNvPr>
@@ -6620,8 +6142,8 @@
         </p:nvSpPr>
         <p:spPr>
           <a:xfrm>
-            <a:off x="5810883" y="2645613"/>
-            <a:ext cx="3487979" cy="369332"/>
+            <a:off x="9366481" y="317726"/>
+            <a:ext cx="2690588" cy="1477328"/>
           </a:xfrm>
           <a:prstGeom prst="rect">
             <a:avLst/>
@@ -6635,8 +6157,61 @@
           <a:lstStyle/>
           <a:p>
             <a:r>
+              <a:rPr lang="en-CA" dirty="0"/>
+              <a:t>Host lands on index, clicks “I am Garrett”</a:t>
+            </a:r>
+          </a:p>
+          <a:p>
+            <a:r>
               <a:rPr lang="en-CA" dirty="0" err="1"/>
-              <a:t>technicianSocketID</a:t>
+              <a:t>playerName</a:t>
+            </a:r>
+            <a:r>
+              <a:rPr lang="en-CA" dirty="0"/>
+              <a:t> = </a:t>
+            </a:r>
+            <a:r>
+              <a:rPr lang="en-CA" dirty="0" err="1"/>
+              <a:t>HOST_GARRETT</a:t>
+            </a:r>
+            <a:endParaRPr lang="en-CA" dirty="0"/>
+          </a:p>
+          <a:p>
+            <a:endParaRPr lang="en-CA" dirty="0"/>
+          </a:p>
+        </p:txBody>
+      </p:sp>
+      <p:sp>
+        <p:nvSpPr>
+          <p:cNvPr id="15" name="TextBox 14">
+            <a:extLst>
+              <a:ext uri="{FF2B5EF4-FFF2-40B4-BE49-F238E27FC236}">
+                <a16:creationId xmlns:a16="http://schemas.microsoft.com/office/drawing/2014/main" id="{A0608BED-905A-472D-BF68-DEC92BAC6DCD}"/>
+              </a:ext>
+            </a:extLst>
+          </p:cNvPr>
+          <p:cNvSpPr txBox="1"/>
+          <p:nvPr/>
+        </p:nvSpPr>
+        <p:spPr>
+          <a:xfrm>
+            <a:off x="5981135" y="2504719"/>
+            <a:ext cx="2690588" cy="369332"/>
+          </a:xfrm>
+          <a:prstGeom prst="rect">
+            <a:avLst/>
+          </a:prstGeom>
+          <a:noFill/>
+        </p:spPr>
+        <p:txBody>
+          <a:bodyPr wrap="square" rtlCol="0">
+            <a:spAutoFit/>
+          </a:bodyPr>
+          <a:lstStyle/>
+          <a:p>
+            <a:r>
+              <a:rPr lang="en-CA" dirty="0" err="1"/>
+              <a:t>HostSocketID</a:t>
             </a:r>
             <a:r>
               <a:rPr lang="en-CA" dirty="0"/>
@@ -6648,7 +6223,7 @@
     </p:spTree>
     <p:extLst>
       <p:ext uri="{BB962C8B-B14F-4D97-AF65-F5344CB8AC3E}">
-        <p14:creationId xmlns:p14="http://schemas.microsoft.com/office/powerpoint/2010/main" val="1081541350"/>
+        <p14:creationId xmlns:p14="http://schemas.microsoft.com/office/powerpoint/2010/main" val="3693801284"/>
       </p:ext>
     </p:extLst>
   </p:cSld>
@@ -6895,7 +6470,7 @@
           <a:p>
             <a:r>
               <a:rPr lang="en-CA" dirty="0" err="1"/>
-              <a:t>leaveGame</a:t>
+              <a:t>technicianRequest</a:t>
             </a:r>
             <a:endParaRPr lang="en-CA" dirty="0"/>
           </a:p>
@@ -6916,7 +6491,7 @@
         <p:spPr>
           <a:xfrm>
             <a:off x="9469117" y="403648"/>
-            <a:ext cx="2690588" cy="646331"/>
+            <a:ext cx="2690588" cy="1200329"/>
           </a:xfrm>
           <a:prstGeom prst="rect">
             <a:avLst/>
@@ -6931,52 +6506,35 @@
           <a:p>
             <a:r>
               <a:rPr lang="en-CA" dirty="0"/>
-              <a:t>Player refreshes/closes the tab</a:t>
-            </a:r>
-          </a:p>
-        </p:txBody>
-      </p:sp>
-      <p:sp>
-        <p:nvSpPr>
-          <p:cNvPr id="12" name="TextBox 11">
-            <a:extLst>
-              <a:ext uri="{FF2B5EF4-FFF2-40B4-BE49-F238E27FC236}">
-                <a16:creationId xmlns:a16="http://schemas.microsoft.com/office/drawing/2014/main" id="{CBCC5FC8-8483-4274-96CA-CF87DC104B93}"/>
-              </a:ext>
-            </a:extLst>
-          </p:cNvPr>
-          <p:cNvSpPr txBox="1"/>
-          <p:nvPr/>
-        </p:nvSpPr>
-        <p:spPr>
-          <a:xfrm>
-            <a:off x="0" y="0"/>
-            <a:ext cx="3101419" cy="461665"/>
-          </a:xfrm>
-          <a:prstGeom prst="rect">
-            <a:avLst/>
-          </a:prstGeom>
-          <a:noFill/>
-        </p:spPr>
-        <p:txBody>
-          <a:bodyPr wrap="square" rtlCol="0">
-            <a:spAutoFit/>
-          </a:bodyPr>
-          <a:lstStyle/>
-          <a:p>
-            <a:r>
-              <a:rPr lang="en-CA" sz="2400" b="1" dirty="0"/>
-              <a:t>Player Leaves Game</a:t>
+              <a:t>Technician clicks “I am Geoff”, </a:t>
+            </a:r>
+          </a:p>
+          <a:p>
+            <a:r>
+              <a:rPr lang="en-CA" dirty="0" err="1"/>
+              <a:t>playerName</a:t>
+            </a:r>
+            <a:r>
+              <a:rPr lang="en-CA" dirty="0"/>
+              <a:t> = “</a:t>
+            </a:r>
+            <a:r>
+              <a:rPr lang="en-CA" dirty="0" err="1"/>
+              <a:t>TECHNICIAN_GEOFF</a:t>
+            </a:r>
+            <a:r>
+              <a:rPr lang="en-CA" dirty="0"/>
+              <a:t>”</a:t>
             </a:r>
           </a:p>
         </p:txBody>
       </p:sp>
       <p:cxnSp>
         <p:nvCxnSpPr>
-          <p:cNvPr id="14" name="Straight Connector 13">
-            <a:extLst>
-              <a:ext uri="{FF2B5EF4-FFF2-40B4-BE49-F238E27FC236}">
-                <a16:creationId xmlns:a16="http://schemas.microsoft.com/office/drawing/2014/main" id="{0B168BB9-2FFE-4390-A062-8727EF70FE7B}"/>
+          <p:cNvPr id="18" name="Straight Connector 17">
+            <a:extLst>
+              <a:ext uri="{FF2B5EF4-FFF2-40B4-BE49-F238E27FC236}">
+                <a16:creationId xmlns:a16="http://schemas.microsoft.com/office/drawing/2014/main" id="{552C052E-6206-488F-AF55-75D03BDB9B43}"/>
               </a:ext>
             </a:extLst>
           </p:cNvPr>
@@ -6986,9 +6544,9 @@
           <p:nvPr/>
         </p:nvCxnSpPr>
         <p:spPr>
-          <a:xfrm>
-            <a:off x="5895703" y="2821577"/>
-            <a:ext cx="2616701" cy="958571"/>
+          <a:xfrm flipH="1">
+            <a:off x="2952572" y="2807111"/>
+            <a:ext cx="2609121" cy="973037"/>
           </a:xfrm>
           <a:prstGeom prst="line">
             <a:avLst/>
@@ -7018,10 +6576,10 @@
       </p:cxnSp>
       <p:sp>
         <p:nvSpPr>
-          <p:cNvPr id="15" name="TextBox 14">
-            <a:extLst>
-              <a:ext uri="{FF2B5EF4-FFF2-40B4-BE49-F238E27FC236}">
-                <a16:creationId xmlns:a16="http://schemas.microsoft.com/office/drawing/2014/main" id="{F227B532-2DB3-4F25-8AAF-6F03FD75AE9C}"/>
+          <p:cNvPr id="20" name="TextBox 19">
+            <a:extLst>
+              <a:ext uri="{FF2B5EF4-FFF2-40B4-BE49-F238E27FC236}">
+                <a16:creationId xmlns:a16="http://schemas.microsoft.com/office/drawing/2014/main" id="{3DEBFF5A-7786-41EE-85A8-B463C0F42426}"/>
               </a:ext>
             </a:extLst>
           </p:cNvPr>
@@ -7029,9 +6587,9 @@
           <p:nvPr/>
         </p:nvSpPr>
         <p:spPr>
-          <a:xfrm rot="1248694">
-            <a:off x="6229854" y="3327229"/>
-            <a:ext cx="2154027" cy="369332"/>
+          <a:xfrm rot="20360508">
+            <a:off x="3192554" y="3226388"/>
+            <a:ext cx="2312874" cy="369332"/>
           </a:xfrm>
           <a:prstGeom prst="rect">
             <a:avLst/>
@@ -7046,7 +6604,7 @@
           <a:p>
             <a:r>
               <a:rPr lang="en-CA" dirty="0" err="1"/>
-              <a:t>playerListChanged</a:t>
+              <a:t>newCastMember</a:t>
             </a:r>
             <a:endParaRPr lang="en-CA" dirty="0"/>
           </a:p>
@@ -7054,10 +6612,10 @@
       </p:sp>
       <p:sp>
         <p:nvSpPr>
-          <p:cNvPr id="16" name="TextBox 15">
-            <a:extLst>
-              <a:ext uri="{FF2B5EF4-FFF2-40B4-BE49-F238E27FC236}">
-                <a16:creationId xmlns:a16="http://schemas.microsoft.com/office/drawing/2014/main" id="{6C7881EB-DF18-405B-970C-2BB53B413923}"/>
+          <p:cNvPr id="12" name="TextBox 11">
+            <a:extLst>
+              <a:ext uri="{FF2B5EF4-FFF2-40B4-BE49-F238E27FC236}">
+                <a16:creationId xmlns:a16="http://schemas.microsoft.com/office/drawing/2014/main" id="{CBCC5FC8-8483-4274-96CA-CF87DC104B93}"/>
               </a:ext>
             </a:extLst>
           </p:cNvPr>
@@ -7066,8 +6624,8 @@
         </p:nvSpPr>
         <p:spPr>
           <a:xfrm>
-            <a:off x="8793161" y="3318483"/>
-            <a:ext cx="2962061" cy="923330"/>
+            <a:off x="0" y="0"/>
+            <a:ext cx="4907902" cy="461665"/>
           </a:xfrm>
           <a:prstGeom prst="rect">
             <a:avLst/>
@@ -7081,25 +6639,85 @@
           <a:lstStyle/>
           <a:p>
             <a:r>
+              <a:rPr lang="en-CA" sz="2400" b="1" dirty="0"/>
+              <a:t>Technician Request</a:t>
+            </a:r>
+          </a:p>
+        </p:txBody>
+      </p:sp>
+      <p:sp>
+        <p:nvSpPr>
+          <p:cNvPr id="22" name="TextBox 21">
+            <a:extLst>
+              <a:ext uri="{FF2B5EF4-FFF2-40B4-BE49-F238E27FC236}">
+                <a16:creationId xmlns:a16="http://schemas.microsoft.com/office/drawing/2014/main" id="{DE2BBBAC-841A-4AD8-AC65-12BE29341716}"/>
+              </a:ext>
+            </a:extLst>
+          </p:cNvPr>
+          <p:cNvSpPr txBox="1"/>
+          <p:nvPr/>
+        </p:nvSpPr>
+        <p:spPr>
+          <a:xfrm>
+            <a:off x="116530" y="4067171"/>
+            <a:ext cx="4232461" cy="646331"/>
+          </a:xfrm>
+          <a:prstGeom prst="rect">
+            <a:avLst/>
+          </a:prstGeom>
+          <a:noFill/>
+        </p:spPr>
+        <p:txBody>
+          <a:bodyPr wrap="square" rtlCol="0">
+            <a:spAutoFit/>
+          </a:bodyPr>
+          <a:lstStyle/>
+          <a:p>
+            <a:r>
               <a:rPr lang="en-CA" dirty="0"/>
-              <a:t>Name = null, </a:t>
-            </a:r>
+              <a:t>Broadcast to ONLY the socket trying to join</a:t>
+            </a:r>
+          </a:p>
+          <a:p>
+            <a:endParaRPr lang="en-CA" dirty="0"/>
+          </a:p>
+        </p:txBody>
+      </p:sp>
+      <p:sp>
+        <p:nvSpPr>
+          <p:cNvPr id="14" name="TextBox 13">
+            <a:extLst>
+              <a:ext uri="{FF2B5EF4-FFF2-40B4-BE49-F238E27FC236}">
+                <a16:creationId xmlns:a16="http://schemas.microsoft.com/office/drawing/2014/main" id="{0DA9A4E3-86E5-438D-8625-D88A123B31E0}"/>
+              </a:ext>
+            </a:extLst>
+          </p:cNvPr>
+          <p:cNvSpPr txBox="1"/>
+          <p:nvPr/>
+        </p:nvSpPr>
+        <p:spPr>
+          <a:xfrm>
+            <a:off x="5810883" y="2645613"/>
+            <a:ext cx="3487979" cy="369332"/>
+          </a:xfrm>
+          <a:prstGeom prst="rect">
+            <a:avLst/>
+          </a:prstGeom>
+          <a:noFill/>
+        </p:spPr>
+        <p:txBody>
+          <a:bodyPr wrap="square" rtlCol="0">
+            <a:spAutoFit/>
+          </a:bodyPr>
+          <a:lstStyle/>
+          <a:p>
             <a:r>
               <a:rPr lang="en-CA" dirty="0" err="1"/>
-              <a:t>numPlayers</a:t>
+              <a:t>technicianSocketID</a:t>
             </a:r>
             <a:r>
               <a:rPr lang="en-CA" dirty="0"/>
-              <a:t> -= 1 </a:t>
-            </a:r>
-          </a:p>
-          <a:p>
-            <a:endParaRPr lang="en-CA" dirty="0"/>
-          </a:p>
-          <a:p>
-            <a:r>
-              <a:rPr lang="en-CA" dirty="0"/>
-              <a:t>broadcast to ALL sockets</a:t>
+              <a:t> is recorded</a:t>
             </a:r>
           </a:p>
         </p:txBody>
@@ -7107,7 +6725,7 @@
     </p:spTree>
     <p:extLst>
       <p:ext uri="{BB962C8B-B14F-4D97-AF65-F5344CB8AC3E}">
-        <p14:creationId xmlns:p14="http://schemas.microsoft.com/office/powerpoint/2010/main" val="1103616813"/>
+        <p14:creationId xmlns:p14="http://schemas.microsoft.com/office/powerpoint/2010/main" val="1081541350"/>
       </p:ext>
     </p:extLst>
   </p:cSld>
@@ -7354,7 +6972,7 @@
           <a:p>
             <a:r>
               <a:rPr lang="en-CA" dirty="0" err="1"/>
-              <a:t>messageRequest</a:t>
+              <a:t>leaveGame</a:t>
             </a:r>
             <a:endParaRPr lang="en-CA" dirty="0"/>
           </a:p>
@@ -7390,13 +7008,7 @@
           <a:p>
             <a:r>
               <a:rPr lang="en-CA" dirty="0"/>
-              <a:t>Host clicks ‘send’</a:t>
-            </a:r>
-          </a:p>
-          <a:p>
-            <a:r>
-              <a:rPr lang="en-CA" dirty="0"/>
-              <a:t>‘sender’ is specified</a:t>
+              <a:t>Player refreshes/closes the tab</a:t>
             </a:r>
           </a:p>
         </p:txBody>
@@ -7431,7 +7043,7 @@
           <a:p>
             <a:r>
               <a:rPr lang="en-CA" sz="2400" b="1" dirty="0"/>
-              <a:t>Cast Sends Message</a:t>
+              <a:t>Player Leaves Game</a:t>
             </a:r>
           </a:p>
         </p:txBody>
@@ -7511,7 +7123,7 @@
           <a:p>
             <a:r>
               <a:rPr lang="en-CA" dirty="0" err="1"/>
-              <a:t>messageDelivery</a:t>
+              <a:t>playerListChanged</a:t>
             </a:r>
             <a:endParaRPr lang="en-CA" dirty="0"/>
           </a:p>
@@ -7532,7 +7144,7 @@
         <p:spPr>
           <a:xfrm>
             <a:off x="8793161" y="3318483"/>
-            <a:ext cx="2962061" cy="646331"/>
+            <a:ext cx="2962061" cy="923330"/>
           </a:xfrm>
           <a:prstGeom prst="rect">
             <a:avLst/>
@@ -7547,55 +7159,24 @@
           <a:p>
             <a:r>
               <a:rPr lang="en-CA" dirty="0"/>
-              <a:t>sender: </a:t>
+              <a:t>Name = null, </a:t>
             </a:r>
             <a:r>
               <a:rPr lang="en-CA" dirty="0" err="1"/>
-              <a:t>HOST_GARRETT</a:t>
+              <a:t>numPlayers</a:t>
             </a:r>
             <a:r>
               <a:rPr lang="en-CA" dirty="0"/>
-              <a:t> or </a:t>
-            </a:r>
-            <a:r>
-              <a:rPr lang="en-CA" dirty="0" err="1"/>
-              <a:t>TECHNICIAN_GEOFF</a:t>
-            </a:r>
+              <a:t> -= 1 </a:t>
+            </a:r>
+          </a:p>
+          <a:p>
             <a:endParaRPr lang="en-CA" dirty="0"/>
           </a:p>
-        </p:txBody>
-      </p:sp>
-      <p:sp>
-        <p:nvSpPr>
-          <p:cNvPr id="17" name="TextBox 16">
-            <a:extLst>
-              <a:ext uri="{FF2B5EF4-FFF2-40B4-BE49-F238E27FC236}">
-                <a16:creationId xmlns:a16="http://schemas.microsoft.com/office/drawing/2014/main" id="{57FCC26E-B2CC-4059-A9DF-65C62C29FF99}"/>
-              </a:ext>
-            </a:extLst>
-          </p:cNvPr>
-          <p:cNvSpPr txBox="1"/>
-          <p:nvPr/>
-        </p:nvSpPr>
-        <p:spPr>
-          <a:xfrm>
-            <a:off x="2652885" y="2409518"/>
-            <a:ext cx="2962061" cy="646331"/>
-          </a:xfrm>
-          <a:prstGeom prst="rect">
-            <a:avLst/>
-          </a:prstGeom>
-          <a:noFill/>
-        </p:spPr>
-        <p:txBody>
-          <a:bodyPr wrap="square" rtlCol="0">
-            <a:spAutoFit/>
-          </a:bodyPr>
-          <a:lstStyle/>
           <a:p>
             <a:r>
               <a:rPr lang="en-CA" dirty="0"/>
-              <a:t>ONLY BROADCAST TO CAST MEMBERS</a:t>
+              <a:t>broadcast to ALL sockets</a:t>
             </a:r>
           </a:p>
         </p:txBody>
@@ -7603,7 +7184,7 @@
     </p:spTree>
     <p:extLst>
       <p:ext uri="{BB962C8B-B14F-4D97-AF65-F5344CB8AC3E}">
-        <p14:creationId xmlns:p14="http://schemas.microsoft.com/office/powerpoint/2010/main" val="2630942091"/>
+        <p14:creationId xmlns:p14="http://schemas.microsoft.com/office/powerpoint/2010/main" val="1103616813"/>
       </p:ext>
     </p:extLst>
   </p:cSld>
@@ -7850,7 +7431,7 @@
           <a:p>
             <a:r>
               <a:rPr lang="en-CA" dirty="0" err="1"/>
-              <a:t>gameDataRequest</a:t>
+              <a:t>messageRequest</a:t>
             </a:r>
             <a:endParaRPr lang="en-CA" dirty="0"/>
           </a:p>
@@ -7886,7 +7467,13 @@
           <a:p>
             <a:r>
               <a:rPr lang="en-CA" dirty="0"/>
-              <a:t>Technician clicks ‘request current data’</a:t>
+              <a:t>Host clicks ‘send’</a:t>
+            </a:r>
+          </a:p>
+          <a:p>
+            <a:r>
+              <a:rPr lang="en-CA" dirty="0"/>
+              <a:t>‘sender’ is specified</a:t>
             </a:r>
           </a:p>
         </p:txBody>
@@ -7905,8 +7492,8 @@
         </p:nvSpPr>
         <p:spPr>
           <a:xfrm>
-            <a:off x="32295" y="0"/>
-            <a:ext cx="4754309" cy="461665"/>
+            <a:off x="0" y="0"/>
+            <a:ext cx="3101419" cy="461665"/>
           </a:xfrm>
           <a:prstGeom prst="rect">
             <a:avLst/>
@@ -7921,7 +7508,7 @@
           <a:p>
             <a:r>
               <a:rPr lang="en-CA" sz="2400" b="1" dirty="0"/>
-              <a:t>Technician request fresh data</a:t>
+              <a:t>Cast Sends Message</a:t>
             </a:r>
           </a:p>
         </p:txBody>
@@ -8001,7 +7588,7 @@
           <a:p>
             <a:r>
               <a:rPr lang="en-CA" dirty="0" err="1"/>
-              <a:t>gameDataDelivery</a:t>
+              <a:t>messageDelivery</a:t>
             </a:r>
             <a:endParaRPr lang="en-CA" dirty="0"/>
           </a:p>
@@ -8009,10 +7596,10 @@
       </p:sp>
       <p:sp>
         <p:nvSpPr>
-          <p:cNvPr id="17" name="TextBox 16">
-            <a:extLst>
-              <a:ext uri="{FF2B5EF4-FFF2-40B4-BE49-F238E27FC236}">
-                <a16:creationId xmlns:a16="http://schemas.microsoft.com/office/drawing/2014/main" id="{57FCC26E-B2CC-4059-A9DF-65C62C29FF99}"/>
+          <p:cNvPr id="16" name="TextBox 15">
+            <a:extLst>
+              <a:ext uri="{FF2B5EF4-FFF2-40B4-BE49-F238E27FC236}">
+                <a16:creationId xmlns:a16="http://schemas.microsoft.com/office/drawing/2014/main" id="{6C7881EB-DF18-405B-970C-2BB53B413923}"/>
               </a:ext>
             </a:extLst>
           </p:cNvPr>
@@ -8021,8 +7608,8 @@
         </p:nvSpPr>
         <p:spPr>
           <a:xfrm>
-            <a:off x="3491263" y="2604785"/>
-            <a:ext cx="2962061" cy="369332"/>
+            <a:off x="8793161" y="3318483"/>
+            <a:ext cx="2962061" cy="646331"/>
           </a:xfrm>
           <a:prstGeom prst="rect">
             <a:avLst/>
@@ -8037,7 +7624,55 @@
           <a:p>
             <a:r>
               <a:rPr lang="en-CA" dirty="0"/>
-              <a:t>Only sent to host:</a:t>
+              <a:t>sender: </a:t>
+            </a:r>
+            <a:r>
+              <a:rPr lang="en-CA" dirty="0" err="1"/>
+              <a:t>HOST_GARRETT</a:t>
+            </a:r>
+            <a:r>
+              <a:rPr lang="en-CA" dirty="0"/>
+              <a:t> or </a:t>
+            </a:r>
+            <a:r>
+              <a:rPr lang="en-CA" dirty="0" err="1"/>
+              <a:t>TECHNICIAN_GEOFF</a:t>
+            </a:r>
+            <a:endParaRPr lang="en-CA" dirty="0"/>
+          </a:p>
+        </p:txBody>
+      </p:sp>
+      <p:sp>
+        <p:nvSpPr>
+          <p:cNvPr id="17" name="TextBox 16">
+            <a:extLst>
+              <a:ext uri="{FF2B5EF4-FFF2-40B4-BE49-F238E27FC236}">
+                <a16:creationId xmlns:a16="http://schemas.microsoft.com/office/drawing/2014/main" id="{57FCC26E-B2CC-4059-A9DF-65C62C29FF99}"/>
+              </a:ext>
+            </a:extLst>
+          </p:cNvPr>
+          <p:cNvSpPr txBox="1"/>
+          <p:nvPr/>
+        </p:nvSpPr>
+        <p:spPr>
+          <a:xfrm>
+            <a:off x="2652885" y="2409518"/>
+            <a:ext cx="2962061" cy="646331"/>
+          </a:xfrm>
+          <a:prstGeom prst="rect">
+            <a:avLst/>
+          </a:prstGeom>
+          <a:noFill/>
+        </p:spPr>
+        <p:txBody>
+          <a:bodyPr wrap="square" rtlCol="0">
+            <a:spAutoFit/>
+          </a:bodyPr>
+          <a:lstStyle/>
+          <a:p>
+            <a:r>
+              <a:rPr lang="en-CA" dirty="0"/>
+              <a:t>ONLY BROADCAST TO CAST MEMBERS</a:t>
             </a:r>
           </a:p>
         </p:txBody>
@@ -8045,7 +7680,7 @@
     </p:spTree>
     <p:extLst>
       <p:ext uri="{BB962C8B-B14F-4D97-AF65-F5344CB8AC3E}">
-        <p14:creationId xmlns:p14="http://schemas.microsoft.com/office/powerpoint/2010/main" val="1645236886"/>
+        <p14:creationId xmlns:p14="http://schemas.microsoft.com/office/powerpoint/2010/main" val="2630942091"/>
       </p:ext>
     </p:extLst>
   </p:cSld>
@@ -8276,8 +7911,8 @@
         </p:nvSpPr>
         <p:spPr>
           <a:xfrm rot="20682798">
-            <a:off x="6273941" y="1630193"/>
-            <a:ext cx="2587482" cy="646331"/>
+            <a:off x="6467630" y="1696310"/>
+            <a:ext cx="1943468" cy="369332"/>
           </a:xfrm>
           <a:prstGeom prst="rect">
             <a:avLst/>
@@ -8292,18 +7927,7 @@
           <a:p>
             <a:r>
               <a:rPr lang="en-CA" dirty="0" err="1"/>
-              <a:t>nameChangeRequest</a:t>
-            </a:r>
-            <a:endParaRPr lang="en-CA" dirty="0"/>
-          </a:p>
-          <a:p>
-            <a:r>
-              <a:rPr lang="en-CA" dirty="0"/>
-              <a:t>Or </a:t>
-            </a:r>
-            <a:r>
-              <a:rPr lang="en-CA" dirty="0" err="1"/>
-              <a:t>scoreChangeRequest</a:t>
+              <a:t>gameDataRequest</a:t>
             </a:r>
             <a:endParaRPr lang="en-CA" dirty="0"/>
           </a:p>
@@ -8339,7 +7963,7 @@
           <a:p>
             <a:r>
               <a:rPr lang="en-CA" dirty="0"/>
-              <a:t>Technician clicks relevant button</a:t>
+              <a:t>Technician clicks ‘request current data’</a:t>
             </a:r>
           </a:p>
         </p:txBody>
@@ -8374,7 +7998,7 @@
           <a:p>
             <a:r>
               <a:rPr lang="en-CA" sz="2400" b="1" dirty="0"/>
-              <a:t>Technician change names/scores</a:t>
+              <a:t>Technician request fresh data</a:t>
             </a:r>
           </a:p>
         </p:txBody>
@@ -8438,8 +8062,8 @@
         </p:nvSpPr>
         <p:spPr>
           <a:xfrm rot="1248694">
-            <a:off x="5984512" y="3318483"/>
-            <a:ext cx="2305708" cy="923330"/>
+            <a:off x="6229854" y="3327229"/>
+            <a:ext cx="2154027" cy="369332"/>
           </a:xfrm>
           <a:prstGeom prst="rect">
             <a:avLst/>
@@ -8454,29 +8078,51 @@
           <a:p>
             <a:r>
               <a:rPr lang="en-CA" dirty="0" err="1"/>
-              <a:t>playerListChanged</a:t>
+              <a:t>gameDataDelivery</a:t>
             </a:r>
             <a:endParaRPr lang="en-CA" dirty="0"/>
           </a:p>
+        </p:txBody>
+      </p:sp>
+      <p:sp>
+        <p:nvSpPr>
+          <p:cNvPr id="17" name="TextBox 16">
+            <a:extLst>
+              <a:ext uri="{FF2B5EF4-FFF2-40B4-BE49-F238E27FC236}">
+                <a16:creationId xmlns:a16="http://schemas.microsoft.com/office/drawing/2014/main" id="{57FCC26E-B2CC-4059-A9DF-65C62C29FF99}"/>
+              </a:ext>
+            </a:extLst>
+          </p:cNvPr>
+          <p:cNvSpPr txBox="1"/>
+          <p:nvPr/>
+        </p:nvSpPr>
+        <p:spPr>
+          <a:xfrm>
+            <a:off x="3491263" y="2604785"/>
+            <a:ext cx="2962061" cy="369332"/>
+          </a:xfrm>
+          <a:prstGeom prst="rect">
+            <a:avLst/>
+          </a:prstGeom>
+          <a:noFill/>
+        </p:spPr>
+        <p:txBody>
+          <a:bodyPr wrap="square" rtlCol="0">
+            <a:spAutoFit/>
+          </a:bodyPr>
+          <a:lstStyle/>
           <a:p>
             <a:r>
               <a:rPr lang="en-CA" dirty="0"/>
-              <a:t>OR</a:t>
-            </a:r>
-          </a:p>
-          <a:p>
-            <a:r>
-              <a:rPr lang="en-CA" dirty="0" err="1"/>
-              <a:t>playerScoresChanged</a:t>
-            </a:r>
-            <a:endParaRPr lang="en-CA" dirty="0"/>
+              <a:t>Only sent to host:</a:t>
+            </a:r>
           </a:p>
         </p:txBody>
       </p:sp>
     </p:spTree>
     <p:extLst>
       <p:ext uri="{BB962C8B-B14F-4D97-AF65-F5344CB8AC3E}">
-        <p14:creationId xmlns:p14="http://schemas.microsoft.com/office/powerpoint/2010/main" val="2531946653"/>
+        <p14:creationId xmlns:p14="http://schemas.microsoft.com/office/powerpoint/2010/main" val="1645236886"/>
       </p:ext>
     </p:extLst>
   </p:cSld>
@@ -9246,45 +8892,12 @@
           <a:chExt cx="0" cy="0"/>
         </a:xfrm>
       </p:grpSpPr>
-      <p:sp>
-        <p:nvSpPr>
-          <p:cNvPr id="2" name="Title 1">
-            <a:extLst>
-              <a:ext uri="{FF2B5EF4-FFF2-40B4-BE49-F238E27FC236}">
-                <a16:creationId xmlns:a16="http://schemas.microsoft.com/office/drawing/2014/main" id="{8D67DFE2-A656-4EB7-87FE-78EFCF09B8D4}"/>
-              </a:ext>
-            </a:extLst>
-          </p:cNvPr>
-          <p:cNvSpPr>
-            <a:spLocks noGrp="1"/>
-          </p:cNvSpPr>
-          <p:nvPr>
-            <p:ph type="title"/>
-          </p:nvPr>
-        </p:nvSpPr>
-        <p:spPr>
-          <a:xfrm>
-            <a:off x="0" y="-68508"/>
-            <a:ext cx="10515600" cy="832079"/>
-          </a:xfrm>
-        </p:spPr>
-        <p:txBody>
-          <a:bodyPr/>
-          <a:lstStyle/>
-          <a:p>
-            <a:r>
-              <a:rPr lang="en-CA" dirty="0"/>
-              <a:t>Socket Connection</a:t>
-            </a:r>
-          </a:p>
-        </p:txBody>
-      </p:sp>
       <p:pic>
         <p:nvPicPr>
-          <p:cNvPr id="4" name="Picture 4" descr="Dedicated Server PNG Image | Server, Dedication, Png images">
-            <a:extLst>
-              <a:ext uri="{FF2B5EF4-FFF2-40B4-BE49-F238E27FC236}">
-                <a16:creationId xmlns:a16="http://schemas.microsoft.com/office/drawing/2014/main" id="{B8BBBA72-D009-4D28-BDFD-C4E6B0F3493C}"/>
+          <p:cNvPr id="1028" name="Picture 4" descr="Dedicated Server PNG Image | Server, Dedication, Png images">
+            <a:extLst>
+              <a:ext uri="{FF2B5EF4-FFF2-40B4-BE49-F238E27FC236}">
+                <a16:creationId xmlns:a16="http://schemas.microsoft.com/office/drawing/2014/main" id="{B259F46C-6CBA-4D56-93C3-3D41AC3A6B13}"/>
               </a:ext>
             </a:extLst>
           </p:cNvPr>
@@ -9308,8 +8921,8 @@
         </p:blipFill>
         <p:spPr bwMode="auto">
           <a:xfrm>
-            <a:off x="5359389" y="1019598"/>
-            <a:ext cx="770945" cy="1039475"/>
+            <a:off x="5268415" y="280021"/>
+            <a:ext cx="757916" cy="1021909"/>
           </a:xfrm>
           <a:prstGeom prst="rect">
             <a:avLst/>
@@ -9328,10 +8941,10 @@
       </p:pic>
       <p:pic>
         <p:nvPicPr>
-          <p:cNvPr id="5" name="Picture 6" descr="Laptop Clip Art At Clker Com Vector - Laptop Black And White Clip ...">
-            <a:extLst>
-              <a:ext uri="{FF2B5EF4-FFF2-40B4-BE49-F238E27FC236}">
-                <a16:creationId xmlns:a16="http://schemas.microsoft.com/office/drawing/2014/main" id="{A54F7E2C-EF05-4D30-9675-D7EADDD40D5F}"/>
+          <p:cNvPr id="1030" name="Picture 6" descr="Laptop Clip Art At Clker Com Vector - Laptop Black And White Clip ...">
+            <a:extLst>
+              <a:ext uri="{FF2B5EF4-FFF2-40B4-BE49-F238E27FC236}">
+                <a16:creationId xmlns:a16="http://schemas.microsoft.com/office/drawing/2014/main" id="{260BCD3F-BD74-4543-B965-10ECD47442A9}"/>
               </a:ext>
             </a:extLst>
           </p:cNvPr>
@@ -9365,8 +8978,8 @@
         </p:blipFill>
         <p:spPr bwMode="auto">
           <a:xfrm>
-            <a:off x="8946107" y="4054361"/>
-            <a:ext cx="1849089" cy="1533392"/>
+            <a:off x="7836444" y="280021"/>
+            <a:ext cx="1632673" cy="1353925"/>
           </a:xfrm>
           <a:prstGeom prst="rect">
             <a:avLst/>
@@ -9383,210 +8996,30 @@
           </a:extLst>
         </p:spPr>
       </p:pic>
-      <p:pic>
-        <p:nvPicPr>
-          <p:cNvPr id="2050" name="Picture 2" descr="Free Free Laptop Cliparts, Download Free Clip Art, Free Clip Art ...">
-            <a:extLst>
-              <a:ext uri="{FF2B5EF4-FFF2-40B4-BE49-F238E27FC236}">
-                <a16:creationId xmlns:a16="http://schemas.microsoft.com/office/drawing/2014/main" id="{2F1D7E14-40B7-4333-9751-1D4C24BCECF9}"/>
-              </a:ext>
-            </a:extLst>
-          </p:cNvPr>
-          <p:cNvPicPr>
-            <a:picLocks noChangeAspect="1" noChangeArrowheads="1"/>
-          </p:cNvPicPr>
-          <p:nvPr/>
-        </p:nvPicPr>
-        <p:blipFill>
-          <a:blip r:embed="rId4">
-            <a:extLst>
-              <a:ext uri="{28A0092B-C50C-407E-A947-70E740481C1C}">
-                <a14:useLocalDpi xmlns:a14="http://schemas.microsoft.com/office/drawing/2010/main" val="0"/>
-              </a:ext>
-            </a:extLst>
-          </a:blip>
-          <a:srcRect/>
-          <a:stretch>
-            <a:fillRect/>
-          </a:stretch>
-        </p:blipFill>
-        <p:spPr bwMode="auto">
-          <a:xfrm>
-            <a:off x="1346757" y="1968079"/>
-            <a:ext cx="1975759" cy="1568063"/>
-          </a:xfrm>
-          <a:prstGeom prst="rect">
-            <a:avLst/>
-          </a:prstGeom>
-          <a:noFill/>
-          <a:extLst>
-            <a:ext uri="{909E8E84-426E-40DD-AFC4-6F175D3DCCD1}">
-              <a14:hiddenFill xmlns:a14="http://schemas.microsoft.com/office/drawing/2010/main">
-                <a:solidFill>
-                  <a:srgbClr val="FFFFFF"/>
-                </a:solidFill>
-              </a14:hiddenFill>
-            </a:ext>
-          </a:extLst>
-        </p:spPr>
-      </p:pic>
-      <p:pic>
-        <p:nvPicPr>
-          <p:cNvPr id="2052" name="Picture 4" descr="Facebook Brand Resources">
-            <a:extLst>
-              <a:ext uri="{FF2B5EF4-FFF2-40B4-BE49-F238E27FC236}">
-                <a16:creationId xmlns:a16="http://schemas.microsoft.com/office/drawing/2014/main" id="{7A69D878-E909-49BD-8643-2C4A6148D6CD}"/>
-              </a:ext>
-            </a:extLst>
-          </p:cNvPr>
-          <p:cNvPicPr>
-            <a:picLocks noChangeAspect="1" noChangeArrowheads="1"/>
-          </p:cNvPicPr>
-          <p:nvPr/>
-        </p:nvPicPr>
-        <p:blipFill>
-          <a:blip r:embed="rId5">
-            <a:extLst>
-              <a:ext uri="{28A0092B-C50C-407E-A947-70E740481C1C}">
-                <a14:useLocalDpi xmlns:a14="http://schemas.microsoft.com/office/drawing/2010/main" val="0"/>
-              </a:ext>
-            </a:extLst>
-          </a:blip>
-          <a:srcRect/>
-          <a:stretch>
-            <a:fillRect/>
-          </a:stretch>
-        </p:blipFill>
-        <p:spPr bwMode="auto">
-          <a:xfrm>
-            <a:off x="3266350" y="3519306"/>
-            <a:ext cx="646331" cy="646331"/>
-          </a:xfrm>
-          <a:prstGeom prst="rect">
-            <a:avLst/>
-          </a:prstGeom>
-          <a:noFill/>
-          <a:extLst>
-            <a:ext uri="{909E8E84-426E-40DD-AFC4-6F175D3DCCD1}">
-              <a14:hiddenFill xmlns:a14="http://schemas.microsoft.com/office/drawing/2010/main">
-                <a:solidFill>
-                  <a:srgbClr val="FFFFFF"/>
-                </a:solidFill>
-              </a14:hiddenFill>
-            </a:ext>
-          </a:extLst>
-        </p:spPr>
-      </p:pic>
-      <p:sp>
-        <p:nvSpPr>
-          <p:cNvPr id="6" name="Arc 5">
-            <a:extLst>
-              <a:ext uri="{FF2B5EF4-FFF2-40B4-BE49-F238E27FC236}">
-                <a16:creationId xmlns:a16="http://schemas.microsoft.com/office/drawing/2014/main" id="{F3F126BB-CFC8-4AAB-BA91-EF2A1E81FAAC}"/>
-              </a:ext>
-            </a:extLst>
-          </p:cNvPr>
-          <p:cNvSpPr/>
-          <p:nvPr/>
-        </p:nvSpPr>
-        <p:spPr>
-          <a:xfrm flipV="1">
-            <a:off x="3064785" y="1803628"/>
-            <a:ext cx="9988784" cy="3671174"/>
-          </a:xfrm>
-          <a:prstGeom prst="arc">
-            <a:avLst>
-              <a:gd name="adj1" fmla="val 10764713"/>
-              <a:gd name="adj2" fmla="val 18709222"/>
-            </a:avLst>
-          </a:prstGeom>
-          <a:ln w="38100">
-            <a:headEnd type="none" w="med" len="med"/>
-            <a:tailEnd type="triangle" w="lg" len="lg"/>
-          </a:ln>
-        </p:spPr>
-        <p:style>
-          <a:lnRef idx="1">
-            <a:schemeClr val="accent1"/>
-          </a:lnRef>
-          <a:fillRef idx="0">
-            <a:schemeClr val="accent1"/>
-          </a:fillRef>
-          <a:effectRef idx="0">
-            <a:schemeClr val="accent1"/>
-          </a:effectRef>
-          <a:fontRef idx="minor">
-            <a:schemeClr val="tx1"/>
-          </a:fontRef>
-        </p:style>
-        <p:txBody>
-          <a:bodyPr rtlCol="0" anchor="ctr"/>
-          <a:lstStyle/>
-          <a:p>
-            <a:pPr algn="ctr"/>
-            <a:endParaRPr lang="en-CA" dirty="0"/>
-          </a:p>
-        </p:txBody>
-      </p:sp>
-      <p:sp>
-        <p:nvSpPr>
-          <p:cNvPr id="7" name="TextBox 6">
-            <a:extLst>
-              <a:ext uri="{FF2B5EF4-FFF2-40B4-BE49-F238E27FC236}">
-                <a16:creationId xmlns:a16="http://schemas.microsoft.com/office/drawing/2014/main" id="{BAC1A465-975D-4218-8A09-B4FE7FE49144}"/>
-              </a:ext>
-            </a:extLst>
-          </p:cNvPr>
-          <p:cNvSpPr txBox="1"/>
-          <p:nvPr/>
-        </p:nvSpPr>
-        <p:spPr>
-          <a:xfrm rot="708815">
-            <a:off x="2572196" y="4849105"/>
-            <a:ext cx="5478845" cy="646331"/>
-          </a:xfrm>
-          <a:prstGeom prst="rect">
-            <a:avLst/>
-          </a:prstGeom>
-          <a:noFill/>
-        </p:spPr>
-        <p:txBody>
-          <a:bodyPr wrap="square" rtlCol="0">
-            <a:spAutoFit/>
-          </a:bodyPr>
-          <a:lstStyle/>
-          <a:p>
-            <a:r>
-              <a:rPr lang="en-CA" dirty="0"/>
-              <a:t>I give them www.gameshow.geoffspielman.com?ip=24.212.142.167</a:t>
-            </a:r>
-          </a:p>
-        </p:txBody>
-      </p:sp>
       <p:cxnSp>
         <p:nvCxnSpPr>
-          <p:cNvPr id="9" name="Straight Arrow Connector 8">
-            <a:extLst>
-              <a:ext uri="{FF2B5EF4-FFF2-40B4-BE49-F238E27FC236}">
-                <a16:creationId xmlns:a16="http://schemas.microsoft.com/office/drawing/2014/main" id="{20ACEA87-24DC-4E77-ABFD-90BCA1E3EE2F}"/>
-              </a:ext>
-            </a:extLst>
-          </p:cNvPr>
-          <p:cNvCxnSpPr>
-            <a:cxnSpLocks/>
-          </p:cNvCxnSpPr>
+          <p:cNvPr id="5" name="Straight Connector 4">
+            <a:extLst>
+              <a:ext uri="{FF2B5EF4-FFF2-40B4-BE49-F238E27FC236}">
+                <a16:creationId xmlns:a16="http://schemas.microsoft.com/office/drawing/2014/main" id="{BF9CACD2-A8C3-491E-BE07-2BE5E2CD73AD}"/>
+              </a:ext>
+            </a:extLst>
+          </p:cNvPr>
+          <p:cNvCxnSpPr/>
           <p:nvPr/>
         </p:nvCxnSpPr>
         <p:spPr>
-          <a:xfrm flipH="1" flipV="1">
-            <a:off x="8634953" y="3983709"/>
-            <a:ext cx="979901" cy="450469"/>
-          </a:xfrm>
-          <a:prstGeom prst="straightConnector1">
+          <a:xfrm>
+            <a:off x="5738677" y="1491343"/>
+            <a:ext cx="0" cy="3875314"/>
+          </a:xfrm>
+          <a:prstGeom prst="line">
             <a:avLst/>
           </a:prstGeom>
           <a:ln w="28575">
-            <a:tailEnd type="triangle"/>
+            <a:solidFill>
+              <a:schemeClr val="accent1"/>
+            </a:solidFill>
           </a:ln>
         </p:spPr>
         <p:style>
@@ -9604,192 +9037,34 @@
           </a:fontRef>
         </p:style>
       </p:cxnSp>
-      <p:sp>
-        <p:nvSpPr>
-          <p:cNvPr id="12" name="TextBox 11">
-            <a:extLst>
-              <a:ext uri="{FF2B5EF4-FFF2-40B4-BE49-F238E27FC236}">
-                <a16:creationId xmlns:a16="http://schemas.microsoft.com/office/drawing/2014/main" id="{49F76250-7EFD-4046-8AD9-C67D014EB8D7}"/>
-              </a:ext>
-            </a:extLst>
-          </p:cNvPr>
-          <p:cNvSpPr txBox="1"/>
-          <p:nvPr/>
-        </p:nvSpPr>
-        <p:spPr>
-          <a:xfrm>
-            <a:off x="6212860" y="991651"/>
-            <a:ext cx="2311139" cy="923330"/>
-          </a:xfrm>
-          <a:prstGeom prst="rect">
-            <a:avLst/>
-          </a:prstGeom>
-          <a:noFill/>
-        </p:spPr>
-        <p:txBody>
-          <a:bodyPr wrap="square" rtlCol="0">
-            <a:spAutoFit/>
-          </a:bodyPr>
-          <a:lstStyle/>
-          <a:p>
-            <a:r>
-              <a:rPr lang="en-CA" dirty="0"/>
-              <a:t>Client gets public content (index, images </a:t>
-            </a:r>
-            <a:r>
-              <a:rPr lang="en-CA" dirty="0" err="1"/>
-              <a:t>etc</a:t>
-            </a:r>
-            <a:r>
-              <a:rPr lang="en-CA" dirty="0"/>
-              <a:t>) from digital ocean </a:t>
-            </a:r>
-          </a:p>
-        </p:txBody>
-      </p:sp>
-      <p:pic>
-        <p:nvPicPr>
-          <p:cNvPr id="11" name="Picture 10">
-            <a:extLst>
-              <a:ext uri="{FF2B5EF4-FFF2-40B4-BE49-F238E27FC236}">
-                <a16:creationId xmlns:a16="http://schemas.microsoft.com/office/drawing/2014/main" id="{B1632617-9153-482F-99B7-8E54F2289BEE}"/>
-              </a:ext>
-            </a:extLst>
-          </p:cNvPr>
-          <p:cNvPicPr>
-            <a:picLocks noChangeAspect="1"/>
-          </p:cNvPicPr>
-          <p:nvPr/>
-        </p:nvPicPr>
-        <p:blipFill>
-          <a:blip r:embed="rId6">
-            <a:clrChange>
-              <a:clrFrom>
-                <a:srgbClr val="000000"/>
-              </a:clrFrom>
-              <a:clrTo>
-                <a:srgbClr val="000000">
-                  <a:alpha val="0"/>
-                </a:srgbClr>
-              </a:clrTo>
-            </a:clrChange>
-          </a:blip>
-          <a:stretch>
-            <a:fillRect/>
-          </a:stretch>
-        </p:blipFill>
-        <p:spPr>
-          <a:xfrm>
-            <a:off x="7963916" y="3488385"/>
-            <a:ext cx="580616" cy="890047"/>
-          </a:xfrm>
-          <a:prstGeom prst="rect">
-            <a:avLst/>
-          </a:prstGeom>
-        </p:spPr>
-      </p:pic>
-      <p:sp>
-        <p:nvSpPr>
-          <p:cNvPr id="17" name="TextBox 16">
-            <a:extLst>
-              <a:ext uri="{FF2B5EF4-FFF2-40B4-BE49-F238E27FC236}">
-                <a16:creationId xmlns:a16="http://schemas.microsoft.com/office/drawing/2014/main" id="{D829789C-D2FA-4964-B3B8-5139751AB539}"/>
-              </a:ext>
-            </a:extLst>
-          </p:cNvPr>
-          <p:cNvSpPr txBox="1"/>
-          <p:nvPr/>
-        </p:nvSpPr>
-        <p:spPr>
-          <a:xfrm>
-            <a:off x="7632581" y="3169712"/>
-            <a:ext cx="1243286" cy="369332"/>
-          </a:xfrm>
-          <a:prstGeom prst="rect">
-            <a:avLst/>
-          </a:prstGeom>
-          <a:noFill/>
-        </p:spPr>
-        <p:txBody>
-          <a:bodyPr wrap="square" rtlCol="0">
-            <a:spAutoFit/>
-          </a:bodyPr>
-          <a:lstStyle/>
-          <a:p>
-            <a:r>
-              <a:rPr lang="en-CA"/>
-              <a:t>DNS Server</a:t>
-            </a:r>
-            <a:endParaRPr lang="en-CA" dirty="0"/>
-          </a:p>
-        </p:txBody>
-      </p:sp>
-      <p:pic>
-        <p:nvPicPr>
-          <p:cNvPr id="18" name="Picture 17">
-            <a:extLst>
-              <a:ext uri="{FF2B5EF4-FFF2-40B4-BE49-F238E27FC236}">
-                <a16:creationId xmlns:a16="http://schemas.microsoft.com/office/drawing/2014/main" id="{481234E0-FD00-4AB6-A6E4-62D149C7D8DB}"/>
-              </a:ext>
-            </a:extLst>
-          </p:cNvPr>
-          <p:cNvPicPr>
-            <a:picLocks noChangeAspect="1"/>
-          </p:cNvPicPr>
-          <p:nvPr/>
-        </p:nvPicPr>
-        <p:blipFill>
-          <a:blip r:embed="rId7">
-            <a:clrChange>
-              <a:clrFrom>
-                <a:srgbClr val="000000"/>
-              </a:clrFrom>
-              <a:clrTo>
-                <a:srgbClr val="000000">
-                  <a:alpha val="0"/>
-                </a:srgbClr>
-              </a:clrTo>
-            </a:clrChange>
-          </a:blip>
-          <a:stretch>
-            <a:fillRect/>
-          </a:stretch>
-        </p:blipFill>
-        <p:spPr>
-          <a:xfrm>
-            <a:off x="4668719" y="3039411"/>
-            <a:ext cx="1818293" cy="542991"/>
-          </a:xfrm>
-          <a:prstGeom prst="rect">
-            <a:avLst/>
-          </a:prstGeom>
-        </p:spPr>
-      </p:pic>
       <p:cxnSp>
         <p:nvCxnSpPr>
-          <p:cNvPr id="21" name="Straight Arrow Connector 20">
-            <a:extLst>
-              <a:ext uri="{FF2B5EF4-FFF2-40B4-BE49-F238E27FC236}">
-                <a16:creationId xmlns:a16="http://schemas.microsoft.com/office/drawing/2014/main" id="{DB9448DA-77CA-4332-8CBF-7209CBBFC28A}"/>
+          <p:cNvPr id="9" name="Straight Connector 8">
+            <a:extLst>
+              <a:ext uri="{FF2B5EF4-FFF2-40B4-BE49-F238E27FC236}">
+                <a16:creationId xmlns:a16="http://schemas.microsoft.com/office/drawing/2014/main" id="{E670D51B-3EFE-40B0-8EFE-090055CE2ADF}"/>
               </a:ext>
             </a:extLst>
           </p:cNvPr>
           <p:cNvCxnSpPr>
             <a:cxnSpLocks/>
-            <a:endCxn id="18" idx="3"/>
           </p:cNvCxnSpPr>
           <p:nvPr/>
         </p:nvCxnSpPr>
         <p:spPr>
-          <a:xfrm flipH="1" flipV="1">
-            <a:off x="6487012" y="3310907"/>
-            <a:ext cx="1311238" cy="450470"/>
-          </a:xfrm>
-          <a:prstGeom prst="straightConnector1">
+          <a:xfrm flipH="1">
+            <a:off x="5895703" y="1491343"/>
+            <a:ext cx="2386148" cy="607423"/>
+          </a:xfrm>
+          <a:prstGeom prst="line">
             <a:avLst/>
           </a:prstGeom>
           <a:ln w="28575">
-            <a:tailEnd type="triangle"/>
+            <a:solidFill>
+              <a:srgbClr val="FFC000"/>
+            </a:solidFill>
+            <a:headEnd type="none" w="lg" len="lg"/>
+            <a:tailEnd type="triangle" w="lg" len="lg"/>
           </a:ln>
         </p:spPr>
         <p:style>
@@ -9807,59 +9082,129 @@
           </a:fontRef>
         </p:style>
       </p:cxnSp>
-      <p:pic>
-        <p:nvPicPr>
-          <p:cNvPr id="2058" name="Picture 10" descr="DigitalOcean - Wikipedia">
-            <a:extLst>
-              <a:ext uri="{FF2B5EF4-FFF2-40B4-BE49-F238E27FC236}">
-                <a16:creationId xmlns:a16="http://schemas.microsoft.com/office/drawing/2014/main" id="{E0D2E34C-73D0-4949-AA2C-746BE6140F69}"/>
-              </a:ext>
-            </a:extLst>
-          </p:cNvPr>
-          <p:cNvPicPr>
-            <a:picLocks noChangeAspect="1" noChangeArrowheads="1"/>
-          </p:cNvPicPr>
-          <p:nvPr/>
-        </p:nvPicPr>
-        <p:blipFill>
-          <a:blip r:embed="rId8">
-            <a:extLst>
-              <a:ext uri="{28A0092B-C50C-407E-A947-70E740481C1C}">
-                <a14:useLocalDpi xmlns:a14="http://schemas.microsoft.com/office/drawing/2010/main" val="0"/>
-              </a:ext>
-            </a:extLst>
-          </a:blip>
-          <a:srcRect/>
-          <a:stretch>
-            <a:fillRect/>
-          </a:stretch>
-        </p:blipFill>
-        <p:spPr bwMode="auto">
-          <a:xfrm>
-            <a:off x="4334916" y="1001158"/>
-            <a:ext cx="922884" cy="922884"/>
-          </a:xfrm>
-          <a:prstGeom prst="rect">
-            <a:avLst/>
-          </a:prstGeom>
-          <a:noFill/>
-          <a:extLst>
-            <a:ext uri="{909E8E84-426E-40DD-AFC4-6F175D3DCCD1}">
-              <a14:hiddenFill xmlns:a14="http://schemas.microsoft.com/office/drawing/2010/main">
-                <a:solidFill>
-                  <a:srgbClr val="FFFFFF"/>
-                </a:solidFill>
-              </a14:hiddenFill>
-            </a:ext>
-          </a:extLst>
-        </p:spPr>
-      </p:pic>
+      <p:sp>
+        <p:nvSpPr>
+          <p:cNvPr id="8" name="TextBox 7">
+            <a:extLst>
+              <a:ext uri="{FF2B5EF4-FFF2-40B4-BE49-F238E27FC236}">
+                <a16:creationId xmlns:a16="http://schemas.microsoft.com/office/drawing/2014/main" id="{65DC4DAD-CC47-4B42-99C6-82E0969D7768}"/>
+              </a:ext>
+            </a:extLst>
+          </p:cNvPr>
+          <p:cNvSpPr txBox="1"/>
+          <p:nvPr/>
+        </p:nvSpPr>
+        <p:spPr>
+          <a:xfrm rot="20682798">
+            <a:off x="6273941" y="1630193"/>
+            <a:ext cx="2587482" cy="646331"/>
+          </a:xfrm>
+          <a:prstGeom prst="rect">
+            <a:avLst/>
+          </a:prstGeom>
+          <a:noFill/>
+        </p:spPr>
+        <p:txBody>
+          <a:bodyPr wrap="square" rtlCol="0">
+            <a:spAutoFit/>
+          </a:bodyPr>
+          <a:lstStyle/>
+          <a:p>
+            <a:r>
+              <a:rPr lang="en-CA" dirty="0" err="1"/>
+              <a:t>nameChangeRequest</a:t>
+            </a:r>
+            <a:endParaRPr lang="en-CA" dirty="0"/>
+          </a:p>
+          <a:p>
+            <a:r>
+              <a:rPr lang="en-CA" dirty="0"/>
+              <a:t>Or </a:t>
+            </a:r>
+            <a:r>
+              <a:rPr lang="en-CA" dirty="0" err="1"/>
+              <a:t>scoreChangeRequest</a:t>
+            </a:r>
+            <a:endParaRPr lang="en-CA" dirty="0"/>
+          </a:p>
+        </p:txBody>
+      </p:sp>
+      <p:sp>
+        <p:nvSpPr>
+          <p:cNvPr id="13" name="TextBox 12">
+            <a:extLst>
+              <a:ext uri="{FF2B5EF4-FFF2-40B4-BE49-F238E27FC236}">
+                <a16:creationId xmlns:a16="http://schemas.microsoft.com/office/drawing/2014/main" id="{06ED55D2-2DBD-4AF4-94D6-1CE632A0A946}"/>
+              </a:ext>
+            </a:extLst>
+          </p:cNvPr>
+          <p:cNvSpPr txBox="1"/>
+          <p:nvPr/>
+        </p:nvSpPr>
+        <p:spPr>
+          <a:xfrm>
+            <a:off x="9469117" y="403648"/>
+            <a:ext cx="2690588" cy="646331"/>
+          </a:xfrm>
+          <a:prstGeom prst="rect">
+            <a:avLst/>
+          </a:prstGeom>
+          <a:noFill/>
+        </p:spPr>
+        <p:txBody>
+          <a:bodyPr wrap="square" rtlCol="0">
+            <a:spAutoFit/>
+          </a:bodyPr>
+          <a:lstStyle/>
+          <a:p>
+            <a:r>
+              <a:rPr lang="en-CA" dirty="0"/>
+              <a:t>Technician clicks relevant button</a:t>
+            </a:r>
+          </a:p>
+        </p:txBody>
+      </p:sp>
+      <p:sp>
+        <p:nvSpPr>
+          <p:cNvPr id="12" name="TextBox 11">
+            <a:extLst>
+              <a:ext uri="{FF2B5EF4-FFF2-40B4-BE49-F238E27FC236}">
+                <a16:creationId xmlns:a16="http://schemas.microsoft.com/office/drawing/2014/main" id="{CBCC5FC8-8483-4274-96CA-CF87DC104B93}"/>
+              </a:ext>
+            </a:extLst>
+          </p:cNvPr>
+          <p:cNvSpPr txBox="1"/>
+          <p:nvPr/>
+        </p:nvSpPr>
+        <p:spPr>
+          <a:xfrm>
+            <a:off x="32295" y="0"/>
+            <a:ext cx="4754309" cy="461665"/>
+          </a:xfrm>
+          <a:prstGeom prst="rect">
+            <a:avLst/>
+          </a:prstGeom>
+          <a:noFill/>
+        </p:spPr>
+        <p:txBody>
+          <a:bodyPr wrap="square" rtlCol="0">
+            <a:spAutoFit/>
+          </a:bodyPr>
+          <a:lstStyle/>
+          <a:p>
+            <a:r>
+              <a:rPr lang="en-CA" sz="2400" b="1" dirty="0"/>
+              <a:t>Technician change names/scores</a:t>
+            </a:r>
+          </a:p>
+        </p:txBody>
+      </p:sp>
       <p:cxnSp>
         <p:nvCxnSpPr>
-          <p:cNvPr id="24" name="Straight Arrow Connector 23">
-            <a:extLst>
-              <a:ext uri="{FF2B5EF4-FFF2-40B4-BE49-F238E27FC236}">
-                <a16:creationId xmlns:a16="http://schemas.microsoft.com/office/drawing/2014/main" id="{44136FD6-B266-4EC7-8849-B5344E7A6DC6}"/>
+          <p:cNvPr id="14" name="Straight Connector 13">
+            <a:extLst>
+              <a:ext uri="{FF2B5EF4-FFF2-40B4-BE49-F238E27FC236}">
+                <a16:creationId xmlns:a16="http://schemas.microsoft.com/office/drawing/2014/main" id="{0B168BB9-2FFE-4390-A062-8727EF70FE7B}"/>
               </a:ext>
             </a:extLst>
           </p:cNvPr>
@@ -9869,15 +9214,19 @@
           <p:nvPr/>
         </p:nvCxnSpPr>
         <p:spPr>
-          <a:xfrm flipH="1" flipV="1">
-            <a:off x="5359389" y="2148405"/>
-            <a:ext cx="385472" cy="826725"/>
-          </a:xfrm>
-          <a:prstGeom prst="straightConnector1">
+          <a:xfrm>
+            <a:off x="5895703" y="2821577"/>
+            <a:ext cx="2616701" cy="958571"/>
+          </a:xfrm>
+          <a:prstGeom prst="line">
             <a:avLst/>
           </a:prstGeom>
           <a:ln w="28575">
-            <a:tailEnd type="triangle"/>
+            <a:solidFill>
+              <a:srgbClr val="92D050"/>
+            </a:solidFill>
+            <a:headEnd type="none" w="lg" len="lg"/>
+            <a:tailEnd type="triangle" w="lg" len="lg"/>
           </a:ln>
         </p:spPr>
         <p:style>
@@ -9897,61 +9246,10 @@
       </p:cxnSp>
       <p:sp>
         <p:nvSpPr>
-          <p:cNvPr id="28" name="Arc 27">
-            <a:extLst>
-              <a:ext uri="{FF2B5EF4-FFF2-40B4-BE49-F238E27FC236}">
-                <a16:creationId xmlns:a16="http://schemas.microsoft.com/office/drawing/2014/main" id="{C7257964-613E-4432-A46F-B23F51E26DF4}"/>
-              </a:ext>
-            </a:extLst>
-          </p:cNvPr>
-          <p:cNvSpPr/>
-          <p:nvPr/>
-        </p:nvSpPr>
-        <p:spPr>
-          <a:xfrm rot="13889773" flipH="1" flipV="1">
-            <a:off x="5243741" y="1326305"/>
-            <a:ext cx="5193195" cy="3739505"/>
-          </a:xfrm>
-          <a:prstGeom prst="arc">
-            <a:avLst>
-              <a:gd name="adj1" fmla="val 11463417"/>
-              <a:gd name="adj2" fmla="val 19922351"/>
-            </a:avLst>
-          </a:prstGeom>
-          <a:ln w="38100">
-            <a:headEnd type="none" w="med" len="med"/>
-            <a:tailEnd type="triangle" w="lg" len="lg"/>
-          </a:ln>
-        </p:spPr>
-        <p:style>
-          <a:lnRef idx="1">
-            <a:schemeClr val="accent1"/>
-          </a:lnRef>
-          <a:fillRef idx="0">
-            <a:schemeClr val="accent1"/>
-          </a:fillRef>
-          <a:effectRef idx="0">
-            <a:schemeClr val="accent1"/>
-          </a:effectRef>
-          <a:fontRef idx="minor">
-            <a:schemeClr val="tx1"/>
-          </a:fontRef>
-        </p:style>
-        <p:txBody>
-          <a:bodyPr rtlCol="0" anchor="ctr"/>
-          <a:lstStyle/>
-          <a:p>
-            <a:pPr algn="ctr"/>
-            <a:endParaRPr lang="en-CA"/>
-          </a:p>
-        </p:txBody>
-      </p:sp>
-      <p:sp>
-        <p:nvSpPr>
-          <p:cNvPr id="29" name="TextBox 28">
-            <a:extLst>
-              <a:ext uri="{FF2B5EF4-FFF2-40B4-BE49-F238E27FC236}">
-                <a16:creationId xmlns:a16="http://schemas.microsoft.com/office/drawing/2014/main" id="{0E3641A7-21FF-4407-ACC9-920FB9C11AFA}"/>
+          <p:cNvPr id="15" name="TextBox 14">
+            <a:extLst>
+              <a:ext uri="{FF2B5EF4-FFF2-40B4-BE49-F238E27FC236}">
+                <a16:creationId xmlns:a16="http://schemas.microsoft.com/office/drawing/2014/main" id="{F227B532-2DB3-4F25-8AAF-6F03FD75AE9C}"/>
               </a:ext>
             </a:extLst>
           </p:cNvPr>
@@ -9959,9 +9257,9 @@
           <p:nvPr/>
         </p:nvSpPr>
         <p:spPr>
-          <a:xfrm>
-            <a:off x="4674877" y="3539535"/>
-            <a:ext cx="2311139" cy="646331"/>
+          <a:xfrm rot="1248694">
+            <a:off x="5984512" y="3318483"/>
+            <a:ext cx="2305708" cy="923330"/>
           </a:xfrm>
           <a:prstGeom prst="rect">
             <a:avLst/>
@@ -9975,236 +9273,30 @@
           <a:lstStyle/>
           <a:p>
             <a:r>
+              <a:rPr lang="en-CA" dirty="0" err="1"/>
+              <a:t>playerListChanged</a:t>
+            </a:r>
+            <a:endParaRPr lang="en-CA" dirty="0"/>
+          </a:p>
+          <a:p>
+            <a:r>
               <a:rPr lang="en-CA" dirty="0"/>
-              <a:t>Worker: no SSL on *gameshow</a:t>
-            </a:r>
-          </a:p>
-        </p:txBody>
-      </p:sp>
-      <p:pic>
-        <p:nvPicPr>
-          <p:cNvPr id="25" name="Picture 24">
-            <a:extLst>
-              <a:ext uri="{FF2B5EF4-FFF2-40B4-BE49-F238E27FC236}">
-                <a16:creationId xmlns:a16="http://schemas.microsoft.com/office/drawing/2014/main" id="{8F645A89-6FC5-40B9-8E1D-04D66B7ACAAA}"/>
-              </a:ext>
-            </a:extLst>
-          </p:cNvPr>
-          <p:cNvPicPr>
-            <a:picLocks noChangeAspect="1"/>
-          </p:cNvPicPr>
-          <p:nvPr/>
-        </p:nvPicPr>
-        <p:blipFill>
-          <a:blip r:embed="rId9">
-            <a:clrChange>
-              <a:clrFrom>
-                <a:srgbClr val="000000"/>
-              </a:clrFrom>
-              <a:clrTo>
-                <a:srgbClr val="000000">
-                  <a:alpha val="0"/>
-                </a:srgbClr>
-              </a:clrTo>
-            </a:clrChange>
-          </a:blip>
-          <a:stretch>
-            <a:fillRect/>
-          </a:stretch>
-        </p:blipFill>
-        <p:spPr>
-          <a:xfrm>
-            <a:off x="10405987" y="3920693"/>
-            <a:ext cx="903323" cy="1026970"/>
-          </a:xfrm>
-          <a:prstGeom prst="rect">
-            <a:avLst/>
-          </a:prstGeom>
-        </p:spPr>
-      </p:pic>
-      <p:sp>
-        <p:nvSpPr>
-          <p:cNvPr id="32" name="TextBox 31">
-            <a:extLst>
-              <a:ext uri="{FF2B5EF4-FFF2-40B4-BE49-F238E27FC236}">
-                <a16:creationId xmlns:a16="http://schemas.microsoft.com/office/drawing/2014/main" id="{DB0590A1-23F4-42DE-B060-F05E0295FDD7}"/>
-              </a:ext>
-            </a:extLst>
-          </p:cNvPr>
-          <p:cNvSpPr txBox="1"/>
-          <p:nvPr/>
-        </p:nvSpPr>
-        <p:spPr>
-          <a:xfrm>
-            <a:off x="10654472" y="4907270"/>
-            <a:ext cx="1468685" cy="646331"/>
-          </a:xfrm>
-          <a:prstGeom prst="rect">
-            <a:avLst/>
-          </a:prstGeom>
-          <a:noFill/>
-        </p:spPr>
-        <p:txBody>
-          <a:bodyPr wrap="square" rtlCol="0">
-            <a:spAutoFit/>
-          </a:bodyPr>
-          <a:lstStyle/>
-          <a:p>
-            <a:r>
-              <a:rPr lang="en-CA" dirty="0"/>
-              <a:t>Parse </a:t>
-            </a:r>
+              <a:t>OR</a:t>
+            </a:r>
+          </a:p>
+          <a:p>
             <a:r>
               <a:rPr lang="en-CA" dirty="0" err="1"/>
-              <a:t>url</a:t>
-            </a:r>
-            <a:r>
-              <a:rPr lang="en-CA" dirty="0"/>
-              <a:t> for my IP address</a:t>
-            </a:r>
-          </a:p>
-        </p:txBody>
-      </p:sp>
-      <p:sp>
-        <p:nvSpPr>
-          <p:cNvPr id="33" name="Arc 32">
-            <a:extLst>
-              <a:ext uri="{FF2B5EF4-FFF2-40B4-BE49-F238E27FC236}">
-                <a16:creationId xmlns:a16="http://schemas.microsoft.com/office/drawing/2014/main" id="{3EEEFB70-3E1C-4FC6-8BF9-BA6CB948DB2B}"/>
-              </a:ext>
-            </a:extLst>
-          </p:cNvPr>
-          <p:cNvSpPr/>
-          <p:nvPr/>
-        </p:nvSpPr>
-        <p:spPr>
-          <a:xfrm flipH="1" flipV="1">
-            <a:off x="1396804" y="1270247"/>
-            <a:ext cx="9988784" cy="5377895"/>
-          </a:xfrm>
-          <a:prstGeom prst="arc">
-            <a:avLst>
-              <a:gd name="adj1" fmla="val 11931196"/>
-              <a:gd name="adj2" fmla="val 213157"/>
-            </a:avLst>
-          </a:prstGeom>
-          <a:ln w="38100">
-            <a:solidFill>
-              <a:srgbClr val="FF0000"/>
-            </a:solidFill>
-            <a:headEnd type="triangle" w="med" len="med"/>
-            <a:tailEnd type="triangle" w="med" len="med"/>
-          </a:ln>
-        </p:spPr>
-        <p:style>
-          <a:lnRef idx="1">
-            <a:schemeClr val="accent1"/>
-          </a:lnRef>
-          <a:fillRef idx="0">
-            <a:schemeClr val="accent1"/>
-          </a:fillRef>
-          <a:effectRef idx="0">
-            <a:schemeClr val="accent1"/>
-          </a:effectRef>
-          <a:fontRef idx="minor">
-            <a:schemeClr val="tx1"/>
-          </a:fontRef>
-        </p:style>
-        <p:txBody>
-          <a:bodyPr rtlCol="0" anchor="ctr"/>
-          <a:lstStyle/>
-          <a:p>
-            <a:pPr algn="ctr"/>
+              <a:t>playerScoresChanged</a:t>
+            </a:r>
             <a:endParaRPr lang="en-CA" dirty="0"/>
           </a:p>
         </p:txBody>
       </p:sp>
-      <p:sp>
-        <p:nvSpPr>
-          <p:cNvPr id="34" name="TextBox 33">
-            <a:extLst>
-              <a:ext uri="{FF2B5EF4-FFF2-40B4-BE49-F238E27FC236}">
-                <a16:creationId xmlns:a16="http://schemas.microsoft.com/office/drawing/2014/main" id="{F59675D6-D1BD-47DB-8662-F2B23CA93E81}"/>
-              </a:ext>
-            </a:extLst>
-          </p:cNvPr>
-          <p:cNvSpPr txBox="1"/>
-          <p:nvPr/>
-        </p:nvSpPr>
-        <p:spPr>
-          <a:xfrm rot="708815">
-            <a:off x="2601010" y="5969142"/>
-            <a:ext cx="5478845" cy="369332"/>
-          </a:xfrm>
-          <a:prstGeom prst="rect">
-            <a:avLst/>
-          </a:prstGeom>
-          <a:noFill/>
-        </p:spPr>
-        <p:txBody>
-          <a:bodyPr wrap="square" rtlCol="0">
-            <a:spAutoFit/>
-          </a:bodyPr>
-          <a:lstStyle/>
-          <a:p>
-            <a:r>
-              <a:rPr lang="en-CA" dirty="0"/>
-              <a:t>Socket connection @ 24.212.142.167:3000</a:t>
-            </a:r>
-          </a:p>
-        </p:txBody>
-      </p:sp>
-      <p:pic>
-        <p:nvPicPr>
-          <p:cNvPr id="2062" name="Picture 14">
-            <a:extLst>
-              <a:ext uri="{FF2B5EF4-FFF2-40B4-BE49-F238E27FC236}">
-                <a16:creationId xmlns:a16="http://schemas.microsoft.com/office/drawing/2014/main" id="{3436B604-3FFF-47C9-BBAF-AF7A9175D956}"/>
-              </a:ext>
-            </a:extLst>
-          </p:cNvPr>
-          <p:cNvPicPr>
-            <a:picLocks noChangeAspect="1" noChangeArrowheads="1"/>
-          </p:cNvPicPr>
-          <p:nvPr/>
-        </p:nvPicPr>
-        <p:blipFill>
-          <a:blip r:embed="rId10">
-            <a:extLst>
-              <a:ext uri="{28A0092B-C50C-407E-A947-70E740481C1C}">
-                <a14:useLocalDpi xmlns:a14="http://schemas.microsoft.com/office/drawing/2010/main" val="0"/>
-              </a:ext>
-            </a:extLst>
-          </a:blip>
-          <a:srcRect/>
-          <a:stretch>
-            <a:fillRect/>
-          </a:stretch>
-        </p:blipFill>
-        <p:spPr bwMode="auto">
-          <a:xfrm>
-            <a:off x="122485" y="2944310"/>
-            <a:ext cx="1202435" cy="733192"/>
-          </a:xfrm>
-          <a:prstGeom prst="rect">
-            <a:avLst/>
-          </a:prstGeom>
-          <a:noFill/>
-          <a:extLst>
-            <a:ext uri="{909E8E84-426E-40DD-AFC4-6F175D3DCCD1}">
-              <a14:hiddenFill xmlns:a14="http://schemas.microsoft.com/office/drawing/2010/main">
-                <a:solidFill>
-                  <a:srgbClr val="FFFFFF"/>
-                </a:solidFill>
-              </a14:hiddenFill>
-            </a:ext>
-          </a:extLst>
-        </p:spPr>
-      </p:pic>
     </p:spTree>
     <p:extLst>
       <p:ext uri="{BB962C8B-B14F-4D97-AF65-F5344CB8AC3E}">
-        <p14:creationId xmlns:p14="http://schemas.microsoft.com/office/powerpoint/2010/main" val="1160604219"/>
+        <p14:creationId xmlns:p14="http://schemas.microsoft.com/office/powerpoint/2010/main" val="2531946653"/>
       </p:ext>
     </p:extLst>
   </p:cSld>
@@ -10236,7 +9328,7 @@
           <p:cNvPr id="2" name="Title 1">
             <a:extLst>
               <a:ext uri="{FF2B5EF4-FFF2-40B4-BE49-F238E27FC236}">
-                <a16:creationId xmlns:a16="http://schemas.microsoft.com/office/drawing/2014/main" id="{F834305A-B403-4127-8A5F-0ACDF6A6BB40}"/>
+                <a16:creationId xmlns:a16="http://schemas.microsoft.com/office/drawing/2014/main" id="{8D67DFE2-A656-4EB7-87FE-78EFCF09B8D4}"/>
               </a:ext>
             </a:extLst>
           </p:cNvPr>
@@ -10249,8 +9341,8 @@
         </p:nvSpPr>
         <p:spPr>
           <a:xfrm>
-            <a:off x="150223" y="0"/>
-            <a:ext cx="7896497" cy="740864"/>
+            <a:off x="0" y="-68508"/>
+            <a:ext cx="10515600" cy="832079"/>
           </a:xfrm>
         </p:spPr>
         <p:txBody>
@@ -10259,175 +9351,937 @@
           <a:p>
             <a:r>
               <a:rPr lang="en-CA" dirty="0"/>
-              <a:t>Worker Threw an Exception</a:t>
-            </a:r>
-          </a:p>
-        </p:txBody>
-      </p:sp>
-      <p:sp>
-        <p:nvSpPr>
-          <p:cNvPr id="3" name="Content Placeholder 2">
-            <a:extLst>
-              <a:ext uri="{FF2B5EF4-FFF2-40B4-BE49-F238E27FC236}">
-                <a16:creationId xmlns:a16="http://schemas.microsoft.com/office/drawing/2014/main" id="{0AAB999F-6D84-41DC-8140-C86A79AA1013}"/>
-              </a:ext>
-            </a:extLst>
-          </p:cNvPr>
-          <p:cNvSpPr>
-            <a:spLocks noGrp="1"/>
-          </p:cNvSpPr>
-          <p:nvPr>
-            <p:ph idx="1"/>
-          </p:nvPr>
-        </p:nvSpPr>
-        <p:spPr>
-          <a:xfrm>
-            <a:off x="315686" y="815431"/>
-            <a:ext cx="10515600" cy="4351338"/>
-          </a:xfrm>
-        </p:spPr>
-        <p:txBody>
-          <a:bodyPr>
-            <a:normAutofit lnSpcReduction="10000"/>
+              <a:t>Socket Connection</a:t>
+            </a:r>
+          </a:p>
+        </p:txBody>
+      </p:sp>
+      <p:pic>
+        <p:nvPicPr>
+          <p:cNvPr id="4" name="Picture 4" descr="Dedicated Server PNG Image | Server, Dedication, Png images">
+            <a:extLst>
+              <a:ext uri="{FF2B5EF4-FFF2-40B4-BE49-F238E27FC236}">
+                <a16:creationId xmlns:a16="http://schemas.microsoft.com/office/drawing/2014/main" id="{B8BBBA72-D009-4D28-BDFD-C4E6B0F3493C}"/>
+              </a:ext>
+            </a:extLst>
+          </p:cNvPr>
+          <p:cNvPicPr>
+            <a:picLocks noChangeAspect="1" noChangeArrowheads="1"/>
+          </p:cNvPicPr>
+          <p:nvPr/>
+        </p:nvPicPr>
+        <p:blipFill>
+          <a:blip r:embed="rId2">
+            <a:extLst>
+              <a:ext uri="{28A0092B-C50C-407E-A947-70E740481C1C}">
+                <a14:useLocalDpi xmlns:a14="http://schemas.microsoft.com/office/drawing/2010/main" val="0"/>
+              </a:ext>
+            </a:extLst>
+          </a:blip>
+          <a:srcRect/>
+          <a:stretch>
+            <a:fillRect/>
+          </a:stretch>
+        </p:blipFill>
+        <p:spPr bwMode="auto">
+          <a:xfrm>
+            <a:off x="5359389" y="1019598"/>
+            <a:ext cx="770945" cy="1039475"/>
+          </a:xfrm>
+          <a:prstGeom prst="rect">
+            <a:avLst/>
+          </a:prstGeom>
+          <a:noFill/>
+          <a:extLst>
+            <a:ext uri="{909E8E84-426E-40DD-AFC4-6F175D3DCCD1}">
+              <a14:hiddenFill xmlns:a14="http://schemas.microsoft.com/office/drawing/2010/main">
+                <a:solidFill>
+                  <a:srgbClr val="FFFFFF"/>
+                </a:solidFill>
+              </a14:hiddenFill>
+            </a:ext>
+          </a:extLst>
+        </p:spPr>
+      </p:pic>
+      <p:pic>
+        <p:nvPicPr>
+          <p:cNvPr id="5" name="Picture 6" descr="Laptop Clip Art At Clker Com Vector - Laptop Black And White Clip ...">
+            <a:extLst>
+              <a:ext uri="{FF2B5EF4-FFF2-40B4-BE49-F238E27FC236}">
+                <a16:creationId xmlns:a16="http://schemas.microsoft.com/office/drawing/2014/main" id="{A54F7E2C-EF05-4D30-9675-D7EADDD40D5F}"/>
+              </a:ext>
+            </a:extLst>
+          </p:cNvPr>
+          <p:cNvPicPr>
+            <a:picLocks noChangeAspect="1" noChangeArrowheads="1"/>
+          </p:cNvPicPr>
+          <p:nvPr/>
+        </p:nvPicPr>
+        <p:blipFill>
+          <a:blip r:embed="rId3">
+            <a:clrChange>
+              <a:clrFrom>
+                <a:srgbClr val="F6F6F6"/>
+              </a:clrFrom>
+              <a:clrTo>
+                <a:srgbClr val="F6F6F6">
+                  <a:alpha val="0"/>
+                </a:srgbClr>
+              </a:clrTo>
+            </a:clrChange>
+            <a:extLst>
+              <a:ext uri="{28A0092B-C50C-407E-A947-70E740481C1C}">
+                <a14:useLocalDpi xmlns:a14="http://schemas.microsoft.com/office/drawing/2010/main" val="0"/>
+              </a:ext>
+            </a:extLst>
+          </a:blip>
+          <a:srcRect/>
+          <a:stretch>
+            <a:fillRect/>
+          </a:stretch>
+        </p:blipFill>
+        <p:spPr bwMode="auto">
+          <a:xfrm>
+            <a:off x="8946107" y="4054361"/>
+            <a:ext cx="1849089" cy="1533392"/>
+          </a:xfrm>
+          <a:prstGeom prst="rect">
+            <a:avLst/>
+          </a:prstGeom>
+          <a:noFill/>
+          <a:extLst>
+            <a:ext uri="{909E8E84-426E-40DD-AFC4-6F175D3DCCD1}">
+              <a14:hiddenFill xmlns:a14="http://schemas.microsoft.com/office/drawing/2010/main">
+                <a:solidFill>
+                  <a:srgbClr val="FFFFFF"/>
+                </a:solidFill>
+              </a14:hiddenFill>
+            </a:ext>
+          </a:extLst>
+        </p:spPr>
+      </p:pic>
+      <p:pic>
+        <p:nvPicPr>
+          <p:cNvPr id="2050" name="Picture 2" descr="Free Free Laptop Cliparts, Download Free Clip Art, Free Clip Art ...">
+            <a:extLst>
+              <a:ext uri="{FF2B5EF4-FFF2-40B4-BE49-F238E27FC236}">
+                <a16:creationId xmlns:a16="http://schemas.microsoft.com/office/drawing/2014/main" id="{2F1D7E14-40B7-4333-9751-1D4C24BCECF9}"/>
+              </a:ext>
+            </a:extLst>
+          </p:cNvPr>
+          <p:cNvPicPr>
+            <a:picLocks noChangeAspect="1" noChangeArrowheads="1"/>
+          </p:cNvPicPr>
+          <p:nvPr/>
+        </p:nvPicPr>
+        <p:blipFill>
+          <a:blip r:embed="rId4">
+            <a:extLst>
+              <a:ext uri="{28A0092B-C50C-407E-A947-70E740481C1C}">
+                <a14:useLocalDpi xmlns:a14="http://schemas.microsoft.com/office/drawing/2010/main" val="0"/>
+              </a:ext>
+            </a:extLst>
+          </a:blip>
+          <a:srcRect/>
+          <a:stretch>
+            <a:fillRect/>
+          </a:stretch>
+        </p:blipFill>
+        <p:spPr bwMode="auto">
+          <a:xfrm>
+            <a:off x="1346757" y="1968079"/>
+            <a:ext cx="1975759" cy="1568063"/>
+          </a:xfrm>
+          <a:prstGeom prst="rect">
+            <a:avLst/>
+          </a:prstGeom>
+          <a:noFill/>
+          <a:extLst>
+            <a:ext uri="{909E8E84-426E-40DD-AFC4-6F175D3DCCD1}">
+              <a14:hiddenFill xmlns:a14="http://schemas.microsoft.com/office/drawing/2010/main">
+                <a:solidFill>
+                  <a:srgbClr val="FFFFFF"/>
+                </a:solidFill>
+              </a14:hiddenFill>
+            </a:ext>
+          </a:extLst>
+        </p:spPr>
+      </p:pic>
+      <p:pic>
+        <p:nvPicPr>
+          <p:cNvPr id="2052" name="Picture 4" descr="Facebook Brand Resources">
+            <a:extLst>
+              <a:ext uri="{FF2B5EF4-FFF2-40B4-BE49-F238E27FC236}">
+                <a16:creationId xmlns:a16="http://schemas.microsoft.com/office/drawing/2014/main" id="{7A69D878-E909-49BD-8643-2C4A6148D6CD}"/>
+              </a:ext>
+            </a:extLst>
+          </p:cNvPr>
+          <p:cNvPicPr>
+            <a:picLocks noChangeAspect="1" noChangeArrowheads="1"/>
+          </p:cNvPicPr>
+          <p:nvPr/>
+        </p:nvPicPr>
+        <p:blipFill>
+          <a:blip r:embed="rId5">
+            <a:extLst>
+              <a:ext uri="{28A0092B-C50C-407E-A947-70E740481C1C}">
+                <a14:useLocalDpi xmlns:a14="http://schemas.microsoft.com/office/drawing/2010/main" val="0"/>
+              </a:ext>
+            </a:extLst>
+          </a:blip>
+          <a:srcRect/>
+          <a:stretch>
+            <a:fillRect/>
+          </a:stretch>
+        </p:blipFill>
+        <p:spPr bwMode="auto">
+          <a:xfrm>
+            <a:off x="3266350" y="3519306"/>
+            <a:ext cx="646331" cy="646331"/>
+          </a:xfrm>
+          <a:prstGeom prst="rect">
+            <a:avLst/>
+          </a:prstGeom>
+          <a:noFill/>
+          <a:extLst>
+            <a:ext uri="{909E8E84-426E-40DD-AFC4-6F175D3DCCD1}">
+              <a14:hiddenFill xmlns:a14="http://schemas.microsoft.com/office/drawing/2010/main">
+                <a:solidFill>
+                  <a:srgbClr val="FFFFFF"/>
+                </a:solidFill>
+              </a14:hiddenFill>
+            </a:ext>
+          </a:extLst>
+        </p:spPr>
+      </p:pic>
+      <p:sp>
+        <p:nvSpPr>
+          <p:cNvPr id="6" name="Arc 5">
+            <a:extLst>
+              <a:ext uri="{FF2B5EF4-FFF2-40B4-BE49-F238E27FC236}">
+                <a16:creationId xmlns:a16="http://schemas.microsoft.com/office/drawing/2014/main" id="{F3F126BB-CFC8-4AAB-BA91-EF2A1E81FAAC}"/>
+              </a:ext>
+            </a:extLst>
+          </p:cNvPr>
+          <p:cNvSpPr/>
+          <p:nvPr/>
+        </p:nvSpPr>
+        <p:spPr>
+          <a:xfrm flipV="1">
+            <a:off x="3064785" y="1803628"/>
+            <a:ext cx="9988784" cy="3671174"/>
+          </a:xfrm>
+          <a:prstGeom prst="arc">
+            <a:avLst>
+              <a:gd name="adj1" fmla="val 10764713"/>
+              <a:gd name="adj2" fmla="val 18709222"/>
+            </a:avLst>
+          </a:prstGeom>
+          <a:ln w="38100">
+            <a:headEnd type="none" w="med" len="med"/>
+            <a:tailEnd type="triangle" w="lg" len="lg"/>
+          </a:ln>
+        </p:spPr>
+        <p:style>
+          <a:lnRef idx="1">
+            <a:schemeClr val="accent1"/>
+          </a:lnRef>
+          <a:fillRef idx="0">
+            <a:schemeClr val="accent1"/>
+          </a:fillRef>
+          <a:effectRef idx="0">
+            <a:schemeClr val="accent1"/>
+          </a:effectRef>
+          <a:fontRef idx="minor">
+            <a:schemeClr val="tx1"/>
+          </a:fontRef>
+        </p:style>
+        <p:txBody>
+          <a:bodyPr rtlCol="0" anchor="ctr"/>
+          <a:lstStyle/>
+          <a:p>
+            <a:pPr algn="ctr"/>
+            <a:endParaRPr lang="en-CA" dirty="0"/>
+          </a:p>
+        </p:txBody>
+      </p:sp>
+      <p:sp>
+        <p:nvSpPr>
+          <p:cNvPr id="7" name="TextBox 6">
+            <a:extLst>
+              <a:ext uri="{FF2B5EF4-FFF2-40B4-BE49-F238E27FC236}">
+                <a16:creationId xmlns:a16="http://schemas.microsoft.com/office/drawing/2014/main" id="{BAC1A465-975D-4218-8A09-B4FE7FE49144}"/>
+              </a:ext>
+            </a:extLst>
+          </p:cNvPr>
+          <p:cNvSpPr txBox="1"/>
+          <p:nvPr/>
+        </p:nvSpPr>
+        <p:spPr>
+          <a:xfrm rot="708815">
+            <a:off x="2572196" y="4849105"/>
+            <a:ext cx="5478845" cy="646331"/>
+          </a:xfrm>
+          <a:prstGeom prst="rect">
+            <a:avLst/>
+          </a:prstGeom>
+          <a:noFill/>
+        </p:spPr>
+        <p:txBody>
+          <a:bodyPr wrap="square" rtlCol="0">
+            <a:spAutoFit/>
           </a:bodyPr>
           <a:lstStyle/>
           <a:p>
-            <a:pPr fontAlgn="t"/>
-            <a:r>
-              <a:rPr lang="en-CA" b="1" dirty="0"/>
-              <a:t>Request URL: </a:t>
-            </a:r>
-          </a:p>
-          <a:p>
-            <a:pPr marL="457200" lvl="1" indent="0" latinLnBrk="1">
-              <a:buNone/>
-            </a:pPr>
-            <a:r>
-              <a:rPr lang="en-CA" dirty="0">
-                <a:hlinkClick r:id="rId2"/>
-              </a:rPr>
-              <a:t>https://gameshow.geoffspielman.com/gamesocket/?ip=24.212.142.167&amp;EIO=3&amp;transport=polling&amp;t=N7C6_EQ</a:t>
+            <a:r>
+              <a:rPr lang="en-CA" dirty="0"/>
+              <a:t>I give them www.gameshow.geoffspielman.com?ip=24.212.142.167</a:t>
+            </a:r>
+          </a:p>
+        </p:txBody>
+      </p:sp>
+      <p:cxnSp>
+        <p:nvCxnSpPr>
+          <p:cNvPr id="9" name="Straight Arrow Connector 8">
+            <a:extLst>
+              <a:ext uri="{FF2B5EF4-FFF2-40B4-BE49-F238E27FC236}">
+                <a16:creationId xmlns:a16="http://schemas.microsoft.com/office/drawing/2014/main" id="{20ACEA87-24DC-4E77-ABFD-90BCA1E3EE2F}"/>
+              </a:ext>
+            </a:extLst>
+          </p:cNvPr>
+          <p:cNvCxnSpPr>
+            <a:cxnSpLocks/>
+          </p:cNvCxnSpPr>
+          <p:nvPr/>
+        </p:nvCxnSpPr>
+        <p:spPr>
+          <a:xfrm flipH="1" flipV="1">
+            <a:off x="8634953" y="3983709"/>
+            <a:ext cx="979901" cy="450469"/>
+          </a:xfrm>
+          <a:prstGeom prst="straightConnector1">
+            <a:avLst/>
+          </a:prstGeom>
+          <a:ln w="28575">
+            <a:tailEnd type="triangle"/>
+          </a:ln>
+        </p:spPr>
+        <p:style>
+          <a:lnRef idx="1">
+            <a:schemeClr val="accent1"/>
+          </a:lnRef>
+          <a:fillRef idx="0">
+            <a:schemeClr val="accent1"/>
+          </a:fillRef>
+          <a:effectRef idx="0">
+            <a:schemeClr val="accent1"/>
+          </a:effectRef>
+          <a:fontRef idx="minor">
+            <a:schemeClr val="tx1"/>
+          </a:fontRef>
+        </p:style>
+      </p:cxnSp>
+      <p:sp>
+        <p:nvSpPr>
+          <p:cNvPr id="12" name="TextBox 11">
+            <a:extLst>
+              <a:ext uri="{FF2B5EF4-FFF2-40B4-BE49-F238E27FC236}">
+                <a16:creationId xmlns:a16="http://schemas.microsoft.com/office/drawing/2014/main" id="{49F76250-7EFD-4046-8AD9-C67D014EB8D7}"/>
+              </a:ext>
+            </a:extLst>
+          </p:cNvPr>
+          <p:cNvSpPr txBox="1"/>
+          <p:nvPr/>
+        </p:nvSpPr>
+        <p:spPr>
+          <a:xfrm>
+            <a:off x="6212860" y="991651"/>
+            <a:ext cx="2311139" cy="923330"/>
+          </a:xfrm>
+          <a:prstGeom prst="rect">
+            <a:avLst/>
+          </a:prstGeom>
+          <a:noFill/>
+        </p:spPr>
+        <p:txBody>
+          <a:bodyPr wrap="square" rtlCol="0">
+            <a:spAutoFit/>
+          </a:bodyPr>
+          <a:lstStyle/>
+          <a:p>
+            <a:r>
+              <a:rPr lang="en-CA" dirty="0"/>
+              <a:t>Client gets public content (index, images </a:t>
+            </a:r>
+            <a:r>
+              <a:rPr lang="en-CA" dirty="0" err="1"/>
+              <a:t>etc</a:t>
+            </a:r>
+            <a:r>
+              <a:rPr lang="en-CA" dirty="0"/>
+              <a:t>) from digital ocean </a:t>
+            </a:r>
+          </a:p>
+        </p:txBody>
+      </p:sp>
+      <p:pic>
+        <p:nvPicPr>
+          <p:cNvPr id="11" name="Picture 10">
+            <a:extLst>
+              <a:ext uri="{FF2B5EF4-FFF2-40B4-BE49-F238E27FC236}">
+                <a16:creationId xmlns:a16="http://schemas.microsoft.com/office/drawing/2014/main" id="{B1632617-9153-482F-99B7-8E54F2289BEE}"/>
+              </a:ext>
+            </a:extLst>
+          </p:cNvPr>
+          <p:cNvPicPr>
+            <a:picLocks noChangeAspect="1"/>
+          </p:cNvPicPr>
+          <p:nvPr/>
+        </p:nvPicPr>
+        <p:blipFill>
+          <a:blip r:embed="rId6">
+            <a:clrChange>
+              <a:clrFrom>
+                <a:srgbClr val="000000"/>
+              </a:clrFrom>
+              <a:clrTo>
+                <a:srgbClr val="000000">
+                  <a:alpha val="0"/>
+                </a:srgbClr>
+              </a:clrTo>
+            </a:clrChange>
+          </a:blip>
+          <a:stretch>
+            <a:fillRect/>
+          </a:stretch>
+        </p:blipFill>
+        <p:spPr>
+          <a:xfrm>
+            <a:off x="7963916" y="3488385"/>
+            <a:ext cx="580616" cy="890047"/>
+          </a:xfrm>
+          <a:prstGeom prst="rect">
+            <a:avLst/>
+          </a:prstGeom>
+        </p:spPr>
+      </p:pic>
+      <p:sp>
+        <p:nvSpPr>
+          <p:cNvPr id="17" name="TextBox 16">
+            <a:extLst>
+              <a:ext uri="{FF2B5EF4-FFF2-40B4-BE49-F238E27FC236}">
+                <a16:creationId xmlns:a16="http://schemas.microsoft.com/office/drawing/2014/main" id="{D829789C-D2FA-4964-B3B8-5139751AB539}"/>
+              </a:ext>
+            </a:extLst>
+          </p:cNvPr>
+          <p:cNvSpPr txBox="1"/>
+          <p:nvPr/>
+        </p:nvSpPr>
+        <p:spPr>
+          <a:xfrm>
+            <a:off x="7632581" y="3169712"/>
+            <a:ext cx="1243286" cy="369332"/>
+          </a:xfrm>
+          <a:prstGeom prst="rect">
+            <a:avLst/>
+          </a:prstGeom>
+          <a:noFill/>
+        </p:spPr>
+        <p:txBody>
+          <a:bodyPr wrap="square" rtlCol="0">
+            <a:spAutoFit/>
+          </a:bodyPr>
+          <a:lstStyle/>
+          <a:p>
+            <a:r>
+              <a:rPr lang="en-CA"/>
+              <a:t>DNS Server</a:t>
             </a:r>
             <a:endParaRPr lang="en-CA" dirty="0"/>
           </a:p>
-          <a:p>
-            <a:pPr fontAlgn="t"/>
-            <a:r>
-              <a:rPr lang="en-CA" b="1" dirty="0"/>
-              <a:t>Request Method: </a:t>
-            </a:r>
-          </a:p>
-          <a:p>
-            <a:pPr marL="0" indent="0" latinLnBrk="1">
-              <a:buNone/>
-            </a:pPr>
+        </p:txBody>
+      </p:sp>
+      <p:pic>
+        <p:nvPicPr>
+          <p:cNvPr id="18" name="Picture 17">
+            <a:extLst>
+              <a:ext uri="{FF2B5EF4-FFF2-40B4-BE49-F238E27FC236}">
+                <a16:creationId xmlns:a16="http://schemas.microsoft.com/office/drawing/2014/main" id="{481234E0-FD00-4AB6-A6E4-62D149C7D8DB}"/>
+              </a:ext>
+            </a:extLst>
+          </p:cNvPr>
+          <p:cNvPicPr>
+            <a:picLocks noChangeAspect="1"/>
+          </p:cNvPicPr>
+          <p:nvPr/>
+        </p:nvPicPr>
+        <p:blipFill>
+          <a:blip r:embed="rId7">
+            <a:clrChange>
+              <a:clrFrom>
+                <a:srgbClr val="000000"/>
+              </a:clrFrom>
+              <a:clrTo>
+                <a:srgbClr val="000000">
+                  <a:alpha val="0"/>
+                </a:srgbClr>
+              </a:clrTo>
+            </a:clrChange>
+          </a:blip>
+          <a:stretch>
+            <a:fillRect/>
+          </a:stretch>
+        </p:blipFill>
+        <p:spPr>
+          <a:xfrm>
+            <a:off x="4668719" y="3039411"/>
+            <a:ext cx="1818293" cy="542991"/>
+          </a:xfrm>
+          <a:prstGeom prst="rect">
+            <a:avLst/>
+          </a:prstGeom>
+        </p:spPr>
+      </p:pic>
+      <p:cxnSp>
+        <p:nvCxnSpPr>
+          <p:cNvPr id="21" name="Straight Arrow Connector 20">
+            <a:extLst>
+              <a:ext uri="{FF2B5EF4-FFF2-40B4-BE49-F238E27FC236}">
+                <a16:creationId xmlns:a16="http://schemas.microsoft.com/office/drawing/2014/main" id="{DB9448DA-77CA-4332-8CBF-7209CBBFC28A}"/>
+              </a:ext>
+            </a:extLst>
+          </p:cNvPr>
+          <p:cNvCxnSpPr>
+            <a:cxnSpLocks/>
+            <a:endCxn id="18" idx="3"/>
+          </p:cNvCxnSpPr>
+          <p:nvPr/>
+        </p:nvCxnSpPr>
+        <p:spPr>
+          <a:xfrm flipH="1" flipV="1">
+            <a:off x="6487012" y="3310907"/>
+            <a:ext cx="1311238" cy="450470"/>
+          </a:xfrm>
+          <a:prstGeom prst="straightConnector1">
+            <a:avLst/>
+          </a:prstGeom>
+          <a:ln w="28575">
+            <a:tailEnd type="triangle"/>
+          </a:ln>
+        </p:spPr>
+        <p:style>
+          <a:lnRef idx="1">
+            <a:schemeClr val="accent1"/>
+          </a:lnRef>
+          <a:fillRef idx="0">
+            <a:schemeClr val="accent1"/>
+          </a:fillRef>
+          <a:effectRef idx="0">
+            <a:schemeClr val="accent1"/>
+          </a:effectRef>
+          <a:fontRef idx="minor">
+            <a:schemeClr val="tx1"/>
+          </a:fontRef>
+        </p:style>
+      </p:cxnSp>
+      <p:pic>
+        <p:nvPicPr>
+          <p:cNvPr id="2058" name="Picture 10" descr="DigitalOcean - Wikipedia">
+            <a:extLst>
+              <a:ext uri="{FF2B5EF4-FFF2-40B4-BE49-F238E27FC236}">
+                <a16:creationId xmlns:a16="http://schemas.microsoft.com/office/drawing/2014/main" id="{E0D2E34C-73D0-4949-AA2C-746BE6140F69}"/>
+              </a:ext>
+            </a:extLst>
+          </p:cNvPr>
+          <p:cNvPicPr>
+            <a:picLocks noChangeAspect="1" noChangeArrowheads="1"/>
+          </p:cNvPicPr>
+          <p:nvPr/>
+        </p:nvPicPr>
+        <p:blipFill>
+          <a:blip r:embed="rId8">
+            <a:extLst>
+              <a:ext uri="{28A0092B-C50C-407E-A947-70E740481C1C}">
+                <a14:useLocalDpi xmlns:a14="http://schemas.microsoft.com/office/drawing/2010/main" val="0"/>
+              </a:ext>
+            </a:extLst>
+          </a:blip>
+          <a:srcRect/>
+          <a:stretch>
+            <a:fillRect/>
+          </a:stretch>
+        </p:blipFill>
+        <p:spPr bwMode="auto">
+          <a:xfrm>
+            <a:off x="4334916" y="1001158"/>
+            <a:ext cx="922884" cy="922884"/>
+          </a:xfrm>
+          <a:prstGeom prst="rect">
+            <a:avLst/>
+          </a:prstGeom>
+          <a:noFill/>
+          <a:extLst>
+            <a:ext uri="{909E8E84-426E-40DD-AFC4-6F175D3DCCD1}">
+              <a14:hiddenFill xmlns:a14="http://schemas.microsoft.com/office/drawing/2010/main">
+                <a:solidFill>
+                  <a:srgbClr val="FFFFFF"/>
+                </a:solidFill>
+              </a14:hiddenFill>
+            </a:ext>
+          </a:extLst>
+        </p:spPr>
+      </p:pic>
+      <p:cxnSp>
+        <p:nvCxnSpPr>
+          <p:cNvPr id="24" name="Straight Arrow Connector 23">
+            <a:extLst>
+              <a:ext uri="{FF2B5EF4-FFF2-40B4-BE49-F238E27FC236}">
+                <a16:creationId xmlns:a16="http://schemas.microsoft.com/office/drawing/2014/main" id="{44136FD6-B266-4EC7-8849-B5344E7A6DC6}"/>
+              </a:ext>
+            </a:extLst>
+          </p:cNvPr>
+          <p:cNvCxnSpPr>
+            <a:cxnSpLocks/>
+          </p:cNvCxnSpPr>
+          <p:nvPr/>
+        </p:nvCxnSpPr>
+        <p:spPr>
+          <a:xfrm flipH="1" flipV="1">
+            <a:off x="5359389" y="2148405"/>
+            <a:ext cx="385472" cy="826725"/>
+          </a:xfrm>
+          <a:prstGeom prst="straightConnector1">
+            <a:avLst/>
+          </a:prstGeom>
+          <a:ln w="28575">
+            <a:tailEnd type="triangle"/>
+          </a:ln>
+        </p:spPr>
+        <p:style>
+          <a:lnRef idx="1">
+            <a:schemeClr val="accent1"/>
+          </a:lnRef>
+          <a:fillRef idx="0">
+            <a:schemeClr val="accent1"/>
+          </a:fillRef>
+          <a:effectRef idx="0">
+            <a:schemeClr val="accent1"/>
+          </a:effectRef>
+          <a:fontRef idx="minor">
+            <a:schemeClr val="tx1"/>
+          </a:fontRef>
+        </p:style>
+      </p:cxnSp>
+      <p:sp>
+        <p:nvSpPr>
+          <p:cNvPr id="28" name="Arc 27">
+            <a:extLst>
+              <a:ext uri="{FF2B5EF4-FFF2-40B4-BE49-F238E27FC236}">
+                <a16:creationId xmlns:a16="http://schemas.microsoft.com/office/drawing/2014/main" id="{C7257964-613E-4432-A46F-B23F51E26DF4}"/>
+              </a:ext>
+            </a:extLst>
+          </p:cNvPr>
+          <p:cNvSpPr/>
+          <p:nvPr/>
+        </p:nvSpPr>
+        <p:spPr>
+          <a:xfrm rot="13889773" flipH="1" flipV="1">
+            <a:off x="5243741" y="1326305"/>
+            <a:ext cx="5193195" cy="3739505"/>
+          </a:xfrm>
+          <a:prstGeom prst="arc">
+            <a:avLst>
+              <a:gd name="adj1" fmla="val 11463417"/>
+              <a:gd name="adj2" fmla="val 19922351"/>
+            </a:avLst>
+          </a:prstGeom>
+          <a:ln w="38100">
+            <a:headEnd type="none" w="med" len="med"/>
+            <a:tailEnd type="triangle" w="lg" len="lg"/>
+          </a:ln>
+        </p:spPr>
+        <p:style>
+          <a:lnRef idx="1">
+            <a:schemeClr val="accent1"/>
+          </a:lnRef>
+          <a:fillRef idx="0">
+            <a:schemeClr val="accent1"/>
+          </a:fillRef>
+          <a:effectRef idx="0">
+            <a:schemeClr val="accent1"/>
+          </a:effectRef>
+          <a:fontRef idx="minor">
+            <a:schemeClr val="tx1"/>
+          </a:fontRef>
+        </p:style>
+        <p:txBody>
+          <a:bodyPr rtlCol="0" anchor="ctr"/>
+          <a:lstStyle/>
+          <a:p>
+            <a:pPr algn="ctr"/>
+            <a:endParaRPr lang="en-CA"/>
+          </a:p>
+        </p:txBody>
+      </p:sp>
+      <p:sp>
+        <p:nvSpPr>
+          <p:cNvPr id="29" name="TextBox 28">
+            <a:extLst>
+              <a:ext uri="{FF2B5EF4-FFF2-40B4-BE49-F238E27FC236}">
+                <a16:creationId xmlns:a16="http://schemas.microsoft.com/office/drawing/2014/main" id="{0E3641A7-21FF-4407-ACC9-920FB9C11AFA}"/>
+              </a:ext>
+            </a:extLst>
+          </p:cNvPr>
+          <p:cNvSpPr txBox="1"/>
+          <p:nvPr/>
+        </p:nvSpPr>
+        <p:spPr>
+          <a:xfrm>
+            <a:off x="4674877" y="3539535"/>
+            <a:ext cx="2311139" cy="646331"/>
+          </a:xfrm>
+          <a:prstGeom prst="rect">
+            <a:avLst/>
+          </a:prstGeom>
+          <a:noFill/>
+        </p:spPr>
+        <p:txBody>
+          <a:bodyPr wrap="square" rtlCol="0">
+            <a:spAutoFit/>
+          </a:bodyPr>
+          <a:lstStyle/>
+          <a:p>
             <a:r>
               <a:rPr lang="en-CA" dirty="0"/>
-              <a:t>	GET</a:t>
-            </a:r>
-          </a:p>
-          <a:p>
-            <a:pPr fontAlgn="t"/>
-            <a:r>
-              <a:rPr lang="en-CA" b="1" dirty="0"/>
-              <a:t>path: </a:t>
-            </a:r>
-          </a:p>
-          <a:p>
-            <a:pPr marL="457200" lvl="1" indent="0" latinLnBrk="1">
-              <a:buNone/>
-            </a:pPr>
+              <a:t>Worker: no SSL on *gameshow</a:t>
+            </a:r>
+          </a:p>
+        </p:txBody>
+      </p:sp>
+      <p:pic>
+        <p:nvPicPr>
+          <p:cNvPr id="25" name="Picture 24">
+            <a:extLst>
+              <a:ext uri="{FF2B5EF4-FFF2-40B4-BE49-F238E27FC236}">
+                <a16:creationId xmlns:a16="http://schemas.microsoft.com/office/drawing/2014/main" id="{8F645A89-6FC5-40B9-8E1D-04D66B7ACAAA}"/>
+              </a:ext>
+            </a:extLst>
+          </p:cNvPr>
+          <p:cNvPicPr>
+            <a:picLocks noChangeAspect="1"/>
+          </p:cNvPicPr>
+          <p:nvPr/>
+        </p:nvPicPr>
+        <p:blipFill>
+          <a:blip r:embed="rId9">
+            <a:clrChange>
+              <a:clrFrom>
+                <a:srgbClr val="000000"/>
+              </a:clrFrom>
+              <a:clrTo>
+                <a:srgbClr val="000000">
+                  <a:alpha val="0"/>
+                </a:srgbClr>
+              </a:clrTo>
+            </a:clrChange>
+          </a:blip>
+          <a:stretch>
+            <a:fillRect/>
+          </a:stretch>
+        </p:blipFill>
+        <p:spPr>
+          <a:xfrm>
+            <a:off x="10405987" y="3920693"/>
+            <a:ext cx="903323" cy="1026970"/>
+          </a:xfrm>
+          <a:prstGeom prst="rect">
+            <a:avLst/>
+          </a:prstGeom>
+        </p:spPr>
+      </p:pic>
+      <p:sp>
+        <p:nvSpPr>
+          <p:cNvPr id="32" name="TextBox 31">
+            <a:extLst>
+              <a:ext uri="{FF2B5EF4-FFF2-40B4-BE49-F238E27FC236}">
+                <a16:creationId xmlns:a16="http://schemas.microsoft.com/office/drawing/2014/main" id="{DB0590A1-23F4-42DE-B060-F05E0295FDD7}"/>
+              </a:ext>
+            </a:extLst>
+          </p:cNvPr>
+          <p:cNvSpPr txBox="1"/>
+          <p:nvPr/>
+        </p:nvSpPr>
+        <p:spPr>
+          <a:xfrm>
+            <a:off x="10654472" y="4907270"/>
+            <a:ext cx="1468685" cy="646331"/>
+          </a:xfrm>
+          <a:prstGeom prst="rect">
+            <a:avLst/>
+          </a:prstGeom>
+          <a:noFill/>
+        </p:spPr>
+        <p:txBody>
+          <a:bodyPr wrap="square" rtlCol="0">
+            <a:spAutoFit/>
+          </a:bodyPr>
+          <a:lstStyle/>
+          <a:p>
             <a:r>
               <a:rPr lang="en-CA" dirty="0"/>
-              <a:t>/</a:t>
+              <a:t>Parse </a:t>
             </a:r>
             <a:r>
               <a:rPr lang="en-CA" dirty="0" err="1"/>
-              <a:t>gamesocket</a:t>
+              <a:t>url</a:t>
             </a:r>
             <a:r>
               <a:rPr lang="en-CA" dirty="0"/>
-              <a:t>/?</a:t>
-            </a:r>
-            <a:r>
-              <a:rPr lang="en-CA" dirty="0" err="1"/>
-              <a:t>ip</a:t>
-            </a:r>
+              <a:t> for my IP address</a:t>
+            </a:r>
+          </a:p>
+        </p:txBody>
+      </p:sp>
+      <p:sp>
+        <p:nvSpPr>
+          <p:cNvPr id="33" name="Arc 32">
+            <a:extLst>
+              <a:ext uri="{FF2B5EF4-FFF2-40B4-BE49-F238E27FC236}">
+                <a16:creationId xmlns:a16="http://schemas.microsoft.com/office/drawing/2014/main" id="{3EEEFB70-3E1C-4FC6-8BF9-BA6CB948DB2B}"/>
+              </a:ext>
+            </a:extLst>
+          </p:cNvPr>
+          <p:cNvSpPr/>
+          <p:nvPr/>
+        </p:nvSpPr>
+        <p:spPr>
+          <a:xfrm flipH="1" flipV="1">
+            <a:off x="1396804" y="1270247"/>
+            <a:ext cx="9988784" cy="5377895"/>
+          </a:xfrm>
+          <a:prstGeom prst="arc">
+            <a:avLst>
+              <a:gd name="adj1" fmla="val 11931196"/>
+              <a:gd name="adj2" fmla="val 213157"/>
+            </a:avLst>
+          </a:prstGeom>
+          <a:ln w="38100">
+            <a:solidFill>
+              <a:srgbClr val="FF0000"/>
+            </a:solidFill>
+            <a:headEnd type="triangle" w="med" len="med"/>
+            <a:tailEnd type="triangle" w="med" len="med"/>
+          </a:ln>
+        </p:spPr>
+        <p:style>
+          <a:lnRef idx="1">
+            <a:schemeClr val="accent1"/>
+          </a:lnRef>
+          <a:fillRef idx="0">
+            <a:schemeClr val="accent1"/>
+          </a:fillRef>
+          <a:effectRef idx="0">
+            <a:schemeClr val="accent1"/>
+          </a:effectRef>
+          <a:fontRef idx="minor">
+            <a:schemeClr val="tx1"/>
+          </a:fontRef>
+        </p:style>
+        <p:txBody>
+          <a:bodyPr rtlCol="0" anchor="ctr"/>
+          <a:lstStyle/>
+          <a:p>
+            <a:pPr algn="ctr"/>
+            <a:endParaRPr lang="en-CA" dirty="0"/>
+          </a:p>
+        </p:txBody>
+      </p:sp>
+      <p:sp>
+        <p:nvSpPr>
+          <p:cNvPr id="34" name="TextBox 33">
+            <a:extLst>
+              <a:ext uri="{FF2B5EF4-FFF2-40B4-BE49-F238E27FC236}">
+                <a16:creationId xmlns:a16="http://schemas.microsoft.com/office/drawing/2014/main" id="{F59675D6-D1BD-47DB-8662-F2B23CA93E81}"/>
+              </a:ext>
+            </a:extLst>
+          </p:cNvPr>
+          <p:cNvSpPr txBox="1"/>
+          <p:nvPr/>
+        </p:nvSpPr>
+        <p:spPr>
+          <a:xfrm rot="708815">
+            <a:off x="2601010" y="5969142"/>
+            <a:ext cx="5478845" cy="369332"/>
+          </a:xfrm>
+          <a:prstGeom prst="rect">
+            <a:avLst/>
+          </a:prstGeom>
+          <a:noFill/>
+        </p:spPr>
+        <p:txBody>
+          <a:bodyPr wrap="square" rtlCol="0">
+            <a:spAutoFit/>
+          </a:bodyPr>
+          <a:lstStyle/>
+          <a:p>
             <a:r>
               <a:rPr lang="en-CA" dirty="0"/>
-              <a:t>=</a:t>
-            </a:r>
-            <a:r>
-              <a:rPr lang="en-CA" dirty="0" err="1"/>
-              <a:t>24.212.142.167&amp;EIO</a:t>
-            </a:r>
-            <a:r>
-              <a:rPr lang="en-CA" dirty="0"/>
-              <a:t>=</a:t>
-            </a:r>
-            <a:r>
-              <a:rPr lang="en-CA" dirty="0" err="1"/>
-              <a:t>3&amp;transport</a:t>
-            </a:r>
-            <a:r>
-              <a:rPr lang="en-CA" dirty="0"/>
-              <a:t>=</a:t>
-            </a:r>
-            <a:r>
-              <a:rPr lang="en-CA" dirty="0" err="1"/>
-              <a:t>polling&amp;t</a:t>
-            </a:r>
-            <a:r>
-              <a:rPr lang="en-CA" dirty="0"/>
-              <a:t>=</a:t>
-            </a:r>
-            <a:r>
-              <a:rPr lang="en-CA" dirty="0" err="1"/>
-              <a:t>N7C6_EQ</a:t>
-            </a:r>
-            <a:endParaRPr lang="en-CA" dirty="0"/>
-          </a:p>
-          <a:p>
-            <a:pPr marL="457200" lvl="1" indent="0" latinLnBrk="1">
-              <a:buNone/>
-            </a:pPr>
-            <a:endParaRPr lang="en-CA" dirty="0"/>
-          </a:p>
-          <a:p>
-            <a:pPr latinLnBrk="1"/>
-            <a:r>
-              <a:rPr lang="en-CA" b="1" dirty="0"/>
-              <a:t>Query String Parameters</a:t>
-            </a:r>
-          </a:p>
-          <a:p>
-            <a:pPr marL="457200" lvl="1" indent="0" latinLnBrk="1">
-              <a:buNone/>
-            </a:pPr>
-            <a:r>
-              <a:rPr lang="en-CA" dirty="0" err="1"/>
-              <a:t>ip</a:t>
-            </a:r>
-            <a:r>
-              <a:rPr lang="en-CA" dirty="0"/>
-              <a:t>: 24.212.142.167		</a:t>
-            </a:r>
-          </a:p>
-          <a:p>
-            <a:pPr marL="457200" lvl="1" indent="0" latinLnBrk="1">
-              <a:buNone/>
-            </a:pPr>
-            <a:endParaRPr lang="en-CA" dirty="0"/>
-          </a:p>
-          <a:p>
-            <a:endParaRPr lang="en-CA" dirty="0"/>
-          </a:p>
-        </p:txBody>
-      </p:sp>
+              <a:t>Socket connection @ 24.212.142.167:3000</a:t>
+            </a:r>
+          </a:p>
+        </p:txBody>
+      </p:sp>
+      <p:pic>
+        <p:nvPicPr>
+          <p:cNvPr id="2062" name="Picture 14">
+            <a:extLst>
+              <a:ext uri="{FF2B5EF4-FFF2-40B4-BE49-F238E27FC236}">
+                <a16:creationId xmlns:a16="http://schemas.microsoft.com/office/drawing/2014/main" id="{3436B604-3FFF-47C9-BBAF-AF7A9175D956}"/>
+              </a:ext>
+            </a:extLst>
+          </p:cNvPr>
+          <p:cNvPicPr>
+            <a:picLocks noChangeAspect="1" noChangeArrowheads="1"/>
+          </p:cNvPicPr>
+          <p:nvPr/>
+        </p:nvPicPr>
+        <p:blipFill>
+          <a:blip r:embed="rId10">
+            <a:extLst>
+              <a:ext uri="{28A0092B-C50C-407E-A947-70E740481C1C}">
+                <a14:useLocalDpi xmlns:a14="http://schemas.microsoft.com/office/drawing/2010/main" val="0"/>
+              </a:ext>
+            </a:extLst>
+          </a:blip>
+          <a:srcRect/>
+          <a:stretch>
+            <a:fillRect/>
+          </a:stretch>
+        </p:blipFill>
+        <p:spPr bwMode="auto">
+          <a:xfrm>
+            <a:off x="122485" y="2944310"/>
+            <a:ext cx="1202435" cy="733192"/>
+          </a:xfrm>
+          <a:prstGeom prst="rect">
+            <a:avLst/>
+          </a:prstGeom>
+          <a:noFill/>
+          <a:extLst>
+            <a:ext uri="{909E8E84-426E-40DD-AFC4-6F175D3DCCD1}">
+              <a14:hiddenFill xmlns:a14="http://schemas.microsoft.com/office/drawing/2010/main">
+                <a:solidFill>
+                  <a:srgbClr val="FFFFFF"/>
+                </a:solidFill>
+              </a14:hiddenFill>
+            </a:ext>
+          </a:extLst>
+        </p:spPr>
+      </p:pic>
     </p:spTree>
     <p:extLst>
       <p:ext uri="{BB962C8B-B14F-4D97-AF65-F5344CB8AC3E}">
-        <p14:creationId xmlns:p14="http://schemas.microsoft.com/office/powerpoint/2010/main" val="545528636"/>
+        <p14:creationId xmlns:p14="http://schemas.microsoft.com/office/powerpoint/2010/main" val="1160604219"/>
       </p:ext>
     </p:extLst>
   </p:cSld>
@@ -10459,7 +10313,7 @@
           <p:cNvPr id="2" name="Title 1">
             <a:extLst>
               <a:ext uri="{FF2B5EF4-FFF2-40B4-BE49-F238E27FC236}">
-                <a16:creationId xmlns:a16="http://schemas.microsoft.com/office/drawing/2014/main" id="{22BE46A5-BE5C-40A2-B259-1E44E2202981}"/>
+                <a16:creationId xmlns:a16="http://schemas.microsoft.com/office/drawing/2014/main" id="{F834305A-B403-4127-8A5F-0ACDF6A6BB40}"/>
               </a:ext>
             </a:extLst>
           </p:cNvPr>
@@ -10472,87 +10326,185 @@
         </p:nvSpPr>
         <p:spPr>
           <a:xfrm>
-            <a:off x="91751" y="85207"/>
-            <a:ext cx="5021424" cy="586597"/>
+            <a:off x="150223" y="0"/>
+            <a:ext cx="7896497" cy="740864"/>
+          </a:xfrm>
+        </p:spPr>
+        <p:txBody>
+          <a:bodyPr/>
+          <a:lstStyle/>
+          <a:p>
+            <a:r>
+              <a:rPr lang="en-CA" dirty="0"/>
+              <a:t>Worker Threw an Exception</a:t>
+            </a:r>
+          </a:p>
+        </p:txBody>
+      </p:sp>
+      <p:sp>
+        <p:nvSpPr>
+          <p:cNvPr id="3" name="Content Placeholder 2">
+            <a:extLst>
+              <a:ext uri="{FF2B5EF4-FFF2-40B4-BE49-F238E27FC236}">
+                <a16:creationId xmlns:a16="http://schemas.microsoft.com/office/drawing/2014/main" id="{0AAB999F-6D84-41DC-8140-C86A79AA1013}"/>
+              </a:ext>
+            </a:extLst>
+          </p:cNvPr>
+          <p:cNvSpPr>
+            <a:spLocks noGrp="1"/>
+          </p:cNvSpPr>
+          <p:nvPr>
+            <p:ph idx="1"/>
+          </p:nvPr>
+        </p:nvSpPr>
+        <p:spPr>
+          <a:xfrm>
+            <a:off x="315686" y="815431"/>
+            <a:ext cx="10515600" cy="4351338"/>
           </a:xfrm>
         </p:spPr>
         <p:txBody>
           <a:bodyPr>
-            <a:normAutofit fontScale="90000"/>
+            <a:normAutofit lnSpcReduction="10000"/>
           </a:bodyPr>
           <a:lstStyle/>
           <a:p>
+            <a:pPr fontAlgn="t"/>
+            <a:r>
+              <a:rPr lang="en-CA" b="1" dirty="0"/>
+              <a:t>Request URL: </a:t>
+            </a:r>
+          </a:p>
+          <a:p>
+            <a:pPr marL="457200" lvl="1" indent="0" latinLnBrk="1">
+              <a:buNone/>
+            </a:pPr>
+            <a:r>
+              <a:rPr lang="en-CA" dirty="0">
+                <a:hlinkClick r:id="rId2"/>
+              </a:rPr>
+              <a:t>https://gameshow.geoffspielman.com/gamesocket/?ip=24.212.142.167&amp;EIO=3&amp;transport=polling&amp;t=N7C6_EQ</a:t>
+            </a:r>
+            <a:endParaRPr lang="en-CA" dirty="0"/>
+          </a:p>
+          <a:p>
+            <a:pPr fontAlgn="t"/>
+            <a:r>
+              <a:rPr lang="en-CA" b="1" dirty="0"/>
+              <a:t>Request Method: </a:t>
+            </a:r>
+          </a:p>
+          <a:p>
+            <a:pPr marL="0" indent="0" latinLnBrk="1">
+              <a:buNone/>
+            </a:pPr>
             <a:r>
               <a:rPr lang="en-CA" dirty="0"/>
-              <a:t>New Error message:</a:t>
-            </a:r>
-          </a:p>
-        </p:txBody>
-      </p:sp>
-      <p:pic>
-        <p:nvPicPr>
-          <p:cNvPr id="5" name="Picture 4">
-            <a:extLst>
-              <a:ext uri="{FF2B5EF4-FFF2-40B4-BE49-F238E27FC236}">
-                <a16:creationId xmlns:a16="http://schemas.microsoft.com/office/drawing/2014/main" id="{BEE605A6-0264-4B7A-90FE-DC90AD14840C}"/>
-              </a:ext>
-            </a:extLst>
-          </p:cNvPr>
-          <p:cNvPicPr>
-            <a:picLocks noChangeAspect="1"/>
-          </p:cNvPicPr>
-          <p:nvPr/>
-        </p:nvPicPr>
-        <p:blipFill>
-          <a:blip r:embed="rId2"/>
-          <a:stretch>
-            <a:fillRect/>
-          </a:stretch>
-        </p:blipFill>
-        <p:spPr>
-          <a:xfrm>
-            <a:off x="167272" y="2448309"/>
-            <a:ext cx="6485455" cy="4199750"/>
-          </a:xfrm>
-          <a:prstGeom prst="rect">
-            <a:avLst/>
-          </a:prstGeom>
-        </p:spPr>
-      </p:pic>
-      <p:pic>
-        <p:nvPicPr>
-          <p:cNvPr id="6" name="Picture 5">
-            <a:extLst>
-              <a:ext uri="{FF2B5EF4-FFF2-40B4-BE49-F238E27FC236}">
-                <a16:creationId xmlns:a16="http://schemas.microsoft.com/office/drawing/2014/main" id="{C0BFDC74-9E0A-4DF7-9217-4989DD5552BF}"/>
-              </a:ext>
-            </a:extLst>
-          </p:cNvPr>
-          <p:cNvPicPr>
-            <a:picLocks noChangeAspect="1"/>
-          </p:cNvPicPr>
-          <p:nvPr/>
-        </p:nvPicPr>
-        <p:blipFill>
-          <a:blip r:embed="rId3"/>
-          <a:stretch>
-            <a:fillRect/>
-          </a:stretch>
-        </p:blipFill>
-        <p:spPr>
-          <a:xfrm>
-            <a:off x="4432638" y="168598"/>
-            <a:ext cx="7174644" cy="2196320"/>
-          </a:xfrm>
-          <a:prstGeom prst="rect">
-            <a:avLst/>
-          </a:prstGeom>
-        </p:spPr>
-      </p:pic>
+              <a:t>	GET</a:t>
+            </a:r>
+          </a:p>
+          <a:p>
+            <a:pPr fontAlgn="t"/>
+            <a:r>
+              <a:rPr lang="en-CA" b="1" dirty="0"/>
+              <a:t>path: </a:t>
+            </a:r>
+          </a:p>
+          <a:p>
+            <a:pPr marL="457200" lvl="1" indent="0" latinLnBrk="1">
+              <a:buNone/>
+            </a:pPr>
+            <a:r>
+              <a:rPr lang="en-CA" dirty="0"/>
+              <a:t>/</a:t>
+            </a:r>
+            <a:r>
+              <a:rPr lang="en-CA" dirty="0" err="1"/>
+              <a:t>gamesocket</a:t>
+            </a:r>
+            <a:r>
+              <a:rPr lang="en-CA" dirty="0"/>
+              <a:t>/?</a:t>
+            </a:r>
+            <a:r>
+              <a:rPr lang="en-CA" dirty="0" err="1"/>
+              <a:t>ip</a:t>
+            </a:r>
+            <a:r>
+              <a:rPr lang="en-CA" dirty="0"/>
+              <a:t>=</a:t>
+            </a:r>
+            <a:r>
+              <a:rPr lang="en-CA" dirty="0" err="1"/>
+              <a:t>24.212.142.167&amp;EIO</a:t>
+            </a:r>
+            <a:r>
+              <a:rPr lang="en-CA" dirty="0"/>
+              <a:t>=</a:t>
+            </a:r>
+            <a:r>
+              <a:rPr lang="en-CA" dirty="0" err="1"/>
+              <a:t>3&amp;transport</a:t>
+            </a:r>
+            <a:r>
+              <a:rPr lang="en-CA" dirty="0"/>
+              <a:t>=</a:t>
+            </a:r>
+            <a:r>
+              <a:rPr lang="en-CA" dirty="0" err="1"/>
+              <a:t>polling&amp;t</a:t>
+            </a:r>
+            <a:r>
+              <a:rPr lang="en-CA" dirty="0"/>
+              <a:t>=</a:t>
+            </a:r>
+            <a:r>
+              <a:rPr lang="en-CA" dirty="0" err="1"/>
+              <a:t>N7C6_EQ</a:t>
+            </a:r>
+            <a:endParaRPr lang="en-CA" dirty="0"/>
+          </a:p>
+          <a:p>
+            <a:pPr marL="457200" lvl="1" indent="0" latinLnBrk="1">
+              <a:buNone/>
+            </a:pPr>
+            <a:endParaRPr lang="en-CA" dirty="0"/>
+          </a:p>
+          <a:p>
+            <a:pPr latinLnBrk="1"/>
+            <a:r>
+              <a:rPr lang="en-CA" b="1" dirty="0"/>
+              <a:t>Query String Parameters</a:t>
+            </a:r>
+          </a:p>
+          <a:p>
+            <a:pPr marL="457200" lvl="1" indent="0" latinLnBrk="1">
+              <a:buNone/>
+            </a:pPr>
+            <a:r>
+              <a:rPr lang="en-CA" dirty="0" err="1"/>
+              <a:t>ip</a:t>
+            </a:r>
+            <a:r>
+              <a:rPr lang="en-CA" dirty="0"/>
+              <a:t>: 24.212.142.167		</a:t>
+            </a:r>
+          </a:p>
+          <a:p>
+            <a:pPr marL="457200" lvl="1" indent="0" latinLnBrk="1">
+              <a:buNone/>
+            </a:pPr>
+            <a:endParaRPr lang="en-CA" dirty="0"/>
+          </a:p>
+          <a:p>
+            <a:endParaRPr lang="en-CA" dirty="0"/>
+          </a:p>
+        </p:txBody>
+      </p:sp>
     </p:spTree>
     <p:extLst>
       <p:ext uri="{BB962C8B-B14F-4D97-AF65-F5344CB8AC3E}">
-        <p14:creationId xmlns:p14="http://schemas.microsoft.com/office/powerpoint/2010/main" val="3931187049"/>
+        <p14:creationId xmlns:p14="http://schemas.microsoft.com/office/powerpoint/2010/main" val="545528636"/>
       </p:ext>
     </p:extLst>
   </p:cSld>
@@ -10584,6 +10536,131 @@
           <p:cNvPr id="2" name="Title 1">
             <a:extLst>
               <a:ext uri="{FF2B5EF4-FFF2-40B4-BE49-F238E27FC236}">
+                <a16:creationId xmlns:a16="http://schemas.microsoft.com/office/drawing/2014/main" id="{22BE46A5-BE5C-40A2-B259-1E44E2202981}"/>
+              </a:ext>
+            </a:extLst>
+          </p:cNvPr>
+          <p:cNvSpPr>
+            <a:spLocks noGrp="1"/>
+          </p:cNvSpPr>
+          <p:nvPr>
+            <p:ph type="title"/>
+          </p:nvPr>
+        </p:nvSpPr>
+        <p:spPr>
+          <a:xfrm>
+            <a:off x="91751" y="85207"/>
+            <a:ext cx="5021424" cy="586597"/>
+          </a:xfrm>
+        </p:spPr>
+        <p:txBody>
+          <a:bodyPr>
+            <a:normAutofit fontScale="90000"/>
+          </a:bodyPr>
+          <a:lstStyle/>
+          <a:p>
+            <a:r>
+              <a:rPr lang="en-CA" dirty="0"/>
+              <a:t>New Error message:</a:t>
+            </a:r>
+          </a:p>
+        </p:txBody>
+      </p:sp>
+      <p:pic>
+        <p:nvPicPr>
+          <p:cNvPr id="5" name="Picture 4">
+            <a:extLst>
+              <a:ext uri="{FF2B5EF4-FFF2-40B4-BE49-F238E27FC236}">
+                <a16:creationId xmlns:a16="http://schemas.microsoft.com/office/drawing/2014/main" id="{BEE605A6-0264-4B7A-90FE-DC90AD14840C}"/>
+              </a:ext>
+            </a:extLst>
+          </p:cNvPr>
+          <p:cNvPicPr>
+            <a:picLocks noChangeAspect="1"/>
+          </p:cNvPicPr>
+          <p:nvPr/>
+        </p:nvPicPr>
+        <p:blipFill>
+          <a:blip r:embed="rId2"/>
+          <a:stretch>
+            <a:fillRect/>
+          </a:stretch>
+        </p:blipFill>
+        <p:spPr>
+          <a:xfrm>
+            <a:off x="167272" y="2448309"/>
+            <a:ext cx="6485455" cy="4199750"/>
+          </a:xfrm>
+          <a:prstGeom prst="rect">
+            <a:avLst/>
+          </a:prstGeom>
+        </p:spPr>
+      </p:pic>
+      <p:pic>
+        <p:nvPicPr>
+          <p:cNvPr id="6" name="Picture 5">
+            <a:extLst>
+              <a:ext uri="{FF2B5EF4-FFF2-40B4-BE49-F238E27FC236}">
+                <a16:creationId xmlns:a16="http://schemas.microsoft.com/office/drawing/2014/main" id="{C0BFDC74-9E0A-4DF7-9217-4989DD5552BF}"/>
+              </a:ext>
+            </a:extLst>
+          </p:cNvPr>
+          <p:cNvPicPr>
+            <a:picLocks noChangeAspect="1"/>
+          </p:cNvPicPr>
+          <p:nvPr/>
+        </p:nvPicPr>
+        <p:blipFill>
+          <a:blip r:embed="rId3"/>
+          <a:stretch>
+            <a:fillRect/>
+          </a:stretch>
+        </p:blipFill>
+        <p:spPr>
+          <a:xfrm>
+            <a:off x="4432638" y="168598"/>
+            <a:ext cx="7174644" cy="2196320"/>
+          </a:xfrm>
+          <a:prstGeom prst="rect">
+            <a:avLst/>
+          </a:prstGeom>
+        </p:spPr>
+      </p:pic>
+    </p:spTree>
+    <p:extLst>
+      <p:ext uri="{BB962C8B-B14F-4D97-AF65-F5344CB8AC3E}">
+        <p14:creationId xmlns:p14="http://schemas.microsoft.com/office/powerpoint/2010/main" val="3931187049"/>
+      </p:ext>
+    </p:extLst>
+  </p:cSld>
+  <p:clrMapOvr>
+    <a:masterClrMapping/>
+  </p:clrMapOvr>
+</p:sld>
+</file>
+
+<file path=ppt/slides/slide24.xml><?xml version="1.0" encoding="utf-8"?>
+<p:sld xmlns:a="http://schemas.openxmlformats.org/drawingml/2006/main" xmlns:r="http://schemas.openxmlformats.org/officeDocument/2006/relationships" xmlns:p="http://schemas.openxmlformats.org/presentationml/2006/main">
+  <p:cSld>
+    <p:spTree>
+      <p:nvGrpSpPr>
+        <p:cNvPr id="1" name=""/>
+        <p:cNvGrpSpPr/>
+        <p:nvPr/>
+      </p:nvGrpSpPr>
+      <p:grpSpPr>
+        <a:xfrm>
+          <a:off x="0" y="0"/>
+          <a:ext cx="0" cy="0"/>
+          <a:chOff x="0" y="0"/>
+          <a:chExt cx="0" cy="0"/>
+        </a:xfrm>
+      </p:grpSpPr>
+      <p:sp>
+        <p:nvSpPr>
+          <p:cNvPr id="2" name="Title 1">
+            <a:extLst>
+              <a:ext uri="{FF2B5EF4-FFF2-40B4-BE49-F238E27FC236}">
                 <a16:creationId xmlns:a16="http://schemas.microsoft.com/office/drawing/2014/main" id="{CEC34056-2624-473D-88C6-CBA78951C21F}"/>
               </a:ext>
             </a:extLst>
@@ -10650,7 +10727,7 @@
 </p:sld>
 </file>
 
-<file path=ppt/slides/slide24.xml><?xml version="1.0" encoding="utf-8"?>
+<file path=ppt/slides/slide25.xml><?xml version="1.0" encoding="utf-8"?>
 <p:sld xmlns:a="http://schemas.openxmlformats.org/drawingml/2006/main" xmlns:r="http://schemas.openxmlformats.org/officeDocument/2006/relationships" xmlns:p="http://schemas.openxmlformats.org/presentationml/2006/main">
   <p:cSld>
     <p:spTree>
@@ -12468,6 +12545,1546 @@
 </file>
 
 <file path=ppt/slides/slide4.xml><?xml version="1.0" encoding="utf-8"?>
+<p:sld xmlns:a="http://schemas.openxmlformats.org/drawingml/2006/main" xmlns:r="http://schemas.openxmlformats.org/officeDocument/2006/relationships" xmlns:p="http://schemas.openxmlformats.org/presentationml/2006/main">
+  <p:cSld>
+    <p:spTree>
+      <p:nvGrpSpPr>
+        <p:cNvPr id="1" name=""/>
+        <p:cNvGrpSpPr/>
+        <p:nvPr/>
+      </p:nvGrpSpPr>
+      <p:grpSpPr>
+        <a:xfrm>
+          <a:off x="0" y="0"/>
+          <a:ext cx="0" cy="0"/>
+          <a:chOff x="0" y="0"/>
+          <a:chExt cx="0" cy="0"/>
+        </a:xfrm>
+      </p:grpSpPr>
+      <p:sp>
+        <p:nvSpPr>
+          <p:cNvPr id="44" name="Rectangle 43">
+            <a:extLst>
+              <a:ext uri="{FF2B5EF4-FFF2-40B4-BE49-F238E27FC236}">
+                <a16:creationId xmlns:a16="http://schemas.microsoft.com/office/drawing/2014/main" id="{59782275-37B3-46E5-9E14-0E224F0F5C08}"/>
+              </a:ext>
+            </a:extLst>
+          </p:cNvPr>
+          <p:cNvSpPr/>
+          <p:nvPr/>
+        </p:nvSpPr>
+        <p:spPr>
+          <a:xfrm>
+            <a:off x="1963117" y="19484"/>
+            <a:ext cx="8227470" cy="1794396"/>
+          </a:xfrm>
+          <a:prstGeom prst="rect">
+            <a:avLst/>
+          </a:prstGeom>
+          <a:solidFill>
+            <a:srgbClr val="FFFF00"/>
+          </a:solidFill>
+        </p:spPr>
+        <p:style>
+          <a:lnRef idx="2">
+            <a:schemeClr val="accent4">
+              <a:shade val="50000"/>
+            </a:schemeClr>
+          </a:lnRef>
+          <a:fillRef idx="1">
+            <a:schemeClr val="accent4"/>
+          </a:fillRef>
+          <a:effectRef idx="0">
+            <a:schemeClr val="accent4"/>
+          </a:effectRef>
+          <a:fontRef idx="minor">
+            <a:schemeClr val="lt1"/>
+          </a:fontRef>
+        </p:style>
+        <p:txBody>
+          <a:bodyPr rtlCol="0" anchor="ctr"/>
+          <a:lstStyle/>
+          <a:p>
+            <a:pPr algn="ctr"/>
+            <a:endParaRPr lang="en-CA"/>
+          </a:p>
+        </p:txBody>
+      </p:sp>
+      <p:pic>
+        <p:nvPicPr>
+          <p:cNvPr id="1026" name="Picture 2" descr="avatar-generic - Premier Thermal Solutions">
+            <a:extLst>
+              <a:ext uri="{FF2B5EF4-FFF2-40B4-BE49-F238E27FC236}">
+                <a16:creationId xmlns:a16="http://schemas.microsoft.com/office/drawing/2014/main" id="{BE35871F-889F-4FEF-8823-486EFC771402}"/>
+              </a:ext>
+            </a:extLst>
+          </p:cNvPr>
+          <p:cNvPicPr>
+            <a:picLocks noChangeAspect="1" noChangeArrowheads="1"/>
+          </p:cNvPicPr>
+          <p:nvPr/>
+        </p:nvPicPr>
+        <p:blipFill>
+          <a:blip r:embed="rId2">
+            <a:extLst>
+              <a:ext uri="{28A0092B-C50C-407E-A947-70E740481C1C}">
+                <a14:useLocalDpi xmlns:a14="http://schemas.microsoft.com/office/drawing/2010/main" val="0"/>
+              </a:ext>
+            </a:extLst>
+          </a:blip>
+          <a:srcRect/>
+          <a:stretch>
+            <a:fillRect/>
+          </a:stretch>
+        </p:blipFill>
+        <p:spPr bwMode="auto">
+          <a:xfrm>
+            <a:off x="57929" y="44902"/>
+            <a:ext cx="1882840" cy="1882840"/>
+          </a:xfrm>
+          <a:prstGeom prst="rect">
+            <a:avLst/>
+          </a:prstGeom>
+          <a:noFill/>
+          <a:extLst>
+            <a:ext uri="{909E8E84-426E-40DD-AFC4-6F175D3DCCD1}">
+              <a14:hiddenFill xmlns:a14="http://schemas.microsoft.com/office/drawing/2010/main">
+                <a:solidFill>
+                  <a:srgbClr val="FFFFFF"/>
+                </a:solidFill>
+              </a14:hiddenFill>
+            </a:ext>
+          </a:extLst>
+        </p:spPr>
+      </p:pic>
+      <p:sp>
+        <p:nvSpPr>
+          <p:cNvPr id="6" name="TextBox 5">
+            <a:extLst>
+              <a:ext uri="{FF2B5EF4-FFF2-40B4-BE49-F238E27FC236}">
+                <a16:creationId xmlns:a16="http://schemas.microsoft.com/office/drawing/2014/main" id="{50D88001-5633-42AC-BECB-EF35B35C2D97}"/>
+              </a:ext>
+            </a:extLst>
+          </p:cNvPr>
+          <p:cNvSpPr txBox="1"/>
+          <p:nvPr/>
+        </p:nvSpPr>
+        <p:spPr>
+          <a:xfrm>
+            <a:off x="292897" y="1892546"/>
+            <a:ext cx="1679510" cy="369332"/>
+          </a:xfrm>
+          <a:prstGeom prst="rect">
+            <a:avLst/>
+          </a:prstGeom>
+          <a:noFill/>
+        </p:spPr>
+        <p:txBody>
+          <a:bodyPr wrap="square" rtlCol="0">
+            <a:spAutoFit/>
+          </a:bodyPr>
+          <a:lstStyle/>
+          <a:p>
+            <a:r>
+              <a:rPr lang="en-CA" dirty="0"/>
+              <a:t>Player 1 Name</a:t>
+            </a:r>
+          </a:p>
+        </p:txBody>
+      </p:sp>
+      <p:sp>
+        <p:nvSpPr>
+          <p:cNvPr id="43" name="Rectangle 42">
+            <a:extLst>
+              <a:ext uri="{FF2B5EF4-FFF2-40B4-BE49-F238E27FC236}">
+                <a16:creationId xmlns:a16="http://schemas.microsoft.com/office/drawing/2014/main" id="{A832D1D8-B083-4875-A158-DED9B303E36B}"/>
+              </a:ext>
+            </a:extLst>
+          </p:cNvPr>
+          <p:cNvSpPr/>
+          <p:nvPr/>
+        </p:nvSpPr>
+        <p:spPr>
+          <a:xfrm>
+            <a:off x="324535" y="2244280"/>
+            <a:ext cx="1438951" cy="231694"/>
+          </a:xfrm>
+          <a:prstGeom prst="rect">
+            <a:avLst/>
+          </a:prstGeom>
+        </p:spPr>
+        <p:style>
+          <a:lnRef idx="2">
+            <a:schemeClr val="accent3">
+              <a:shade val="50000"/>
+            </a:schemeClr>
+          </a:lnRef>
+          <a:fillRef idx="1">
+            <a:schemeClr val="accent3"/>
+          </a:fillRef>
+          <a:effectRef idx="0">
+            <a:schemeClr val="accent3"/>
+          </a:effectRef>
+          <a:fontRef idx="minor">
+            <a:schemeClr val="lt1"/>
+          </a:fontRef>
+        </p:style>
+        <p:txBody>
+          <a:bodyPr rtlCol="0" anchor="ctr"/>
+          <a:lstStyle/>
+          <a:p>
+            <a:pPr algn="ctr"/>
+            <a:endParaRPr lang="en-CA"/>
+          </a:p>
+        </p:txBody>
+      </p:sp>
+      <p:sp>
+        <p:nvSpPr>
+          <p:cNvPr id="19" name="TextBox 18">
+            <a:extLst>
+              <a:ext uri="{FF2B5EF4-FFF2-40B4-BE49-F238E27FC236}">
+                <a16:creationId xmlns:a16="http://schemas.microsoft.com/office/drawing/2014/main" id="{34447A23-B4BD-4311-B475-203C387F02F1}"/>
+              </a:ext>
+            </a:extLst>
+          </p:cNvPr>
+          <p:cNvSpPr txBox="1"/>
+          <p:nvPr/>
+        </p:nvSpPr>
+        <p:spPr>
+          <a:xfrm>
+            <a:off x="292897" y="2159436"/>
+            <a:ext cx="1679510" cy="369332"/>
+          </a:xfrm>
+          <a:prstGeom prst="rect">
+            <a:avLst/>
+          </a:prstGeom>
+          <a:noFill/>
+        </p:spPr>
+        <p:txBody>
+          <a:bodyPr wrap="square" rtlCol="0">
+            <a:spAutoFit/>
+          </a:bodyPr>
+          <a:lstStyle/>
+          <a:p>
+            <a:r>
+              <a:rPr lang="en-CA" dirty="0"/>
+              <a:t>Player 1 Score</a:t>
+            </a:r>
+          </a:p>
+        </p:txBody>
+      </p:sp>
+      <p:pic>
+        <p:nvPicPr>
+          <p:cNvPr id="20" name="Picture 2" descr="avatar-generic - Premier Thermal Solutions">
+            <a:extLst>
+              <a:ext uri="{FF2B5EF4-FFF2-40B4-BE49-F238E27FC236}">
+                <a16:creationId xmlns:a16="http://schemas.microsoft.com/office/drawing/2014/main" id="{8D37C1D3-284F-437C-ADA9-FA57F00711B6}"/>
+              </a:ext>
+            </a:extLst>
+          </p:cNvPr>
+          <p:cNvPicPr>
+            <a:picLocks noChangeAspect="1" noChangeArrowheads="1"/>
+          </p:cNvPicPr>
+          <p:nvPr/>
+        </p:nvPicPr>
+        <p:blipFill>
+          <a:blip r:embed="rId2">
+            <a:extLst>
+              <a:ext uri="{28A0092B-C50C-407E-A947-70E740481C1C}">
+                <a14:useLocalDpi xmlns:a14="http://schemas.microsoft.com/office/drawing/2010/main" val="0"/>
+              </a:ext>
+            </a:extLst>
+          </a:blip>
+          <a:srcRect/>
+          <a:stretch>
+            <a:fillRect/>
+          </a:stretch>
+        </p:blipFill>
+        <p:spPr bwMode="auto">
+          <a:xfrm>
+            <a:off x="10242874" y="44902"/>
+            <a:ext cx="1882840" cy="1882840"/>
+          </a:xfrm>
+          <a:prstGeom prst="rect">
+            <a:avLst/>
+          </a:prstGeom>
+          <a:noFill/>
+          <a:extLst>
+            <a:ext uri="{909E8E84-426E-40DD-AFC4-6F175D3DCCD1}">
+              <a14:hiddenFill xmlns:a14="http://schemas.microsoft.com/office/drawing/2010/main">
+                <a:solidFill>
+                  <a:srgbClr val="FFFFFF"/>
+                </a:solidFill>
+              </a14:hiddenFill>
+            </a:ext>
+          </a:extLst>
+        </p:spPr>
+      </p:pic>
+      <p:sp>
+        <p:nvSpPr>
+          <p:cNvPr id="21" name="TextBox 20">
+            <a:extLst>
+              <a:ext uri="{FF2B5EF4-FFF2-40B4-BE49-F238E27FC236}">
+                <a16:creationId xmlns:a16="http://schemas.microsoft.com/office/drawing/2014/main" id="{2FB06E8C-886C-4FD0-A7B0-893ACB589AF5}"/>
+              </a:ext>
+            </a:extLst>
+          </p:cNvPr>
+          <p:cNvSpPr txBox="1"/>
+          <p:nvPr/>
+        </p:nvSpPr>
+        <p:spPr>
+          <a:xfrm>
+            <a:off x="10344539" y="1892546"/>
+            <a:ext cx="1679510" cy="369332"/>
+          </a:xfrm>
+          <a:prstGeom prst="rect">
+            <a:avLst/>
+          </a:prstGeom>
+          <a:noFill/>
+        </p:spPr>
+        <p:txBody>
+          <a:bodyPr wrap="square" rtlCol="0">
+            <a:spAutoFit/>
+          </a:bodyPr>
+          <a:lstStyle/>
+          <a:p>
+            <a:r>
+              <a:rPr lang="en-CA" dirty="0"/>
+              <a:t>Player 2 Name</a:t>
+            </a:r>
+          </a:p>
+        </p:txBody>
+      </p:sp>
+      <p:sp>
+        <p:nvSpPr>
+          <p:cNvPr id="22" name="TextBox 21">
+            <a:extLst>
+              <a:ext uri="{FF2B5EF4-FFF2-40B4-BE49-F238E27FC236}">
+                <a16:creationId xmlns:a16="http://schemas.microsoft.com/office/drawing/2014/main" id="{023B4FD0-98E3-4266-BE2B-43E80E2F5F8A}"/>
+              </a:ext>
+            </a:extLst>
+          </p:cNvPr>
+          <p:cNvSpPr txBox="1"/>
+          <p:nvPr/>
+        </p:nvSpPr>
+        <p:spPr>
+          <a:xfrm>
+            <a:off x="10344539" y="2159436"/>
+            <a:ext cx="1679510" cy="369332"/>
+          </a:xfrm>
+          <a:prstGeom prst="rect">
+            <a:avLst/>
+          </a:prstGeom>
+          <a:noFill/>
+        </p:spPr>
+        <p:txBody>
+          <a:bodyPr wrap="square" rtlCol="0">
+            <a:spAutoFit/>
+          </a:bodyPr>
+          <a:lstStyle/>
+          <a:p>
+            <a:r>
+              <a:rPr lang="en-CA" dirty="0"/>
+              <a:t>Player 2 Score</a:t>
+            </a:r>
+          </a:p>
+        </p:txBody>
+      </p:sp>
+      <p:pic>
+        <p:nvPicPr>
+          <p:cNvPr id="26" name="Picture 2" descr="avatar-generic - Premier Thermal Solutions">
+            <a:extLst>
+              <a:ext uri="{FF2B5EF4-FFF2-40B4-BE49-F238E27FC236}">
+                <a16:creationId xmlns:a16="http://schemas.microsoft.com/office/drawing/2014/main" id="{E70EC03A-B2C0-4FCB-A01C-7FB12525A370}"/>
+              </a:ext>
+            </a:extLst>
+          </p:cNvPr>
+          <p:cNvPicPr>
+            <a:picLocks noChangeAspect="1" noChangeArrowheads="1"/>
+          </p:cNvPicPr>
+          <p:nvPr/>
+        </p:nvPicPr>
+        <p:blipFill>
+          <a:blip r:embed="rId2">
+            <a:extLst>
+              <a:ext uri="{28A0092B-C50C-407E-A947-70E740481C1C}">
+                <a14:useLocalDpi xmlns:a14="http://schemas.microsoft.com/office/drawing/2010/main" val="0"/>
+              </a:ext>
+            </a:extLst>
+          </a:blip>
+          <a:srcRect/>
+          <a:stretch>
+            <a:fillRect/>
+          </a:stretch>
+        </p:blipFill>
+        <p:spPr bwMode="auto">
+          <a:xfrm>
+            <a:off x="10242874" y="4049307"/>
+            <a:ext cx="1882840" cy="1882840"/>
+          </a:xfrm>
+          <a:prstGeom prst="rect">
+            <a:avLst/>
+          </a:prstGeom>
+          <a:noFill/>
+          <a:extLst>
+            <a:ext uri="{909E8E84-426E-40DD-AFC4-6F175D3DCCD1}">
+              <a14:hiddenFill xmlns:a14="http://schemas.microsoft.com/office/drawing/2010/main">
+                <a:solidFill>
+                  <a:srgbClr val="FFFFFF"/>
+                </a:solidFill>
+              </a14:hiddenFill>
+            </a:ext>
+          </a:extLst>
+        </p:spPr>
+      </p:pic>
+      <p:sp>
+        <p:nvSpPr>
+          <p:cNvPr id="27" name="TextBox 26">
+            <a:extLst>
+              <a:ext uri="{FF2B5EF4-FFF2-40B4-BE49-F238E27FC236}">
+                <a16:creationId xmlns:a16="http://schemas.microsoft.com/office/drawing/2014/main" id="{44BE09B7-F819-4CEF-9D17-AD390E49340D}"/>
+              </a:ext>
+            </a:extLst>
+          </p:cNvPr>
+          <p:cNvSpPr txBox="1"/>
+          <p:nvPr/>
+        </p:nvSpPr>
+        <p:spPr>
+          <a:xfrm>
+            <a:off x="10344539" y="5896951"/>
+            <a:ext cx="1679510" cy="369332"/>
+          </a:xfrm>
+          <a:prstGeom prst="rect">
+            <a:avLst/>
+          </a:prstGeom>
+          <a:noFill/>
+        </p:spPr>
+        <p:txBody>
+          <a:bodyPr wrap="square" rtlCol="0">
+            <a:spAutoFit/>
+          </a:bodyPr>
+          <a:lstStyle/>
+          <a:p>
+            <a:r>
+              <a:rPr lang="en-CA" dirty="0"/>
+              <a:t>Player 4 Name</a:t>
+            </a:r>
+          </a:p>
+        </p:txBody>
+      </p:sp>
+      <p:sp>
+        <p:nvSpPr>
+          <p:cNvPr id="28" name="TextBox 27">
+            <a:extLst>
+              <a:ext uri="{FF2B5EF4-FFF2-40B4-BE49-F238E27FC236}">
+                <a16:creationId xmlns:a16="http://schemas.microsoft.com/office/drawing/2014/main" id="{D739B8CC-FF8F-41BC-AA2F-71195EF5025E}"/>
+              </a:ext>
+            </a:extLst>
+          </p:cNvPr>
+          <p:cNvSpPr txBox="1"/>
+          <p:nvPr/>
+        </p:nvSpPr>
+        <p:spPr>
+          <a:xfrm>
+            <a:off x="10344539" y="6163841"/>
+            <a:ext cx="1679510" cy="369332"/>
+          </a:xfrm>
+          <a:prstGeom prst="rect">
+            <a:avLst/>
+          </a:prstGeom>
+          <a:noFill/>
+        </p:spPr>
+        <p:txBody>
+          <a:bodyPr wrap="square" rtlCol="0">
+            <a:spAutoFit/>
+          </a:bodyPr>
+          <a:lstStyle/>
+          <a:p>
+            <a:r>
+              <a:rPr lang="en-CA" dirty="0"/>
+              <a:t>Player 4 Score</a:t>
+            </a:r>
+          </a:p>
+        </p:txBody>
+      </p:sp>
+      <p:sp>
+        <p:nvSpPr>
+          <p:cNvPr id="30" name="TextBox 29">
+            <a:extLst>
+              <a:ext uri="{FF2B5EF4-FFF2-40B4-BE49-F238E27FC236}">
+                <a16:creationId xmlns:a16="http://schemas.microsoft.com/office/drawing/2014/main" id="{2C57070A-2AA1-4041-8194-C1A369530108}"/>
+              </a:ext>
+            </a:extLst>
+          </p:cNvPr>
+          <p:cNvSpPr txBox="1"/>
+          <p:nvPr/>
+        </p:nvSpPr>
+        <p:spPr>
+          <a:xfrm>
+            <a:off x="-43736" y="1874948"/>
+            <a:ext cx="625151" cy="369332"/>
+          </a:xfrm>
+          <a:prstGeom prst="rect">
+            <a:avLst/>
+          </a:prstGeom>
+          <a:noFill/>
+        </p:spPr>
+        <p:txBody>
+          <a:bodyPr wrap="square" rtlCol="0">
+            <a:spAutoFit/>
+          </a:bodyPr>
+          <a:lstStyle/>
+          <a:p>
+            <a:r>
+              <a:rPr lang="en-CA" b="1" dirty="0" err="1">
+                <a:solidFill>
+                  <a:srgbClr val="FF0000"/>
+                </a:solidFill>
+              </a:rPr>
+              <a:t>P1</a:t>
+            </a:r>
+            <a:r>
+              <a:rPr lang="en-CA" b="1" dirty="0">
+                <a:solidFill>
+                  <a:srgbClr val="FF0000"/>
+                </a:solidFill>
+              </a:rPr>
+              <a:t>:</a:t>
+            </a:r>
+          </a:p>
+        </p:txBody>
+      </p:sp>
+      <p:sp>
+        <p:nvSpPr>
+          <p:cNvPr id="32" name="TextBox 31">
+            <a:extLst>
+              <a:ext uri="{FF2B5EF4-FFF2-40B4-BE49-F238E27FC236}">
+                <a16:creationId xmlns:a16="http://schemas.microsoft.com/office/drawing/2014/main" id="{1C9A9854-1276-4DC2-A9C8-F84A436B9210}"/>
+              </a:ext>
+            </a:extLst>
+          </p:cNvPr>
+          <p:cNvSpPr txBox="1"/>
+          <p:nvPr/>
+        </p:nvSpPr>
+        <p:spPr>
+          <a:xfrm>
+            <a:off x="-53797" y="2426326"/>
+            <a:ext cx="2378237" cy="307777"/>
+          </a:xfrm>
+          <a:prstGeom prst="rect">
+            <a:avLst/>
+          </a:prstGeom>
+          <a:noFill/>
+        </p:spPr>
+        <p:txBody>
+          <a:bodyPr wrap="square" rtlCol="0">
+            <a:spAutoFit/>
+          </a:bodyPr>
+          <a:lstStyle/>
+          <a:p>
+            <a:r>
+              <a:rPr lang="en-CA" sz="1400" b="1" dirty="0">
+                <a:solidFill>
+                  <a:srgbClr val="FF0000"/>
+                </a:solidFill>
+              </a:rPr>
+              <a:t>Socket ID: ###########</a:t>
+            </a:r>
+          </a:p>
+        </p:txBody>
+      </p:sp>
+      <p:sp>
+        <p:nvSpPr>
+          <p:cNvPr id="33" name="TextBox 32">
+            <a:extLst>
+              <a:ext uri="{FF2B5EF4-FFF2-40B4-BE49-F238E27FC236}">
+                <a16:creationId xmlns:a16="http://schemas.microsoft.com/office/drawing/2014/main" id="{750A248B-64CA-47DE-B764-B18C62351E6D}"/>
+              </a:ext>
+            </a:extLst>
+          </p:cNvPr>
+          <p:cNvSpPr txBox="1"/>
+          <p:nvPr/>
+        </p:nvSpPr>
+        <p:spPr>
+          <a:xfrm>
+            <a:off x="-43736" y="2658020"/>
+            <a:ext cx="2378237" cy="307777"/>
+          </a:xfrm>
+          <a:prstGeom prst="rect">
+            <a:avLst/>
+          </a:prstGeom>
+          <a:noFill/>
+        </p:spPr>
+        <p:txBody>
+          <a:bodyPr wrap="square" rtlCol="0">
+            <a:spAutoFit/>
+          </a:bodyPr>
+          <a:lstStyle/>
+          <a:p>
+            <a:r>
+              <a:rPr lang="en-CA" sz="1400" b="1" dirty="0">
+                <a:solidFill>
+                  <a:srgbClr val="FF0000"/>
+                </a:solidFill>
+              </a:rPr>
+              <a:t>IP Address: ###########</a:t>
+            </a:r>
+          </a:p>
+        </p:txBody>
+      </p:sp>
+      <p:pic>
+        <p:nvPicPr>
+          <p:cNvPr id="34" name="Picture 2" descr="avatar-generic - Premier Thermal Solutions">
+            <a:extLst>
+              <a:ext uri="{FF2B5EF4-FFF2-40B4-BE49-F238E27FC236}">
+                <a16:creationId xmlns:a16="http://schemas.microsoft.com/office/drawing/2014/main" id="{C2DDE3F0-9D68-438F-B749-DE1BC5911D33}"/>
+              </a:ext>
+            </a:extLst>
+          </p:cNvPr>
+          <p:cNvPicPr>
+            <a:picLocks noChangeAspect="1" noChangeArrowheads="1"/>
+          </p:cNvPicPr>
+          <p:nvPr/>
+        </p:nvPicPr>
+        <p:blipFill>
+          <a:blip r:embed="rId2">
+            <a:extLst>
+              <a:ext uri="{28A0092B-C50C-407E-A947-70E740481C1C}">
+                <a14:useLocalDpi xmlns:a14="http://schemas.microsoft.com/office/drawing/2010/main" val="0"/>
+              </a:ext>
+            </a:extLst>
+          </a:blip>
+          <a:srcRect/>
+          <a:stretch>
+            <a:fillRect/>
+          </a:stretch>
+        </p:blipFill>
+        <p:spPr bwMode="auto">
+          <a:xfrm>
+            <a:off x="89567" y="4012802"/>
+            <a:ext cx="1882840" cy="1882840"/>
+          </a:xfrm>
+          <a:prstGeom prst="rect">
+            <a:avLst/>
+          </a:prstGeom>
+          <a:noFill/>
+          <a:extLst>
+            <a:ext uri="{909E8E84-426E-40DD-AFC4-6F175D3DCCD1}">
+              <a14:hiddenFill xmlns:a14="http://schemas.microsoft.com/office/drawing/2010/main">
+                <a:solidFill>
+                  <a:srgbClr val="FFFFFF"/>
+                </a:solidFill>
+              </a14:hiddenFill>
+            </a:ext>
+          </a:extLst>
+        </p:spPr>
+      </p:pic>
+      <p:sp>
+        <p:nvSpPr>
+          <p:cNvPr id="35" name="TextBox 34">
+            <a:extLst>
+              <a:ext uri="{FF2B5EF4-FFF2-40B4-BE49-F238E27FC236}">
+                <a16:creationId xmlns:a16="http://schemas.microsoft.com/office/drawing/2014/main" id="{13E32527-FCBF-44E8-82E6-5FD9D47ADAEF}"/>
+              </a:ext>
+            </a:extLst>
+          </p:cNvPr>
+          <p:cNvSpPr txBox="1"/>
+          <p:nvPr/>
+        </p:nvSpPr>
+        <p:spPr>
+          <a:xfrm>
+            <a:off x="324535" y="5860446"/>
+            <a:ext cx="1679510" cy="369332"/>
+          </a:xfrm>
+          <a:prstGeom prst="rect">
+            <a:avLst/>
+          </a:prstGeom>
+          <a:noFill/>
+        </p:spPr>
+        <p:txBody>
+          <a:bodyPr wrap="square" rtlCol="0">
+            <a:spAutoFit/>
+          </a:bodyPr>
+          <a:lstStyle/>
+          <a:p>
+            <a:r>
+              <a:rPr lang="en-CA" dirty="0"/>
+              <a:t>Player 2 Name</a:t>
+            </a:r>
+          </a:p>
+        </p:txBody>
+      </p:sp>
+      <p:sp>
+        <p:nvSpPr>
+          <p:cNvPr id="36" name="TextBox 35">
+            <a:extLst>
+              <a:ext uri="{FF2B5EF4-FFF2-40B4-BE49-F238E27FC236}">
+                <a16:creationId xmlns:a16="http://schemas.microsoft.com/office/drawing/2014/main" id="{2E5744F0-4F2E-4644-8AE7-223DEE6B71C6}"/>
+              </a:ext>
+            </a:extLst>
+          </p:cNvPr>
+          <p:cNvSpPr txBox="1"/>
+          <p:nvPr/>
+        </p:nvSpPr>
+        <p:spPr>
+          <a:xfrm>
+            <a:off x="324535" y="6127336"/>
+            <a:ext cx="1679510" cy="369332"/>
+          </a:xfrm>
+          <a:prstGeom prst="rect">
+            <a:avLst/>
+          </a:prstGeom>
+          <a:noFill/>
+        </p:spPr>
+        <p:txBody>
+          <a:bodyPr wrap="square" rtlCol="0">
+            <a:spAutoFit/>
+          </a:bodyPr>
+          <a:lstStyle/>
+          <a:p>
+            <a:r>
+              <a:rPr lang="en-CA" dirty="0"/>
+              <a:t>Player 2 Score</a:t>
+            </a:r>
+          </a:p>
+        </p:txBody>
+      </p:sp>
+      <p:sp>
+        <p:nvSpPr>
+          <p:cNvPr id="37" name="TextBox 36">
+            <a:extLst>
+              <a:ext uri="{FF2B5EF4-FFF2-40B4-BE49-F238E27FC236}">
+                <a16:creationId xmlns:a16="http://schemas.microsoft.com/office/drawing/2014/main" id="{DE3A224F-7131-414B-B42D-BBE42174F10E}"/>
+              </a:ext>
+            </a:extLst>
+          </p:cNvPr>
+          <p:cNvSpPr txBox="1"/>
+          <p:nvPr/>
+        </p:nvSpPr>
+        <p:spPr>
+          <a:xfrm>
+            <a:off x="-12098" y="5842848"/>
+            <a:ext cx="625151" cy="369332"/>
+          </a:xfrm>
+          <a:prstGeom prst="rect">
+            <a:avLst/>
+          </a:prstGeom>
+          <a:noFill/>
+        </p:spPr>
+        <p:txBody>
+          <a:bodyPr wrap="square" rtlCol="0">
+            <a:spAutoFit/>
+          </a:bodyPr>
+          <a:lstStyle/>
+          <a:p>
+            <a:r>
+              <a:rPr lang="en-CA" b="1" dirty="0" err="1">
+                <a:solidFill>
+                  <a:srgbClr val="FF0000"/>
+                </a:solidFill>
+              </a:rPr>
+              <a:t>P3</a:t>
+            </a:r>
+            <a:r>
+              <a:rPr lang="en-CA" b="1" dirty="0">
+                <a:solidFill>
+                  <a:srgbClr val="FF0000"/>
+                </a:solidFill>
+              </a:rPr>
+              <a:t>:</a:t>
+            </a:r>
+          </a:p>
+        </p:txBody>
+      </p:sp>
+      <p:sp>
+        <p:nvSpPr>
+          <p:cNvPr id="38" name="TextBox 37">
+            <a:extLst>
+              <a:ext uri="{FF2B5EF4-FFF2-40B4-BE49-F238E27FC236}">
+                <a16:creationId xmlns:a16="http://schemas.microsoft.com/office/drawing/2014/main" id="{7541716C-A406-4868-B163-A25F258A5F97}"/>
+              </a:ext>
+            </a:extLst>
+          </p:cNvPr>
+          <p:cNvSpPr txBox="1"/>
+          <p:nvPr/>
+        </p:nvSpPr>
+        <p:spPr>
+          <a:xfrm>
+            <a:off x="-22159" y="6394226"/>
+            <a:ext cx="2378237" cy="307777"/>
+          </a:xfrm>
+          <a:prstGeom prst="rect">
+            <a:avLst/>
+          </a:prstGeom>
+          <a:noFill/>
+        </p:spPr>
+        <p:txBody>
+          <a:bodyPr wrap="square" rtlCol="0">
+            <a:spAutoFit/>
+          </a:bodyPr>
+          <a:lstStyle/>
+          <a:p>
+            <a:r>
+              <a:rPr lang="en-CA" sz="1400" b="1" dirty="0">
+                <a:solidFill>
+                  <a:srgbClr val="FF0000"/>
+                </a:solidFill>
+              </a:rPr>
+              <a:t>Socket ID: ###########</a:t>
+            </a:r>
+          </a:p>
+        </p:txBody>
+      </p:sp>
+      <p:sp>
+        <p:nvSpPr>
+          <p:cNvPr id="39" name="TextBox 38">
+            <a:extLst>
+              <a:ext uri="{FF2B5EF4-FFF2-40B4-BE49-F238E27FC236}">
+                <a16:creationId xmlns:a16="http://schemas.microsoft.com/office/drawing/2014/main" id="{AEEF3643-C3A6-4396-AAF0-18A3BD7E6D1A}"/>
+              </a:ext>
+            </a:extLst>
+          </p:cNvPr>
+          <p:cNvSpPr txBox="1"/>
+          <p:nvPr/>
+        </p:nvSpPr>
+        <p:spPr>
+          <a:xfrm>
+            <a:off x="-12098" y="6625920"/>
+            <a:ext cx="2378237" cy="307777"/>
+          </a:xfrm>
+          <a:prstGeom prst="rect">
+            <a:avLst/>
+          </a:prstGeom>
+          <a:noFill/>
+        </p:spPr>
+        <p:txBody>
+          <a:bodyPr wrap="square" rtlCol="0">
+            <a:spAutoFit/>
+          </a:bodyPr>
+          <a:lstStyle/>
+          <a:p>
+            <a:r>
+              <a:rPr lang="en-CA" sz="1400" b="1" dirty="0">
+                <a:solidFill>
+                  <a:srgbClr val="FF0000"/>
+                </a:solidFill>
+              </a:rPr>
+              <a:t>IP Address: ###########</a:t>
+            </a:r>
+          </a:p>
+        </p:txBody>
+      </p:sp>
+      <p:sp>
+        <p:nvSpPr>
+          <p:cNvPr id="4" name="Rectangle 3">
+            <a:extLst>
+              <a:ext uri="{FF2B5EF4-FFF2-40B4-BE49-F238E27FC236}">
+                <a16:creationId xmlns:a16="http://schemas.microsoft.com/office/drawing/2014/main" id="{AA22B2A7-7D41-4CC8-9BB5-3B7C4A20A3ED}"/>
+              </a:ext>
+            </a:extLst>
+          </p:cNvPr>
+          <p:cNvSpPr/>
+          <p:nvPr/>
+        </p:nvSpPr>
+        <p:spPr>
+          <a:xfrm>
+            <a:off x="2001414" y="54135"/>
+            <a:ext cx="1569100" cy="1288349"/>
+          </a:xfrm>
+          <a:prstGeom prst="rect">
+            <a:avLst/>
+          </a:prstGeom>
+          <a:solidFill>
+            <a:srgbClr val="FF0000"/>
+          </a:solidFill>
+        </p:spPr>
+        <p:style>
+          <a:lnRef idx="2">
+            <a:schemeClr val="accent1">
+              <a:shade val="50000"/>
+            </a:schemeClr>
+          </a:lnRef>
+          <a:fillRef idx="1">
+            <a:schemeClr val="accent1"/>
+          </a:fillRef>
+          <a:effectRef idx="0">
+            <a:schemeClr val="accent1"/>
+          </a:effectRef>
+          <a:fontRef idx="minor">
+            <a:schemeClr val="lt1"/>
+          </a:fontRef>
+        </p:style>
+        <p:txBody>
+          <a:bodyPr rtlCol="0" anchor="ctr"/>
+          <a:lstStyle/>
+          <a:p>
+            <a:pPr algn="ctr"/>
+            <a:endParaRPr lang="en-CA"/>
+          </a:p>
+        </p:txBody>
+      </p:sp>
+      <p:sp>
+        <p:nvSpPr>
+          <p:cNvPr id="42" name="Rectangle 41">
+            <a:extLst>
+              <a:ext uri="{FF2B5EF4-FFF2-40B4-BE49-F238E27FC236}">
+                <a16:creationId xmlns:a16="http://schemas.microsoft.com/office/drawing/2014/main" id="{F0878545-7DBB-4845-8A61-9BB63AD4D728}"/>
+              </a:ext>
+            </a:extLst>
+          </p:cNvPr>
+          <p:cNvSpPr/>
+          <p:nvPr/>
+        </p:nvSpPr>
+        <p:spPr>
+          <a:xfrm>
+            <a:off x="1963117" y="1789903"/>
+            <a:ext cx="8248119" cy="4544400"/>
+          </a:xfrm>
+          <a:prstGeom prst="rect">
+            <a:avLst/>
+          </a:prstGeom>
+        </p:spPr>
+        <p:style>
+          <a:lnRef idx="2">
+            <a:schemeClr val="accent1">
+              <a:shade val="50000"/>
+            </a:schemeClr>
+          </a:lnRef>
+          <a:fillRef idx="1">
+            <a:schemeClr val="accent1"/>
+          </a:fillRef>
+          <a:effectRef idx="0">
+            <a:schemeClr val="accent1"/>
+          </a:effectRef>
+          <a:fontRef idx="minor">
+            <a:schemeClr val="lt1"/>
+          </a:fontRef>
+        </p:style>
+        <p:txBody>
+          <a:bodyPr rtlCol="0" anchor="ctr"/>
+          <a:lstStyle/>
+          <a:p>
+            <a:pPr algn="ctr"/>
+            <a:endParaRPr lang="en-CA"/>
+          </a:p>
+        </p:txBody>
+      </p:sp>
+      <p:sp>
+        <p:nvSpPr>
+          <p:cNvPr id="3" name="TextBox 2">
+            <a:extLst>
+              <a:ext uri="{FF2B5EF4-FFF2-40B4-BE49-F238E27FC236}">
+                <a16:creationId xmlns:a16="http://schemas.microsoft.com/office/drawing/2014/main" id="{F161AF48-8B49-444C-BCA4-F2B4A2E59B99}"/>
+              </a:ext>
+            </a:extLst>
+          </p:cNvPr>
+          <p:cNvSpPr txBox="1"/>
+          <p:nvPr/>
+        </p:nvSpPr>
+        <p:spPr>
+          <a:xfrm>
+            <a:off x="2001414" y="24076"/>
+            <a:ext cx="1650503" cy="1200329"/>
+          </a:xfrm>
+          <a:prstGeom prst="rect">
+            <a:avLst/>
+          </a:prstGeom>
+          <a:noFill/>
+        </p:spPr>
+        <p:txBody>
+          <a:bodyPr wrap="square" rtlCol="0">
+            <a:spAutoFit/>
+          </a:bodyPr>
+          <a:lstStyle/>
+          <a:p>
+            <a:r>
+              <a:rPr lang="en-CA" dirty="0"/>
+              <a:t>Tree structure to select game/questions/content</a:t>
+            </a:r>
+          </a:p>
+        </p:txBody>
+      </p:sp>
+      <p:sp>
+        <p:nvSpPr>
+          <p:cNvPr id="5" name="Rectangle 4">
+            <a:extLst>
+              <a:ext uri="{FF2B5EF4-FFF2-40B4-BE49-F238E27FC236}">
+                <a16:creationId xmlns:a16="http://schemas.microsoft.com/office/drawing/2014/main" id="{1B370F9B-625A-4EF9-927D-27673B30186C}"/>
+              </a:ext>
+            </a:extLst>
+          </p:cNvPr>
+          <p:cNvSpPr/>
+          <p:nvPr/>
+        </p:nvSpPr>
+        <p:spPr>
+          <a:xfrm>
+            <a:off x="2001413" y="1342484"/>
+            <a:ext cx="8189174" cy="405278"/>
+          </a:xfrm>
+          <a:prstGeom prst="rect">
+            <a:avLst/>
+          </a:prstGeom>
+          <a:solidFill>
+            <a:srgbClr val="FFC000"/>
+          </a:solidFill>
+        </p:spPr>
+        <p:style>
+          <a:lnRef idx="2">
+            <a:schemeClr val="accent1">
+              <a:shade val="50000"/>
+            </a:schemeClr>
+          </a:lnRef>
+          <a:fillRef idx="1">
+            <a:schemeClr val="accent1"/>
+          </a:fillRef>
+          <a:effectRef idx="0">
+            <a:schemeClr val="accent1"/>
+          </a:effectRef>
+          <a:fontRef idx="minor">
+            <a:schemeClr val="lt1"/>
+          </a:fontRef>
+        </p:style>
+        <p:txBody>
+          <a:bodyPr rtlCol="0" anchor="ctr"/>
+          <a:lstStyle/>
+          <a:p>
+            <a:pPr algn="ctr"/>
+            <a:endParaRPr lang="en-CA"/>
+          </a:p>
+        </p:txBody>
+      </p:sp>
+      <p:sp>
+        <p:nvSpPr>
+          <p:cNvPr id="48" name="TextBox 47">
+            <a:extLst>
+              <a:ext uri="{FF2B5EF4-FFF2-40B4-BE49-F238E27FC236}">
+                <a16:creationId xmlns:a16="http://schemas.microsoft.com/office/drawing/2014/main" id="{50E10B67-D120-418B-A7AE-482957D37E94}"/>
+              </a:ext>
+            </a:extLst>
+          </p:cNvPr>
+          <p:cNvSpPr txBox="1"/>
+          <p:nvPr/>
+        </p:nvSpPr>
+        <p:spPr>
+          <a:xfrm>
+            <a:off x="2001413" y="1384624"/>
+            <a:ext cx="1679510" cy="369332"/>
+          </a:xfrm>
+          <a:prstGeom prst="rect">
+            <a:avLst/>
+          </a:prstGeom>
+          <a:noFill/>
+          <a:ln>
+            <a:solidFill>
+              <a:schemeClr val="tx1"/>
+            </a:solidFill>
+          </a:ln>
+        </p:spPr>
+        <p:txBody>
+          <a:bodyPr wrap="square" rtlCol="0">
+            <a:spAutoFit/>
+          </a:bodyPr>
+          <a:lstStyle/>
+          <a:p>
+            <a:r>
+              <a:rPr lang="en-CA" dirty="0"/>
+              <a:t>Update Names</a:t>
+            </a:r>
+          </a:p>
+        </p:txBody>
+      </p:sp>
+      <p:sp>
+        <p:nvSpPr>
+          <p:cNvPr id="49" name="TextBox 48">
+            <a:extLst>
+              <a:ext uri="{FF2B5EF4-FFF2-40B4-BE49-F238E27FC236}">
+                <a16:creationId xmlns:a16="http://schemas.microsoft.com/office/drawing/2014/main" id="{99EFCC52-6560-4EA1-A0B7-DF0C850C7B7C}"/>
+              </a:ext>
+            </a:extLst>
+          </p:cNvPr>
+          <p:cNvSpPr txBox="1"/>
+          <p:nvPr/>
+        </p:nvSpPr>
+        <p:spPr>
+          <a:xfrm>
+            <a:off x="3712561" y="1381527"/>
+            <a:ext cx="1679510" cy="369332"/>
+          </a:xfrm>
+          <a:prstGeom prst="rect">
+            <a:avLst/>
+          </a:prstGeom>
+          <a:noFill/>
+          <a:ln>
+            <a:solidFill>
+              <a:schemeClr val="tx1"/>
+            </a:solidFill>
+          </a:ln>
+        </p:spPr>
+        <p:txBody>
+          <a:bodyPr wrap="square" rtlCol="0">
+            <a:spAutoFit/>
+          </a:bodyPr>
+          <a:lstStyle/>
+          <a:p>
+            <a:r>
+              <a:rPr lang="en-CA" dirty="0"/>
+              <a:t>Update Scores</a:t>
+            </a:r>
+          </a:p>
+        </p:txBody>
+      </p:sp>
+      <p:sp>
+        <p:nvSpPr>
+          <p:cNvPr id="50" name="TextBox 49">
+            <a:extLst>
+              <a:ext uri="{FF2B5EF4-FFF2-40B4-BE49-F238E27FC236}">
+                <a16:creationId xmlns:a16="http://schemas.microsoft.com/office/drawing/2014/main" id="{0E65BEA9-1ED9-4B90-9A6E-26B922A473EA}"/>
+              </a:ext>
+            </a:extLst>
+          </p:cNvPr>
+          <p:cNvSpPr txBox="1"/>
+          <p:nvPr/>
+        </p:nvSpPr>
+        <p:spPr>
+          <a:xfrm>
+            <a:off x="5444358" y="1381527"/>
+            <a:ext cx="1450964" cy="369332"/>
+          </a:xfrm>
+          <a:prstGeom prst="rect">
+            <a:avLst/>
+          </a:prstGeom>
+          <a:solidFill>
+            <a:srgbClr val="92D050"/>
+          </a:solidFill>
+          <a:ln>
+            <a:solidFill>
+              <a:schemeClr val="tx1"/>
+            </a:solidFill>
+          </a:ln>
+        </p:spPr>
+        <p:txBody>
+          <a:bodyPr wrap="square" rtlCol="0">
+            <a:spAutoFit/>
+          </a:bodyPr>
+          <a:lstStyle/>
+          <a:p>
+            <a:r>
+              <a:rPr lang="en-CA" dirty="0"/>
+              <a:t>Deploy Pic</a:t>
+            </a:r>
+          </a:p>
+        </p:txBody>
+      </p:sp>
+      <p:sp>
+        <p:nvSpPr>
+          <p:cNvPr id="51" name="TextBox 50">
+            <a:extLst>
+              <a:ext uri="{FF2B5EF4-FFF2-40B4-BE49-F238E27FC236}">
+                <a16:creationId xmlns:a16="http://schemas.microsoft.com/office/drawing/2014/main" id="{6BB919F6-D46E-4A45-8C19-02FCBF6B9373}"/>
+              </a:ext>
+            </a:extLst>
+          </p:cNvPr>
+          <p:cNvSpPr txBox="1"/>
+          <p:nvPr/>
+        </p:nvSpPr>
+        <p:spPr>
+          <a:xfrm>
+            <a:off x="6945523" y="1378430"/>
+            <a:ext cx="2245130" cy="369332"/>
+          </a:xfrm>
+          <a:prstGeom prst="rect">
+            <a:avLst/>
+          </a:prstGeom>
+          <a:solidFill>
+            <a:srgbClr val="92D050"/>
+          </a:solidFill>
+          <a:ln>
+            <a:solidFill>
+              <a:schemeClr val="tx1"/>
+            </a:solidFill>
+          </a:ln>
+        </p:spPr>
+        <p:txBody>
+          <a:bodyPr wrap="square" rtlCol="0">
+            <a:spAutoFit/>
+          </a:bodyPr>
+          <a:lstStyle/>
+          <a:p>
+            <a:r>
+              <a:rPr lang="en-CA" dirty="0"/>
+              <a:t>Summon Leprechaun</a:t>
+            </a:r>
+          </a:p>
+        </p:txBody>
+      </p:sp>
+      <p:sp>
+        <p:nvSpPr>
+          <p:cNvPr id="52" name="TextBox 51">
+            <a:extLst>
+              <a:ext uri="{FF2B5EF4-FFF2-40B4-BE49-F238E27FC236}">
+                <a16:creationId xmlns:a16="http://schemas.microsoft.com/office/drawing/2014/main" id="{C3D518AC-6692-4CD9-805D-0BBFDBDE9F10}"/>
+              </a:ext>
+            </a:extLst>
+          </p:cNvPr>
+          <p:cNvSpPr txBox="1"/>
+          <p:nvPr/>
+        </p:nvSpPr>
+        <p:spPr>
+          <a:xfrm>
+            <a:off x="9261510" y="1376482"/>
+            <a:ext cx="898412" cy="369332"/>
+          </a:xfrm>
+          <a:prstGeom prst="rect">
+            <a:avLst/>
+          </a:prstGeom>
+          <a:solidFill>
+            <a:srgbClr val="92D050"/>
+          </a:solidFill>
+          <a:ln>
+            <a:solidFill>
+              <a:schemeClr val="tx1"/>
+            </a:solidFill>
+          </a:ln>
+        </p:spPr>
+        <p:txBody>
+          <a:bodyPr wrap="square" rtlCol="0">
+            <a:spAutoFit/>
+          </a:bodyPr>
+          <a:lstStyle/>
+          <a:p>
+            <a:r>
+              <a:rPr lang="en-CA" dirty="0"/>
+              <a:t>Sharks!</a:t>
+            </a:r>
+          </a:p>
+        </p:txBody>
+      </p:sp>
+      <p:sp>
+        <p:nvSpPr>
+          <p:cNvPr id="7" name="TextBox 6">
+            <a:extLst>
+              <a:ext uri="{FF2B5EF4-FFF2-40B4-BE49-F238E27FC236}">
+                <a16:creationId xmlns:a16="http://schemas.microsoft.com/office/drawing/2014/main" id="{1ADC2252-06D9-4885-870D-BBE2E4725A00}"/>
+              </a:ext>
+            </a:extLst>
+          </p:cNvPr>
+          <p:cNvSpPr txBox="1"/>
+          <p:nvPr/>
+        </p:nvSpPr>
+        <p:spPr>
+          <a:xfrm>
+            <a:off x="4357394" y="3261132"/>
+            <a:ext cx="4133461" cy="1200329"/>
+          </a:xfrm>
+          <a:prstGeom prst="rect">
+            <a:avLst/>
+          </a:prstGeom>
+          <a:noFill/>
+        </p:spPr>
+        <p:txBody>
+          <a:bodyPr wrap="square" rtlCol="0">
+            <a:spAutoFit/>
+          </a:bodyPr>
+          <a:lstStyle/>
+          <a:p>
+            <a:r>
+              <a:rPr lang="en-CA" dirty="0"/>
+              <a:t>What the players see (For Garret)</a:t>
+            </a:r>
+            <a:br>
+              <a:rPr lang="en-CA" dirty="0"/>
+            </a:br>
+            <a:endParaRPr lang="en-CA" dirty="0"/>
+          </a:p>
+          <a:p>
+            <a:r>
+              <a:rPr lang="en-CA" dirty="0"/>
+              <a:t>Debug/Status info (For Geoff)</a:t>
+            </a:r>
+          </a:p>
+          <a:p>
+            <a:endParaRPr lang="en-CA" dirty="0"/>
+          </a:p>
+        </p:txBody>
+      </p:sp>
+      <p:sp>
+        <p:nvSpPr>
+          <p:cNvPr id="53" name="Rectangle 52">
+            <a:extLst>
+              <a:ext uri="{FF2B5EF4-FFF2-40B4-BE49-F238E27FC236}">
+                <a16:creationId xmlns:a16="http://schemas.microsoft.com/office/drawing/2014/main" id="{1B963D24-8EDF-40A5-8861-90BB89D9FBCA}"/>
+              </a:ext>
+            </a:extLst>
+          </p:cNvPr>
+          <p:cNvSpPr/>
+          <p:nvPr/>
+        </p:nvSpPr>
+        <p:spPr>
+          <a:xfrm>
+            <a:off x="1963117" y="6394226"/>
+            <a:ext cx="8227470" cy="444290"/>
+          </a:xfrm>
+          <a:prstGeom prst="rect">
+            <a:avLst/>
+          </a:prstGeom>
+        </p:spPr>
+        <p:style>
+          <a:lnRef idx="2">
+            <a:schemeClr val="accent1">
+              <a:shade val="50000"/>
+            </a:schemeClr>
+          </a:lnRef>
+          <a:fillRef idx="1">
+            <a:schemeClr val="accent1"/>
+          </a:fillRef>
+          <a:effectRef idx="0">
+            <a:schemeClr val="accent1"/>
+          </a:effectRef>
+          <a:fontRef idx="minor">
+            <a:schemeClr val="lt1"/>
+          </a:fontRef>
+        </p:style>
+        <p:txBody>
+          <a:bodyPr rtlCol="0" anchor="ctr"/>
+          <a:lstStyle/>
+          <a:p>
+            <a:pPr algn="ctr"/>
+            <a:r>
+              <a:rPr lang="en-CA" dirty="0"/>
+              <a:t>Player Modifiers</a:t>
+            </a:r>
+          </a:p>
+        </p:txBody>
+      </p:sp>
+      <p:sp>
+        <p:nvSpPr>
+          <p:cNvPr id="9" name="Rectangle 8">
+            <a:extLst>
+              <a:ext uri="{FF2B5EF4-FFF2-40B4-BE49-F238E27FC236}">
+                <a16:creationId xmlns:a16="http://schemas.microsoft.com/office/drawing/2014/main" id="{3065CE7F-3E3A-44E6-BB6D-AC9D2B07A8AD}"/>
+              </a:ext>
+            </a:extLst>
+          </p:cNvPr>
+          <p:cNvSpPr/>
+          <p:nvPr/>
+        </p:nvSpPr>
+        <p:spPr>
+          <a:xfrm>
+            <a:off x="3595049" y="34653"/>
+            <a:ext cx="811764" cy="646331"/>
+          </a:xfrm>
+          <a:prstGeom prst="rect">
+            <a:avLst/>
+          </a:prstGeom>
+          <a:solidFill>
+            <a:srgbClr val="00B0F0"/>
+          </a:solidFill>
+        </p:spPr>
+        <p:style>
+          <a:lnRef idx="2">
+            <a:schemeClr val="accent1">
+              <a:shade val="50000"/>
+            </a:schemeClr>
+          </a:lnRef>
+          <a:fillRef idx="1">
+            <a:schemeClr val="accent1"/>
+          </a:fillRef>
+          <a:effectRef idx="0">
+            <a:schemeClr val="accent1"/>
+          </a:effectRef>
+          <a:fontRef idx="minor">
+            <a:schemeClr val="lt1"/>
+          </a:fontRef>
+        </p:style>
+        <p:txBody>
+          <a:bodyPr rtlCol="0" anchor="ctr"/>
+          <a:lstStyle/>
+          <a:p>
+            <a:pPr algn="ctr"/>
+            <a:endParaRPr lang="en-CA"/>
+          </a:p>
+        </p:txBody>
+      </p:sp>
+      <p:sp>
+        <p:nvSpPr>
+          <p:cNvPr id="8" name="TextBox 7">
+            <a:extLst>
+              <a:ext uri="{FF2B5EF4-FFF2-40B4-BE49-F238E27FC236}">
+                <a16:creationId xmlns:a16="http://schemas.microsoft.com/office/drawing/2014/main" id="{859AEC81-9CBE-4A1C-B741-CE3A9AD1A002}"/>
+              </a:ext>
+            </a:extLst>
+          </p:cNvPr>
+          <p:cNvSpPr txBox="1"/>
+          <p:nvPr/>
+        </p:nvSpPr>
+        <p:spPr>
+          <a:xfrm>
+            <a:off x="3648927" y="-35847"/>
+            <a:ext cx="811764" cy="646331"/>
+          </a:xfrm>
+          <a:prstGeom prst="rect">
+            <a:avLst/>
+          </a:prstGeom>
+          <a:noFill/>
+        </p:spPr>
+        <p:txBody>
+          <a:bodyPr wrap="square" rtlCol="0">
+            <a:spAutoFit/>
+          </a:bodyPr>
+          <a:lstStyle/>
+          <a:p>
+            <a:r>
+              <a:rPr lang="en-CA" dirty="0"/>
+              <a:t>Start Game</a:t>
+            </a:r>
+          </a:p>
+        </p:txBody>
+      </p:sp>
+      <p:sp>
+        <p:nvSpPr>
+          <p:cNvPr id="11" name="Rectangle 10">
+            <a:extLst>
+              <a:ext uri="{FF2B5EF4-FFF2-40B4-BE49-F238E27FC236}">
+                <a16:creationId xmlns:a16="http://schemas.microsoft.com/office/drawing/2014/main" id="{C8077DC8-C3F0-45A0-BD02-2AE74B90E9D3}"/>
+              </a:ext>
+            </a:extLst>
+          </p:cNvPr>
+          <p:cNvSpPr/>
+          <p:nvPr/>
+        </p:nvSpPr>
+        <p:spPr>
+          <a:xfrm>
+            <a:off x="6753472" y="61341"/>
+            <a:ext cx="3406450" cy="1269212"/>
+          </a:xfrm>
+          <a:prstGeom prst="rect">
+            <a:avLst/>
+          </a:prstGeom>
+        </p:spPr>
+        <p:style>
+          <a:lnRef idx="1">
+            <a:schemeClr val="accent2"/>
+          </a:lnRef>
+          <a:fillRef idx="2">
+            <a:schemeClr val="accent2"/>
+          </a:fillRef>
+          <a:effectRef idx="1">
+            <a:schemeClr val="accent2"/>
+          </a:effectRef>
+          <a:fontRef idx="minor">
+            <a:schemeClr val="dk1"/>
+          </a:fontRef>
+        </p:style>
+        <p:txBody>
+          <a:bodyPr rtlCol="0" anchor="ctr"/>
+          <a:lstStyle/>
+          <a:p>
+            <a:pPr algn="ctr"/>
+            <a:r>
+              <a:rPr lang="en-CA" dirty="0"/>
+              <a:t>Chat Window</a:t>
+            </a:r>
+          </a:p>
+        </p:txBody>
+      </p:sp>
+      <p:sp>
+        <p:nvSpPr>
+          <p:cNvPr id="40" name="Rectangle 39">
+            <a:extLst>
+              <a:ext uri="{FF2B5EF4-FFF2-40B4-BE49-F238E27FC236}">
+                <a16:creationId xmlns:a16="http://schemas.microsoft.com/office/drawing/2014/main" id="{B986B2C9-FDFB-4B91-AFD1-92CBA41C9549}"/>
+              </a:ext>
+            </a:extLst>
+          </p:cNvPr>
+          <p:cNvSpPr/>
+          <p:nvPr/>
+        </p:nvSpPr>
+        <p:spPr>
+          <a:xfrm>
+            <a:off x="3592862" y="693055"/>
+            <a:ext cx="811764" cy="646331"/>
+          </a:xfrm>
+          <a:prstGeom prst="rect">
+            <a:avLst/>
+          </a:prstGeom>
+          <a:solidFill>
+            <a:srgbClr val="00B0F0"/>
+          </a:solidFill>
+        </p:spPr>
+        <p:style>
+          <a:lnRef idx="2">
+            <a:schemeClr val="accent1">
+              <a:shade val="50000"/>
+            </a:schemeClr>
+          </a:lnRef>
+          <a:fillRef idx="1">
+            <a:schemeClr val="accent1"/>
+          </a:fillRef>
+          <a:effectRef idx="0">
+            <a:schemeClr val="accent1"/>
+          </a:effectRef>
+          <a:fontRef idx="minor">
+            <a:schemeClr val="lt1"/>
+          </a:fontRef>
+        </p:style>
+        <p:txBody>
+          <a:bodyPr rtlCol="0" anchor="ctr"/>
+          <a:lstStyle/>
+          <a:p>
+            <a:pPr algn="ctr"/>
+            <a:endParaRPr lang="en-CA"/>
+          </a:p>
+        </p:txBody>
+      </p:sp>
+      <p:sp>
+        <p:nvSpPr>
+          <p:cNvPr id="41" name="TextBox 40">
+            <a:extLst>
+              <a:ext uri="{FF2B5EF4-FFF2-40B4-BE49-F238E27FC236}">
+                <a16:creationId xmlns:a16="http://schemas.microsoft.com/office/drawing/2014/main" id="{2F019527-09E5-4BCB-9C39-2317B0643FAB}"/>
+              </a:ext>
+            </a:extLst>
+          </p:cNvPr>
+          <p:cNvSpPr txBox="1"/>
+          <p:nvPr/>
+        </p:nvSpPr>
+        <p:spPr>
+          <a:xfrm>
+            <a:off x="3645149" y="664042"/>
+            <a:ext cx="811764" cy="646331"/>
+          </a:xfrm>
+          <a:prstGeom prst="rect">
+            <a:avLst/>
+          </a:prstGeom>
+          <a:noFill/>
+        </p:spPr>
+        <p:txBody>
+          <a:bodyPr wrap="square" rtlCol="0">
+            <a:spAutoFit/>
+          </a:bodyPr>
+          <a:lstStyle/>
+          <a:p>
+            <a:r>
+              <a:rPr lang="en-CA" dirty="0"/>
+              <a:t>End Game</a:t>
+            </a:r>
+          </a:p>
+        </p:txBody>
+      </p:sp>
+    </p:spTree>
+    <p:extLst>
+      <p:ext uri="{BB962C8B-B14F-4D97-AF65-F5344CB8AC3E}">
+        <p14:creationId xmlns:p14="http://schemas.microsoft.com/office/powerpoint/2010/main" val="272780870"/>
+      </p:ext>
+    </p:extLst>
+  </p:cSld>
+  <p:clrMapOvr>
+    <a:masterClrMapping/>
+  </p:clrMapOvr>
+</p:sld>
+</file>
+
+<file path=ppt/slides/slide5.xml><?xml version="1.0" encoding="utf-8"?>
 <p:sld xmlns:a="http://schemas.openxmlformats.org/drawingml/2006/main" xmlns:r="http://schemas.openxmlformats.org/officeDocument/2006/relationships" xmlns:p="http://schemas.openxmlformats.org/presentationml/2006/main">
   <p:cSld>
     <p:spTree>
@@ -14047,86 +15664,6 @@
 </p:sld>
 </file>
 
-<file path=ppt/slides/slide5.xml><?xml version="1.0" encoding="utf-8"?>
-<p:sld xmlns:a="http://schemas.openxmlformats.org/drawingml/2006/main" xmlns:r="http://schemas.openxmlformats.org/officeDocument/2006/relationships" xmlns:p="http://schemas.openxmlformats.org/presentationml/2006/main">
-  <p:cSld>
-    <p:spTree>
-      <p:nvGrpSpPr>
-        <p:cNvPr id="1" name=""/>
-        <p:cNvGrpSpPr/>
-        <p:nvPr/>
-      </p:nvGrpSpPr>
-      <p:grpSpPr>
-        <a:xfrm>
-          <a:off x="0" y="0"/>
-          <a:ext cx="0" cy="0"/>
-          <a:chOff x="0" y="0"/>
-          <a:chExt cx="0" cy="0"/>
-        </a:xfrm>
-      </p:grpSpPr>
-      <p:sp>
-        <p:nvSpPr>
-          <p:cNvPr id="2" name="Title 1">
-            <a:extLst>
-              <a:ext uri="{FF2B5EF4-FFF2-40B4-BE49-F238E27FC236}">
-                <a16:creationId xmlns:a16="http://schemas.microsoft.com/office/drawing/2014/main" id="{AFAFA3D1-F147-476E-962D-0952CFB40F2A}"/>
-              </a:ext>
-            </a:extLst>
-          </p:cNvPr>
-          <p:cNvSpPr>
-            <a:spLocks noGrp="1"/>
-          </p:cNvSpPr>
-          <p:nvPr>
-            <p:ph type="title"/>
-          </p:nvPr>
-        </p:nvSpPr>
-        <p:spPr/>
-        <p:txBody>
-          <a:bodyPr/>
-          <a:lstStyle/>
-          <a:p>
-            <a:endParaRPr lang="en-CA"/>
-          </a:p>
-        </p:txBody>
-      </p:sp>
-      <p:sp>
-        <p:nvSpPr>
-          <p:cNvPr id="3" name="Content Placeholder 2">
-            <a:extLst>
-              <a:ext uri="{FF2B5EF4-FFF2-40B4-BE49-F238E27FC236}">
-                <a16:creationId xmlns:a16="http://schemas.microsoft.com/office/drawing/2014/main" id="{B8C83D26-664C-4F7B-B3CB-720E79374F1C}"/>
-              </a:ext>
-            </a:extLst>
-          </p:cNvPr>
-          <p:cNvSpPr>
-            <a:spLocks noGrp="1"/>
-          </p:cNvSpPr>
-          <p:nvPr>
-            <p:ph idx="1"/>
-          </p:nvPr>
-        </p:nvSpPr>
-        <p:spPr/>
-        <p:txBody>
-          <a:bodyPr/>
-          <a:lstStyle/>
-          <a:p>
-            <a:endParaRPr lang="en-CA"/>
-          </a:p>
-        </p:txBody>
-      </p:sp>
-    </p:spTree>
-    <p:extLst>
-      <p:ext uri="{BB962C8B-B14F-4D97-AF65-F5344CB8AC3E}">
-        <p14:creationId xmlns:p14="http://schemas.microsoft.com/office/powerpoint/2010/main" val="2348697754"/>
-      </p:ext>
-    </p:extLst>
-  </p:cSld>
-  <p:clrMapOvr>
-    <a:masterClrMapping/>
-  </p:clrMapOvr>
-</p:sld>
-</file>
-
 <file path=ppt/slides/slide6.xml><?xml version="1.0" encoding="utf-8"?>
 <p:sld xmlns:a="http://schemas.openxmlformats.org/drawingml/2006/main" xmlns:r="http://schemas.openxmlformats.org/officeDocument/2006/relationships" xmlns:p="http://schemas.openxmlformats.org/presentationml/2006/main">
   <p:cSld>
@@ -14146,6 +15683,86 @@
       </p:grpSpPr>
       <p:sp>
         <p:nvSpPr>
+          <p:cNvPr id="2" name="Title 1">
+            <a:extLst>
+              <a:ext uri="{FF2B5EF4-FFF2-40B4-BE49-F238E27FC236}">
+                <a16:creationId xmlns:a16="http://schemas.microsoft.com/office/drawing/2014/main" id="{AFAFA3D1-F147-476E-962D-0952CFB40F2A}"/>
+              </a:ext>
+            </a:extLst>
+          </p:cNvPr>
+          <p:cNvSpPr>
+            <a:spLocks noGrp="1"/>
+          </p:cNvSpPr>
+          <p:nvPr>
+            <p:ph type="title"/>
+          </p:nvPr>
+        </p:nvSpPr>
+        <p:spPr/>
+        <p:txBody>
+          <a:bodyPr/>
+          <a:lstStyle/>
+          <a:p>
+            <a:endParaRPr lang="en-CA"/>
+          </a:p>
+        </p:txBody>
+      </p:sp>
+      <p:sp>
+        <p:nvSpPr>
+          <p:cNvPr id="3" name="Content Placeholder 2">
+            <a:extLst>
+              <a:ext uri="{FF2B5EF4-FFF2-40B4-BE49-F238E27FC236}">
+                <a16:creationId xmlns:a16="http://schemas.microsoft.com/office/drawing/2014/main" id="{B8C83D26-664C-4F7B-B3CB-720E79374F1C}"/>
+              </a:ext>
+            </a:extLst>
+          </p:cNvPr>
+          <p:cNvSpPr>
+            <a:spLocks noGrp="1"/>
+          </p:cNvSpPr>
+          <p:nvPr>
+            <p:ph idx="1"/>
+          </p:nvPr>
+        </p:nvSpPr>
+        <p:spPr/>
+        <p:txBody>
+          <a:bodyPr/>
+          <a:lstStyle/>
+          <a:p>
+            <a:endParaRPr lang="en-CA"/>
+          </a:p>
+        </p:txBody>
+      </p:sp>
+    </p:spTree>
+    <p:extLst>
+      <p:ext uri="{BB962C8B-B14F-4D97-AF65-F5344CB8AC3E}">
+        <p14:creationId xmlns:p14="http://schemas.microsoft.com/office/powerpoint/2010/main" val="2348697754"/>
+      </p:ext>
+    </p:extLst>
+  </p:cSld>
+  <p:clrMapOvr>
+    <a:masterClrMapping/>
+  </p:clrMapOvr>
+</p:sld>
+</file>
+
+<file path=ppt/slides/slide7.xml><?xml version="1.0" encoding="utf-8"?>
+<p:sld xmlns:a="http://schemas.openxmlformats.org/drawingml/2006/main" xmlns:r="http://schemas.openxmlformats.org/officeDocument/2006/relationships" xmlns:p="http://schemas.openxmlformats.org/presentationml/2006/main">
+  <p:cSld>
+    <p:spTree>
+      <p:nvGrpSpPr>
+        <p:cNvPr id="1" name=""/>
+        <p:cNvGrpSpPr/>
+        <p:nvPr/>
+      </p:nvGrpSpPr>
+      <p:grpSpPr>
+        <a:xfrm>
+          <a:off x="0" y="0"/>
+          <a:ext cx="0" cy="0"/>
+          <a:chOff x="0" y="0"/>
+          <a:chExt cx="0" cy="0"/>
+        </a:xfrm>
+      </p:grpSpPr>
+      <p:sp>
+        <p:nvSpPr>
           <p:cNvPr id="4" name="Rectangle 3">
             <a:extLst>
               <a:ext uri="{FF2B5EF4-FFF2-40B4-BE49-F238E27FC236}">
@@ -14587,7 +16204,7 @@
 </p:sld>
 </file>
 
-<file path=ppt/slides/slide7.xml><?xml version="1.0" encoding="utf-8"?>
+<file path=ppt/slides/slide8.xml><?xml version="1.0" encoding="utf-8"?>
 <p:sld xmlns:a="http://schemas.openxmlformats.org/drawingml/2006/main" xmlns:r="http://schemas.openxmlformats.org/officeDocument/2006/relationships" xmlns:p="http://schemas.openxmlformats.org/presentationml/2006/main">
   <p:cSld>
     <p:spTree>
@@ -14841,7 +16458,7 @@
 </p:sld>
 </file>
 
-<file path=ppt/slides/slide8.xml><?xml version="1.0" encoding="utf-8"?>
+<file path=ppt/slides/slide9.xml><?xml version="1.0" encoding="utf-8"?>
 <p:sld xmlns:a="http://schemas.openxmlformats.org/drawingml/2006/main" xmlns:r="http://schemas.openxmlformats.org/officeDocument/2006/relationships" xmlns:p="http://schemas.openxmlformats.org/presentationml/2006/main">
   <p:cSld>
     <p:spTree>
@@ -14907,82 +16524,6 @@
     <p:extLst>
       <p:ext uri="{BB962C8B-B14F-4D97-AF65-F5344CB8AC3E}">
         <p14:creationId xmlns:p14="http://schemas.microsoft.com/office/powerpoint/2010/main" val="1181898287"/>
-      </p:ext>
-    </p:extLst>
-  </p:cSld>
-  <p:clrMapOvr>
-    <a:masterClrMapping/>
-  </p:clrMapOvr>
-</p:sld>
-</file>
-
-<file path=ppt/slides/slide9.xml><?xml version="1.0" encoding="utf-8"?>
-<p:sld xmlns:a="http://schemas.openxmlformats.org/drawingml/2006/main" xmlns:r="http://schemas.openxmlformats.org/officeDocument/2006/relationships" xmlns:p="http://schemas.openxmlformats.org/presentationml/2006/main">
-  <p:cSld>
-    <p:spTree>
-      <p:nvGrpSpPr>
-        <p:cNvPr id="1" name=""/>
-        <p:cNvGrpSpPr/>
-        <p:nvPr/>
-      </p:nvGrpSpPr>
-      <p:grpSpPr>
-        <a:xfrm>
-          <a:off x="0" y="0"/>
-          <a:ext cx="0" cy="0"/>
-          <a:chOff x="0" y="0"/>
-          <a:chExt cx="0" cy="0"/>
-        </a:xfrm>
-      </p:grpSpPr>
-      <p:pic>
-        <p:nvPicPr>
-          <p:cNvPr id="11" name="Picture 10" descr="A picture containing drawing&#10;&#10;Description automatically generated">
-            <a:extLst>
-              <a:ext uri="{FF2B5EF4-FFF2-40B4-BE49-F238E27FC236}">
-                <a16:creationId xmlns:a16="http://schemas.microsoft.com/office/drawing/2014/main" id="{5D0731AB-AA8B-4D56-9ED3-FFB83C138181}"/>
-              </a:ext>
-            </a:extLst>
-          </p:cNvPr>
-          <p:cNvPicPr>
-            <a:picLocks noChangeAspect="1"/>
-          </p:cNvPicPr>
-          <p:nvPr/>
-        </p:nvPicPr>
-        <p:blipFill>
-          <a:blip r:embed="rId2">
-            <a:clrChange>
-              <a:clrFrom>
-                <a:srgbClr val="FFFFFF"/>
-              </a:clrFrom>
-              <a:clrTo>
-                <a:srgbClr val="FFFFFF">
-                  <a:alpha val="0"/>
-                </a:srgbClr>
-              </a:clrTo>
-            </a:clrChange>
-            <a:extLst>
-              <a:ext uri="{28A0092B-C50C-407E-A947-70E740481C1C}">
-                <a14:useLocalDpi xmlns:a14="http://schemas.microsoft.com/office/drawing/2010/main" val="0"/>
-              </a:ext>
-            </a:extLst>
-          </a:blip>
-          <a:stretch>
-            <a:fillRect/>
-          </a:stretch>
-        </p:blipFill>
-        <p:spPr>
-          <a:xfrm flipH="1">
-            <a:off x="1460839" y="487566"/>
-            <a:ext cx="8067160" cy="5216766"/>
-          </a:xfrm>
-          <a:prstGeom prst="rect">
-            <a:avLst/>
-          </a:prstGeom>
-        </p:spPr>
-      </p:pic>
-    </p:spTree>
-    <p:extLst>
-      <p:ext uri="{BB962C8B-B14F-4D97-AF65-F5344CB8AC3E}">
-        <p14:creationId xmlns:p14="http://schemas.microsoft.com/office/powerpoint/2010/main" val="2645935605"/>
       </p:ext>
     </p:extLst>
   </p:cSld>
